--- a/Presentations/Python - Numpy and Pandas.pptx
+++ b/Presentations/Python - Numpy and Pandas.pptx
@@ -3449,10 +3449,6 @@
               <a:rPr lang="en-US" dirty="0" smtClean="0"/>
               <a:t>/Pandas Libraries</a:t>
             </a:r>
-            <a:r>
-              <a:rPr lang="en-US" dirty="0" smtClean="0"/>
-              <a:t/>
-            </a:r>
             <a:br>
               <a:rPr lang="en-US" dirty="0" smtClean="0"/>
             </a:br>
@@ -3496,30 +3492,30 @@
                   </a:schemeClr>
                 </a:solidFill>
               </a:rPr>
-              <a:t>Portland </a:t>
-            </a:r>
-            <a:r>
-              <a:rPr lang="en-US" sz="2400" dirty="0" smtClean="0">
+              <a:t>Portland Data Science </a:t>
+            </a:r>
+            <a:r>
+              <a:rPr lang="en-US" sz="2400" dirty="0">
                 <a:solidFill>
                   <a:schemeClr val="accent1">
                     <a:lumMod val="75000"/>
                   </a:schemeClr>
                 </a:solidFill>
               </a:rPr>
-              <a:t>Data Science </a:t>
-            </a:r>
-            <a:r>
-              <a:rPr lang="en-US" sz="2400" dirty="0">
+              <a:t>Group</a:t>
+            </a:r>
+            <a:r>
+              <a:rPr lang="en-US" sz="2400">
                 <a:solidFill>
                   <a:schemeClr val="accent1">
                     <a:lumMod val="75000"/>
                   </a:schemeClr>
                 </a:solidFill>
               </a:rPr>
-              <a:t>Group</a:t>
+              <a:t/>
             </a:r>
             <a:br>
-              <a:rPr lang="en-US" sz="2400" dirty="0">
+              <a:rPr lang="en-US" sz="2400">
                 <a:solidFill>
                   <a:schemeClr val="accent1">
                     <a:lumMod val="75000"/>
@@ -3528,14 +3524,14 @@
               </a:rPr>
             </a:br>
             <a:r>
-              <a:rPr lang="en-US" sz="2400" dirty="0">
+              <a:rPr lang="en-US" sz="2400" smtClean="0">
                 <a:solidFill>
                   <a:schemeClr val="accent1">
                     <a:lumMod val="75000"/>
                   </a:schemeClr>
                 </a:solidFill>
               </a:rPr>
-              <a:t>Andrew </a:t>
+              <a:t>Created by Andrew </a:t>
             </a:r>
             <a:r>
               <a:rPr lang="en-US" sz="2400" dirty="0" err="1" smtClean="0">
@@ -9182,17 +9178,7 @@
                   </a:schemeClr>
                 </a:solidFill>
               </a:rPr>
-              <a:t>data type, </a:t>
-            </a:r>
-            <a:r>
-              <a:rPr lang="en-US" sz="2400" b="1" dirty="0" smtClean="0">
-                <a:solidFill>
-                  <a:schemeClr val="accent5">
-                    <a:lumMod val="75000"/>
-                  </a:schemeClr>
-                </a:solidFill>
-              </a:rPr>
-              <a:t>and mix of data types.</a:t>
+              <a:t>data type, and mix of data types.</a:t>
             </a:r>
           </a:p>
         </p:txBody>

--- a/Presentations/Python - Numpy and Pandas.pptx
+++ b/Presentations/Python - Numpy and Pandas.pptx
@@ -5,7 +5,7 @@
     <p:sldMasterId id="2147483648" r:id="rId1"/>
   </p:sldMasterIdLst>
   <p:notesMasterIdLst>
-    <p:notesMasterId r:id="rId11"/>
+    <p:notesMasterId r:id="rId16"/>
   </p:notesMasterIdLst>
   <p:sldIdLst>
     <p:sldId id="256" r:id="rId2"/>
@@ -17,6 +17,11 @@
     <p:sldId id="286" r:id="rId8"/>
     <p:sldId id="287" r:id="rId9"/>
     <p:sldId id="288" r:id="rId10"/>
+    <p:sldId id="289" r:id="rId11"/>
+    <p:sldId id="290" r:id="rId12"/>
+    <p:sldId id="291" r:id="rId13"/>
+    <p:sldId id="292" r:id="rId14"/>
+    <p:sldId id="293" r:id="rId15"/>
   </p:sldIdLst>
   <p:sldSz cx="9144000" cy="6858000" type="screen4x3"/>
   <p:notesSz cx="6858000" cy="9144000"/>
@@ -200,7 +205,7 @@
           <a:p>
             <a:fld id="{FAF957FC-5175-49AC-8D2B-2F056FFFC1DD}" type="datetimeFigureOut">
               <a:rPr lang="en-US" smtClean="0"/>
-              <a:t>7/4/2017</a:t>
+              <a:t>7/5/2017</a:t>
             </a:fld>
             <a:endParaRPr lang="en-US"/>
           </a:p>
@@ -650,7 +655,7 @@
             <a:fld id="{1D8BD707-D9CF-40AE-B4C6-C98DA3205C09}" type="datetimeFigureOut">
               <a:rPr lang="en-US" smtClean="0"/>
               <a:pPr/>
-              <a:t>7/4/2017</a:t>
+              <a:t>7/5/2017</a:t>
             </a:fld>
             <a:endParaRPr lang="en-US"/>
           </a:p>
@@ -817,7 +822,7 @@
             <a:fld id="{1D8BD707-D9CF-40AE-B4C6-C98DA3205C09}" type="datetimeFigureOut">
               <a:rPr lang="en-US" smtClean="0"/>
               <a:pPr/>
-              <a:t>7/4/2017</a:t>
+              <a:t>7/5/2017</a:t>
             </a:fld>
             <a:endParaRPr lang="en-US"/>
           </a:p>
@@ -994,7 +999,7 @@
             <a:fld id="{1D8BD707-D9CF-40AE-B4C6-C98DA3205C09}" type="datetimeFigureOut">
               <a:rPr lang="en-US" smtClean="0"/>
               <a:pPr/>
-              <a:t>7/4/2017</a:t>
+              <a:t>7/5/2017</a:t>
             </a:fld>
             <a:endParaRPr lang="en-US"/>
           </a:p>
@@ -1161,7 +1166,7 @@
             <a:fld id="{1D8BD707-D9CF-40AE-B4C6-C98DA3205C09}" type="datetimeFigureOut">
               <a:rPr lang="en-US" smtClean="0"/>
               <a:pPr/>
-              <a:t>7/4/2017</a:t>
+              <a:t>7/5/2017</a:t>
             </a:fld>
             <a:endParaRPr lang="en-US"/>
           </a:p>
@@ -1404,7 +1409,7 @@
             <a:fld id="{1D8BD707-D9CF-40AE-B4C6-C98DA3205C09}" type="datetimeFigureOut">
               <a:rPr lang="en-US" smtClean="0"/>
               <a:pPr/>
-              <a:t>7/4/2017</a:t>
+              <a:t>7/5/2017</a:t>
             </a:fld>
             <a:endParaRPr lang="en-US"/>
           </a:p>
@@ -1689,7 +1694,7 @@
             <a:fld id="{1D8BD707-D9CF-40AE-B4C6-C98DA3205C09}" type="datetimeFigureOut">
               <a:rPr lang="en-US" smtClean="0"/>
               <a:pPr/>
-              <a:t>7/4/2017</a:t>
+              <a:t>7/5/2017</a:t>
             </a:fld>
             <a:endParaRPr lang="en-US"/>
           </a:p>
@@ -2108,7 +2113,7 @@
             <a:fld id="{1D8BD707-D9CF-40AE-B4C6-C98DA3205C09}" type="datetimeFigureOut">
               <a:rPr lang="en-US" smtClean="0"/>
               <a:pPr/>
-              <a:t>7/4/2017</a:t>
+              <a:t>7/5/2017</a:t>
             </a:fld>
             <a:endParaRPr lang="en-US"/>
           </a:p>
@@ -2223,7 +2228,7 @@
             <a:fld id="{1D8BD707-D9CF-40AE-B4C6-C98DA3205C09}" type="datetimeFigureOut">
               <a:rPr lang="en-US" smtClean="0"/>
               <a:pPr/>
-              <a:t>7/4/2017</a:t>
+              <a:t>7/5/2017</a:t>
             </a:fld>
             <a:endParaRPr lang="en-US"/>
           </a:p>
@@ -2315,7 +2320,7 @@
             <a:fld id="{1D8BD707-D9CF-40AE-B4C6-C98DA3205C09}" type="datetimeFigureOut">
               <a:rPr lang="en-US" smtClean="0"/>
               <a:pPr/>
-              <a:t>7/4/2017</a:t>
+              <a:t>7/5/2017</a:t>
             </a:fld>
             <a:endParaRPr lang="en-US"/>
           </a:p>
@@ -2589,7 +2594,7 @@
             <a:fld id="{1D8BD707-D9CF-40AE-B4C6-C98DA3205C09}" type="datetimeFigureOut">
               <a:rPr lang="en-US" smtClean="0"/>
               <a:pPr/>
-              <a:t>7/4/2017</a:t>
+              <a:t>7/5/2017</a:t>
             </a:fld>
             <a:endParaRPr lang="en-US"/>
           </a:p>
@@ -2839,7 +2844,7 @@
             <a:fld id="{1D8BD707-D9CF-40AE-B4C6-C98DA3205C09}" type="datetimeFigureOut">
               <a:rPr lang="en-US" smtClean="0"/>
               <a:pPr/>
-              <a:t>7/4/2017</a:t>
+              <a:t>7/5/2017</a:t>
             </a:fld>
             <a:endParaRPr lang="en-US"/>
           </a:p>
@@ -3049,7 +3054,7 @@
             <a:fld id="{1D8BD707-D9CF-40AE-B4C6-C98DA3205C09}" type="datetimeFigureOut">
               <a:rPr lang="en-US" smtClean="0"/>
               <a:pPr/>
-              <a:t>7/4/2017</a:t>
+              <a:t>7/5/2017</a:t>
             </a:fld>
             <a:endParaRPr lang="en-US"/>
           </a:p>
@@ -3723,6 +3728,4222 @@
     <p:extLst>
       <p:ext uri="{BB962C8B-B14F-4D97-AF65-F5344CB8AC3E}">
         <p14:creationId xmlns:p14="http://schemas.microsoft.com/office/powerpoint/2010/main" val="2654196744"/>
+      </p:ext>
+    </p:extLst>
+  </p:cSld>
+  <p:clrMapOvr>
+    <a:masterClrMapping/>
+  </p:clrMapOvr>
+  <p:timing>
+    <p:tnLst>
+      <p:par>
+        <p:cTn id="1" dur="indefinite" restart="never" nodeType="tmRoot"/>
+      </p:par>
+    </p:tnLst>
+  </p:timing>
+</p:sld>
+</file>
+
+<file path=ppt/slides/slide10.xml><?xml version="1.0" encoding="utf-8"?>
+<p:sld xmlns:a="http://schemas.openxmlformats.org/drawingml/2006/main" xmlns:r="http://schemas.openxmlformats.org/officeDocument/2006/relationships" xmlns:p="http://schemas.openxmlformats.org/presentationml/2006/main">
+  <p:cSld>
+    <p:spTree>
+      <p:nvGrpSpPr>
+        <p:cNvPr id="1" name=""/>
+        <p:cNvGrpSpPr/>
+        <p:nvPr/>
+      </p:nvGrpSpPr>
+      <p:grpSpPr>
+        <a:xfrm>
+          <a:off x="0" y="0"/>
+          <a:ext cx="0" cy="0"/>
+          <a:chOff x="0" y="0"/>
+          <a:chExt cx="0" cy="0"/>
+        </a:xfrm>
+      </p:grpSpPr>
+      <p:sp>
+        <p:nvSpPr>
+          <p:cNvPr id="2" name="Title 1"/>
+          <p:cNvSpPr>
+            <a:spLocks noGrp="1"/>
+          </p:cNvSpPr>
+          <p:nvPr>
+            <p:ph type="title"/>
+          </p:nvPr>
+        </p:nvSpPr>
+        <p:spPr>
+          <a:xfrm>
+            <a:off x="457200" y="274638"/>
+            <a:ext cx="8305800" cy="792162"/>
+          </a:xfrm>
+        </p:spPr>
+        <p:txBody>
+          <a:bodyPr>
+            <a:normAutofit/>
+          </a:bodyPr>
+          <a:lstStyle/>
+          <a:p>
+            <a:pPr algn="l"/>
+            <a:r>
+              <a:rPr lang="en-US" dirty="0" smtClean="0">
+                <a:solidFill>
+                  <a:schemeClr val="accent1">
+                    <a:lumMod val="75000"/>
+                  </a:schemeClr>
+                </a:solidFill>
+              </a:rPr>
+              <a:t>Libraries - </a:t>
+            </a:r>
+            <a:r>
+              <a:rPr lang="en-US" dirty="0" err="1" smtClean="0">
+                <a:solidFill>
+                  <a:schemeClr val="accent1">
+                    <a:lumMod val="75000"/>
+                  </a:schemeClr>
+                </a:solidFill>
+              </a:rPr>
+              <a:t>Matplotlib</a:t>
+            </a:r>
+            <a:endParaRPr lang="en-US" dirty="0">
+              <a:solidFill>
+                <a:schemeClr val="accent1">
+                  <a:lumMod val="75000"/>
+                </a:schemeClr>
+              </a:solidFill>
+            </a:endParaRPr>
+          </a:p>
+        </p:txBody>
+      </p:sp>
+      <p:cxnSp>
+        <p:nvCxnSpPr>
+          <p:cNvPr id="5" name="Straight Connector 4"/>
+          <p:cNvCxnSpPr/>
+          <p:nvPr/>
+        </p:nvCxnSpPr>
+        <p:spPr>
+          <a:xfrm>
+            <a:off x="0" y="990600"/>
+            <a:ext cx="9144000" cy="0"/>
+          </a:xfrm>
+          <a:prstGeom prst="line">
+            <a:avLst/>
+          </a:prstGeom>
+          <a:ln w="19050"/>
+        </p:spPr>
+        <p:style>
+          <a:lnRef idx="1">
+            <a:schemeClr val="accent1"/>
+          </a:lnRef>
+          <a:fillRef idx="0">
+            <a:schemeClr val="accent1"/>
+          </a:fillRef>
+          <a:effectRef idx="0">
+            <a:schemeClr val="accent1"/>
+          </a:effectRef>
+          <a:fontRef idx="minor">
+            <a:schemeClr val="tx1"/>
+          </a:fontRef>
+        </p:style>
+      </p:cxnSp>
+      <p:sp>
+        <p:nvSpPr>
+          <p:cNvPr id="36" name="TextBox 35"/>
+          <p:cNvSpPr txBox="1"/>
+          <p:nvPr/>
+        </p:nvSpPr>
+        <p:spPr>
+          <a:xfrm>
+            <a:off x="152400" y="1164134"/>
+            <a:ext cx="8004307" cy="461665"/>
+          </a:xfrm>
+          <a:prstGeom prst="rect">
+            <a:avLst/>
+          </a:prstGeom>
+          <a:noFill/>
+        </p:spPr>
+        <p:txBody>
+          <a:bodyPr wrap="none" rtlCol="0">
+            <a:spAutoFit/>
+          </a:bodyPr>
+          <a:lstStyle/>
+          <a:p>
+            <a:pPr marL="285750" indent="-285750">
+              <a:buFont typeface="Arial" panose="020B0604020202020204" pitchFamily="34" charset="0"/>
+              <a:buChar char="•"/>
+            </a:pPr>
+            <a:r>
+              <a:rPr lang="en-US" sz="2400" b="1" dirty="0" smtClean="0">
+                <a:solidFill>
+                  <a:schemeClr val="accent5">
+                    <a:lumMod val="75000"/>
+                  </a:schemeClr>
+                </a:solidFill>
+              </a:rPr>
+              <a:t>A popular library for </a:t>
+            </a:r>
+            <a:r>
+              <a:rPr lang="en-US" sz="2400" b="1" dirty="0" smtClean="0">
+                <a:solidFill>
+                  <a:schemeClr val="accent5">
+                    <a:lumMod val="75000"/>
+                  </a:schemeClr>
+                </a:solidFill>
+              </a:rPr>
+              <a:t>plotting and visualizing data in Python</a:t>
+            </a:r>
+            <a:endParaRPr lang="en-US" sz="2400" b="1" dirty="0" smtClean="0">
+              <a:solidFill>
+                <a:schemeClr val="accent5">
+                  <a:lumMod val="75000"/>
+                </a:schemeClr>
+              </a:solidFill>
+            </a:endParaRPr>
+          </a:p>
+        </p:txBody>
+      </p:sp>
+      <p:sp>
+        <p:nvSpPr>
+          <p:cNvPr id="7" name="TextBox 6"/>
+          <p:cNvSpPr txBox="1"/>
+          <p:nvPr/>
+        </p:nvSpPr>
+        <p:spPr>
+          <a:xfrm>
+            <a:off x="3048000" y="3001024"/>
+            <a:ext cx="3060390" cy="369332"/>
+          </a:xfrm>
+          <a:prstGeom prst="rect">
+            <a:avLst/>
+          </a:prstGeom>
+          <a:noFill/>
+        </p:spPr>
+        <p:txBody>
+          <a:bodyPr wrap="none" rtlCol="0">
+            <a:spAutoFit/>
+          </a:bodyPr>
+          <a:lstStyle/>
+          <a:p>
+            <a:r>
+              <a:rPr lang="en-US" dirty="0" smtClean="0">
+                <a:solidFill>
+                  <a:srgbClr val="0070C0"/>
+                </a:solidFill>
+              </a:rPr>
+              <a:t>import</a:t>
+            </a:r>
+            <a:r>
+              <a:rPr lang="en-US" dirty="0" smtClean="0"/>
+              <a:t> </a:t>
+            </a:r>
+            <a:r>
+              <a:rPr lang="en-US" dirty="0" err="1" smtClean="0"/>
+              <a:t>matplotlib.pyplot</a:t>
+            </a:r>
+            <a:r>
+              <a:rPr lang="en-US" dirty="0" smtClean="0"/>
+              <a:t> </a:t>
+            </a:r>
+            <a:r>
+              <a:rPr lang="en-US" dirty="0" smtClean="0">
+                <a:solidFill>
+                  <a:srgbClr val="0070C0"/>
+                </a:solidFill>
+              </a:rPr>
+              <a:t>as</a:t>
+            </a:r>
+            <a:r>
+              <a:rPr lang="en-US" dirty="0" smtClean="0"/>
+              <a:t> </a:t>
+            </a:r>
+            <a:r>
+              <a:rPr lang="en-US" dirty="0" err="1" smtClean="0"/>
+              <a:t>plt</a:t>
+            </a:r>
+            <a:endParaRPr lang="en-US" dirty="0"/>
+          </a:p>
+        </p:txBody>
+      </p:sp>
+      <p:sp>
+        <p:nvSpPr>
+          <p:cNvPr id="8" name="TextBox 7"/>
+          <p:cNvSpPr txBox="1"/>
+          <p:nvPr/>
+        </p:nvSpPr>
+        <p:spPr>
+          <a:xfrm>
+            <a:off x="2099310" y="2329129"/>
+            <a:ext cx="1897379" cy="276999"/>
+          </a:xfrm>
+          <a:prstGeom prst="rect">
+            <a:avLst/>
+          </a:prstGeom>
+          <a:noFill/>
+        </p:spPr>
+        <p:txBody>
+          <a:bodyPr wrap="none" rtlCol="0">
+            <a:spAutoFit/>
+          </a:bodyPr>
+          <a:lstStyle/>
+          <a:p>
+            <a:r>
+              <a:rPr lang="en-US" sz="1200" dirty="0" smtClean="0">
+                <a:solidFill>
+                  <a:srgbClr val="00B050"/>
+                </a:solidFill>
+              </a:rPr>
+              <a:t>Keyword to import a library</a:t>
+            </a:r>
+            <a:endParaRPr lang="en-US" sz="1200" dirty="0">
+              <a:solidFill>
+                <a:srgbClr val="00B050"/>
+              </a:solidFill>
+            </a:endParaRPr>
+          </a:p>
+        </p:txBody>
+      </p:sp>
+      <p:cxnSp>
+        <p:nvCxnSpPr>
+          <p:cNvPr id="10" name="Curved Connector 9"/>
+          <p:cNvCxnSpPr/>
+          <p:nvPr/>
+        </p:nvCxnSpPr>
+        <p:spPr>
+          <a:xfrm rot="16200000" flipH="1">
+            <a:off x="3170739" y="2637338"/>
+            <a:ext cx="440323" cy="381000"/>
+          </a:xfrm>
+          <a:prstGeom prst="curvedConnector3">
+            <a:avLst/>
+          </a:prstGeom>
+          <a:ln>
+            <a:solidFill>
+              <a:srgbClr val="00B050"/>
+            </a:solidFill>
+            <a:tailEnd type="arrow"/>
+          </a:ln>
+        </p:spPr>
+        <p:style>
+          <a:lnRef idx="1">
+            <a:schemeClr val="accent1"/>
+          </a:lnRef>
+          <a:fillRef idx="0">
+            <a:schemeClr val="accent1"/>
+          </a:fillRef>
+          <a:effectRef idx="0">
+            <a:schemeClr val="accent1"/>
+          </a:effectRef>
+          <a:fontRef idx="minor">
+            <a:schemeClr val="tx1"/>
+          </a:fontRef>
+        </p:style>
+      </p:cxnSp>
+      <p:sp>
+        <p:nvSpPr>
+          <p:cNvPr id="13" name="TextBox 12"/>
+          <p:cNvSpPr txBox="1"/>
+          <p:nvPr/>
+        </p:nvSpPr>
+        <p:spPr>
+          <a:xfrm>
+            <a:off x="4543245" y="2326955"/>
+            <a:ext cx="3591624" cy="276999"/>
+          </a:xfrm>
+          <a:prstGeom prst="rect">
+            <a:avLst/>
+          </a:prstGeom>
+          <a:noFill/>
+        </p:spPr>
+        <p:txBody>
+          <a:bodyPr wrap="none" rtlCol="0">
+            <a:spAutoFit/>
+          </a:bodyPr>
+          <a:lstStyle/>
+          <a:p>
+            <a:r>
+              <a:rPr lang="en-US" sz="1200" dirty="0" smtClean="0">
+                <a:solidFill>
+                  <a:srgbClr val="00B050"/>
+                </a:solidFill>
+              </a:rPr>
+              <a:t>Keyword to refer to library by an alias (shortcut) name </a:t>
+            </a:r>
+            <a:endParaRPr lang="en-US" sz="1200" dirty="0">
+              <a:solidFill>
+                <a:srgbClr val="00B050"/>
+              </a:solidFill>
+            </a:endParaRPr>
+          </a:p>
+        </p:txBody>
+      </p:sp>
+      <p:cxnSp>
+        <p:nvCxnSpPr>
+          <p:cNvPr id="14" name="Curved Connector 13"/>
+          <p:cNvCxnSpPr/>
+          <p:nvPr/>
+        </p:nvCxnSpPr>
+        <p:spPr>
+          <a:xfrm rot="5400000">
+            <a:off x="4502379" y="2673579"/>
+            <a:ext cx="520247" cy="380996"/>
+          </a:xfrm>
+          <a:prstGeom prst="curvedConnector3">
+            <a:avLst/>
+          </a:prstGeom>
+          <a:ln>
+            <a:solidFill>
+              <a:srgbClr val="00B050"/>
+            </a:solidFill>
+            <a:tailEnd type="arrow"/>
+          </a:ln>
+        </p:spPr>
+        <p:style>
+          <a:lnRef idx="1">
+            <a:schemeClr val="accent1"/>
+          </a:lnRef>
+          <a:fillRef idx="0">
+            <a:schemeClr val="accent1"/>
+          </a:fillRef>
+          <a:effectRef idx="0">
+            <a:schemeClr val="accent1"/>
+          </a:effectRef>
+          <a:fontRef idx="minor">
+            <a:schemeClr val="tx1"/>
+          </a:fontRef>
+        </p:style>
+      </p:cxnSp>
+      <p:sp>
+        <p:nvSpPr>
+          <p:cNvPr id="17" name="TextBox 16"/>
+          <p:cNvSpPr txBox="1"/>
+          <p:nvPr/>
+        </p:nvSpPr>
+        <p:spPr>
+          <a:xfrm>
+            <a:off x="111517" y="5638800"/>
+            <a:ext cx="9301970" cy="646331"/>
+          </a:xfrm>
+          <a:prstGeom prst="rect">
+            <a:avLst/>
+          </a:prstGeom>
+          <a:noFill/>
+        </p:spPr>
+        <p:txBody>
+          <a:bodyPr wrap="none" rtlCol="0">
+            <a:spAutoFit/>
+          </a:bodyPr>
+          <a:lstStyle/>
+          <a:p>
+            <a:r>
+              <a:rPr lang="en-US" b="1" dirty="0" smtClean="0">
+                <a:solidFill>
+                  <a:schemeClr val="accent5">
+                    <a:lumMod val="75000"/>
+                  </a:schemeClr>
+                </a:solidFill>
+              </a:rPr>
+              <a:t>matplotlib.org: </a:t>
+            </a:r>
+            <a:r>
+              <a:rPr lang="en-US" b="1" dirty="0" err="1">
+                <a:solidFill>
+                  <a:schemeClr val="accent5">
+                    <a:lumMod val="75000"/>
+                  </a:schemeClr>
+                </a:solidFill>
+              </a:rPr>
+              <a:t>Matplotlib</a:t>
+            </a:r>
+            <a:r>
+              <a:rPr lang="en-US" b="1" dirty="0">
+                <a:solidFill>
+                  <a:schemeClr val="accent5">
+                    <a:lumMod val="75000"/>
+                  </a:schemeClr>
+                </a:solidFill>
+              </a:rPr>
+              <a:t> is a Python 2D plotting library which produces publication </a:t>
+            </a:r>
+            <a:r>
+              <a:rPr lang="en-US" b="1" dirty="0" smtClean="0">
+                <a:solidFill>
+                  <a:schemeClr val="accent5">
+                    <a:lumMod val="75000"/>
+                  </a:schemeClr>
+                </a:solidFill>
+              </a:rPr>
+              <a:t>quality</a:t>
+            </a:r>
+            <a:br>
+              <a:rPr lang="en-US" b="1" dirty="0" smtClean="0">
+                <a:solidFill>
+                  <a:schemeClr val="accent5">
+                    <a:lumMod val="75000"/>
+                  </a:schemeClr>
+                </a:solidFill>
+              </a:rPr>
+            </a:br>
+            <a:r>
+              <a:rPr lang="en-US" b="1" dirty="0" smtClean="0">
+                <a:solidFill>
+                  <a:schemeClr val="accent5">
+                    <a:lumMod val="75000"/>
+                  </a:schemeClr>
+                </a:solidFill>
+              </a:rPr>
+              <a:t>figures </a:t>
+            </a:r>
+            <a:r>
+              <a:rPr lang="en-US" b="1" dirty="0">
+                <a:solidFill>
+                  <a:schemeClr val="accent5">
+                    <a:lumMod val="75000"/>
+                  </a:schemeClr>
+                </a:solidFill>
+              </a:rPr>
+              <a:t>in a variety of hardcopy formats and interactive environments across platforms. </a:t>
+            </a:r>
+            <a:r>
+              <a:rPr lang="en-US" b="1" dirty="0" smtClean="0">
+                <a:solidFill>
+                  <a:schemeClr val="accent5">
+                    <a:lumMod val="75000"/>
+                  </a:schemeClr>
+                </a:solidFill>
+              </a:rPr>
+              <a:t> </a:t>
+            </a:r>
+            <a:endParaRPr lang="en-US" b="1" dirty="0">
+              <a:solidFill>
+                <a:schemeClr val="accent5">
+                  <a:lumMod val="75000"/>
+                </a:schemeClr>
+              </a:solidFill>
+            </a:endParaRPr>
+          </a:p>
+        </p:txBody>
+      </p:sp>
+      <p:sp>
+        <p:nvSpPr>
+          <p:cNvPr id="11" name="TextBox 10"/>
+          <p:cNvSpPr txBox="1"/>
+          <p:nvPr/>
+        </p:nvSpPr>
+        <p:spPr>
+          <a:xfrm>
+            <a:off x="2662861" y="3623608"/>
+            <a:ext cx="1801712" cy="1938992"/>
+          </a:xfrm>
+          <a:prstGeom prst="rect">
+            <a:avLst/>
+          </a:prstGeom>
+          <a:noFill/>
+        </p:spPr>
+        <p:txBody>
+          <a:bodyPr wrap="none" rtlCol="0">
+            <a:spAutoFit/>
+          </a:bodyPr>
+          <a:lstStyle/>
+          <a:p>
+            <a:r>
+              <a:rPr lang="en-US" sz="2000" b="1" dirty="0" smtClean="0"/>
+              <a:t>Used for:</a:t>
+            </a:r>
+          </a:p>
+          <a:p>
+            <a:pPr marL="285750" indent="-285750">
+              <a:buFont typeface="Arial" panose="020B0604020202020204" pitchFamily="34" charset="0"/>
+              <a:buChar char="•"/>
+            </a:pPr>
+            <a:r>
+              <a:rPr lang="en-US" sz="2000" b="1" dirty="0" smtClean="0"/>
+              <a:t>Plots</a:t>
+            </a:r>
+            <a:endParaRPr lang="en-US" sz="2000" b="1" dirty="0" smtClean="0"/>
+          </a:p>
+          <a:p>
+            <a:pPr marL="285750" indent="-285750">
+              <a:buFont typeface="Arial" panose="020B0604020202020204" pitchFamily="34" charset="0"/>
+              <a:buChar char="•"/>
+            </a:pPr>
+            <a:r>
+              <a:rPr lang="en-US" sz="2000" b="1" dirty="0" smtClean="0"/>
+              <a:t>Histograms</a:t>
+            </a:r>
+            <a:endParaRPr lang="en-US" sz="2000" b="1" dirty="0" smtClean="0"/>
+          </a:p>
+          <a:p>
+            <a:pPr marL="285750" indent="-285750">
+              <a:buFont typeface="Arial" panose="020B0604020202020204" pitchFamily="34" charset="0"/>
+              <a:buChar char="•"/>
+            </a:pPr>
+            <a:r>
+              <a:rPr lang="en-US" sz="2000" b="1" dirty="0" smtClean="0"/>
+              <a:t>Bar Charts</a:t>
+            </a:r>
+          </a:p>
+          <a:p>
+            <a:pPr marL="285750" indent="-285750">
+              <a:buFont typeface="Arial" panose="020B0604020202020204" pitchFamily="34" charset="0"/>
+              <a:buChar char="•"/>
+            </a:pPr>
+            <a:r>
+              <a:rPr lang="en-US" sz="2000" b="1" dirty="0" smtClean="0"/>
+              <a:t>Scatter Plots</a:t>
+            </a:r>
+          </a:p>
+          <a:p>
+            <a:pPr marL="285750" indent="-285750">
+              <a:buFont typeface="Arial" panose="020B0604020202020204" pitchFamily="34" charset="0"/>
+              <a:buChar char="•"/>
+            </a:pPr>
+            <a:r>
+              <a:rPr lang="en-US" sz="2000" b="1" dirty="0" err="1" smtClean="0"/>
+              <a:t>etc</a:t>
+            </a:r>
+            <a:endParaRPr lang="en-US" sz="2000" b="1" dirty="0"/>
+          </a:p>
+        </p:txBody>
+      </p:sp>
+    </p:spTree>
+    <p:extLst>
+      <p:ext uri="{BB962C8B-B14F-4D97-AF65-F5344CB8AC3E}">
+        <p14:creationId xmlns:p14="http://schemas.microsoft.com/office/powerpoint/2010/main" val="1560335983"/>
+      </p:ext>
+    </p:extLst>
+  </p:cSld>
+  <p:clrMapOvr>
+    <a:masterClrMapping/>
+  </p:clrMapOvr>
+  <p:timing>
+    <p:tnLst>
+      <p:par>
+        <p:cTn id="1" dur="indefinite" restart="never" nodeType="tmRoot"/>
+      </p:par>
+    </p:tnLst>
+  </p:timing>
+</p:sld>
+</file>
+
+<file path=ppt/slides/slide11.xml><?xml version="1.0" encoding="utf-8"?>
+<p:sld xmlns:a="http://schemas.openxmlformats.org/drawingml/2006/main" xmlns:r="http://schemas.openxmlformats.org/officeDocument/2006/relationships" xmlns:p="http://schemas.openxmlformats.org/presentationml/2006/main">
+  <p:cSld>
+    <p:spTree>
+      <p:nvGrpSpPr>
+        <p:cNvPr id="1" name=""/>
+        <p:cNvGrpSpPr/>
+        <p:nvPr/>
+      </p:nvGrpSpPr>
+      <p:grpSpPr>
+        <a:xfrm>
+          <a:off x="0" y="0"/>
+          <a:ext cx="0" cy="0"/>
+          <a:chOff x="0" y="0"/>
+          <a:chExt cx="0" cy="0"/>
+        </a:xfrm>
+      </p:grpSpPr>
+      <p:sp>
+        <p:nvSpPr>
+          <p:cNvPr id="2" name="Title 1"/>
+          <p:cNvSpPr>
+            <a:spLocks noGrp="1"/>
+          </p:cNvSpPr>
+          <p:nvPr>
+            <p:ph type="title"/>
+          </p:nvPr>
+        </p:nvSpPr>
+        <p:spPr>
+          <a:xfrm>
+            <a:off x="457200" y="274638"/>
+            <a:ext cx="8305800" cy="792162"/>
+          </a:xfrm>
+        </p:spPr>
+        <p:txBody>
+          <a:bodyPr>
+            <a:normAutofit/>
+          </a:bodyPr>
+          <a:lstStyle/>
+          <a:p>
+            <a:pPr algn="l"/>
+            <a:r>
+              <a:rPr lang="en-US" dirty="0" err="1" smtClean="0">
+                <a:solidFill>
+                  <a:schemeClr val="accent1">
+                    <a:lumMod val="75000"/>
+                  </a:schemeClr>
+                </a:solidFill>
+              </a:rPr>
+              <a:t>Matplotlib</a:t>
+            </a:r>
+            <a:r>
+              <a:rPr lang="en-US" dirty="0" smtClean="0">
+                <a:solidFill>
+                  <a:schemeClr val="accent1">
+                    <a:lumMod val="75000"/>
+                  </a:schemeClr>
+                </a:solidFill>
+              </a:rPr>
+              <a:t> - Plot</a:t>
+            </a:r>
+            <a:endParaRPr lang="en-US" dirty="0">
+              <a:solidFill>
+                <a:schemeClr val="accent1">
+                  <a:lumMod val="75000"/>
+                </a:schemeClr>
+              </a:solidFill>
+            </a:endParaRPr>
+          </a:p>
+        </p:txBody>
+      </p:sp>
+      <p:cxnSp>
+        <p:nvCxnSpPr>
+          <p:cNvPr id="5" name="Straight Connector 4"/>
+          <p:cNvCxnSpPr/>
+          <p:nvPr/>
+        </p:nvCxnSpPr>
+        <p:spPr>
+          <a:xfrm>
+            <a:off x="0" y="990600"/>
+            <a:ext cx="9144000" cy="0"/>
+          </a:xfrm>
+          <a:prstGeom prst="line">
+            <a:avLst/>
+          </a:prstGeom>
+          <a:ln w="19050"/>
+        </p:spPr>
+        <p:style>
+          <a:lnRef idx="1">
+            <a:schemeClr val="accent1"/>
+          </a:lnRef>
+          <a:fillRef idx="0">
+            <a:schemeClr val="accent1"/>
+          </a:fillRef>
+          <a:effectRef idx="0">
+            <a:schemeClr val="accent1"/>
+          </a:effectRef>
+          <a:fontRef idx="minor">
+            <a:schemeClr val="tx1"/>
+          </a:fontRef>
+        </p:style>
+      </p:cxnSp>
+      <p:sp>
+        <p:nvSpPr>
+          <p:cNvPr id="36" name="TextBox 35"/>
+          <p:cNvSpPr txBox="1"/>
+          <p:nvPr/>
+        </p:nvSpPr>
+        <p:spPr>
+          <a:xfrm>
+            <a:off x="152400" y="1164134"/>
+            <a:ext cx="4892365" cy="461665"/>
+          </a:xfrm>
+          <a:prstGeom prst="rect">
+            <a:avLst/>
+          </a:prstGeom>
+          <a:noFill/>
+        </p:spPr>
+        <p:txBody>
+          <a:bodyPr wrap="none" rtlCol="0">
+            <a:spAutoFit/>
+          </a:bodyPr>
+          <a:lstStyle/>
+          <a:p>
+            <a:pPr marL="285750" indent="-285750">
+              <a:buFont typeface="Arial" panose="020B0604020202020204" pitchFamily="34" charset="0"/>
+              <a:buChar char="•"/>
+            </a:pPr>
+            <a:r>
+              <a:rPr lang="en-US" sz="2400" b="1" dirty="0" smtClean="0">
+                <a:solidFill>
+                  <a:schemeClr val="accent5">
+                    <a:lumMod val="75000"/>
+                  </a:schemeClr>
+                </a:solidFill>
+              </a:rPr>
+              <a:t>The function </a:t>
+            </a:r>
+            <a:r>
+              <a:rPr lang="en-US" sz="2400" b="1" dirty="0" smtClean="0">
+                <a:solidFill>
+                  <a:schemeClr val="accent6">
+                    <a:lumMod val="75000"/>
+                  </a:schemeClr>
+                </a:solidFill>
+              </a:rPr>
+              <a:t>plot</a:t>
+            </a:r>
+            <a:r>
+              <a:rPr lang="en-US" sz="2400" b="1" dirty="0" smtClean="0">
+                <a:solidFill>
+                  <a:schemeClr val="accent5">
+                    <a:lumMod val="75000"/>
+                  </a:schemeClr>
+                </a:solidFill>
+              </a:rPr>
+              <a:t> plots a 2D graph.</a:t>
+            </a:r>
+            <a:endParaRPr lang="en-US" sz="2400" b="1" dirty="0" smtClean="0">
+              <a:solidFill>
+                <a:schemeClr val="accent5">
+                  <a:lumMod val="75000"/>
+                </a:schemeClr>
+              </a:solidFill>
+            </a:endParaRPr>
+          </a:p>
+        </p:txBody>
+      </p:sp>
+      <p:sp>
+        <p:nvSpPr>
+          <p:cNvPr id="7" name="TextBox 6"/>
+          <p:cNvSpPr txBox="1"/>
+          <p:nvPr/>
+        </p:nvSpPr>
+        <p:spPr>
+          <a:xfrm>
+            <a:off x="3593831" y="2750373"/>
+            <a:ext cx="1425390" cy="369332"/>
+          </a:xfrm>
+          <a:prstGeom prst="rect">
+            <a:avLst/>
+          </a:prstGeom>
+          <a:noFill/>
+        </p:spPr>
+        <p:txBody>
+          <a:bodyPr wrap="none" rtlCol="0">
+            <a:spAutoFit/>
+          </a:bodyPr>
+          <a:lstStyle/>
+          <a:p>
+            <a:r>
+              <a:rPr lang="en-US" dirty="0" err="1" smtClean="0"/>
+              <a:t>plt.plot</a:t>
+            </a:r>
+            <a:r>
+              <a:rPr lang="en-US" dirty="0" smtClean="0"/>
+              <a:t>( x, y )</a:t>
+            </a:r>
+            <a:endParaRPr lang="en-US" dirty="0"/>
+          </a:p>
+        </p:txBody>
+      </p:sp>
+      <p:sp>
+        <p:nvSpPr>
+          <p:cNvPr id="8" name="TextBox 7"/>
+          <p:cNvSpPr txBox="1"/>
+          <p:nvPr/>
+        </p:nvSpPr>
+        <p:spPr>
+          <a:xfrm>
+            <a:off x="2645141" y="2078478"/>
+            <a:ext cx="1180260" cy="276999"/>
+          </a:xfrm>
+          <a:prstGeom prst="rect">
+            <a:avLst/>
+          </a:prstGeom>
+          <a:noFill/>
+        </p:spPr>
+        <p:txBody>
+          <a:bodyPr wrap="none" rtlCol="0">
+            <a:spAutoFit/>
+          </a:bodyPr>
+          <a:lstStyle/>
+          <a:p>
+            <a:r>
+              <a:rPr lang="en-US" sz="1200" dirty="0" smtClean="0">
+                <a:solidFill>
+                  <a:srgbClr val="00B050"/>
+                </a:solidFill>
+              </a:rPr>
+              <a:t>Function to plot</a:t>
+            </a:r>
+            <a:endParaRPr lang="en-US" sz="1200" dirty="0">
+              <a:solidFill>
+                <a:srgbClr val="00B050"/>
+              </a:solidFill>
+            </a:endParaRPr>
+          </a:p>
+        </p:txBody>
+      </p:sp>
+      <p:cxnSp>
+        <p:nvCxnSpPr>
+          <p:cNvPr id="10" name="Curved Connector 9"/>
+          <p:cNvCxnSpPr/>
+          <p:nvPr/>
+        </p:nvCxnSpPr>
+        <p:spPr>
+          <a:xfrm rot="16200000" flipH="1">
+            <a:off x="3716570" y="2386687"/>
+            <a:ext cx="440323" cy="381000"/>
+          </a:xfrm>
+          <a:prstGeom prst="curvedConnector3">
+            <a:avLst/>
+          </a:prstGeom>
+          <a:ln>
+            <a:solidFill>
+              <a:srgbClr val="00B050"/>
+            </a:solidFill>
+            <a:tailEnd type="arrow"/>
+          </a:ln>
+        </p:spPr>
+        <p:style>
+          <a:lnRef idx="1">
+            <a:schemeClr val="accent1"/>
+          </a:lnRef>
+          <a:fillRef idx="0">
+            <a:schemeClr val="accent1"/>
+          </a:fillRef>
+          <a:effectRef idx="0">
+            <a:schemeClr val="accent1"/>
+          </a:effectRef>
+          <a:fontRef idx="minor">
+            <a:schemeClr val="tx1"/>
+          </a:fontRef>
+        </p:style>
+      </p:cxnSp>
+      <p:sp>
+        <p:nvSpPr>
+          <p:cNvPr id="13" name="TextBox 12"/>
+          <p:cNvSpPr txBox="1"/>
+          <p:nvPr/>
+        </p:nvSpPr>
+        <p:spPr>
+          <a:xfrm>
+            <a:off x="3947242" y="1847411"/>
+            <a:ext cx="1144352" cy="276999"/>
+          </a:xfrm>
+          <a:prstGeom prst="rect">
+            <a:avLst/>
+          </a:prstGeom>
+          <a:noFill/>
+        </p:spPr>
+        <p:txBody>
+          <a:bodyPr wrap="none" rtlCol="0">
+            <a:spAutoFit/>
+          </a:bodyPr>
+          <a:lstStyle/>
+          <a:p>
+            <a:r>
+              <a:rPr lang="en-US" sz="1200" dirty="0" smtClean="0">
+                <a:solidFill>
+                  <a:srgbClr val="00B050"/>
+                </a:solidFill>
+              </a:rPr>
+              <a:t>X values to plot</a:t>
+            </a:r>
+            <a:endParaRPr lang="en-US" sz="1200" dirty="0">
+              <a:solidFill>
+                <a:srgbClr val="00B050"/>
+              </a:solidFill>
+            </a:endParaRPr>
+          </a:p>
+        </p:txBody>
+      </p:sp>
+      <p:cxnSp>
+        <p:nvCxnSpPr>
+          <p:cNvPr id="14" name="Curved Connector 13"/>
+          <p:cNvCxnSpPr/>
+          <p:nvPr/>
+        </p:nvCxnSpPr>
+        <p:spPr>
+          <a:xfrm rot="16200000" flipH="1">
+            <a:off x="4070654" y="2326704"/>
+            <a:ext cx="746477" cy="274732"/>
+          </a:xfrm>
+          <a:prstGeom prst="curvedConnector3">
+            <a:avLst/>
+          </a:prstGeom>
+          <a:ln>
+            <a:solidFill>
+              <a:srgbClr val="00B050"/>
+            </a:solidFill>
+            <a:tailEnd type="arrow"/>
+          </a:ln>
+        </p:spPr>
+        <p:style>
+          <a:lnRef idx="1">
+            <a:schemeClr val="accent1"/>
+          </a:lnRef>
+          <a:fillRef idx="0">
+            <a:schemeClr val="accent1"/>
+          </a:fillRef>
+          <a:effectRef idx="0">
+            <a:schemeClr val="accent1"/>
+          </a:effectRef>
+          <a:fontRef idx="minor">
+            <a:schemeClr val="tx1"/>
+          </a:fontRef>
+        </p:style>
+      </p:cxnSp>
+      <p:cxnSp>
+        <p:nvCxnSpPr>
+          <p:cNvPr id="12" name="Curved Connector 11"/>
+          <p:cNvCxnSpPr/>
+          <p:nvPr/>
+        </p:nvCxnSpPr>
+        <p:spPr>
+          <a:xfrm rot="5400000">
+            <a:off x="4665532" y="2450005"/>
+            <a:ext cx="520247" cy="326843"/>
+          </a:xfrm>
+          <a:prstGeom prst="curvedConnector3">
+            <a:avLst/>
+          </a:prstGeom>
+          <a:ln>
+            <a:solidFill>
+              <a:srgbClr val="00B050"/>
+            </a:solidFill>
+            <a:tailEnd type="arrow"/>
+          </a:ln>
+        </p:spPr>
+        <p:style>
+          <a:lnRef idx="1">
+            <a:schemeClr val="accent1"/>
+          </a:lnRef>
+          <a:fillRef idx="0">
+            <a:schemeClr val="accent1"/>
+          </a:fillRef>
+          <a:effectRef idx="0">
+            <a:schemeClr val="accent1"/>
+          </a:effectRef>
+          <a:fontRef idx="minor">
+            <a:schemeClr val="tx1"/>
+          </a:fontRef>
+        </p:style>
+      </p:cxnSp>
+      <p:sp>
+        <p:nvSpPr>
+          <p:cNvPr id="16" name="TextBox 15"/>
+          <p:cNvSpPr txBox="1"/>
+          <p:nvPr/>
+        </p:nvSpPr>
+        <p:spPr>
+          <a:xfrm>
+            <a:off x="4762234" y="2097091"/>
+            <a:ext cx="1144352" cy="276999"/>
+          </a:xfrm>
+          <a:prstGeom prst="rect">
+            <a:avLst/>
+          </a:prstGeom>
+          <a:noFill/>
+        </p:spPr>
+        <p:txBody>
+          <a:bodyPr wrap="none" rtlCol="0">
+            <a:spAutoFit/>
+          </a:bodyPr>
+          <a:lstStyle/>
+          <a:p>
+            <a:r>
+              <a:rPr lang="en-US" sz="1200" dirty="0" smtClean="0">
+                <a:solidFill>
+                  <a:srgbClr val="00B050"/>
+                </a:solidFill>
+              </a:rPr>
+              <a:t>Y values to plot</a:t>
+            </a:r>
+            <a:endParaRPr lang="en-US" sz="1200" dirty="0">
+              <a:solidFill>
+                <a:srgbClr val="00B050"/>
+              </a:solidFill>
+            </a:endParaRPr>
+          </a:p>
+        </p:txBody>
+      </p:sp>
+      <p:sp>
+        <p:nvSpPr>
+          <p:cNvPr id="18" name="TextBox 17"/>
+          <p:cNvSpPr txBox="1"/>
+          <p:nvPr/>
+        </p:nvSpPr>
+        <p:spPr>
+          <a:xfrm>
+            <a:off x="304800" y="3429000"/>
+            <a:ext cx="7730706" cy="1231106"/>
+          </a:xfrm>
+          <a:prstGeom prst="rect">
+            <a:avLst/>
+          </a:prstGeom>
+          <a:noFill/>
+        </p:spPr>
+        <p:txBody>
+          <a:bodyPr wrap="none" rtlCol="0">
+            <a:spAutoFit/>
+          </a:bodyPr>
+          <a:lstStyle/>
+          <a:p>
+            <a:pPr marL="285750" indent="-285750">
+              <a:buFont typeface="Arial" panose="020B0604020202020204" pitchFamily="34" charset="0"/>
+              <a:buChar char="•"/>
+            </a:pPr>
+            <a:r>
+              <a:rPr lang="en-US" sz="2400" b="1" dirty="0" smtClean="0">
+                <a:solidFill>
+                  <a:schemeClr val="accent5">
+                    <a:lumMod val="75000"/>
+                  </a:schemeClr>
+                </a:solidFill>
+              </a:rPr>
+              <a:t>Example:</a:t>
+            </a:r>
+            <a:endParaRPr lang="en-US" sz="1400" b="1" dirty="0" smtClean="0">
+              <a:solidFill>
+                <a:schemeClr val="accent5">
+                  <a:lumMod val="75000"/>
+                </a:schemeClr>
+              </a:solidFill>
+            </a:endParaRPr>
+          </a:p>
+          <a:p>
+            <a:pPr marL="285750" indent="-285750">
+              <a:buFont typeface="Arial" panose="020B0604020202020204" pitchFamily="34" charset="0"/>
+              <a:buChar char="•"/>
+            </a:pPr>
+            <a:endParaRPr lang="en-US" sz="1400" b="1" dirty="0">
+              <a:solidFill>
+                <a:schemeClr val="accent5">
+                  <a:lumMod val="75000"/>
+                </a:schemeClr>
+              </a:solidFill>
+            </a:endParaRPr>
+          </a:p>
+          <a:p>
+            <a:r>
+              <a:rPr lang="en-US" sz="1400" b="1" dirty="0" smtClean="0">
+                <a:solidFill>
+                  <a:schemeClr val="accent5">
+                    <a:lumMod val="75000"/>
+                  </a:schemeClr>
+                </a:solidFill>
+              </a:rPr>
+              <a:t>		</a:t>
+            </a:r>
+            <a:r>
+              <a:rPr lang="en-US" dirty="0" err="1" smtClean="0"/>
+              <a:t>plt.plot</a:t>
+            </a:r>
+            <a:r>
+              <a:rPr lang="en-US" dirty="0" smtClean="0"/>
+              <a:t>( [ 1, 2, 3 ], [ 4, 6, 8 ] )	</a:t>
+            </a:r>
+            <a:r>
+              <a:rPr lang="en-US" dirty="0" smtClean="0">
+                <a:solidFill>
+                  <a:srgbClr val="00B050"/>
+                </a:solidFill>
+              </a:rPr>
+              <a:t># Draws plot in the background</a:t>
+            </a:r>
+          </a:p>
+          <a:p>
+            <a:r>
+              <a:rPr lang="en-US" dirty="0"/>
+              <a:t>	</a:t>
+            </a:r>
+            <a:r>
+              <a:rPr lang="en-US" dirty="0" smtClean="0"/>
+              <a:t>	</a:t>
+            </a:r>
+            <a:r>
+              <a:rPr lang="en-US" dirty="0" err="1" smtClean="0"/>
+              <a:t>plt.show</a:t>
+            </a:r>
+            <a:r>
+              <a:rPr lang="en-US" dirty="0" smtClean="0"/>
+              <a:t>()		</a:t>
+            </a:r>
+            <a:r>
+              <a:rPr lang="en-US" dirty="0" smtClean="0">
+                <a:solidFill>
+                  <a:srgbClr val="00B050"/>
+                </a:solidFill>
+              </a:rPr>
+              <a:t># Displays the plot</a:t>
+            </a:r>
+            <a:endParaRPr lang="en-US" dirty="0" smtClean="0">
+              <a:solidFill>
+                <a:srgbClr val="00B050"/>
+              </a:solidFill>
+            </a:endParaRPr>
+          </a:p>
+        </p:txBody>
+      </p:sp>
+      <p:sp>
+        <p:nvSpPr>
+          <p:cNvPr id="19" name="TextBox 18"/>
+          <p:cNvSpPr txBox="1"/>
+          <p:nvPr/>
+        </p:nvSpPr>
+        <p:spPr>
+          <a:xfrm>
+            <a:off x="3276735" y="3622186"/>
+            <a:ext cx="300082" cy="276999"/>
+          </a:xfrm>
+          <a:prstGeom prst="rect">
+            <a:avLst/>
+          </a:prstGeom>
+          <a:noFill/>
+        </p:spPr>
+        <p:txBody>
+          <a:bodyPr wrap="none" rtlCol="0">
+            <a:spAutoFit/>
+          </a:bodyPr>
+          <a:lstStyle/>
+          <a:p>
+            <a:r>
+              <a:rPr lang="en-US" sz="1200" dirty="0" smtClean="0">
+                <a:solidFill>
+                  <a:srgbClr val="00B050"/>
+                </a:solidFill>
+              </a:rPr>
+              <a:t>X </a:t>
+            </a:r>
+            <a:endParaRPr lang="en-US" sz="1200" dirty="0">
+              <a:solidFill>
+                <a:srgbClr val="00B050"/>
+              </a:solidFill>
+            </a:endParaRPr>
+          </a:p>
+        </p:txBody>
+      </p:sp>
+      <p:sp>
+        <p:nvSpPr>
+          <p:cNvPr id="20" name="TextBox 19"/>
+          <p:cNvSpPr txBox="1"/>
+          <p:nvPr/>
+        </p:nvSpPr>
+        <p:spPr>
+          <a:xfrm>
+            <a:off x="4214189" y="3651983"/>
+            <a:ext cx="300082" cy="276999"/>
+          </a:xfrm>
+          <a:prstGeom prst="rect">
+            <a:avLst/>
+          </a:prstGeom>
+          <a:noFill/>
+        </p:spPr>
+        <p:txBody>
+          <a:bodyPr wrap="none" rtlCol="0">
+            <a:spAutoFit/>
+          </a:bodyPr>
+          <a:lstStyle/>
+          <a:p>
+            <a:r>
+              <a:rPr lang="en-US" sz="1200" dirty="0" smtClean="0">
+                <a:solidFill>
+                  <a:srgbClr val="00B050"/>
+                </a:solidFill>
+              </a:rPr>
+              <a:t>Y </a:t>
+            </a:r>
+            <a:endParaRPr lang="en-US" sz="1200" dirty="0">
+              <a:solidFill>
+                <a:srgbClr val="00B050"/>
+              </a:solidFill>
+            </a:endParaRPr>
+          </a:p>
+        </p:txBody>
+      </p:sp>
+      <p:sp>
+        <p:nvSpPr>
+          <p:cNvPr id="15" name="Right Brace 14"/>
+          <p:cNvSpPr/>
+          <p:nvPr/>
+        </p:nvSpPr>
+        <p:spPr>
+          <a:xfrm rot="16200000">
+            <a:off x="3332136" y="3672854"/>
+            <a:ext cx="156377" cy="519435"/>
+          </a:xfrm>
+          <a:prstGeom prst="rightBrace">
+            <a:avLst/>
+          </a:prstGeom>
+          <a:ln>
+            <a:solidFill>
+              <a:srgbClr val="00B050"/>
+            </a:solidFill>
+          </a:ln>
+        </p:spPr>
+        <p:style>
+          <a:lnRef idx="1">
+            <a:schemeClr val="accent1"/>
+          </a:lnRef>
+          <a:fillRef idx="0">
+            <a:schemeClr val="accent1"/>
+          </a:fillRef>
+          <a:effectRef idx="0">
+            <a:schemeClr val="accent1"/>
+          </a:effectRef>
+          <a:fontRef idx="minor">
+            <a:schemeClr val="tx1"/>
+          </a:fontRef>
+        </p:style>
+        <p:txBody>
+          <a:bodyPr rtlCol="0" anchor="ctr"/>
+          <a:lstStyle/>
+          <a:p>
+            <a:pPr algn="ctr"/>
+            <a:endParaRPr lang="en-US"/>
+          </a:p>
+        </p:txBody>
+      </p:sp>
+      <p:sp>
+        <p:nvSpPr>
+          <p:cNvPr id="22" name="Right Brace 21"/>
+          <p:cNvSpPr/>
+          <p:nvPr/>
+        </p:nvSpPr>
+        <p:spPr>
+          <a:xfrm rot="16200000">
+            <a:off x="4270217" y="3673260"/>
+            <a:ext cx="156377" cy="519435"/>
+          </a:xfrm>
+          <a:prstGeom prst="rightBrace">
+            <a:avLst/>
+          </a:prstGeom>
+          <a:ln>
+            <a:solidFill>
+              <a:srgbClr val="00B050"/>
+            </a:solidFill>
+          </a:ln>
+        </p:spPr>
+        <p:style>
+          <a:lnRef idx="1">
+            <a:schemeClr val="accent1"/>
+          </a:lnRef>
+          <a:fillRef idx="0">
+            <a:schemeClr val="accent1"/>
+          </a:fillRef>
+          <a:effectRef idx="0">
+            <a:schemeClr val="accent1"/>
+          </a:effectRef>
+          <a:fontRef idx="minor">
+            <a:schemeClr val="tx1"/>
+          </a:fontRef>
+        </p:style>
+        <p:txBody>
+          <a:bodyPr rtlCol="0" anchor="ctr"/>
+          <a:lstStyle/>
+          <a:p>
+            <a:pPr algn="ctr"/>
+            <a:endParaRPr lang="en-US"/>
+          </a:p>
+        </p:txBody>
+      </p:sp>
+      <p:cxnSp>
+        <p:nvCxnSpPr>
+          <p:cNvPr id="23" name="Straight Connector 22"/>
+          <p:cNvCxnSpPr/>
+          <p:nvPr/>
+        </p:nvCxnSpPr>
+        <p:spPr>
+          <a:xfrm>
+            <a:off x="2550895" y="5023653"/>
+            <a:ext cx="0" cy="1447800"/>
+          </a:xfrm>
+          <a:prstGeom prst="line">
+            <a:avLst/>
+          </a:prstGeom>
+          <a:ln w="15875">
+            <a:solidFill>
+              <a:schemeClr val="tx1"/>
+            </a:solidFill>
+          </a:ln>
+        </p:spPr>
+        <p:style>
+          <a:lnRef idx="1">
+            <a:schemeClr val="accent1"/>
+          </a:lnRef>
+          <a:fillRef idx="0">
+            <a:schemeClr val="accent1"/>
+          </a:fillRef>
+          <a:effectRef idx="0">
+            <a:schemeClr val="accent1"/>
+          </a:effectRef>
+          <a:fontRef idx="minor">
+            <a:schemeClr val="tx1"/>
+          </a:fontRef>
+        </p:style>
+      </p:cxnSp>
+      <p:cxnSp>
+        <p:nvCxnSpPr>
+          <p:cNvPr id="25" name="Straight Connector 24"/>
+          <p:cNvCxnSpPr/>
+          <p:nvPr/>
+        </p:nvCxnSpPr>
+        <p:spPr>
+          <a:xfrm>
+            <a:off x="2550895" y="6471453"/>
+            <a:ext cx="2001211" cy="0"/>
+          </a:xfrm>
+          <a:prstGeom prst="line">
+            <a:avLst/>
+          </a:prstGeom>
+          <a:ln w="15875">
+            <a:solidFill>
+              <a:schemeClr val="tx1"/>
+            </a:solidFill>
+          </a:ln>
+        </p:spPr>
+        <p:style>
+          <a:lnRef idx="1">
+            <a:schemeClr val="accent1"/>
+          </a:lnRef>
+          <a:fillRef idx="0">
+            <a:schemeClr val="accent1"/>
+          </a:fillRef>
+          <a:effectRef idx="0">
+            <a:schemeClr val="accent1"/>
+          </a:effectRef>
+          <a:fontRef idx="minor">
+            <a:schemeClr val="tx1"/>
+          </a:fontRef>
+        </p:style>
+      </p:cxnSp>
+      <p:sp>
+        <p:nvSpPr>
+          <p:cNvPr id="26" name="TextBox 25"/>
+          <p:cNvSpPr txBox="1"/>
+          <p:nvPr/>
+        </p:nvSpPr>
+        <p:spPr>
+          <a:xfrm>
+            <a:off x="2754083" y="6471453"/>
+            <a:ext cx="263214" cy="276999"/>
+          </a:xfrm>
+          <a:prstGeom prst="rect">
+            <a:avLst/>
+          </a:prstGeom>
+          <a:noFill/>
+        </p:spPr>
+        <p:txBody>
+          <a:bodyPr wrap="none" rtlCol="0">
+            <a:spAutoFit/>
+          </a:bodyPr>
+          <a:lstStyle/>
+          <a:p>
+            <a:r>
+              <a:rPr lang="en-US" sz="1200" dirty="0" smtClean="0"/>
+              <a:t>1</a:t>
+            </a:r>
+            <a:endParaRPr lang="en-US" sz="1200" dirty="0"/>
+          </a:p>
+        </p:txBody>
+      </p:sp>
+      <p:sp>
+        <p:nvSpPr>
+          <p:cNvPr id="28" name="TextBox 27"/>
+          <p:cNvSpPr txBox="1"/>
+          <p:nvPr/>
+        </p:nvSpPr>
+        <p:spPr>
+          <a:xfrm>
+            <a:off x="2274927" y="6090453"/>
+            <a:ext cx="263214" cy="276999"/>
+          </a:xfrm>
+          <a:prstGeom prst="rect">
+            <a:avLst/>
+          </a:prstGeom>
+          <a:noFill/>
+        </p:spPr>
+        <p:txBody>
+          <a:bodyPr wrap="none" rtlCol="0">
+            <a:spAutoFit/>
+          </a:bodyPr>
+          <a:lstStyle/>
+          <a:p>
+            <a:r>
+              <a:rPr lang="en-US" sz="1200" dirty="0" smtClean="0"/>
+              <a:t>2</a:t>
+            </a:r>
+            <a:endParaRPr lang="en-US" sz="1200" dirty="0"/>
+          </a:p>
+        </p:txBody>
+      </p:sp>
+      <p:sp>
+        <p:nvSpPr>
+          <p:cNvPr id="29" name="TextBox 28"/>
+          <p:cNvSpPr txBox="1"/>
+          <p:nvPr/>
+        </p:nvSpPr>
+        <p:spPr>
+          <a:xfrm>
+            <a:off x="2265402" y="5743177"/>
+            <a:ext cx="263214" cy="276999"/>
+          </a:xfrm>
+          <a:prstGeom prst="rect">
+            <a:avLst/>
+          </a:prstGeom>
+          <a:noFill/>
+        </p:spPr>
+        <p:txBody>
+          <a:bodyPr wrap="none" rtlCol="0">
+            <a:spAutoFit/>
+          </a:bodyPr>
+          <a:lstStyle/>
+          <a:p>
+            <a:r>
+              <a:rPr lang="en-US" sz="1200" dirty="0" smtClean="0"/>
+              <a:t>4</a:t>
+            </a:r>
+            <a:endParaRPr lang="en-US" sz="1200" dirty="0"/>
+          </a:p>
+        </p:txBody>
+      </p:sp>
+      <p:sp>
+        <p:nvSpPr>
+          <p:cNvPr id="30" name="TextBox 29"/>
+          <p:cNvSpPr txBox="1"/>
+          <p:nvPr/>
+        </p:nvSpPr>
+        <p:spPr>
+          <a:xfrm>
+            <a:off x="2274927" y="5404653"/>
+            <a:ext cx="263214" cy="276999"/>
+          </a:xfrm>
+          <a:prstGeom prst="rect">
+            <a:avLst/>
+          </a:prstGeom>
+          <a:noFill/>
+        </p:spPr>
+        <p:txBody>
+          <a:bodyPr wrap="none" rtlCol="0">
+            <a:spAutoFit/>
+          </a:bodyPr>
+          <a:lstStyle/>
+          <a:p>
+            <a:r>
+              <a:rPr lang="en-US" sz="1200" dirty="0" smtClean="0"/>
+              <a:t>6</a:t>
+            </a:r>
+            <a:endParaRPr lang="en-US" sz="1200" dirty="0"/>
+          </a:p>
+        </p:txBody>
+      </p:sp>
+      <p:sp>
+        <p:nvSpPr>
+          <p:cNvPr id="31" name="TextBox 30"/>
+          <p:cNvSpPr txBox="1"/>
+          <p:nvPr/>
+        </p:nvSpPr>
+        <p:spPr>
+          <a:xfrm>
+            <a:off x="2274927" y="5028802"/>
+            <a:ext cx="263214" cy="276999"/>
+          </a:xfrm>
+          <a:prstGeom prst="rect">
+            <a:avLst/>
+          </a:prstGeom>
+          <a:noFill/>
+        </p:spPr>
+        <p:txBody>
+          <a:bodyPr wrap="none" rtlCol="0">
+            <a:spAutoFit/>
+          </a:bodyPr>
+          <a:lstStyle/>
+          <a:p>
+            <a:r>
+              <a:rPr lang="en-US" sz="1200" dirty="0" smtClean="0"/>
+              <a:t>8</a:t>
+            </a:r>
+            <a:endParaRPr lang="en-US" sz="1200" dirty="0"/>
+          </a:p>
+        </p:txBody>
+      </p:sp>
+      <p:sp>
+        <p:nvSpPr>
+          <p:cNvPr id="32" name="TextBox 31"/>
+          <p:cNvSpPr txBox="1"/>
+          <p:nvPr/>
+        </p:nvSpPr>
+        <p:spPr>
+          <a:xfrm>
+            <a:off x="3171440" y="6471453"/>
+            <a:ext cx="263214" cy="276999"/>
+          </a:xfrm>
+          <a:prstGeom prst="rect">
+            <a:avLst/>
+          </a:prstGeom>
+          <a:noFill/>
+        </p:spPr>
+        <p:txBody>
+          <a:bodyPr wrap="none" rtlCol="0">
+            <a:spAutoFit/>
+          </a:bodyPr>
+          <a:lstStyle/>
+          <a:p>
+            <a:r>
+              <a:rPr lang="en-US" sz="1200" dirty="0" smtClean="0"/>
+              <a:t>2</a:t>
+            </a:r>
+            <a:endParaRPr lang="en-US" sz="1200" dirty="0"/>
+          </a:p>
+        </p:txBody>
+      </p:sp>
+      <p:sp>
+        <p:nvSpPr>
+          <p:cNvPr id="33" name="TextBox 32"/>
+          <p:cNvSpPr txBox="1"/>
+          <p:nvPr/>
+        </p:nvSpPr>
+        <p:spPr>
+          <a:xfrm>
+            <a:off x="3607373" y="6471452"/>
+            <a:ext cx="263214" cy="276999"/>
+          </a:xfrm>
+          <a:prstGeom prst="rect">
+            <a:avLst/>
+          </a:prstGeom>
+          <a:noFill/>
+        </p:spPr>
+        <p:txBody>
+          <a:bodyPr wrap="none" rtlCol="0">
+            <a:spAutoFit/>
+          </a:bodyPr>
+          <a:lstStyle/>
+          <a:p>
+            <a:r>
+              <a:rPr lang="en-US" sz="1200" dirty="0" smtClean="0"/>
+              <a:t>3</a:t>
+            </a:r>
+            <a:endParaRPr lang="en-US" sz="1200" dirty="0"/>
+          </a:p>
+        </p:txBody>
+      </p:sp>
+      <p:cxnSp>
+        <p:nvCxnSpPr>
+          <p:cNvPr id="34" name="Straight Connector 33"/>
+          <p:cNvCxnSpPr/>
+          <p:nvPr/>
+        </p:nvCxnSpPr>
+        <p:spPr>
+          <a:xfrm flipV="1">
+            <a:off x="2807491" y="5028802"/>
+            <a:ext cx="938740" cy="807826"/>
+          </a:xfrm>
+          <a:prstGeom prst="line">
+            <a:avLst/>
+          </a:prstGeom>
+          <a:ln>
+            <a:solidFill>
+              <a:schemeClr val="tx1"/>
+            </a:solidFill>
+          </a:ln>
+        </p:spPr>
+        <p:style>
+          <a:lnRef idx="1">
+            <a:schemeClr val="accent1"/>
+          </a:lnRef>
+          <a:fillRef idx="0">
+            <a:schemeClr val="accent1"/>
+          </a:fillRef>
+          <a:effectRef idx="0">
+            <a:schemeClr val="accent1"/>
+          </a:effectRef>
+          <a:fontRef idx="minor">
+            <a:schemeClr val="tx1"/>
+          </a:fontRef>
+        </p:style>
+      </p:cxnSp>
+    </p:spTree>
+    <p:extLst>
+      <p:ext uri="{BB962C8B-B14F-4D97-AF65-F5344CB8AC3E}">
+        <p14:creationId xmlns:p14="http://schemas.microsoft.com/office/powerpoint/2010/main" val="2918671989"/>
+      </p:ext>
+    </p:extLst>
+  </p:cSld>
+  <p:clrMapOvr>
+    <a:masterClrMapping/>
+  </p:clrMapOvr>
+  <p:timing>
+    <p:tnLst>
+      <p:par>
+        <p:cTn id="1" dur="indefinite" restart="never" nodeType="tmRoot"/>
+      </p:par>
+    </p:tnLst>
+  </p:timing>
+</p:sld>
+</file>
+
+<file path=ppt/slides/slide12.xml><?xml version="1.0" encoding="utf-8"?>
+<p:sld xmlns:a="http://schemas.openxmlformats.org/drawingml/2006/main" xmlns:r="http://schemas.openxmlformats.org/officeDocument/2006/relationships" xmlns:p="http://schemas.openxmlformats.org/presentationml/2006/main">
+  <p:cSld>
+    <p:spTree>
+      <p:nvGrpSpPr>
+        <p:cNvPr id="1" name=""/>
+        <p:cNvGrpSpPr/>
+        <p:nvPr/>
+      </p:nvGrpSpPr>
+      <p:grpSpPr>
+        <a:xfrm>
+          <a:off x="0" y="0"/>
+          <a:ext cx="0" cy="0"/>
+          <a:chOff x="0" y="0"/>
+          <a:chExt cx="0" cy="0"/>
+        </a:xfrm>
+      </p:grpSpPr>
+      <p:sp>
+        <p:nvSpPr>
+          <p:cNvPr id="2" name="Title 1"/>
+          <p:cNvSpPr>
+            <a:spLocks noGrp="1"/>
+          </p:cNvSpPr>
+          <p:nvPr>
+            <p:ph type="title"/>
+          </p:nvPr>
+        </p:nvSpPr>
+        <p:spPr>
+          <a:xfrm>
+            <a:off x="457200" y="274638"/>
+            <a:ext cx="8305800" cy="792162"/>
+          </a:xfrm>
+        </p:spPr>
+        <p:txBody>
+          <a:bodyPr>
+            <a:normAutofit/>
+          </a:bodyPr>
+          <a:lstStyle/>
+          <a:p>
+            <a:pPr algn="l"/>
+            <a:r>
+              <a:rPr lang="en-US" dirty="0" err="1" smtClean="0">
+                <a:solidFill>
+                  <a:schemeClr val="accent1">
+                    <a:lumMod val="75000"/>
+                  </a:schemeClr>
+                </a:solidFill>
+              </a:rPr>
+              <a:t>Matplotlib</a:t>
+            </a:r>
+            <a:r>
+              <a:rPr lang="en-US" dirty="0" smtClean="0">
+                <a:solidFill>
+                  <a:schemeClr val="accent1">
+                    <a:lumMod val="75000"/>
+                  </a:schemeClr>
+                </a:solidFill>
+              </a:rPr>
+              <a:t> – Plot Labels</a:t>
+            </a:r>
+            <a:endParaRPr lang="en-US" dirty="0">
+              <a:solidFill>
+                <a:schemeClr val="accent1">
+                  <a:lumMod val="75000"/>
+                </a:schemeClr>
+              </a:solidFill>
+            </a:endParaRPr>
+          </a:p>
+        </p:txBody>
+      </p:sp>
+      <p:cxnSp>
+        <p:nvCxnSpPr>
+          <p:cNvPr id="5" name="Straight Connector 4"/>
+          <p:cNvCxnSpPr/>
+          <p:nvPr/>
+        </p:nvCxnSpPr>
+        <p:spPr>
+          <a:xfrm>
+            <a:off x="0" y="990600"/>
+            <a:ext cx="9144000" cy="0"/>
+          </a:xfrm>
+          <a:prstGeom prst="line">
+            <a:avLst/>
+          </a:prstGeom>
+          <a:ln w="19050"/>
+        </p:spPr>
+        <p:style>
+          <a:lnRef idx="1">
+            <a:schemeClr val="accent1"/>
+          </a:lnRef>
+          <a:fillRef idx="0">
+            <a:schemeClr val="accent1"/>
+          </a:fillRef>
+          <a:effectRef idx="0">
+            <a:schemeClr val="accent1"/>
+          </a:effectRef>
+          <a:fontRef idx="minor">
+            <a:schemeClr val="tx1"/>
+          </a:fontRef>
+        </p:style>
+      </p:cxnSp>
+      <p:sp>
+        <p:nvSpPr>
+          <p:cNvPr id="36" name="TextBox 35"/>
+          <p:cNvSpPr txBox="1"/>
+          <p:nvPr/>
+        </p:nvSpPr>
+        <p:spPr>
+          <a:xfrm>
+            <a:off x="152400" y="1164134"/>
+            <a:ext cx="6893554" cy="461665"/>
+          </a:xfrm>
+          <a:prstGeom prst="rect">
+            <a:avLst/>
+          </a:prstGeom>
+          <a:noFill/>
+        </p:spPr>
+        <p:txBody>
+          <a:bodyPr wrap="none" rtlCol="0">
+            <a:spAutoFit/>
+          </a:bodyPr>
+          <a:lstStyle/>
+          <a:p>
+            <a:pPr marL="285750" indent="-285750">
+              <a:buFont typeface="Arial" panose="020B0604020202020204" pitchFamily="34" charset="0"/>
+              <a:buChar char="•"/>
+            </a:pPr>
+            <a:r>
+              <a:rPr lang="en-US" sz="2400" b="1" dirty="0" smtClean="0">
+                <a:solidFill>
+                  <a:schemeClr val="accent5">
+                    <a:lumMod val="75000"/>
+                  </a:schemeClr>
+                </a:solidFill>
+              </a:rPr>
+              <a:t>Add Labels for X and Y Axis and Plot Title (caption)</a:t>
+            </a:r>
+            <a:endParaRPr lang="en-US" sz="2400" b="1" dirty="0" smtClean="0">
+              <a:solidFill>
+                <a:schemeClr val="accent5">
+                  <a:lumMod val="75000"/>
+                </a:schemeClr>
+              </a:solidFill>
+            </a:endParaRPr>
+          </a:p>
+        </p:txBody>
+      </p:sp>
+      <p:sp>
+        <p:nvSpPr>
+          <p:cNvPr id="18" name="TextBox 17"/>
+          <p:cNvSpPr txBox="1"/>
+          <p:nvPr/>
+        </p:nvSpPr>
+        <p:spPr>
+          <a:xfrm>
+            <a:off x="485033" y="1752600"/>
+            <a:ext cx="8494633" cy="1692771"/>
+          </a:xfrm>
+          <a:prstGeom prst="rect">
+            <a:avLst/>
+          </a:prstGeom>
+          <a:noFill/>
+        </p:spPr>
+        <p:txBody>
+          <a:bodyPr wrap="none" rtlCol="0">
+            <a:spAutoFit/>
+          </a:bodyPr>
+          <a:lstStyle/>
+          <a:p>
+            <a:pPr marL="285750" indent="-285750">
+              <a:buFont typeface="Arial" panose="020B0604020202020204" pitchFamily="34" charset="0"/>
+              <a:buChar char="•"/>
+            </a:pPr>
+            <a:endParaRPr lang="en-US" sz="1400" b="1" dirty="0">
+              <a:solidFill>
+                <a:schemeClr val="accent5">
+                  <a:lumMod val="75000"/>
+                </a:schemeClr>
+              </a:solidFill>
+            </a:endParaRPr>
+          </a:p>
+          <a:p>
+            <a:r>
+              <a:rPr lang="en-US" sz="1400" b="1" dirty="0" smtClean="0">
+                <a:solidFill>
+                  <a:schemeClr val="accent5">
+                    <a:lumMod val="75000"/>
+                  </a:schemeClr>
+                </a:solidFill>
+              </a:rPr>
+              <a:t>		</a:t>
+            </a:r>
+            <a:r>
+              <a:rPr lang="en-US" dirty="0" err="1" smtClean="0"/>
+              <a:t>plt.plot</a:t>
+            </a:r>
+            <a:r>
+              <a:rPr lang="en-US" dirty="0" smtClean="0"/>
+              <a:t>( [ 1, 2, 3 ], [ 4, 6, 8 ] )</a:t>
+            </a:r>
+          </a:p>
+          <a:p>
+            <a:r>
+              <a:rPr lang="en-US" dirty="0" smtClean="0"/>
+              <a:t> </a:t>
+            </a:r>
+            <a:r>
+              <a:rPr lang="en-US" dirty="0"/>
+              <a:t>	</a:t>
+            </a:r>
+            <a:r>
+              <a:rPr lang="en-US" dirty="0" smtClean="0"/>
+              <a:t>	</a:t>
+            </a:r>
+            <a:r>
+              <a:rPr lang="en-US" dirty="0" err="1" smtClean="0"/>
+              <a:t>plt.xlabel</a:t>
+            </a:r>
+            <a:r>
+              <a:rPr lang="en-US" dirty="0" smtClean="0"/>
+              <a:t>( “X Numbers” )		</a:t>
+            </a:r>
+            <a:r>
+              <a:rPr lang="en-US" dirty="0" smtClean="0">
+                <a:solidFill>
+                  <a:srgbClr val="00B050"/>
+                </a:solidFill>
+              </a:rPr>
+              <a:t># Label on the X-axis</a:t>
+            </a:r>
+          </a:p>
+          <a:p>
+            <a:r>
+              <a:rPr lang="en-US" dirty="0"/>
+              <a:t>	</a:t>
+            </a:r>
+            <a:r>
+              <a:rPr lang="en-US" dirty="0" smtClean="0"/>
+              <a:t>	</a:t>
+            </a:r>
+            <a:r>
+              <a:rPr lang="en-US" dirty="0" err="1" smtClean="0"/>
+              <a:t>plt.xlabel</a:t>
+            </a:r>
+            <a:r>
+              <a:rPr lang="en-US" dirty="0" smtClean="0"/>
+              <a:t>( “Y Numbers” )		</a:t>
+            </a:r>
+            <a:r>
+              <a:rPr lang="en-US" dirty="0" smtClean="0">
+                <a:solidFill>
+                  <a:srgbClr val="00B050"/>
+                </a:solidFill>
+              </a:rPr>
+              <a:t># Label on the Y-axis</a:t>
+            </a:r>
+          </a:p>
+          <a:p>
+            <a:r>
+              <a:rPr lang="en-US" dirty="0"/>
+              <a:t>	</a:t>
+            </a:r>
+            <a:r>
+              <a:rPr lang="en-US" dirty="0" smtClean="0"/>
+              <a:t>	</a:t>
+            </a:r>
+            <a:r>
+              <a:rPr lang="en-US" dirty="0" err="1" smtClean="0"/>
+              <a:t>plt.title</a:t>
+            </a:r>
+            <a:r>
+              <a:rPr lang="en-US" dirty="0" smtClean="0"/>
+              <a:t>( “My Plot of X and Y”)	</a:t>
+            </a:r>
+            <a:r>
+              <a:rPr lang="en-US" dirty="0" smtClean="0">
+                <a:solidFill>
+                  <a:srgbClr val="00B050"/>
+                </a:solidFill>
+              </a:rPr>
+              <a:t># Title for the Plot</a:t>
+            </a:r>
+            <a:r>
+              <a:rPr lang="en-US" dirty="0" smtClean="0"/>
+              <a:t>	</a:t>
+            </a:r>
+            <a:r>
+              <a:rPr lang="en-US" dirty="0"/>
+              <a:t>	</a:t>
+            </a:r>
+            <a:endParaRPr lang="en-US" dirty="0">
+              <a:solidFill>
+                <a:srgbClr val="00B050"/>
+              </a:solidFill>
+            </a:endParaRPr>
+          </a:p>
+          <a:p>
+            <a:r>
+              <a:rPr lang="en-US" dirty="0"/>
+              <a:t>		</a:t>
+            </a:r>
+            <a:r>
+              <a:rPr lang="en-US" dirty="0" err="1"/>
+              <a:t>plt.show</a:t>
+            </a:r>
+            <a:r>
+              <a:rPr lang="en-US" dirty="0" smtClean="0"/>
+              <a:t>()</a:t>
+            </a:r>
+            <a:endParaRPr lang="en-US" dirty="0"/>
+          </a:p>
+        </p:txBody>
+      </p:sp>
+      <p:sp>
+        <p:nvSpPr>
+          <p:cNvPr id="20" name="TextBox 19"/>
+          <p:cNvSpPr txBox="1"/>
+          <p:nvPr/>
+        </p:nvSpPr>
+        <p:spPr>
+          <a:xfrm>
+            <a:off x="4214189" y="3651983"/>
+            <a:ext cx="219932" cy="276999"/>
+          </a:xfrm>
+          <a:prstGeom prst="rect">
+            <a:avLst/>
+          </a:prstGeom>
+          <a:noFill/>
+        </p:spPr>
+        <p:txBody>
+          <a:bodyPr wrap="none" rtlCol="0">
+            <a:spAutoFit/>
+          </a:bodyPr>
+          <a:lstStyle/>
+          <a:p>
+            <a:r>
+              <a:rPr lang="en-US" sz="1200" dirty="0" smtClean="0">
+                <a:solidFill>
+                  <a:srgbClr val="00B050"/>
+                </a:solidFill>
+              </a:rPr>
+              <a:t> </a:t>
+            </a:r>
+            <a:endParaRPr lang="en-US" sz="1200" dirty="0">
+              <a:solidFill>
+                <a:srgbClr val="00B050"/>
+              </a:solidFill>
+            </a:endParaRPr>
+          </a:p>
+        </p:txBody>
+      </p:sp>
+      <p:cxnSp>
+        <p:nvCxnSpPr>
+          <p:cNvPr id="23" name="Straight Connector 22"/>
+          <p:cNvCxnSpPr/>
+          <p:nvPr/>
+        </p:nvCxnSpPr>
+        <p:spPr>
+          <a:xfrm>
+            <a:off x="3099859" y="4156479"/>
+            <a:ext cx="0" cy="1447800"/>
+          </a:xfrm>
+          <a:prstGeom prst="line">
+            <a:avLst/>
+          </a:prstGeom>
+          <a:ln w="15875">
+            <a:solidFill>
+              <a:schemeClr val="tx1"/>
+            </a:solidFill>
+          </a:ln>
+        </p:spPr>
+        <p:style>
+          <a:lnRef idx="1">
+            <a:schemeClr val="accent1"/>
+          </a:lnRef>
+          <a:fillRef idx="0">
+            <a:schemeClr val="accent1"/>
+          </a:fillRef>
+          <a:effectRef idx="0">
+            <a:schemeClr val="accent1"/>
+          </a:effectRef>
+          <a:fontRef idx="minor">
+            <a:schemeClr val="tx1"/>
+          </a:fontRef>
+        </p:style>
+      </p:cxnSp>
+      <p:cxnSp>
+        <p:nvCxnSpPr>
+          <p:cNvPr id="25" name="Straight Connector 24"/>
+          <p:cNvCxnSpPr/>
+          <p:nvPr/>
+        </p:nvCxnSpPr>
+        <p:spPr>
+          <a:xfrm>
+            <a:off x="3099859" y="5604279"/>
+            <a:ext cx="2001211" cy="0"/>
+          </a:xfrm>
+          <a:prstGeom prst="line">
+            <a:avLst/>
+          </a:prstGeom>
+          <a:ln w="15875">
+            <a:solidFill>
+              <a:schemeClr val="tx1"/>
+            </a:solidFill>
+          </a:ln>
+        </p:spPr>
+        <p:style>
+          <a:lnRef idx="1">
+            <a:schemeClr val="accent1"/>
+          </a:lnRef>
+          <a:fillRef idx="0">
+            <a:schemeClr val="accent1"/>
+          </a:fillRef>
+          <a:effectRef idx="0">
+            <a:schemeClr val="accent1"/>
+          </a:effectRef>
+          <a:fontRef idx="minor">
+            <a:schemeClr val="tx1"/>
+          </a:fontRef>
+        </p:style>
+      </p:cxnSp>
+      <p:sp>
+        <p:nvSpPr>
+          <p:cNvPr id="26" name="TextBox 25"/>
+          <p:cNvSpPr txBox="1"/>
+          <p:nvPr/>
+        </p:nvSpPr>
+        <p:spPr>
+          <a:xfrm>
+            <a:off x="3303047" y="5604279"/>
+            <a:ext cx="263214" cy="276999"/>
+          </a:xfrm>
+          <a:prstGeom prst="rect">
+            <a:avLst/>
+          </a:prstGeom>
+          <a:noFill/>
+        </p:spPr>
+        <p:txBody>
+          <a:bodyPr wrap="none" rtlCol="0">
+            <a:spAutoFit/>
+          </a:bodyPr>
+          <a:lstStyle/>
+          <a:p>
+            <a:r>
+              <a:rPr lang="en-US" sz="1200" dirty="0" smtClean="0"/>
+              <a:t>1</a:t>
+            </a:r>
+            <a:endParaRPr lang="en-US" sz="1200" dirty="0"/>
+          </a:p>
+        </p:txBody>
+      </p:sp>
+      <p:sp>
+        <p:nvSpPr>
+          <p:cNvPr id="28" name="TextBox 27"/>
+          <p:cNvSpPr txBox="1"/>
+          <p:nvPr/>
+        </p:nvSpPr>
+        <p:spPr>
+          <a:xfrm>
+            <a:off x="2823891" y="5223279"/>
+            <a:ext cx="263214" cy="276999"/>
+          </a:xfrm>
+          <a:prstGeom prst="rect">
+            <a:avLst/>
+          </a:prstGeom>
+          <a:noFill/>
+        </p:spPr>
+        <p:txBody>
+          <a:bodyPr wrap="none" rtlCol="0">
+            <a:spAutoFit/>
+          </a:bodyPr>
+          <a:lstStyle/>
+          <a:p>
+            <a:r>
+              <a:rPr lang="en-US" sz="1200" dirty="0" smtClean="0"/>
+              <a:t>2</a:t>
+            </a:r>
+            <a:endParaRPr lang="en-US" sz="1200" dirty="0"/>
+          </a:p>
+        </p:txBody>
+      </p:sp>
+      <p:sp>
+        <p:nvSpPr>
+          <p:cNvPr id="29" name="TextBox 28"/>
+          <p:cNvSpPr txBox="1"/>
+          <p:nvPr/>
+        </p:nvSpPr>
+        <p:spPr>
+          <a:xfrm>
+            <a:off x="2814366" y="4876003"/>
+            <a:ext cx="263214" cy="276999"/>
+          </a:xfrm>
+          <a:prstGeom prst="rect">
+            <a:avLst/>
+          </a:prstGeom>
+          <a:noFill/>
+        </p:spPr>
+        <p:txBody>
+          <a:bodyPr wrap="none" rtlCol="0">
+            <a:spAutoFit/>
+          </a:bodyPr>
+          <a:lstStyle/>
+          <a:p>
+            <a:r>
+              <a:rPr lang="en-US" sz="1200" dirty="0" smtClean="0"/>
+              <a:t>4</a:t>
+            </a:r>
+            <a:endParaRPr lang="en-US" sz="1200" dirty="0"/>
+          </a:p>
+        </p:txBody>
+      </p:sp>
+      <p:sp>
+        <p:nvSpPr>
+          <p:cNvPr id="30" name="TextBox 29"/>
+          <p:cNvSpPr txBox="1"/>
+          <p:nvPr/>
+        </p:nvSpPr>
+        <p:spPr>
+          <a:xfrm>
+            <a:off x="2823891" y="4537479"/>
+            <a:ext cx="263214" cy="276999"/>
+          </a:xfrm>
+          <a:prstGeom prst="rect">
+            <a:avLst/>
+          </a:prstGeom>
+          <a:noFill/>
+        </p:spPr>
+        <p:txBody>
+          <a:bodyPr wrap="none" rtlCol="0">
+            <a:spAutoFit/>
+          </a:bodyPr>
+          <a:lstStyle/>
+          <a:p>
+            <a:r>
+              <a:rPr lang="en-US" sz="1200" dirty="0" smtClean="0"/>
+              <a:t>6</a:t>
+            </a:r>
+            <a:endParaRPr lang="en-US" sz="1200" dirty="0"/>
+          </a:p>
+        </p:txBody>
+      </p:sp>
+      <p:sp>
+        <p:nvSpPr>
+          <p:cNvPr id="31" name="TextBox 30"/>
+          <p:cNvSpPr txBox="1"/>
+          <p:nvPr/>
+        </p:nvSpPr>
+        <p:spPr>
+          <a:xfrm>
+            <a:off x="2823891" y="4161628"/>
+            <a:ext cx="263214" cy="276999"/>
+          </a:xfrm>
+          <a:prstGeom prst="rect">
+            <a:avLst/>
+          </a:prstGeom>
+          <a:noFill/>
+        </p:spPr>
+        <p:txBody>
+          <a:bodyPr wrap="none" rtlCol="0">
+            <a:spAutoFit/>
+          </a:bodyPr>
+          <a:lstStyle/>
+          <a:p>
+            <a:r>
+              <a:rPr lang="en-US" sz="1200" dirty="0" smtClean="0"/>
+              <a:t>8</a:t>
+            </a:r>
+            <a:endParaRPr lang="en-US" sz="1200" dirty="0"/>
+          </a:p>
+        </p:txBody>
+      </p:sp>
+      <p:sp>
+        <p:nvSpPr>
+          <p:cNvPr id="32" name="TextBox 31"/>
+          <p:cNvSpPr txBox="1"/>
+          <p:nvPr/>
+        </p:nvSpPr>
+        <p:spPr>
+          <a:xfrm>
+            <a:off x="3720404" y="5604279"/>
+            <a:ext cx="263214" cy="276999"/>
+          </a:xfrm>
+          <a:prstGeom prst="rect">
+            <a:avLst/>
+          </a:prstGeom>
+          <a:noFill/>
+        </p:spPr>
+        <p:txBody>
+          <a:bodyPr wrap="none" rtlCol="0">
+            <a:spAutoFit/>
+          </a:bodyPr>
+          <a:lstStyle/>
+          <a:p>
+            <a:r>
+              <a:rPr lang="en-US" sz="1200" dirty="0" smtClean="0"/>
+              <a:t>2</a:t>
+            </a:r>
+            <a:endParaRPr lang="en-US" sz="1200" dirty="0"/>
+          </a:p>
+        </p:txBody>
+      </p:sp>
+      <p:sp>
+        <p:nvSpPr>
+          <p:cNvPr id="33" name="TextBox 32"/>
+          <p:cNvSpPr txBox="1"/>
+          <p:nvPr/>
+        </p:nvSpPr>
+        <p:spPr>
+          <a:xfrm>
+            <a:off x="4156337" y="5604278"/>
+            <a:ext cx="263214" cy="276999"/>
+          </a:xfrm>
+          <a:prstGeom prst="rect">
+            <a:avLst/>
+          </a:prstGeom>
+          <a:noFill/>
+        </p:spPr>
+        <p:txBody>
+          <a:bodyPr wrap="none" rtlCol="0">
+            <a:spAutoFit/>
+          </a:bodyPr>
+          <a:lstStyle/>
+          <a:p>
+            <a:r>
+              <a:rPr lang="en-US" sz="1200" dirty="0" smtClean="0"/>
+              <a:t>3</a:t>
+            </a:r>
+            <a:endParaRPr lang="en-US" sz="1200" dirty="0"/>
+          </a:p>
+        </p:txBody>
+      </p:sp>
+      <p:cxnSp>
+        <p:nvCxnSpPr>
+          <p:cNvPr id="34" name="Straight Connector 33"/>
+          <p:cNvCxnSpPr/>
+          <p:nvPr/>
+        </p:nvCxnSpPr>
+        <p:spPr>
+          <a:xfrm flipV="1">
+            <a:off x="3380058" y="4300127"/>
+            <a:ext cx="907886" cy="690507"/>
+          </a:xfrm>
+          <a:prstGeom prst="line">
+            <a:avLst/>
+          </a:prstGeom>
+          <a:ln>
+            <a:solidFill>
+              <a:schemeClr val="tx1"/>
+            </a:solidFill>
+          </a:ln>
+        </p:spPr>
+        <p:style>
+          <a:lnRef idx="1">
+            <a:schemeClr val="accent1"/>
+          </a:lnRef>
+          <a:fillRef idx="0">
+            <a:schemeClr val="accent1"/>
+          </a:fillRef>
+          <a:effectRef idx="0">
+            <a:schemeClr val="accent1"/>
+          </a:effectRef>
+          <a:fontRef idx="minor">
+            <a:schemeClr val="tx1"/>
+          </a:fontRef>
+        </p:style>
+      </p:cxnSp>
+      <p:sp>
+        <p:nvSpPr>
+          <p:cNvPr id="27" name="TextBox 26"/>
+          <p:cNvSpPr txBox="1"/>
+          <p:nvPr/>
+        </p:nvSpPr>
+        <p:spPr>
+          <a:xfrm>
+            <a:off x="3583762" y="5881278"/>
+            <a:ext cx="888128" cy="276999"/>
+          </a:xfrm>
+          <a:prstGeom prst="rect">
+            <a:avLst/>
+          </a:prstGeom>
+          <a:noFill/>
+        </p:spPr>
+        <p:txBody>
+          <a:bodyPr wrap="none" rtlCol="0">
+            <a:spAutoFit/>
+          </a:bodyPr>
+          <a:lstStyle/>
+          <a:p>
+            <a:r>
+              <a:rPr lang="en-US" sz="1200" b="1" dirty="0" smtClean="0"/>
+              <a:t>X Numbers</a:t>
+            </a:r>
+            <a:endParaRPr lang="en-US" sz="1200" b="1" dirty="0"/>
+          </a:p>
+        </p:txBody>
+      </p:sp>
+      <p:sp>
+        <p:nvSpPr>
+          <p:cNvPr id="35" name="TextBox 34"/>
+          <p:cNvSpPr txBox="1"/>
+          <p:nvPr/>
+        </p:nvSpPr>
+        <p:spPr>
+          <a:xfrm rot="16200000">
+            <a:off x="2297499" y="4692453"/>
+            <a:ext cx="888128" cy="276999"/>
+          </a:xfrm>
+          <a:prstGeom prst="rect">
+            <a:avLst/>
+          </a:prstGeom>
+          <a:noFill/>
+        </p:spPr>
+        <p:txBody>
+          <a:bodyPr wrap="none" rtlCol="0">
+            <a:spAutoFit/>
+          </a:bodyPr>
+          <a:lstStyle/>
+          <a:p>
+            <a:r>
+              <a:rPr lang="en-US" sz="1200" b="1" dirty="0" smtClean="0"/>
+              <a:t>Y Numbers</a:t>
+            </a:r>
+            <a:endParaRPr lang="en-US" sz="1200" b="1" dirty="0"/>
+          </a:p>
+        </p:txBody>
+      </p:sp>
+      <p:sp>
+        <p:nvSpPr>
+          <p:cNvPr id="37" name="TextBox 36"/>
+          <p:cNvSpPr txBox="1"/>
+          <p:nvPr/>
+        </p:nvSpPr>
+        <p:spPr>
+          <a:xfrm>
+            <a:off x="3545993" y="3903657"/>
+            <a:ext cx="1362874" cy="276999"/>
+          </a:xfrm>
+          <a:prstGeom prst="rect">
+            <a:avLst/>
+          </a:prstGeom>
+          <a:noFill/>
+        </p:spPr>
+        <p:txBody>
+          <a:bodyPr wrap="none" rtlCol="0">
+            <a:spAutoFit/>
+          </a:bodyPr>
+          <a:lstStyle/>
+          <a:p>
+            <a:r>
+              <a:rPr lang="en-US" sz="1200" b="1" dirty="0" smtClean="0"/>
+              <a:t>My Plot of X and Y</a:t>
+            </a:r>
+            <a:endParaRPr lang="en-US" sz="1200" b="1" dirty="0"/>
+          </a:p>
+        </p:txBody>
+      </p:sp>
+    </p:spTree>
+    <p:extLst>
+      <p:ext uri="{BB962C8B-B14F-4D97-AF65-F5344CB8AC3E}">
+        <p14:creationId xmlns:p14="http://schemas.microsoft.com/office/powerpoint/2010/main" val="3506617235"/>
+      </p:ext>
+    </p:extLst>
+  </p:cSld>
+  <p:clrMapOvr>
+    <a:masterClrMapping/>
+  </p:clrMapOvr>
+  <p:timing>
+    <p:tnLst>
+      <p:par>
+        <p:cTn id="1" dur="indefinite" restart="never" nodeType="tmRoot"/>
+      </p:par>
+    </p:tnLst>
+  </p:timing>
+</p:sld>
+</file>
+
+<file path=ppt/slides/slide13.xml><?xml version="1.0" encoding="utf-8"?>
+<p:sld xmlns:a="http://schemas.openxmlformats.org/drawingml/2006/main" xmlns:r="http://schemas.openxmlformats.org/officeDocument/2006/relationships" xmlns:p="http://schemas.openxmlformats.org/presentationml/2006/main">
+  <p:cSld>
+    <p:spTree>
+      <p:nvGrpSpPr>
+        <p:cNvPr id="1" name=""/>
+        <p:cNvGrpSpPr/>
+        <p:nvPr/>
+      </p:nvGrpSpPr>
+      <p:grpSpPr>
+        <a:xfrm>
+          <a:off x="0" y="0"/>
+          <a:ext cx="0" cy="0"/>
+          <a:chOff x="0" y="0"/>
+          <a:chExt cx="0" cy="0"/>
+        </a:xfrm>
+      </p:grpSpPr>
+      <p:sp>
+        <p:nvSpPr>
+          <p:cNvPr id="2" name="Title 1"/>
+          <p:cNvSpPr>
+            <a:spLocks noGrp="1"/>
+          </p:cNvSpPr>
+          <p:nvPr>
+            <p:ph type="title"/>
+          </p:nvPr>
+        </p:nvSpPr>
+        <p:spPr>
+          <a:xfrm>
+            <a:off x="457200" y="274638"/>
+            <a:ext cx="8305800" cy="792162"/>
+          </a:xfrm>
+        </p:spPr>
+        <p:txBody>
+          <a:bodyPr>
+            <a:normAutofit fontScale="90000"/>
+          </a:bodyPr>
+          <a:lstStyle/>
+          <a:p>
+            <a:pPr algn="l"/>
+            <a:r>
+              <a:rPr lang="en-US" dirty="0" err="1" smtClean="0">
+                <a:solidFill>
+                  <a:schemeClr val="accent1">
+                    <a:lumMod val="75000"/>
+                  </a:schemeClr>
+                </a:solidFill>
+              </a:rPr>
+              <a:t>Matplotlib</a:t>
+            </a:r>
+            <a:r>
+              <a:rPr lang="en-US" dirty="0" smtClean="0">
+                <a:solidFill>
+                  <a:schemeClr val="accent1">
+                    <a:lumMod val="75000"/>
+                  </a:schemeClr>
+                </a:solidFill>
+              </a:rPr>
+              <a:t> – Multiple Plots and Legend</a:t>
+            </a:r>
+            <a:endParaRPr lang="en-US" dirty="0">
+              <a:solidFill>
+                <a:schemeClr val="accent1">
+                  <a:lumMod val="75000"/>
+                </a:schemeClr>
+              </a:solidFill>
+            </a:endParaRPr>
+          </a:p>
+        </p:txBody>
+      </p:sp>
+      <p:cxnSp>
+        <p:nvCxnSpPr>
+          <p:cNvPr id="5" name="Straight Connector 4"/>
+          <p:cNvCxnSpPr/>
+          <p:nvPr/>
+        </p:nvCxnSpPr>
+        <p:spPr>
+          <a:xfrm>
+            <a:off x="0" y="990600"/>
+            <a:ext cx="9144000" cy="0"/>
+          </a:xfrm>
+          <a:prstGeom prst="line">
+            <a:avLst/>
+          </a:prstGeom>
+          <a:ln w="19050"/>
+        </p:spPr>
+        <p:style>
+          <a:lnRef idx="1">
+            <a:schemeClr val="accent1"/>
+          </a:lnRef>
+          <a:fillRef idx="0">
+            <a:schemeClr val="accent1"/>
+          </a:fillRef>
+          <a:effectRef idx="0">
+            <a:schemeClr val="accent1"/>
+          </a:effectRef>
+          <a:fontRef idx="minor">
+            <a:schemeClr val="tx1"/>
+          </a:fontRef>
+        </p:style>
+      </p:cxnSp>
+      <p:sp>
+        <p:nvSpPr>
+          <p:cNvPr id="36" name="TextBox 35"/>
+          <p:cNvSpPr txBox="1"/>
+          <p:nvPr/>
+        </p:nvSpPr>
+        <p:spPr>
+          <a:xfrm>
+            <a:off x="152400" y="1164134"/>
+            <a:ext cx="5295360" cy="461665"/>
+          </a:xfrm>
+          <a:prstGeom prst="rect">
+            <a:avLst/>
+          </a:prstGeom>
+          <a:noFill/>
+        </p:spPr>
+        <p:txBody>
+          <a:bodyPr wrap="none" rtlCol="0">
+            <a:spAutoFit/>
+          </a:bodyPr>
+          <a:lstStyle/>
+          <a:p>
+            <a:pPr marL="285750" indent="-285750">
+              <a:buFont typeface="Arial" panose="020B0604020202020204" pitchFamily="34" charset="0"/>
+              <a:buChar char="•"/>
+            </a:pPr>
+            <a:r>
+              <a:rPr lang="en-US" sz="2400" b="1" dirty="0" smtClean="0">
+                <a:solidFill>
+                  <a:schemeClr val="accent5">
+                    <a:lumMod val="75000"/>
+                  </a:schemeClr>
+                </a:solidFill>
+              </a:rPr>
+              <a:t>You can add multiple plots in a Graph </a:t>
+            </a:r>
+            <a:endParaRPr lang="en-US" sz="2400" b="1" dirty="0" smtClean="0">
+              <a:solidFill>
+                <a:schemeClr val="accent5">
+                  <a:lumMod val="75000"/>
+                </a:schemeClr>
+              </a:solidFill>
+            </a:endParaRPr>
+          </a:p>
+        </p:txBody>
+      </p:sp>
+      <p:sp>
+        <p:nvSpPr>
+          <p:cNvPr id="18" name="TextBox 17"/>
+          <p:cNvSpPr txBox="1"/>
+          <p:nvPr/>
+        </p:nvSpPr>
+        <p:spPr>
+          <a:xfrm>
+            <a:off x="485033" y="1752600"/>
+            <a:ext cx="8494633" cy="2246769"/>
+          </a:xfrm>
+          <a:prstGeom prst="rect">
+            <a:avLst/>
+          </a:prstGeom>
+          <a:noFill/>
+        </p:spPr>
+        <p:txBody>
+          <a:bodyPr wrap="none" rtlCol="0">
+            <a:spAutoFit/>
+          </a:bodyPr>
+          <a:lstStyle/>
+          <a:p>
+            <a:pPr marL="285750" indent="-285750">
+              <a:buFont typeface="Arial" panose="020B0604020202020204" pitchFamily="34" charset="0"/>
+              <a:buChar char="•"/>
+            </a:pPr>
+            <a:endParaRPr lang="en-US" sz="1400" b="1" dirty="0">
+              <a:solidFill>
+                <a:schemeClr val="accent5">
+                  <a:lumMod val="75000"/>
+                </a:schemeClr>
+              </a:solidFill>
+            </a:endParaRPr>
+          </a:p>
+          <a:p>
+            <a:r>
+              <a:rPr lang="en-US" sz="1400" b="1" dirty="0" smtClean="0">
+                <a:solidFill>
+                  <a:schemeClr val="accent5">
+                    <a:lumMod val="75000"/>
+                  </a:schemeClr>
+                </a:solidFill>
+              </a:rPr>
+              <a:t>		</a:t>
+            </a:r>
+            <a:r>
+              <a:rPr lang="en-US" dirty="0" err="1" smtClean="0"/>
+              <a:t>plt.plot</a:t>
+            </a:r>
+            <a:r>
+              <a:rPr lang="en-US" dirty="0" smtClean="0"/>
+              <a:t>( [ 1, 2, 3 ], [ 4, 6, 8 ], label=‘ 1st Line’ )	</a:t>
+            </a:r>
+            <a:r>
+              <a:rPr lang="en-US" dirty="0" smtClean="0">
+                <a:solidFill>
+                  <a:srgbClr val="00B050"/>
+                </a:solidFill>
+              </a:rPr>
+              <a:t># Plot for 1</a:t>
+            </a:r>
+            <a:r>
+              <a:rPr lang="en-US" baseline="30000" dirty="0" smtClean="0">
+                <a:solidFill>
+                  <a:srgbClr val="00B050"/>
+                </a:solidFill>
+              </a:rPr>
+              <a:t>st</a:t>
+            </a:r>
+            <a:r>
+              <a:rPr lang="en-US" dirty="0" smtClean="0">
+                <a:solidFill>
+                  <a:srgbClr val="00B050"/>
+                </a:solidFill>
+              </a:rPr>
+              <a:t> Line</a:t>
+            </a:r>
+            <a:r>
+              <a:rPr lang="en-US" dirty="0" smtClean="0"/>
+              <a:t>	</a:t>
+            </a:r>
+            <a:br>
+              <a:rPr lang="en-US" dirty="0" smtClean="0"/>
+            </a:br>
+            <a:r>
+              <a:rPr lang="en-US" dirty="0" smtClean="0"/>
+              <a:t>		</a:t>
+            </a:r>
+            <a:r>
+              <a:rPr lang="en-US" dirty="0" err="1" smtClean="0"/>
+              <a:t>plt.plot</a:t>
+            </a:r>
+            <a:r>
+              <a:rPr lang="en-US" dirty="0" smtClean="0"/>
+              <a:t>( [ 1, 2, 3 ], [ 2, 4, 6 ], label=‘2nd Line’ )	</a:t>
+            </a:r>
+            <a:r>
+              <a:rPr lang="en-US" dirty="0" smtClean="0">
+                <a:solidFill>
+                  <a:srgbClr val="00B050"/>
+                </a:solidFill>
+              </a:rPr>
+              <a:t># Plot for 2</a:t>
+            </a:r>
+            <a:r>
+              <a:rPr lang="en-US" baseline="30000" dirty="0" smtClean="0">
+                <a:solidFill>
+                  <a:srgbClr val="00B050"/>
+                </a:solidFill>
+              </a:rPr>
+              <a:t>nd</a:t>
+            </a:r>
+            <a:r>
+              <a:rPr lang="en-US" dirty="0" smtClean="0">
+                <a:solidFill>
+                  <a:srgbClr val="00B050"/>
+                </a:solidFill>
+              </a:rPr>
+              <a:t> Line</a:t>
+            </a:r>
+            <a:r>
+              <a:rPr lang="en-US" dirty="0" smtClean="0"/>
+              <a:t>	</a:t>
+            </a:r>
+            <a:endParaRPr lang="en-US" dirty="0" smtClean="0">
+              <a:solidFill>
+                <a:srgbClr val="00B050"/>
+              </a:solidFill>
+            </a:endParaRPr>
+          </a:p>
+          <a:p>
+            <a:r>
+              <a:rPr lang="en-US" dirty="0"/>
+              <a:t>	</a:t>
+            </a:r>
+            <a:r>
+              <a:rPr lang="en-US" dirty="0" smtClean="0"/>
+              <a:t>	</a:t>
+            </a:r>
+            <a:r>
+              <a:rPr lang="en-US" dirty="0" err="1" smtClean="0"/>
+              <a:t>plt.xlabel</a:t>
+            </a:r>
+            <a:r>
+              <a:rPr lang="en-US" dirty="0" smtClean="0"/>
+              <a:t>( “X Numbers” )		</a:t>
+            </a:r>
+            <a:r>
+              <a:rPr lang="en-US" dirty="0" smtClean="0">
+                <a:solidFill>
+                  <a:srgbClr val="00B050"/>
+                </a:solidFill>
+              </a:rPr>
+              <a:t> </a:t>
+            </a:r>
+          </a:p>
+          <a:p>
+            <a:r>
+              <a:rPr lang="en-US" dirty="0"/>
+              <a:t>	</a:t>
+            </a:r>
+            <a:r>
+              <a:rPr lang="en-US" dirty="0" smtClean="0"/>
+              <a:t>	</a:t>
+            </a:r>
+            <a:r>
+              <a:rPr lang="en-US" dirty="0" err="1" smtClean="0"/>
+              <a:t>plt.xlabel</a:t>
+            </a:r>
+            <a:r>
+              <a:rPr lang="en-US" dirty="0" smtClean="0"/>
+              <a:t>( “Y Numbers” )		</a:t>
+            </a:r>
+            <a:r>
+              <a:rPr lang="en-US" dirty="0" smtClean="0">
+                <a:solidFill>
+                  <a:srgbClr val="00B050"/>
+                </a:solidFill>
+              </a:rPr>
+              <a:t> </a:t>
+            </a:r>
+          </a:p>
+          <a:p>
+            <a:r>
+              <a:rPr lang="en-US" dirty="0"/>
+              <a:t>	</a:t>
+            </a:r>
+            <a:r>
+              <a:rPr lang="en-US" dirty="0" smtClean="0"/>
+              <a:t>	</a:t>
+            </a:r>
+            <a:r>
+              <a:rPr lang="en-US" dirty="0" err="1" smtClean="0"/>
+              <a:t>plt.title</a:t>
+            </a:r>
+            <a:r>
+              <a:rPr lang="en-US" dirty="0" smtClean="0"/>
+              <a:t>( “My Plot of X and Y”)</a:t>
+            </a:r>
+            <a:r>
+              <a:rPr lang="en-US" dirty="0"/>
+              <a:t> </a:t>
+            </a:r>
+            <a:endParaRPr lang="en-US" dirty="0" smtClean="0"/>
+          </a:p>
+          <a:p>
+            <a:r>
+              <a:rPr lang="en-US" dirty="0"/>
+              <a:t>	</a:t>
+            </a:r>
+            <a:r>
+              <a:rPr lang="en-US" dirty="0" smtClean="0"/>
+              <a:t>	</a:t>
+            </a:r>
+            <a:r>
+              <a:rPr lang="en-US" dirty="0" err="1" smtClean="0"/>
+              <a:t>plt.legend</a:t>
+            </a:r>
+            <a:r>
+              <a:rPr lang="en-US" dirty="0" smtClean="0"/>
+              <a:t>()			</a:t>
+            </a:r>
+            <a:r>
+              <a:rPr lang="en-US" dirty="0" smtClean="0">
+                <a:solidFill>
+                  <a:srgbClr val="00B050"/>
+                </a:solidFill>
+              </a:rPr>
+              <a:t># Show Legend for the plots</a:t>
+            </a:r>
+          </a:p>
+          <a:p>
+            <a:r>
+              <a:rPr lang="en-US" dirty="0"/>
+              <a:t>	</a:t>
+            </a:r>
+            <a:r>
+              <a:rPr lang="en-US" dirty="0" smtClean="0"/>
+              <a:t>	</a:t>
+            </a:r>
+            <a:r>
+              <a:rPr lang="en-US" dirty="0" err="1" smtClean="0"/>
+              <a:t>plt.show</a:t>
+            </a:r>
+            <a:r>
+              <a:rPr lang="en-US" dirty="0" smtClean="0"/>
+              <a:t>()</a:t>
+            </a:r>
+            <a:endParaRPr lang="en-US" dirty="0"/>
+          </a:p>
+        </p:txBody>
+      </p:sp>
+      <p:sp>
+        <p:nvSpPr>
+          <p:cNvPr id="20" name="TextBox 19"/>
+          <p:cNvSpPr txBox="1"/>
+          <p:nvPr/>
+        </p:nvSpPr>
+        <p:spPr>
+          <a:xfrm>
+            <a:off x="4214189" y="3651983"/>
+            <a:ext cx="219932" cy="276999"/>
+          </a:xfrm>
+          <a:prstGeom prst="rect">
+            <a:avLst/>
+          </a:prstGeom>
+          <a:noFill/>
+        </p:spPr>
+        <p:txBody>
+          <a:bodyPr wrap="none" rtlCol="0">
+            <a:spAutoFit/>
+          </a:bodyPr>
+          <a:lstStyle/>
+          <a:p>
+            <a:r>
+              <a:rPr lang="en-US" sz="1200" dirty="0" smtClean="0">
+                <a:solidFill>
+                  <a:srgbClr val="00B050"/>
+                </a:solidFill>
+              </a:rPr>
+              <a:t> </a:t>
+            </a:r>
+            <a:endParaRPr lang="en-US" sz="1200" dirty="0">
+              <a:solidFill>
+                <a:srgbClr val="00B050"/>
+              </a:solidFill>
+            </a:endParaRPr>
+          </a:p>
+        </p:txBody>
+      </p:sp>
+      <p:cxnSp>
+        <p:nvCxnSpPr>
+          <p:cNvPr id="23" name="Straight Connector 22"/>
+          <p:cNvCxnSpPr/>
+          <p:nvPr/>
+        </p:nvCxnSpPr>
+        <p:spPr>
+          <a:xfrm>
+            <a:off x="3099859" y="4592908"/>
+            <a:ext cx="0" cy="1447800"/>
+          </a:xfrm>
+          <a:prstGeom prst="line">
+            <a:avLst/>
+          </a:prstGeom>
+          <a:ln w="15875">
+            <a:solidFill>
+              <a:schemeClr val="tx1"/>
+            </a:solidFill>
+          </a:ln>
+        </p:spPr>
+        <p:style>
+          <a:lnRef idx="1">
+            <a:schemeClr val="accent1"/>
+          </a:lnRef>
+          <a:fillRef idx="0">
+            <a:schemeClr val="accent1"/>
+          </a:fillRef>
+          <a:effectRef idx="0">
+            <a:schemeClr val="accent1"/>
+          </a:effectRef>
+          <a:fontRef idx="minor">
+            <a:schemeClr val="tx1"/>
+          </a:fontRef>
+        </p:style>
+      </p:cxnSp>
+      <p:cxnSp>
+        <p:nvCxnSpPr>
+          <p:cNvPr id="25" name="Straight Connector 24"/>
+          <p:cNvCxnSpPr/>
+          <p:nvPr/>
+        </p:nvCxnSpPr>
+        <p:spPr>
+          <a:xfrm>
+            <a:off x="3099859" y="6040708"/>
+            <a:ext cx="2001211" cy="0"/>
+          </a:xfrm>
+          <a:prstGeom prst="line">
+            <a:avLst/>
+          </a:prstGeom>
+          <a:ln w="15875">
+            <a:solidFill>
+              <a:schemeClr val="tx1"/>
+            </a:solidFill>
+          </a:ln>
+        </p:spPr>
+        <p:style>
+          <a:lnRef idx="1">
+            <a:schemeClr val="accent1"/>
+          </a:lnRef>
+          <a:fillRef idx="0">
+            <a:schemeClr val="accent1"/>
+          </a:fillRef>
+          <a:effectRef idx="0">
+            <a:schemeClr val="accent1"/>
+          </a:effectRef>
+          <a:fontRef idx="minor">
+            <a:schemeClr val="tx1"/>
+          </a:fontRef>
+        </p:style>
+      </p:cxnSp>
+      <p:sp>
+        <p:nvSpPr>
+          <p:cNvPr id="26" name="TextBox 25"/>
+          <p:cNvSpPr txBox="1"/>
+          <p:nvPr/>
+        </p:nvSpPr>
+        <p:spPr>
+          <a:xfrm>
+            <a:off x="3303047" y="6040708"/>
+            <a:ext cx="263214" cy="276999"/>
+          </a:xfrm>
+          <a:prstGeom prst="rect">
+            <a:avLst/>
+          </a:prstGeom>
+          <a:noFill/>
+        </p:spPr>
+        <p:txBody>
+          <a:bodyPr wrap="none" rtlCol="0">
+            <a:spAutoFit/>
+          </a:bodyPr>
+          <a:lstStyle/>
+          <a:p>
+            <a:r>
+              <a:rPr lang="en-US" sz="1200" dirty="0" smtClean="0"/>
+              <a:t>1</a:t>
+            </a:r>
+            <a:endParaRPr lang="en-US" sz="1200" dirty="0"/>
+          </a:p>
+        </p:txBody>
+      </p:sp>
+      <p:sp>
+        <p:nvSpPr>
+          <p:cNvPr id="28" name="TextBox 27"/>
+          <p:cNvSpPr txBox="1"/>
+          <p:nvPr/>
+        </p:nvSpPr>
+        <p:spPr>
+          <a:xfrm>
+            <a:off x="2823891" y="5659708"/>
+            <a:ext cx="263214" cy="276999"/>
+          </a:xfrm>
+          <a:prstGeom prst="rect">
+            <a:avLst/>
+          </a:prstGeom>
+          <a:noFill/>
+        </p:spPr>
+        <p:txBody>
+          <a:bodyPr wrap="none" rtlCol="0">
+            <a:spAutoFit/>
+          </a:bodyPr>
+          <a:lstStyle/>
+          <a:p>
+            <a:r>
+              <a:rPr lang="en-US" sz="1200" dirty="0" smtClean="0"/>
+              <a:t>2</a:t>
+            </a:r>
+            <a:endParaRPr lang="en-US" sz="1200" dirty="0"/>
+          </a:p>
+        </p:txBody>
+      </p:sp>
+      <p:sp>
+        <p:nvSpPr>
+          <p:cNvPr id="29" name="TextBox 28"/>
+          <p:cNvSpPr txBox="1"/>
+          <p:nvPr/>
+        </p:nvSpPr>
+        <p:spPr>
+          <a:xfrm>
+            <a:off x="2814366" y="5312432"/>
+            <a:ext cx="263214" cy="276999"/>
+          </a:xfrm>
+          <a:prstGeom prst="rect">
+            <a:avLst/>
+          </a:prstGeom>
+          <a:noFill/>
+        </p:spPr>
+        <p:txBody>
+          <a:bodyPr wrap="none" rtlCol="0">
+            <a:spAutoFit/>
+          </a:bodyPr>
+          <a:lstStyle/>
+          <a:p>
+            <a:r>
+              <a:rPr lang="en-US" sz="1200" dirty="0" smtClean="0"/>
+              <a:t>4</a:t>
+            </a:r>
+            <a:endParaRPr lang="en-US" sz="1200" dirty="0"/>
+          </a:p>
+        </p:txBody>
+      </p:sp>
+      <p:sp>
+        <p:nvSpPr>
+          <p:cNvPr id="30" name="TextBox 29"/>
+          <p:cNvSpPr txBox="1"/>
+          <p:nvPr/>
+        </p:nvSpPr>
+        <p:spPr>
+          <a:xfrm>
+            <a:off x="2823891" y="4973908"/>
+            <a:ext cx="263214" cy="276999"/>
+          </a:xfrm>
+          <a:prstGeom prst="rect">
+            <a:avLst/>
+          </a:prstGeom>
+          <a:noFill/>
+        </p:spPr>
+        <p:txBody>
+          <a:bodyPr wrap="none" rtlCol="0">
+            <a:spAutoFit/>
+          </a:bodyPr>
+          <a:lstStyle/>
+          <a:p>
+            <a:r>
+              <a:rPr lang="en-US" sz="1200" dirty="0" smtClean="0"/>
+              <a:t>6</a:t>
+            </a:r>
+            <a:endParaRPr lang="en-US" sz="1200" dirty="0"/>
+          </a:p>
+        </p:txBody>
+      </p:sp>
+      <p:sp>
+        <p:nvSpPr>
+          <p:cNvPr id="31" name="TextBox 30"/>
+          <p:cNvSpPr txBox="1"/>
+          <p:nvPr/>
+        </p:nvSpPr>
+        <p:spPr>
+          <a:xfrm>
+            <a:off x="2823891" y="4598057"/>
+            <a:ext cx="263214" cy="276999"/>
+          </a:xfrm>
+          <a:prstGeom prst="rect">
+            <a:avLst/>
+          </a:prstGeom>
+          <a:noFill/>
+        </p:spPr>
+        <p:txBody>
+          <a:bodyPr wrap="none" rtlCol="0">
+            <a:spAutoFit/>
+          </a:bodyPr>
+          <a:lstStyle/>
+          <a:p>
+            <a:r>
+              <a:rPr lang="en-US" sz="1200" dirty="0" smtClean="0"/>
+              <a:t>8</a:t>
+            </a:r>
+            <a:endParaRPr lang="en-US" sz="1200" dirty="0"/>
+          </a:p>
+        </p:txBody>
+      </p:sp>
+      <p:sp>
+        <p:nvSpPr>
+          <p:cNvPr id="32" name="TextBox 31"/>
+          <p:cNvSpPr txBox="1"/>
+          <p:nvPr/>
+        </p:nvSpPr>
+        <p:spPr>
+          <a:xfrm>
+            <a:off x="3720404" y="6040708"/>
+            <a:ext cx="263214" cy="276999"/>
+          </a:xfrm>
+          <a:prstGeom prst="rect">
+            <a:avLst/>
+          </a:prstGeom>
+          <a:noFill/>
+        </p:spPr>
+        <p:txBody>
+          <a:bodyPr wrap="none" rtlCol="0">
+            <a:spAutoFit/>
+          </a:bodyPr>
+          <a:lstStyle/>
+          <a:p>
+            <a:r>
+              <a:rPr lang="en-US" sz="1200" dirty="0" smtClean="0"/>
+              <a:t>2</a:t>
+            </a:r>
+            <a:endParaRPr lang="en-US" sz="1200" dirty="0"/>
+          </a:p>
+        </p:txBody>
+      </p:sp>
+      <p:sp>
+        <p:nvSpPr>
+          <p:cNvPr id="33" name="TextBox 32"/>
+          <p:cNvSpPr txBox="1"/>
+          <p:nvPr/>
+        </p:nvSpPr>
+        <p:spPr>
+          <a:xfrm>
+            <a:off x="4156337" y="6040707"/>
+            <a:ext cx="263214" cy="276999"/>
+          </a:xfrm>
+          <a:prstGeom prst="rect">
+            <a:avLst/>
+          </a:prstGeom>
+          <a:noFill/>
+        </p:spPr>
+        <p:txBody>
+          <a:bodyPr wrap="none" rtlCol="0">
+            <a:spAutoFit/>
+          </a:bodyPr>
+          <a:lstStyle/>
+          <a:p>
+            <a:r>
+              <a:rPr lang="en-US" sz="1200" dirty="0" smtClean="0"/>
+              <a:t>3</a:t>
+            </a:r>
+            <a:endParaRPr lang="en-US" sz="1200" dirty="0"/>
+          </a:p>
+        </p:txBody>
+      </p:sp>
+      <p:cxnSp>
+        <p:nvCxnSpPr>
+          <p:cNvPr id="34" name="Straight Connector 33"/>
+          <p:cNvCxnSpPr/>
+          <p:nvPr/>
+        </p:nvCxnSpPr>
+        <p:spPr>
+          <a:xfrm flipV="1">
+            <a:off x="3434654" y="5112407"/>
+            <a:ext cx="889501" cy="685802"/>
+          </a:xfrm>
+          <a:prstGeom prst="line">
+            <a:avLst/>
+          </a:prstGeom>
+          <a:ln>
+            <a:solidFill>
+              <a:schemeClr val="tx1"/>
+            </a:solidFill>
+          </a:ln>
+        </p:spPr>
+        <p:style>
+          <a:lnRef idx="1">
+            <a:schemeClr val="accent1"/>
+          </a:lnRef>
+          <a:fillRef idx="0">
+            <a:schemeClr val="accent1"/>
+          </a:fillRef>
+          <a:effectRef idx="0">
+            <a:schemeClr val="accent1"/>
+          </a:effectRef>
+          <a:fontRef idx="minor">
+            <a:schemeClr val="tx1"/>
+          </a:fontRef>
+        </p:style>
+      </p:cxnSp>
+      <p:sp>
+        <p:nvSpPr>
+          <p:cNvPr id="27" name="TextBox 26"/>
+          <p:cNvSpPr txBox="1"/>
+          <p:nvPr/>
+        </p:nvSpPr>
+        <p:spPr>
+          <a:xfrm>
+            <a:off x="3583762" y="6317707"/>
+            <a:ext cx="888128" cy="276999"/>
+          </a:xfrm>
+          <a:prstGeom prst="rect">
+            <a:avLst/>
+          </a:prstGeom>
+          <a:noFill/>
+        </p:spPr>
+        <p:txBody>
+          <a:bodyPr wrap="none" rtlCol="0">
+            <a:spAutoFit/>
+          </a:bodyPr>
+          <a:lstStyle/>
+          <a:p>
+            <a:r>
+              <a:rPr lang="en-US" sz="1200" b="1" dirty="0" smtClean="0"/>
+              <a:t>X Numbers</a:t>
+            </a:r>
+            <a:endParaRPr lang="en-US" sz="1200" b="1" dirty="0"/>
+          </a:p>
+        </p:txBody>
+      </p:sp>
+      <p:sp>
+        <p:nvSpPr>
+          <p:cNvPr id="35" name="TextBox 34"/>
+          <p:cNvSpPr txBox="1"/>
+          <p:nvPr/>
+        </p:nvSpPr>
+        <p:spPr>
+          <a:xfrm rot="16200000">
+            <a:off x="2297499" y="5128882"/>
+            <a:ext cx="888128" cy="276999"/>
+          </a:xfrm>
+          <a:prstGeom prst="rect">
+            <a:avLst/>
+          </a:prstGeom>
+          <a:noFill/>
+        </p:spPr>
+        <p:txBody>
+          <a:bodyPr wrap="none" rtlCol="0">
+            <a:spAutoFit/>
+          </a:bodyPr>
+          <a:lstStyle/>
+          <a:p>
+            <a:r>
+              <a:rPr lang="en-US" sz="1200" b="1" dirty="0" smtClean="0"/>
+              <a:t>Y Numbers</a:t>
+            </a:r>
+            <a:endParaRPr lang="en-US" sz="1200" b="1" dirty="0"/>
+          </a:p>
+        </p:txBody>
+      </p:sp>
+      <p:sp>
+        <p:nvSpPr>
+          <p:cNvPr id="37" name="TextBox 36"/>
+          <p:cNvSpPr txBox="1"/>
+          <p:nvPr/>
+        </p:nvSpPr>
+        <p:spPr>
+          <a:xfrm>
+            <a:off x="3545993" y="4340086"/>
+            <a:ext cx="1362874" cy="276999"/>
+          </a:xfrm>
+          <a:prstGeom prst="rect">
+            <a:avLst/>
+          </a:prstGeom>
+          <a:noFill/>
+        </p:spPr>
+        <p:txBody>
+          <a:bodyPr wrap="none" rtlCol="0">
+            <a:spAutoFit/>
+          </a:bodyPr>
+          <a:lstStyle/>
+          <a:p>
+            <a:r>
+              <a:rPr lang="en-US" sz="1200" b="1" dirty="0" smtClean="0"/>
+              <a:t>My Plot of X and Y</a:t>
+            </a:r>
+            <a:endParaRPr lang="en-US" sz="1200" b="1" dirty="0"/>
+          </a:p>
+        </p:txBody>
+      </p:sp>
+      <p:cxnSp>
+        <p:nvCxnSpPr>
+          <p:cNvPr id="21" name="Straight Connector 20"/>
+          <p:cNvCxnSpPr/>
+          <p:nvPr/>
+        </p:nvCxnSpPr>
+        <p:spPr>
+          <a:xfrm flipV="1">
+            <a:off x="3434654" y="4736556"/>
+            <a:ext cx="889501" cy="633917"/>
+          </a:xfrm>
+          <a:prstGeom prst="line">
+            <a:avLst/>
+          </a:prstGeom>
+          <a:ln>
+            <a:solidFill>
+              <a:schemeClr val="accent6">
+                <a:lumMod val="75000"/>
+              </a:schemeClr>
+            </a:solidFill>
+          </a:ln>
+        </p:spPr>
+        <p:style>
+          <a:lnRef idx="1">
+            <a:schemeClr val="accent1"/>
+          </a:lnRef>
+          <a:fillRef idx="0">
+            <a:schemeClr val="accent1"/>
+          </a:fillRef>
+          <a:effectRef idx="0">
+            <a:schemeClr val="accent1"/>
+          </a:effectRef>
+          <a:fontRef idx="minor">
+            <a:schemeClr val="tx1"/>
+          </a:fontRef>
+        </p:style>
+      </p:cxnSp>
+      <p:sp>
+        <p:nvSpPr>
+          <p:cNvPr id="9" name="TextBox 8"/>
+          <p:cNvSpPr txBox="1"/>
+          <p:nvPr/>
+        </p:nvSpPr>
+        <p:spPr>
+          <a:xfrm>
+            <a:off x="4572000" y="4615341"/>
+            <a:ext cx="885179" cy="461665"/>
+          </a:xfrm>
+          <a:prstGeom prst="rect">
+            <a:avLst/>
+          </a:prstGeom>
+          <a:noFill/>
+          <a:ln>
+            <a:solidFill>
+              <a:schemeClr val="tx1"/>
+            </a:solidFill>
+          </a:ln>
+        </p:spPr>
+        <p:txBody>
+          <a:bodyPr wrap="none" rtlCol="0">
+            <a:spAutoFit/>
+          </a:bodyPr>
+          <a:lstStyle/>
+          <a:p>
+            <a:r>
+              <a:rPr lang="en-US" sz="1200" dirty="0" smtClean="0">
+                <a:solidFill>
+                  <a:schemeClr val="accent6">
+                    <a:lumMod val="75000"/>
+                  </a:schemeClr>
+                </a:solidFill>
+              </a:rPr>
+              <a:t>----</a:t>
+            </a:r>
+            <a:r>
+              <a:rPr lang="en-US" sz="1200" dirty="0" smtClean="0"/>
+              <a:t> 1</a:t>
+            </a:r>
+            <a:r>
+              <a:rPr lang="en-US" sz="1200" baseline="30000" dirty="0" smtClean="0"/>
+              <a:t>st</a:t>
+            </a:r>
+            <a:r>
+              <a:rPr lang="en-US" sz="1200" dirty="0" smtClean="0"/>
+              <a:t> Line</a:t>
+            </a:r>
+          </a:p>
+          <a:p>
+            <a:r>
+              <a:rPr lang="en-US" sz="1200" dirty="0" smtClean="0"/>
+              <a:t>---- 2</a:t>
+            </a:r>
+            <a:r>
+              <a:rPr lang="en-US" sz="1200" baseline="30000" dirty="0" smtClean="0"/>
+              <a:t>nd</a:t>
+            </a:r>
+            <a:r>
+              <a:rPr lang="en-US" sz="1200" dirty="0" smtClean="0"/>
+              <a:t> Line</a:t>
+            </a:r>
+            <a:endParaRPr lang="en-US" sz="1200" dirty="0"/>
+          </a:p>
+        </p:txBody>
+      </p:sp>
+    </p:spTree>
+    <p:extLst>
+      <p:ext uri="{BB962C8B-B14F-4D97-AF65-F5344CB8AC3E}">
+        <p14:creationId xmlns:p14="http://schemas.microsoft.com/office/powerpoint/2010/main" val="1891705954"/>
+      </p:ext>
+    </p:extLst>
+  </p:cSld>
+  <p:clrMapOvr>
+    <a:masterClrMapping/>
+  </p:clrMapOvr>
+  <p:timing>
+    <p:tnLst>
+      <p:par>
+        <p:cTn id="1" dur="indefinite" restart="never" nodeType="tmRoot"/>
+      </p:par>
+    </p:tnLst>
+  </p:timing>
+</p:sld>
+</file>
+
+<file path=ppt/slides/slide14.xml><?xml version="1.0" encoding="utf-8"?>
+<p:sld xmlns:a="http://schemas.openxmlformats.org/drawingml/2006/main" xmlns:r="http://schemas.openxmlformats.org/officeDocument/2006/relationships" xmlns:p="http://schemas.openxmlformats.org/presentationml/2006/main">
+  <p:cSld>
+    <p:spTree>
+      <p:nvGrpSpPr>
+        <p:cNvPr id="1" name=""/>
+        <p:cNvGrpSpPr/>
+        <p:nvPr/>
+      </p:nvGrpSpPr>
+      <p:grpSpPr>
+        <a:xfrm>
+          <a:off x="0" y="0"/>
+          <a:ext cx="0" cy="0"/>
+          <a:chOff x="0" y="0"/>
+          <a:chExt cx="0" cy="0"/>
+        </a:xfrm>
+      </p:grpSpPr>
+      <p:sp>
+        <p:nvSpPr>
+          <p:cNvPr id="2" name="Title 1"/>
+          <p:cNvSpPr>
+            <a:spLocks noGrp="1"/>
+          </p:cNvSpPr>
+          <p:nvPr>
+            <p:ph type="title"/>
+          </p:nvPr>
+        </p:nvSpPr>
+        <p:spPr>
+          <a:xfrm>
+            <a:off x="457200" y="274638"/>
+            <a:ext cx="8305800" cy="792162"/>
+          </a:xfrm>
+        </p:spPr>
+        <p:txBody>
+          <a:bodyPr>
+            <a:normAutofit/>
+          </a:bodyPr>
+          <a:lstStyle/>
+          <a:p>
+            <a:pPr algn="l"/>
+            <a:r>
+              <a:rPr lang="en-US" dirty="0" err="1" smtClean="0">
+                <a:solidFill>
+                  <a:schemeClr val="accent1">
+                    <a:lumMod val="75000"/>
+                  </a:schemeClr>
+                </a:solidFill>
+              </a:rPr>
+              <a:t>Matplotlib</a:t>
+            </a:r>
+            <a:r>
+              <a:rPr lang="en-US" dirty="0" smtClean="0">
+                <a:solidFill>
+                  <a:schemeClr val="accent1">
+                    <a:lumMod val="75000"/>
+                  </a:schemeClr>
+                </a:solidFill>
+              </a:rPr>
+              <a:t> – Bar Chart</a:t>
+            </a:r>
+            <a:endParaRPr lang="en-US" dirty="0">
+              <a:solidFill>
+                <a:schemeClr val="accent1">
+                  <a:lumMod val="75000"/>
+                </a:schemeClr>
+              </a:solidFill>
+            </a:endParaRPr>
+          </a:p>
+        </p:txBody>
+      </p:sp>
+      <p:cxnSp>
+        <p:nvCxnSpPr>
+          <p:cNvPr id="5" name="Straight Connector 4"/>
+          <p:cNvCxnSpPr/>
+          <p:nvPr/>
+        </p:nvCxnSpPr>
+        <p:spPr>
+          <a:xfrm>
+            <a:off x="0" y="990600"/>
+            <a:ext cx="9144000" cy="0"/>
+          </a:xfrm>
+          <a:prstGeom prst="line">
+            <a:avLst/>
+          </a:prstGeom>
+          <a:ln w="19050"/>
+        </p:spPr>
+        <p:style>
+          <a:lnRef idx="1">
+            <a:schemeClr val="accent1"/>
+          </a:lnRef>
+          <a:fillRef idx="0">
+            <a:schemeClr val="accent1"/>
+          </a:fillRef>
+          <a:effectRef idx="0">
+            <a:schemeClr val="accent1"/>
+          </a:effectRef>
+          <a:fontRef idx="minor">
+            <a:schemeClr val="tx1"/>
+          </a:fontRef>
+        </p:style>
+      </p:cxnSp>
+      <p:sp>
+        <p:nvSpPr>
+          <p:cNvPr id="36" name="TextBox 35"/>
+          <p:cNvSpPr txBox="1"/>
+          <p:nvPr/>
+        </p:nvSpPr>
+        <p:spPr>
+          <a:xfrm>
+            <a:off x="152400" y="1164134"/>
+            <a:ext cx="4882747" cy="461665"/>
+          </a:xfrm>
+          <a:prstGeom prst="rect">
+            <a:avLst/>
+          </a:prstGeom>
+          <a:noFill/>
+        </p:spPr>
+        <p:txBody>
+          <a:bodyPr wrap="none" rtlCol="0">
+            <a:spAutoFit/>
+          </a:bodyPr>
+          <a:lstStyle/>
+          <a:p>
+            <a:pPr marL="285750" indent="-285750">
+              <a:buFont typeface="Arial" panose="020B0604020202020204" pitchFamily="34" charset="0"/>
+              <a:buChar char="•"/>
+            </a:pPr>
+            <a:r>
+              <a:rPr lang="en-US" sz="2400" b="1" dirty="0">
+                <a:solidFill>
+                  <a:schemeClr val="accent5">
+                    <a:lumMod val="75000"/>
+                  </a:schemeClr>
+                </a:solidFill>
+              </a:rPr>
+              <a:t>The function </a:t>
+            </a:r>
+            <a:r>
+              <a:rPr lang="en-US" sz="2400" b="1" dirty="0" smtClean="0">
+                <a:solidFill>
+                  <a:schemeClr val="accent6">
+                    <a:lumMod val="75000"/>
+                  </a:schemeClr>
+                </a:solidFill>
+              </a:rPr>
+              <a:t>bar</a:t>
+            </a:r>
+            <a:r>
+              <a:rPr lang="en-US" sz="2400" b="1" dirty="0" smtClean="0">
+                <a:solidFill>
+                  <a:schemeClr val="accent5">
+                    <a:lumMod val="75000"/>
+                  </a:schemeClr>
+                </a:solidFill>
+              </a:rPr>
+              <a:t> </a:t>
+            </a:r>
+            <a:r>
+              <a:rPr lang="en-US" sz="2400" b="1" dirty="0">
+                <a:solidFill>
+                  <a:schemeClr val="accent5">
+                    <a:lumMod val="75000"/>
+                  </a:schemeClr>
+                </a:solidFill>
+              </a:rPr>
+              <a:t>plots a </a:t>
+            </a:r>
+            <a:r>
+              <a:rPr lang="en-US" sz="2400" b="1" dirty="0" smtClean="0">
+                <a:solidFill>
+                  <a:schemeClr val="accent5">
+                    <a:lumMod val="75000"/>
+                  </a:schemeClr>
+                </a:solidFill>
+              </a:rPr>
+              <a:t>bar </a:t>
+            </a:r>
+            <a:r>
+              <a:rPr lang="en-US" sz="2400" b="1" dirty="0">
+                <a:solidFill>
+                  <a:schemeClr val="accent5">
+                    <a:lumMod val="75000"/>
+                  </a:schemeClr>
+                </a:solidFill>
+              </a:rPr>
+              <a:t>graph.</a:t>
+            </a:r>
+          </a:p>
+        </p:txBody>
+      </p:sp>
+      <p:sp>
+        <p:nvSpPr>
+          <p:cNvPr id="18" name="TextBox 17"/>
+          <p:cNvSpPr txBox="1"/>
+          <p:nvPr/>
+        </p:nvSpPr>
+        <p:spPr>
+          <a:xfrm>
+            <a:off x="485033" y="1752600"/>
+            <a:ext cx="7624203" cy="1138773"/>
+          </a:xfrm>
+          <a:prstGeom prst="rect">
+            <a:avLst/>
+          </a:prstGeom>
+          <a:noFill/>
+        </p:spPr>
+        <p:txBody>
+          <a:bodyPr wrap="none" rtlCol="0">
+            <a:spAutoFit/>
+          </a:bodyPr>
+          <a:lstStyle/>
+          <a:p>
+            <a:pPr marL="285750" indent="-285750">
+              <a:buFont typeface="Arial" panose="020B0604020202020204" pitchFamily="34" charset="0"/>
+              <a:buChar char="•"/>
+            </a:pPr>
+            <a:endParaRPr lang="en-US" sz="1400" b="1" dirty="0">
+              <a:solidFill>
+                <a:schemeClr val="accent5">
+                  <a:lumMod val="75000"/>
+                </a:schemeClr>
+              </a:solidFill>
+            </a:endParaRPr>
+          </a:p>
+          <a:p>
+            <a:r>
+              <a:rPr lang="en-US" sz="1400" b="1" dirty="0" smtClean="0">
+                <a:solidFill>
+                  <a:schemeClr val="accent5">
+                    <a:lumMod val="75000"/>
+                  </a:schemeClr>
+                </a:solidFill>
+              </a:rPr>
+              <a:t>		</a:t>
+            </a:r>
+            <a:r>
+              <a:rPr lang="en-US" dirty="0" err="1" smtClean="0"/>
+              <a:t>plt.plot</a:t>
+            </a:r>
+            <a:r>
+              <a:rPr lang="en-US" dirty="0" smtClean="0"/>
+              <a:t>( [ 1, 2, 3 ], [ 4, 6, 8 ] )	</a:t>
+            </a:r>
+            <a:r>
+              <a:rPr lang="en-US" dirty="0" smtClean="0">
+                <a:solidFill>
+                  <a:srgbClr val="00B050"/>
+                </a:solidFill>
+              </a:rPr>
+              <a:t># Plot for 1</a:t>
+            </a:r>
+            <a:r>
+              <a:rPr lang="en-US" baseline="30000" dirty="0" smtClean="0">
+                <a:solidFill>
+                  <a:srgbClr val="00B050"/>
+                </a:solidFill>
+              </a:rPr>
+              <a:t>st</a:t>
+            </a:r>
+            <a:r>
+              <a:rPr lang="en-US" dirty="0" smtClean="0">
+                <a:solidFill>
+                  <a:srgbClr val="00B050"/>
+                </a:solidFill>
+              </a:rPr>
+              <a:t> Line</a:t>
+            </a:r>
+            <a:r>
+              <a:rPr lang="en-US" dirty="0" smtClean="0"/>
+              <a:t>		</a:t>
+            </a:r>
+            <a:endParaRPr lang="en-US" dirty="0" smtClean="0">
+              <a:solidFill>
+                <a:srgbClr val="00B050"/>
+              </a:solidFill>
+            </a:endParaRPr>
+          </a:p>
+          <a:p>
+            <a:r>
+              <a:rPr lang="en-US" dirty="0"/>
+              <a:t>	</a:t>
+            </a:r>
+            <a:r>
+              <a:rPr lang="en-US" dirty="0" smtClean="0"/>
+              <a:t>	</a:t>
+            </a:r>
+            <a:r>
+              <a:rPr lang="en-US" dirty="0" err="1" smtClean="0"/>
+              <a:t>plt.bar</a:t>
+            </a:r>
+            <a:r>
+              <a:rPr lang="en-US" dirty="0" smtClean="0"/>
+              <a:t>()			</a:t>
+            </a:r>
+            <a:r>
+              <a:rPr lang="en-US" dirty="0" smtClean="0">
+                <a:solidFill>
+                  <a:srgbClr val="00B050"/>
+                </a:solidFill>
+              </a:rPr>
+              <a:t># Draw a bar chart</a:t>
+            </a:r>
+            <a:r>
+              <a:rPr lang="en-US" dirty="0" smtClean="0"/>
+              <a:t>	</a:t>
+            </a:r>
+            <a:r>
+              <a:rPr lang="en-US" dirty="0" smtClean="0">
+                <a:solidFill>
+                  <a:srgbClr val="00B050"/>
+                </a:solidFill>
+              </a:rPr>
+              <a:t> </a:t>
+            </a:r>
+          </a:p>
+          <a:p>
+            <a:r>
+              <a:rPr lang="en-US" dirty="0"/>
+              <a:t>	</a:t>
+            </a:r>
+            <a:r>
+              <a:rPr lang="en-US" dirty="0" smtClean="0"/>
+              <a:t>	</a:t>
+            </a:r>
+            <a:r>
+              <a:rPr lang="en-US" dirty="0" err="1" smtClean="0"/>
+              <a:t>plt.show</a:t>
+            </a:r>
+            <a:r>
+              <a:rPr lang="en-US" dirty="0" smtClean="0"/>
+              <a:t>()</a:t>
+            </a:r>
+            <a:endParaRPr lang="en-US" dirty="0"/>
+          </a:p>
+        </p:txBody>
+      </p:sp>
+      <p:sp>
+        <p:nvSpPr>
+          <p:cNvPr id="20" name="TextBox 19"/>
+          <p:cNvSpPr txBox="1"/>
+          <p:nvPr/>
+        </p:nvSpPr>
+        <p:spPr>
+          <a:xfrm>
+            <a:off x="4214189" y="3651983"/>
+            <a:ext cx="219932" cy="276999"/>
+          </a:xfrm>
+          <a:prstGeom prst="rect">
+            <a:avLst/>
+          </a:prstGeom>
+          <a:noFill/>
+        </p:spPr>
+        <p:txBody>
+          <a:bodyPr wrap="none" rtlCol="0">
+            <a:spAutoFit/>
+          </a:bodyPr>
+          <a:lstStyle/>
+          <a:p>
+            <a:r>
+              <a:rPr lang="en-US" sz="1200" dirty="0" smtClean="0">
+                <a:solidFill>
+                  <a:srgbClr val="00B050"/>
+                </a:solidFill>
+              </a:rPr>
+              <a:t> </a:t>
+            </a:r>
+            <a:endParaRPr lang="en-US" sz="1200" dirty="0">
+              <a:solidFill>
+                <a:srgbClr val="00B050"/>
+              </a:solidFill>
+            </a:endParaRPr>
+          </a:p>
+        </p:txBody>
+      </p:sp>
+      <p:cxnSp>
+        <p:nvCxnSpPr>
+          <p:cNvPr id="23" name="Straight Connector 22"/>
+          <p:cNvCxnSpPr/>
+          <p:nvPr/>
+        </p:nvCxnSpPr>
+        <p:spPr>
+          <a:xfrm>
+            <a:off x="2590474" y="3776389"/>
+            <a:ext cx="0" cy="1447800"/>
+          </a:xfrm>
+          <a:prstGeom prst="line">
+            <a:avLst/>
+          </a:prstGeom>
+          <a:ln w="15875">
+            <a:solidFill>
+              <a:schemeClr val="tx1"/>
+            </a:solidFill>
+          </a:ln>
+        </p:spPr>
+        <p:style>
+          <a:lnRef idx="1">
+            <a:schemeClr val="accent1"/>
+          </a:lnRef>
+          <a:fillRef idx="0">
+            <a:schemeClr val="accent1"/>
+          </a:fillRef>
+          <a:effectRef idx="0">
+            <a:schemeClr val="accent1"/>
+          </a:effectRef>
+          <a:fontRef idx="minor">
+            <a:schemeClr val="tx1"/>
+          </a:fontRef>
+        </p:style>
+      </p:cxnSp>
+      <p:cxnSp>
+        <p:nvCxnSpPr>
+          <p:cNvPr id="25" name="Straight Connector 24"/>
+          <p:cNvCxnSpPr/>
+          <p:nvPr/>
+        </p:nvCxnSpPr>
+        <p:spPr>
+          <a:xfrm>
+            <a:off x="2590474" y="5224189"/>
+            <a:ext cx="2001211" cy="0"/>
+          </a:xfrm>
+          <a:prstGeom prst="line">
+            <a:avLst/>
+          </a:prstGeom>
+          <a:ln w="15875">
+            <a:solidFill>
+              <a:schemeClr val="tx1"/>
+            </a:solidFill>
+          </a:ln>
+        </p:spPr>
+        <p:style>
+          <a:lnRef idx="1">
+            <a:schemeClr val="accent1"/>
+          </a:lnRef>
+          <a:fillRef idx="0">
+            <a:schemeClr val="accent1"/>
+          </a:fillRef>
+          <a:effectRef idx="0">
+            <a:schemeClr val="accent1"/>
+          </a:effectRef>
+          <a:fontRef idx="minor">
+            <a:schemeClr val="tx1"/>
+          </a:fontRef>
+        </p:style>
+      </p:cxnSp>
+      <p:sp>
+        <p:nvSpPr>
+          <p:cNvPr id="26" name="TextBox 25"/>
+          <p:cNvSpPr txBox="1"/>
+          <p:nvPr/>
+        </p:nvSpPr>
+        <p:spPr>
+          <a:xfrm>
+            <a:off x="2793662" y="5224189"/>
+            <a:ext cx="263214" cy="276999"/>
+          </a:xfrm>
+          <a:prstGeom prst="rect">
+            <a:avLst/>
+          </a:prstGeom>
+          <a:noFill/>
+        </p:spPr>
+        <p:txBody>
+          <a:bodyPr wrap="none" rtlCol="0">
+            <a:spAutoFit/>
+          </a:bodyPr>
+          <a:lstStyle/>
+          <a:p>
+            <a:r>
+              <a:rPr lang="en-US" sz="1200" dirty="0" smtClean="0"/>
+              <a:t>1</a:t>
+            </a:r>
+            <a:endParaRPr lang="en-US" sz="1200" dirty="0"/>
+          </a:p>
+        </p:txBody>
+      </p:sp>
+      <p:sp>
+        <p:nvSpPr>
+          <p:cNvPr id="28" name="TextBox 27"/>
+          <p:cNvSpPr txBox="1"/>
+          <p:nvPr/>
+        </p:nvSpPr>
+        <p:spPr>
+          <a:xfrm>
+            <a:off x="2314506" y="4843189"/>
+            <a:ext cx="263214" cy="276999"/>
+          </a:xfrm>
+          <a:prstGeom prst="rect">
+            <a:avLst/>
+          </a:prstGeom>
+          <a:noFill/>
+        </p:spPr>
+        <p:txBody>
+          <a:bodyPr wrap="none" rtlCol="0">
+            <a:spAutoFit/>
+          </a:bodyPr>
+          <a:lstStyle/>
+          <a:p>
+            <a:r>
+              <a:rPr lang="en-US" sz="1200" dirty="0" smtClean="0"/>
+              <a:t>2</a:t>
+            </a:r>
+            <a:endParaRPr lang="en-US" sz="1200" dirty="0"/>
+          </a:p>
+        </p:txBody>
+      </p:sp>
+      <p:sp>
+        <p:nvSpPr>
+          <p:cNvPr id="29" name="TextBox 28"/>
+          <p:cNvSpPr txBox="1"/>
+          <p:nvPr/>
+        </p:nvSpPr>
+        <p:spPr>
+          <a:xfrm>
+            <a:off x="2304981" y="4495913"/>
+            <a:ext cx="263214" cy="276999"/>
+          </a:xfrm>
+          <a:prstGeom prst="rect">
+            <a:avLst/>
+          </a:prstGeom>
+          <a:noFill/>
+        </p:spPr>
+        <p:txBody>
+          <a:bodyPr wrap="none" rtlCol="0">
+            <a:spAutoFit/>
+          </a:bodyPr>
+          <a:lstStyle/>
+          <a:p>
+            <a:r>
+              <a:rPr lang="en-US" sz="1200" dirty="0" smtClean="0"/>
+              <a:t>4</a:t>
+            </a:r>
+            <a:endParaRPr lang="en-US" sz="1200" dirty="0"/>
+          </a:p>
+        </p:txBody>
+      </p:sp>
+      <p:sp>
+        <p:nvSpPr>
+          <p:cNvPr id="30" name="TextBox 29"/>
+          <p:cNvSpPr txBox="1"/>
+          <p:nvPr/>
+        </p:nvSpPr>
+        <p:spPr>
+          <a:xfrm>
+            <a:off x="2314506" y="4157389"/>
+            <a:ext cx="263214" cy="276999"/>
+          </a:xfrm>
+          <a:prstGeom prst="rect">
+            <a:avLst/>
+          </a:prstGeom>
+          <a:noFill/>
+        </p:spPr>
+        <p:txBody>
+          <a:bodyPr wrap="none" rtlCol="0">
+            <a:spAutoFit/>
+          </a:bodyPr>
+          <a:lstStyle/>
+          <a:p>
+            <a:r>
+              <a:rPr lang="en-US" sz="1200" dirty="0" smtClean="0"/>
+              <a:t>6</a:t>
+            </a:r>
+            <a:endParaRPr lang="en-US" sz="1200" dirty="0"/>
+          </a:p>
+        </p:txBody>
+      </p:sp>
+      <p:sp>
+        <p:nvSpPr>
+          <p:cNvPr id="31" name="TextBox 30"/>
+          <p:cNvSpPr txBox="1"/>
+          <p:nvPr/>
+        </p:nvSpPr>
+        <p:spPr>
+          <a:xfrm>
+            <a:off x="2314506" y="3781538"/>
+            <a:ext cx="263214" cy="276999"/>
+          </a:xfrm>
+          <a:prstGeom prst="rect">
+            <a:avLst/>
+          </a:prstGeom>
+          <a:noFill/>
+        </p:spPr>
+        <p:txBody>
+          <a:bodyPr wrap="none" rtlCol="0">
+            <a:spAutoFit/>
+          </a:bodyPr>
+          <a:lstStyle/>
+          <a:p>
+            <a:r>
+              <a:rPr lang="en-US" sz="1200" dirty="0" smtClean="0"/>
+              <a:t>8</a:t>
+            </a:r>
+            <a:endParaRPr lang="en-US" sz="1200" dirty="0"/>
+          </a:p>
+        </p:txBody>
+      </p:sp>
+      <p:sp>
+        <p:nvSpPr>
+          <p:cNvPr id="32" name="TextBox 31"/>
+          <p:cNvSpPr txBox="1"/>
+          <p:nvPr/>
+        </p:nvSpPr>
+        <p:spPr>
+          <a:xfrm>
+            <a:off x="3211019" y="5224189"/>
+            <a:ext cx="263214" cy="276999"/>
+          </a:xfrm>
+          <a:prstGeom prst="rect">
+            <a:avLst/>
+          </a:prstGeom>
+          <a:noFill/>
+        </p:spPr>
+        <p:txBody>
+          <a:bodyPr wrap="none" rtlCol="0">
+            <a:spAutoFit/>
+          </a:bodyPr>
+          <a:lstStyle/>
+          <a:p>
+            <a:r>
+              <a:rPr lang="en-US" sz="1200" dirty="0" smtClean="0"/>
+              <a:t>2</a:t>
+            </a:r>
+            <a:endParaRPr lang="en-US" sz="1200" dirty="0"/>
+          </a:p>
+        </p:txBody>
+      </p:sp>
+      <p:sp>
+        <p:nvSpPr>
+          <p:cNvPr id="33" name="TextBox 32"/>
+          <p:cNvSpPr txBox="1"/>
+          <p:nvPr/>
+        </p:nvSpPr>
+        <p:spPr>
+          <a:xfrm>
+            <a:off x="3646952" y="5224188"/>
+            <a:ext cx="263214" cy="276999"/>
+          </a:xfrm>
+          <a:prstGeom prst="rect">
+            <a:avLst/>
+          </a:prstGeom>
+          <a:noFill/>
+        </p:spPr>
+        <p:txBody>
+          <a:bodyPr wrap="none" rtlCol="0">
+            <a:spAutoFit/>
+          </a:bodyPr>
+          <a:lstStyle/>
+          <a:p>
+            <a:r>
+              <a:rPr lang="en-US" sz="1200" dirty="0" smtClean="0"/>
+              <a:t>3</a:t>
+            </a:r>
+            <a:endParaRPr lang="en-US" sz="1200" dirty="0"/>
+          </a:p>
+        </p:txBody>
+      </p:sp>
+      <p:sp>
+        <p:nvSpPr>
+          <p:cNvPr id="3" name="Rectangle 2"/>
+          <p:cNvSpPr/>
+          <p:nvPr/>
+        </p:nvSpPr>
+        <p:spPr>
+          <a:xfrm>
+            <a:off x="2857945" y="4596650"/>
+            <a:ext cx="198931" cy="589776"/>
+          </a:xfrm>
+          <a:prstGeom prst="rect">
+            <a:avLst/>
+          </a:prstGeom>
+        </p:spPr>
+        <p:style>
+          <a:lnRef idx="2">
+            <a:schemeClr val="accent1">
+              <a:shade val="50000"/>
+            </a:schemeClr>
+          </a:lnRef>
+          <a:fillRef idx="1">
+            <a:schemeClr val="accent1"/>
+          </a:fillRef>
+          <a:effectRef idx="0">
+            <a:schemeClr val="accent1"/>
+          </a:effectRef>
+          <a:fontRef idx="minor">
+            <a:schemeClr val="lt1"/>
+          </a:fontRef>
+        </p:style>
+        <p:txBody>
+          <a:bodyPr rtlCol="0" anchor="ctr"/>
+          <a:lstStyle/>
+          <a:p>
+            <a:pPr algn="ctr"/>
+            <a:endParaRPr lang="en-US"/>
+          </a:p>
+        </p:txBody>
+      </p:sp>
+      <p:sp>
+        <p:nvSpPr>
+          <p:cNvPr id="24" name="Rectangle 23"/>
+          <p:cNvSpPr/>
+          <p:nvPr/>
+        </p:nvSpPr>
+        <p:spPr>
+          <a:xfrm>
+            <a:off x="3276822" y="4295888"/>
+            <a:ext cx="197411" cy="904600"/>
+          </a:xfrm>
+          <a:prstGeom prst="rect">
+            <a:avLst/>
+          </a:prstGeom>
+        </p:spPr>
+        <p:style>
+          <a:lnRef idx="2">
+            <a:schemeClr val="accent1">
+              <a:shade val="50000"/>
+            </a:schemeClr>
+          </a:lnRef>
+          <a:fillRef idx="1">
+            <a:schemeClr val="accent1"/>
+          </a:fillRef>
+          <a:effectRef idx="0">
+            <a:schemeClr val="accent1"/>
+          </a:effectRef>
+          <a:fontRef idx="minor">
+            <a:schemeClr val="lt1"/>
+          </a:fontRef>
+        </p:style>
+        <p:txBody>
+          <a:bodyPr rtlCol="0" anchor="ctr"/>
+          <a:lstStyle/>
+          <a:p>
+            <a:pPr algn="ctr"/>
+            <a:endParaRPr lang="en-US"/>
+          </a:p>
+        </p:txBody>
+      </p:sp>
+      <p:sp>
+        <p:nvSpPr>
+          <p:cNvPr id="38" name="Rectangle 37"/>
+          <p:cNvSpPr/>
+          <p:nvPr/>
+        </p:nvSpPr>
+        <p:spPr>
+          <a:xfrm>
+            <a:off x="3712755" y="3928982"/>
+            <a:ext cx="197411" cy="1257444"/>
+          </a:xfrm>
+          <a:prstGeom prst="rect">
+            <a:avLst/>
+          </a:prstGeom>
+        </p:spPr>
+        <p:style>
+          <a:lnRef idx="2">
+            <a:schemeClr val="accent1">
+              <a:shade val="50000"/>
+            </a:schemeClr>
+          </a:lnRef>
+          <a:fillRef idx="1">
+            <a:schemeClr val="accent1"/>
+          </a:fillRef>
+          <a:effectRef idx="0">
+            <a:schemeClr val="accent1"/>
+          </a:effectRef>
+          <a:fontRef idx="minor">
+            <a:schemeClr val="lt1"/>
+          </a:fontRef>
+        </p:style>
+        <p:txBody>
+          <a:bodyPr rtlCol="0" anchor="ctr"/>
+          <a:lstStyle/>
+          <a:p>
+            <a:pPr algn="ctr"/>
+            <a:endParaRPr lang="en-US"/>
+          </a:p>
+        </p:txBody>
+      </p:sp>
+      <p:sp>
+        <p:nvSpPr>
+          <p:cNvPr id="39" name="TextBox 38"/>
+          <p:cNvSpPr txBox="1"/>
+          <p:nvPr/>
+        </p:nvSpPr>
+        <p:spPr>
+          <a:xfrm>
+            <a:off x="862467" y="5943600"/>
+            <a:ext cx="5450082" cy="461665"/>
+          </a:xfrm>
+          <a:prstGeom prst="rect">
+            <a:avLst/>
+          </a:prstGeom>
+          <a:noFill/>
+        </p:spPr>
+        <p:txBody>
+          <a:bodyPr wrap="none" rtlCol="0">
+            <a:spAutoFit/>
+          </a:bodyPr>
+          <a:lstStyle/>
+          <a:p>
+            <a:r>
+              <a:rPr lang="en-US" sz="2400" b="1" i="1" dirty="0" smtClean="0">
+                <a:solidFill>
+                  <a:schemeClr val="accent5">
+                    <a:lumMod val="75000"/>
+                  </a:schemeClr>
+                </a:solidFill>
+              </a:rPr>
+              <a:t>And many more functions: </a:t>
+            </a:r>
+            <a:r>
+              <a:rPr lang="en-US" sz="2400" b="1" i="1" dirty="0" err="1" smtClean="0">
+                <a:solidFill>
+                  <a:schemeClr val="accent5">
+                    <a:lumMod val="75000"/>
+                  </a:schemeClr>
+                </a:solidFill>
+              </a:rPr>
+              <a:t>hist</a:t>
+            </a:r>
+            <a:r>
+              <a:rPr lang="en-US" sz="2400" b="1" i="1" smtClean="0">
+                <a:solidFill>
+                  <a:schemeClr val="accent5">
+                    <a:lumMod val="75000"/>
+                  </a:schemeClr>
+                </a:solidFill>
+              </a:rPr>
+              <a:t>, scatter, …</a:t>
+            </a:r>
+            <a:endParaRPr lang="en-US" sz="2400" b="1" i="1" dirty="0" smtClean="0">
+              <a:solidFill>
+                <a:schemeClr val="accent5">
+                  <a:lumMod val="75000"/>
+                </a:schemeClr>
+              </a:solidFill>
+            </a:endParaRPr>
+          </a:p>
+        </p:txBody>
+      </p:sp>
+    </p:spTree>
+    <p:extLst>
+      <p:ext uri="{BB962C8B-B14F-4D97-AF65-F5344CB8AC3E}">
+        <p14:creationId xmlns:p14="http://schemas.microsoft.com/office/powerpoint/2010/main" val="761211871"/>
       </p:ext>
     </p:extLst>
   </p:cSld>

--- a/Presentations/Python - Numpy and Pandas.pptx
+++ b/Presentations/Python - Numpy and Pandas.pptx
@@ -205,7 +205,7 @@
           <a:p>
             <a:fld id="{FAF957FC-5175-49AC-8D2B-2F056FFFC1DD}" type="datetimeFigureOut">
               <a:rPr lang="en-US" smtClean="0"/>
-              <a:t>7/5/2017</a:t>
+              <a:t>7/23/2017</a:t>
             </a:fld>
             <a:endParaRPr lang="en-US"/>
           </a:p>
@@ -655,7 +655,7 @@
             <a:fld id="{1D8BD707-D9CF-40AE-B4C6-C98DA3205C09}" type="datetimeFigureOut">
               <a:rPr lang="en-US" smtClean="0"/>
               <a:pPr/>
-              <a:t>7/5/2017</a:t>
+              <a:t>7/23/2017</a:t>
             </a:fld>
             <a:endParaRPr lang="en-US"/>
           </a:p>
@@ -822,7 +822,7 @@
             <a:fld id="{1D8BD707-D9CF-40AE-B4C6-C98DA3205C09}" type="datetimeFigureOut">
               <a:rPr lang="en-US" smtClean="0"/>
               <a:pPr/>
-              <a:t>7/5/2017</a:t>
+              <a:t>7/23/2017</a:t>
             </a:fld>
             <a:endParaRPr lang="en-US"/>
           </a:p>
@@ -999,7 +999,7 @@
             <a:fld id="{1D8BD707-D9CF-40AE-B4C6-C98DA3205C09}" type="datetimeFigureOut">
               <a:rPr lang="en-US" smtClean="0"/>
               <a:pPr/>
-              <a:t>7/5/2017</a:t>
+              <a:t>7/23/2017</a:t>
             </a:fld>
             <a:endParaRPr lang="en-US"/>
           </a:p>
@@ -1166,7 +1166,7 @@
             <a:fld id="{1D8BD707-D9CF-40AE-B4C6-C98DA3205C09}" type="datetimeFigureOut">
               <a:rPr lang="en-US" smtClean="0"/>
               <a:pPr/>
-              <a:t>7/5/2017</a:t>
+              <a:t>7/23/2017</a:t>
             </a:fld>
             <a:endParaRPr lang="en-US"/>
           </a:p>
@@ -1409,7 +1409,7 @@
             <a:fld id="{1D8BD707-D9CF-40AE-B4C6-C98DA3205C09}" type="datetimeFigureOut">
               <a:rPr lang="en-US" smtClean="0"/>
               <a:pPr/>
-              <a:t>7/5/2017</a:t>
+              <a:t>7/23/2017</a:t>
             </a:fld>
             <a:endParaRPr lang="en-US"/>
           </a:p>
@@ -1694,7 +1694,7 @@
             <a:fld id="{1D8BD707-D9CF-40AE-B4C6-C98DA3205C09}" type="datetimeFigureOut">
               <a:rPr lang="en-US" smtClean="0"/>
               <a:pPr/>
-              <a:t>7/5/2017</a:t>
+              <a:t>7/23/2017</a:t>
             </a:fld>
             <a:endParaRPr lang="en-US"/>
           </a:p>
@@ -2113,7 +2113,7 @@
             <a:fld id="{1D8BD707-D9CF-40AE-B4C6-C98DA3205C09}" type="datetimeFigureOut">
               <a:rPr lang="en-US" smtClean="0"/>
               <a:pPr/>
-              <a:t>7/5/2017</a:t>
+              <a:t>7/23/2017</a:t>
             </a:fld>
             <a:endParaRPr lang="en-US"/>
           </a:p>
@@ -2228,7 +2228,7 @@
             <a:fld id="{1D8BD707-D9CF-40AE-B4C6-C98DA3205C09}" type="datetimeFigureOut">
               <a:rPr lang="en-US" smtClean="0"/>
               <a:pPr/>
-              <a:t>7/5/2017</a:t>
+              <a:t>7/23/2017</a:t>
             </a:fld>
             <a:endParaRPr lang="en-US"/>
           </a:p>
@@ -2320,7 +2320,7 @@
             <a:fld id="{1D8BD707-D9CF-40AE-B4C6-C98DA3205C09}" type="datetimeFigureOut">
               <a:rPr lang="en-US" smtClean="0"/>
               <a:pPr/>
-              <a:t>7/5/2017</a:t>
+              <a:t>7/23/2017</a:t>
             </a:fld>
             <a:endParaRPr lang="en-US"/>
           </a:p>
@@ -2594,7 +2594,7 @@
             <a:fld id="{1D8BD707-D9CF-40AE-B4C6-C98DA3205C09}" type="datetimeFigureOut">
               <a:rPr lang="en-US" smtClean="0"/>
               <a:pPr/>
-              <a:t>7/5/2017</a:t>
+              <a:t>7/23/2017</a:t>
             </a:fld>
             <a:endParaRPr lang="en-US"/>
           </a:p>
@@ -2844,7 +2844,7 @@
             <a:fld id="{1D8BD707-D9CF-40AE-B4C6-C98DA3205C09}" type="datetimeFigureOut">
               <a:rPr lang="en-US" smtClean="0"/>
               <a:pPr/>
-              <a:t>7/5/2017</a:t>
+              <a:t>7/23/2017</a:t>
             </a:fld>
             <a:endParaRPr lang="en-US"/>
           </a:p>
@@ -3054,7 +3054,7 @@
             <a:fld id="{1D8BD707-D9CF-40AE-B4C6-C98DA3205C09}" type="datetimeFigureOut">
               <a:rPr lang="en-US" smtClean="0"/>
               <a:pPr/>
-              <a:t>7/5/2017</a:t>
+              <a:t>7/23/2017</a:t>
             </a:fld>
             <a:endParaRPr lang="en-US"/>
           </a:p>
@@ -3879,25 +3879,8 @@
                   </a:schemeClr>
                 </a:solidFill>
               </a:rPr>
-              <a:t>A popular library for </a:t>
-            </a:r>
-            <a:r>
-              <a:rPr lang="en-US" sz="2400" b="1" dirty="0" smtClean="0">
-                <a:solidFill>
-                  <a:schemeClr val="accent5">
-                    <a:lumMod val="75000"/>
-                  </a:schemeClr>
-                </a:solidFill>
-              </a:rPr>
-              <a:t>plotting and visualizing data in Python</a:t>
-            </a:r>
-            <a:endParaRPr lang="en-US" sz="2400" b="1" dirty="0" smtClean="0">
-              <a:solidFill>
-                <a:schemeClr val="accent5">
-                  <a:lumMod val="75000"/>
-                </a:schemeClr>
-              </a:solidFill>
-            </a:endParaRPr>
+              <a:t>A popular library for plotting and visualizing data in Python</a:t>
+            </a:r>
           </a:p>
         </p:txBody>
       </p:sp>
@@ -4258,7 +4241,6 @@
               <a:rPr lang="en-US" sz="2000" b="1" dirty="0" smtClean="0"/>
               <a:t>Plots</a:t>
             </a:r>
-            <a:endParaRPr lang="en-US" sz="2000" b="1" dirty="0" smtClean="0"/>
           </a:p>
           <a:p>
             <a:pPr marL="285750" indent="-285750">
@@ -4269,7 +4251,6 @@
               <a:rPr lang="en-US" sz="2000" b="1" dirty="0" smtClean="0"/>
               <a:t>Histograms</a:t>
             </a:r>
-            <a:endParaRPr lang="en-US" sz="2000" b="1" dirty="0" smtClean="0"/>
           </a:p>
           <a:p>
             <a:pPr marL="285750" indent="-285750">
@@ -4481,13 +4462,6 @@
               </a:rPr>
               <a:t> plots a 2D graph.</a:t>
             </a:r>
-            <a:endParaRPr lang="en-US" sz="2400" b="1" dirty="0" smtClean="0">
-              <a:solidFill>
-                <a:schemeClr val="accent5">
-                  <a:lumMod val="75000"/>
-                </a:schemeClr>
-              </a:solidFill>
-            </a:endParaRPr>
           </a:p>
         </p:txBody>
       </p:sp>
@@ -4857,11 +4831,6 @@
               </a:rPr>
               <a:t># Displays the plot</a:t>
             </a:r>
-            <a:endParaRPr lang="en-US" dirty="0" smtClean="0">
-              <a:solidFill>
-                <a:srgbClr val="00B050"/>
-              </a:solidFill>
-            </a:endParaRPr>
           </a:p>
         </p:txBody>
       </p:sp>
@@ -5499,13 +5468,6 @@
               </a:rPr>
               <a:t>Add Labels for X and Y Axis and Plot Title (caption)</a:t>
             </a:r>
-            <a:endParaRPr lang="en-US" sz="2400" b="1" dirty="0" smtClean="0">
-              <a:solidFill>
-                <a:schemeClr val="accent5">
-                  <a:lumMod val="75000"/>
-                </a:schemeClr>
-              </a:solidFill>
-            </a:endParaRPr>
           </a:p>
         </p:txBody>
       </p:sp>
@@ -5604,7 +5566,7 @@
             </a:r>
             <a:r>
               <a:rPr lang="en-US" dirty="0" err="1" smtClean="0"/>
-              <a:t>plt.xlabel</a:t>
+              <a:t>plt.ylabel</a:t>
             </a:r>
             <a:r>
               <a:rPr lang="en-US" dirty="0" smtClean="0"/>
@@ -6275,13 +6237,6 @@
               </a:rPr>
               <a:t>You can add multiple plots in a Graph </a:t>
             </a:r>
-            <a:endParaRPr lang="en-US" sz="2400" b="1" dirty="0" smtClean="0">
-              <a:solidFill>
-                <a:schemeClr val="accent5">
-                  <a:lumMod val="75000"/>
-                </a:schemeClr>
-              </a:solidFill>
-            </a:endParaRPr>
           </a:p>
         </p:txBody>
       </p:sp>
@@ -6452,7 +6407,7 @@
             </a:r>
             <a:r>
               <a:rPr lang="en-US" dirty="0" err="1" smtClean="0"/>
-              <a:t>plt.xlabel</a:t>
+              <a:t>plt.ylabel</a:t>
             </a:r>
             <a:r>
               <a:rPr lang="en-US" dirty="0" smtClean="0"/>

--- a/Presentations/Python - Numpy and Pandas.pptx
+++ b/Presentations/Python - Numpy and Pandas.pptx
@@ -5,7 +5,7 @@
     <p:sldMasterId id="2147483648" r:id="rId1"/>
   </p:sldMasterIdLst>
   <p:notesMasterIdLst>
-    <p:notesMasterId r:id="rId19"/>
+    <p:notesMasterId r:id="rId22"/>
   </p:notesMasterIdLst>
   <p:sldIdLst>
     <p:sldId id="256" r:id="rId2"/>
@@ -20,11 +20,14 @@
     <p:sldId id="286" r:id="rId11"/>
     <p:sldId id="287" r:id="rId12"/>
     <p:sldId id="288" r:id="rId13"/>
-    <p:sldId id="289" r:id="rId14"/>
-    <p:sldId id="290" r:id="rId15"/>
-    <p:sldId id="291" r:id="rId16"/>
-    <p:sldId id="292" r:id="rId17"/>
-    <p:sldId id="293" r:id="rId18"/>
+    <p:sldId id="297" r:id="rId14"/>
+    <p:sldId id="298" r:id="rId15"/>
+    <p:sldId id="299" r:id="rId16"/>
+    <p:sldId id="289" r:id="rId17"/>
+    <p:sldId id="290" r:id="rId18"/>
+    <p:sldId id="291" r:id="rId19"/>
+    <p:sldId id="292" r:id="rId20"/>
+    <p:sldId id="293" r:id="rId21"/>
   </p:sldIdLst>
   <p:sldSz cx="9144000" cy="6858000" type="screen4x3"/>
   <p:notesSz cx="6858000" cy="9144000"/>
@@ -7444,61 +7447,6 @@
           </a:fontRef>
         </p:style>
       </p:cxnSp>
-      <p:sp>
-        <p:nvSpPr>
-          <p:cNvPr id="56" name="TextBox 55"/>
-          <p:cNvSpPr txBox="1"/>
-          <p:nvPr/>
-        </p:nvSpPr>
-        <p:spPr>
-          <a:xfrm>
-            <a:off x="862468" y="6354114"/>
-            <a:ext cx="6595395" cy="461665"/>
-          </a:xfrm>
-          <a:prstGeom prst="rect">
-            <a:avLst/>
-          </a:prstGeom>
-          <a:noFill/>
-        </p:spPr>
-        <p:txBody>
-          <a:bodyPr wrap="none" rtlCol="0">
-            <a:spAutoFit/>
-          </a:bodyPr>
-          <a:lstStyle/>
-          <a:p>
-            <a:r>
-              <a:rPr lang="en-US" sz="2400" b="1" i="1" dirty="0" smtClean="0">
-                <a:solidFill>
-                  <a:schemeClr val="accent5">
-                    <a:lumMod val="75000"/>
-                  </a:schemeClr>
-                </a:solidFill>
-              </a:rPr>
-              <a:t>And many more functions: merge, </a:t>
-            </a:r>
-            <a:r>
-              <a:rPr lang="en-US" sz="2400" b="1" i="1" dirty="0" err="1" smtClean="0">
-                <a:solidFill>
-                  <a:schemeClr val="accent5">
-                    <a:lumMod val="75000"/>
-                  </a:schemeClr>
-                </a:solidFill>
-              </a:rPr>
-              <a:t>concat</a:t>
-            </a:r>
-            <a:r>
-              <a:rPr lang="en-US" sz="2400" b="1" i="1" dirty="0" smtClean="0">
-                <a:solidFill>
-                  <a:schemeClr val="accent5">
-                    <a:lumMod val="75000"/>
-                  </a:schemeClr>
-                </a:solidFill>
-              </a:rPr>
-              <a:t>, stack, …</a:t>
-            </a:r>
-          </a:p>
-        </p:txBody>
-      </p:sp>
     </p:spTree>
     <p:extLst>
       <p:ext uri="{BB962C8B-B14F-4D97-AF65-F5344CB8AC3E}">
@@ -7567,17 +7515,17 @@
                   </a:schemeClr>
                 </a:solidFill>
               </a:rPr>
-              <a:t>Libraries - </a:t>
-            </a:r>
-            <a:r>
-              <a:rPr lang="en-US" dirty="0" err="1" smtClean="0">
+              <a:t>Pandas – </a:t>
+            </a:r>
+            <a:r>
+              <a:rPr lang="en-US" dirty="0" smtClean="0">
                 <a:solidFill>
                   <a:schemeClr val="accent1">
                     <a:lumMod val="75000"/>
                   </a:schemeClr>
                 </a:solidFill>
               </a:rPr>
-              <a:t>Matplotlib</a:t>
+              <a:t>Reading in a CSV file</a:t>
             </a:r>
             <a:endParaRPr lang="en-US" dirty="0">
               <a:solidFill>
@@ -7629,7 +7577,7 @@
         <p:spPr>
           <a:xfrm>
             <a:off x="152400" y="1164134"/>
-            <a:ext cx="8004307" cy="461665"/>
+            <a:ext cx="9056262" cy="830997"/>
           </a:xfrm>
           <a:prstGeom prst="rect">
             <a:avLst/>
@@ -7654,11 +7602,104 @@
                   </a:schemeClr>
                 </a:solidFill>
               </a:rPr>
-              <a:t>A popular library for plotting and visualizing data in Python</a:t>
-            </a:r>
-          </a:p>
-        </p:txBody>
-      </p:sp>
+              <a:t>The </a:t>
+            </a:r>
+            <a:r>
+              <a:rPr lang="en-US" sz="2400" b="1" dirty="0" err="1" smtClean="0">
+                <a:solidFill>
+                  <a:schemeClr val="accent5">
+                    <a:lumMod val="75000"/>
+                  </a:schemeClr>
+                </a:solidFill>
+              </a:rPr>
+              <a:t>read_csv</a:t>
+            </a:r>
+            <a:r>
+              <a:rPr lang="en-US" sz="2400" b="1" dirty="0" smtClean="0">
+                <a:solidFill>
+                  <a:schemeClr val="accent5">
+                    <a:lumMod val="75000"/>
+                  </a:schemeClr>
+                </a:solidFill>
+              </a:rPr>
+              <a:t>() method is used to read a CSV file directly into a data</a:t>
+            </a:r>
+          </a:p>
+          <a:p>
+            <a:r>
+              <a:rPr lang="en-US" sz="2400" b="1" dirty="0" smtClean="0">
+                <a:solidFill>
+                  <a:schemeClr val="accent5">
+                    <a:lumMod val="75000"/>
+                  </a:schemeClr>
+                </a:solidFill>
+              </a:rPr>
+              <a:t>     frame.</a:t>
+            </a:r>
+            <a:endParaRPr lang="en-US" sz="2400" b="1" dirty="0" smtClean="0">
+              <a:solidFill>
+                <a:schemeClr val="accent5">
+                  <a:lumMod val="75000"/>
+                </a:schemeClr>
+              </a:solidFill>
+            </a:endParaRPr>
+          </a:p>
+        </p:txBody>
+      </p:sp>
+      <p:pic>
+        <p:nvPicPr>
+          <p:cNvPr id="1026" name="Picture 2"/>
+          <p:cNvPicPr>
+            <a:picLocks noChangeAspect="1" noChangeArrowheads="1"/>
+          </p:cNvPicPr>
+          <p:nvPr/>
+        </p:nvPicPr>
+        <p:blipFill>
+          <a:blip r:embed="rId2">
+            <a:extLst>
+              <a:ext uri="{28A0092B-C50C-407E-A947-70E740481C1C}">
+                <a14:useLocalDpi xmlns:a14="http://schemas.microsoft.com/office/drawing/2010/main" val="0"/>
+              </a:ext>
+            </a:extLst>
+          </a:blip>
+          <a:srcRect/>
+          <a:stretch>
+            <a:fillRect/>
+          </a:stretch>
+        </p:blipFill>
+        <p:spPr bwMode="auto">
+          <a:xfrm>
+            <a:off x="3048000" y="1752601"/>
+            <a:ext cx="5443835" cy="4970846"/>
+          </a:xfrm>
+          <a:prstGeom prst="rect">
+            <a:avLst/>
+          </a:prstGeom>
+          <a:noFill/>
+          <a:ln>
+            <a:noFill/>
+          </a:ln>
+          <a:extLst>
+            <a:ext uri="{909E8E84-426E-40DD-AFC4-6F175D3DCCD1}">
+              <a14:hiddenFill xmlns:a14="http://schemas.microsoft.com/office/drawing/2010/main">
+                <a:solidFill>
+                  <a:schemeClr val="accent1"/>
+                </a:solidFill>
+              </a14:hiddenFill>
+            </a:ext>
+            <a:ext uri="{91240B29-F687-4F45-9708-019B960494DF}">
+              <a14:hiddenLine xmlns:a14="http://schemas.microsoft.com/office/drawing/2010/main" w="9525">
+                <a:solidFill>
+                  <a:schemeClr val="tx1"/>
+                </a:solidFill>
+                <a:miter lim="800000"/>
+                <a:headEnd/>
+                <a:tailEnd/>
+              </a14:hiddenLine>
+            </a:ext>
+          </a:extLst>
+        </p:spPr>
+      </p:pic>
       <p:sp>
         <p:nvSpPr>
           <p:cNvPr id="7" name="TextBox 6"/>
@@ -7667,8 +7708,8 @@
         </p:nvSpPr>
         <p:spPr>
           <a:xfrm>
-            <a:off x="3048000" y="3001024"/>
-            <a:ext cx="3060390" cy="369332"/>
+            <a:off x="228600" y="3429000"/>
+            <a:ext cx="2344681" cy="307777"/>
           </a:xfrm>
           <a:prstGeom prst="rect">
             <a:avLst/>
@@ -7682,55 +7723,23 @@
           <a:lstStyle/>
           <a:p>
             <a:r>
-              <a:rPr lang="en-US" dirty="0" smtClean="0">
-                <a:solidFill>
-                  <a:srgbClr val="0070C0"/>
-                </a:solidFill>
-              </a:rPr>
-              <a:t>import</a:t>
-            </a:r>
-            <a:r>
-              <a:rPr lang="en-US" dirty="0" smtClean="0"/>
-              <a:t> </a:t>
-            </a:r>
-            <a:r>
-              <a:rPr lang="en-US" dirty="0" err="1" smtClean="0"/>
-              <a:t>matplotlib.pyplot</a:t>
-            </a:r>
-            <a:r>
-              <a:rPr lang="en-US" dirty="0" smtClean="0"/>
-              <a:t> </a:t>
-            </a:r>
-            <a:r>
-              <a:rPr lang="en-US" dirty="0" smtClean="0">
-                <a:solidFill>
-                  <a:srgbClr val="0070C0"/>
-                </a:solidFill>
-              </a:rPr>
-              <a:t>as</a:t>
-            </a:r>
-            <a:r>
-              <a:rPr lang="en-US" dirty="0" smtClean="0"/>
-              <a:t> </a:t>
-            </a:r>
-            <a:r>
-              <a:rPr lang="en-US" dirty="0" err="1" smtClean="0"/>
-              <a:t>plt</a:t>
-            </a:r>
-            <a:endParaRPr lang="en-US" dirty="0"/>
-          </a:p>
-        </p:txBody>
-      </p:sp>
-      <p:sp>
-        <p:nvSpPr>
-          <p:cNvPr id="8" name="TextBox 7"/>
+              <a:rPr lang="en-US" sz="1400" b="1" dirty="0" smtClean="0"/>
+              <a:t>Read CSV file into data frame</a:t>
+            </a:r>
+            <a:endParaRPr lang="en-US" sz="1400" b="1" dirty="0"/>
+          </a:p>
+        </p:txBody>
+      </p:sp>
+      <p:sp>
+        <p:nvSpPr>
+          <p:cNvPr id="34" name="TextBox 33"/>
           <p:cNvSpPr txBox="1"/>
           <p:nvPr/>
         </p:nvSpPr>
         <p:spPr>
           <a:xfrm>
-            <a:off x="2099310" y="2329129"/>
-            <a:ext cx="1897379" cy="276999"/>
+            <a:off x="241110" y="5105400"/>
+            <a:ext cx="2455096" cy="307777"/>
           </a:xfrm>
           <a:prstGeom prst="rect">
             <a:avLst/>
@@ -7744,38 +7753,32 @@
           <a:lstStyle/>
           <a:p>
             <a:r>
-              <a:rPr lang="en-US" sz="1200" dirty="0" smtClean="0">
-                <a:solidFill>
-                  <a:srgbClr val="00B050"/>
-                </a:solidFill>
-              </a:rPr>
-              <a:t>Keyword to import a library</a:t>
-            </a:r>
-            <a:endParaRPr lang="en-US" sz="1200" dirty="0">
-              <a:solidFill>
-                <a:srgbClr val="00B050"/>
-              </a:solidFill>
-            </a:endParaRPr>
+              <a:rPr lang="en-US" sz="1400" b="1" dirty="0" smtClean="0"/>
+              <a:t>Display contents of data frame</a:t>
+            </a:r>
+            <a:endParaRPr lang="en-US" sz="1400" b="1" dirty="0"/>
           </a:p>
         </p:txBody>
       </p:sp>
       <p:cxnSp>
         <p:nvCxnSpPr>
-          <p:cNvPr id="10" name="Curved Connector 9"/>
-          <p:cNvCxnSpPr/>
+          <p:cNvPr id="9" name="Straight Arrow Connector 8"/>
+          <p:cNvCxnSpPr>
+            <a:stCxn id="7" idx="3"/>
+          </p:cNvCxnSpPr>
           <p:nvPr/>
         </p:nvCxnSpPr>
         <p:spPr>
-          <a:xfrm rot="16200000" flipH="1">
-            <a:off x="3170739" y="2637338"/>
-            <a:ext cx="440323" cy="381000"/>
-          </a:xfrm>
-          <a:prstGeom prst="curvedConnector3">
+          <a:xfrm>
+            <a:off x="2573281" y="3582889"/>
+            <a:ext cx="1389119" cy="655135"/>
+          </a:xfrm>
+          <a:prstGeom prst="straightConnector1">
             <a:avLst/>
           </a:prstGeom>
           <a:ln>
             <a:solidFill>
-              <a:srgbClr val="00B050"/>
+              <a:schemeClr val="tx1"/>
             </a:solidFill>
             <a:tailEnd type="arrow"/>
           </a:ln>
@@ -7795,61 +7798,23 @@
           </a:fontRef>
         </p:style>
       </p:cxnSp>
-      <p:sp>
-        <p:nvSpPr>
-          <p:cNvPr id="13" name="TextBox 12"/>
-          <p:cNvSpPr txBox="1"/>
-          <p:nvPr/>
-        </p:nvSpPr>
-        <p:spPr>
-          <a:xfrm>
-            <a:off x="4543245" y="2326955"/>
-            <a:ext cx="3591624" cy="276999"/>
-          </a:xfrm>
-          <a:prstGeom prst="rect">
-            <a:avLst/>
-          </a:prstGeom>
-          <a:noFill/>
-        </p:spPr>
-        <p:txBody>
-          <a:bodyPr wrap="none" rtlCol="0">
-            <a:spAutoFit/>
-          </a:bodyPr>
-          <a:lstStyle/>
-          <a:p>
-            <a:r>
-              <a:rPr lang="en-US" sz="1200" dirty="0" smtClean="0">
-                <a:solidFill>
-                  <a:srgbClr val="00B050"/>
-                </a:solidFill>
-              </a:rPr>
-              <a:t>Keyword to refer to library by an alias (shortcut) name </a:t>
-            </a:r>
-            <a:endParaRPr lang="en-US" sz="1200" dirty="0">
-              <a:solidFill>
-                <a:srgbClr val="00B050"/>
-              </a:solidFill>
-            </a:endParaRPr>
-          </a:p>
-        </p:txBody>
-      </p:sp>
       <p:cxnSp>
         <p:nvCxnSpPr>
-          <p:cNvPr id="14" name="Curved Connector 13"/>
+          <p:cNvPr id="57" name="Straight Arrow Connector 56"/>
           <p:cNvCxnSpPr/>
           <p:nvPr/>
         </p:nvCxnSpPr>
         <p:spPr>
-          <a:xfrm rot="5400000">
-            <a:off x="4502379" y="2673579"/>
-            <a:ext cx="520247" cy="380996"/>
-          </a:xfrm>
-          <a:prstGeom prst="curvedConnector3">
+          <a:xfrm flipV="1">
+            <a:off x="2646070" y="4800600"/>
+            <a:ext cx="1389119" cy="458688"/>
+          </a:xfrm>
+          <a:prstGeom prst="straightConnector1">
             <a:avLst/>
           </a:prstGeom>
           <a:ln>
             <a:solidFill>
-              <a:srgbClr val="00B050"/>
+              <a:schemeClr val="tx1"/>
             </a:solidFill>
             <a:tailEnd type="arrow"/>
           </a:ln>
@@ -7869,201 +7834,48 @@
           </a:fontRef>
         </p:style>
       </p:cxnSp>
-      <p:sp>
-        <p:nvSpPr>
-          <p:cNvPr id="17" name="TextBox 16"/>
-          <p:cNvSpPr txBox="1"/>
-          <p:nvPr/>
-        </p:nvSpPr>
-        <p:spPr>
-          <a:xfrm>
-            <a:off x="111517" y="5638800"/>
-            <a:ext cx="9301970" cy="646331"/>
-          </a:xfrm>
-          <a:prstGeom prst="rect">
-            <a:avLst/>
-          </a:prstGeom>
-          <a:noFill/>
-        </p:spPr>
-        <p:txBody>
-          <a:bodyPr wrap="none" rtlCol="0">
-            <a:spAutoFit/>
-          </a:bodyPr>
-          <a:lstStyle/>
-          <a:p>
-            <a:r>
-              <a:rPr lang="en-US" b="1" dirty="0" smtClean="0">
-                <a:solidFill>
-                  <a:schemeClr val="accent5">
-                    <a:lumMod val="75000"/>
-                  </a:schemeClr>
-                </a:solidFill>
-              </a:rPr>
-              <a:t>matplotlib.org: </a:t>
-            </a:r>
-            <a:r>
-              <a:rPr lang="en-US" b="1" dirty="0" err="1">
-                <a:solidFill>
-                  <a:schemeClr val="accent5">
-                    <a:lumMod val="75000"/>
-                  </a:schemeClr>
-                </a:solidFill>
-              </a:rPr>
-              <a:t>Matplotlib</a:t>
-            </a:r>
-            <a:r>
-              <a:rPr lang="en-US" b="1" dirty="0">
-                <a:solidFill>
-                  <a:schemeClr val="accent5">
-                    <a:lumMod val="75000"/>
-                  </a:schemeClr>
-                </a:solidFill>
-              </a:rPr>
-              <a:t> is a Python 2D plotting library which produces publication </a:t>
-            </a:r>
-            <a:r>
-              <a:rPr lang="en-US" b="1" dirty="0" smtClean="0">
-                <a:solidFill>
-                  <a:schemeClr val="accent5">
-                    <a:lumMod val="75000"/>
-                  </a:schemeClr>
-                </a:solidFill>
-              </a:rPr>
-              <a:t>quality</a:t>
-            </a:r>
-            <a:br>
-              <a:rPr lang="en-US" b="1" dirty="0" smtClean="0">
-                <a:solidFill>
-                  <a:schemeClr val="accent5">
-                    <a:lumMod val="75000"/>
-                  </a:schemeClr>
-                </a:solidFill>
-              </a:rPr>
-            </a:br>
-            <a:r>
-              <a:rPr lang="en-US" b="1" dirty="0" smtClean="0">
-                <a:solidFill>
-                  <a:schemeClr val="accent5">
-                    <a:lumMod val="75000"/>
-                  </a:schemeClr>
-                </a:solidFill>
-              </a:rPr>
-              <a:t>figures </a:t>
-            </a:r>
-            <a:r>
-              <a:rPr lang="en-US" b="1" dirty="0">
-                <a:solidFill>
-                  <a:schemeClr val="accent5">
-                    <a:lumMod val="75000"/>
-                  </a:schemeClr>
-                </a:solidFill>
-              </a:rPr>
-              <a:t>in a variety of hardcopy formats and interactive environments across platforms. </a:t>
-            </a:r>
-            <a:r>
-              <a:rPr lang="en-US" b="1" dirty="0" smtClean="0">
-                <a:solidFill>
-                  <a:schemeClr val="accent5">
-                    <a:lumMod val="75000"/>
-                  </a:schemeClr>
-                </a:solidFill>
-              </a:rPr>
-              <a:t> </a:t>
-            </a:r>
-            <a:endParaRPr lang="en-US" b="1" dirty="0">
-              <a:solidFill>
-                <a:schemeClr val="accent5">
-                  <a:lumMod val="75000"/>
-                </a:schemeClr>
-              </a:solidFill>
-            </a:endParaRPr>
-          </a:p>
-        </p:txBody>
-      </p:sp>
-      <p:sp>
-        <p:nvSpPr>
-          <p:cNvPr id="11" name="TextBox 10"/>
-          <p:cNvSpPr txBox="1"/>
-          <p:nvPr/>
-        </p:nvSpPr>
-        <p:spPr>
-          <a:xfrm>
-            <a:off x="2662861" y="3623608"/>
-            <a:ext cx="1801712" cy="1938992"/>
-          </a:xfrm>
-          <a:prstGeom prst="rect">
-            <a:avLst/>
-          </a:prstGeom>
-          <a:noFill/>
-        </p:spPr>
-        <p:txBody>
-          <a:bodyPr wrap="none" rtlCol="0">
-            <a:spAutoFit/>
-          </a:bodyPr>
-          <a:lstStyle/>
-          <a:p>
-            <a:r>
-              <a:rPr lang="en-US" sz="2000" b="1" dirty="0" smtClean="0"/>
-              <a:t>Used for:</a:t>
-            </a:r>
-          </a:p>
-          <a:p>
-            <a:pPr marL="285750" indent="-285750">
-              <a:buFont typeface="Arial" panose="020B0604020202020204" pitchFamily="34" charset="0"/>
-              <a:buChar char="•"/>
-            </a:pPr>
-            <a:r>
-              <a:rPr lang="en-US" sz="2000" b="1" dirty="0" smtClean="0"/>
-              <a:t>Plots</a:t>
-            </a:r>
-          </a:p>
-          <a:p>
-            <a:pPr marL="285750" indent="-285750">
-              <a:buFont typeface="Arial" panose="020B0604020202020204" pitchFamily="34" charset="0"/>
-              <a:buChar char="•"/>
-            </a:pPr>
-            <a:r>
-              <a:rPr lang="en-US" sz="2000" b="1" dirty="0" smtClean="0"/>
-              <a:t>Histograms</a:t>
-            </a:r>
-          </a:p>
-          <a:p>
-            <a:pPr marL="285750" indent="-285750">
-              <a:buFont typeface="Arial" panose="020B0604020202020204" pitchFamily="34" charset="0"/>
-              <a:buChar char="•"/>
-            </a:pPr>
-            <a:r>
-              <a:rPr lang="en-US" sz="2000" b="1" dirty="0" smtClean="0"/>
-              <a:t>Bar Charts</a:t>
-            </a:r>
-          </a:p>
-          <a:p>
-            <a:pPr marL="285750" indent="-285750">
-              <a:buFont typeface="Arial" panose="020B0604020202020204" pitchFamily="34" charset="0"/>
-              <a:buChar char="•"/>
-            </a:pPr>
-            <a:r>
-              <a:rPr lang="en-US" sz="2000" b="1" dirty="0" smtClean="0"/>
-              <a:t>Scatter Plots</a:t>
-            </a:r>
-          </a:p>
-          <a:p>
-            <a:pPr marL="285750" indent="-285750">
-              <a:buFont typeface="Arial" panose="020B0604020202020204" pitchFamily="34" charset="0"/>
-              <a:buChar char="•"/>
-            </a:pPr>
-            <a:r>
-              <a:rPr lang="en-US" sz="2000" b="1" dirty="0" err="1" smtClean="0"/>
-              <a:t>etc</a:t>
-            </a:r>
-            <a:endParaRPr lang="en-US" sz="2000" b="1" dirty="0"/>
-          </a:p>
-        </p:txBody>
-      </p:sp>
+      <p:cxnSp>
+        <p:nvCxnSpPr>
+          <p:cNvPr id="58" name="Straight Arrow Connector 57"/>
+          <p:cNvCxnSpPr>
+            <a:stCxn id="34" idx="3"/>
+          </p:cNvCxnSpPr>
+          <p:nvPr/>
+        </p:nvCxnSpPr>
+        <p:spPr>
+          <a:xfrm>
+            <a:off x="2696206" y="5259289"/>
+            <a:ext cx="1222178" cy="303311"/>
+          </a:xfrm>
+          <a:prstGeom prst="straightConnector1">
+            <a:avLst/>
+          </a:prstGeom>
+          <a:ln>
+            <a:solidFill>
+              <a:schemeClr val="tx1"/>
+            </a:solidFill>
+            <a:tailEnd type="arrow"/>
+          </a:ln>
+        </p:spPr>
+        <p:style>
+          <a:lnRef idx="1">
+            <a:schemeClr val="accent1"/>
+          </a:lnRef>
+          <a:fillRef idx="0">
+            <a:schemeClr val="accent1"/>
+          </a:fillRef>
+          <a:effectRef idx="0">
+            <a:schemeClr val="accent1"/>
+          </a:effectRef>
+          <a:fontRef idx="minor">
+            <a:schemeClr val="tx1"/>
+          </a:fontRef>
+        </p:style>
+      </p:cxnSp>
     </p:spTree>
     <p:extLst>
       <p:ext uri="{BB962C8B-B14F-4D97-AF65-F5344CB8AC3E}">
-        <p14:creationId xmlns:p14="http://schemas.microsoft.com/office/powerpoint/2010/main" val="1560335983"/>
+        <p14:creationId xmlns:p14="http://schemas.microsoft.com/office/powerpoint/2010/main" val="1986412498"/>
       </p:ext>
     </p:extLst>
   </p:cSld>
@@ -8121,14 +7933,14 @@
           <a:p>
             <a:pPr algn="l"/>
             <a:r>
-              <a:rPr lang="en-US" dirty="0" err="1" smtClean="0">
+              <a:rPr lang="en-US" dirty="0" smtClean="0">
                 <a:solidFill>
                   <a:schemeClr val="accent1">
                     <a:lumMod val="75000"/>
                   </a:schemeClr>
                 </a:solidFill>
               </a:rPr>
-              <a:t>Matplotlib</a:t>
+              <a:t>Pandas – </a:t>
             </a:r>
             <a:r>
               <a:rPr lang="en-US" dirty="0" smtClean="0">
@@ -8138,7 +7950,7 @@
                   </a:schemeClr>
                 </a:solidFill>
               </a:rPr>
-              <a:t> - Plot</a:t>
+              <a:t>Displaying Columns</a:t>
             </a:r>
             <a:endParaRPr lang="en-US" dirty="0">
               <a:solidFill>
@@ -8183,14 +7995,14 @@
       </p:cxnSp>
       <p:sp>
         <p:nvSpPr>
-          <p:cNvPr id="36" name="TextBox 35"/>
+          <p:cNvPr id="7" name="TextBox 6"/>
           <p:cNvSpPr txBox="1"/>
           <p:nvPr/>
         </p:nvSpPr>
         <p:spPr>
           <a:xfrm>
-            <a:off x="152400" y="1164134"/>
-            <a:ext cx="4892365" cy="461665"/>
+            <a:off x="214153" y="2819400"/>
+            <a:ext cx="2055691" cy="523220"/>
           </a:xfrm>
           <a:prstGeom prst="rect">
             <a:avLst/>
@@ -8203,132 +8015,47 @@
           </a:bodyPr>
           <a:lstStyle/>
           <a:p>
-            <a:pPr marL="285750" indent="-285750">
-              <a:buFont typeface="Arial" panose="020B0604020202020204" pitchFamily="34" charset="0"/>
-              <a:buChar char="•"/>
-            </a:pPr>
-            <a:r>
-              <a:rPr lang="en-US" sz="2400" b="1" dirty="0" smtClean="0">
-                <a:solidFill>
-                  <a:schemeClr val="accent5">
-                    <a:lumMod val="75000"/>
-                  </a:schemeClr>
-                </a:solidFill>
-              </a:rPr>
-              <a:t>The function </a:t>
-            </a:r>
-            <a:r>
-              <a:rPr lang="en-US" sz="2400" b="1" dirty="0" smtClean="0">
+            <a:r>
+              <a:rPr lang="en-US" sz="1400" b="1" dirty="0" smtClean="0"/>
+              <a:t>Display age column using</a:t>
+            </a:r>
+          </a:p>
+          <a:p>
+            <a:r>
+              <a:rPr lang="en-US" sz="1400" b="1" dirty="0" smtClean="0">
                 <a:solidFill>
                   <a:schemeClr val="accent6">
                     <a:lumMod val="75000"/>
                   </a:schemeClr>
                 </a:solidFill>
               </a:rPr>
-              <a:t>plot</a:t>
-            </a:r>
-            <a:r>
-              <a:rPr lang="en-US" sz="2400" b="1" dirty="0" smtClean="0">
-                <a:solidFill>
-                  <a:schemeClr val="accent5">
-                    <a:lumMod val="75000"/>
-                  </a:schemeClr>
-                </a:solidFill>
-              </a:rPr>
-              <a:t> plots a 2D graph.</a:t>
-            </a:r>
-          </a:p>
-        </p:txBody>
-      </p:sp>
-      <p:sp>
-        <p:nvSpPr>
-          <p:cNvPr id="7" name="TextBox 6"/>
-          <p:cNvSpPr txBox="1"/>
-          <p:nvPr/>
-        </p:nvSpPr>
-        <p:spPr>
-          <a:xfrm>
-            <a:off x="3593831" y="2750373"/>
-            <a:ext cx="1425390" cy="369332"/>
-          </a:xfrm>
-          <a:prstGeom prst="rect">
-            <a:avLst/>
-          </a:prstGeom>
-          <a:noFill/>
-        </p:spPr>
-        <p:txBody>
-          <a:bodyPr wrap="none" rtlCol="0">
-            <a:spAutoFit/>
-          </a:bodyPr>
-          <a:lstStyle/>
-          <a:p>
-            <a:r>
-              <a:rPr lang="en-US" dirty="0" err="1" smtClean="0"/>
-              <a:t>plt.plot</a:t>
-            </a:r>
-            <a:r>
-              <a:rPr lang="en-US" dirty="0" smtClean="0"/>
-              <a:t>( x, y )</a:t>
-            </a:r>
-            <a:endParaRPr lang="en-US" dirty="0"/>
-          </a:p>
-        </p:txBody>
-      </p:sp>
-      <p:sp>
-        <p:nvSpPr>
-          <p:cNvPr id="8" name="TextBox 7"/>
-          <p:cNvSpPr txBox="1"/>
-          <p:nvPr/>
-        </p:nvSpPr>
-        <p:spPr>
-          <a:xfrm>
-            <a:off x="2645141" y="2078478"/>
-            <a:ext cx="1180260" cy="276999"/>
-          </a:xfrm>
-          <a:prstGeom prst="rect">
-            <a:avLst/>
-          </a:prstGeom>
-          <a:noFill/>
-        </p:spPr>
-        <p:txBody>
-          <a:bodyPr wrap="none" rtlCol="0">
-            <a:spAutoFit/>
-          </a:bodyPr>
-          <a:lstStyle/>
-          <a:p>
-            <a:r>
-              <a:rPr lang="en-US" sz="1200" dirty="0" smtClean="0">
-                <a:solidFill>
-                  <a:srgbClr val="00B050"/>
-                </a:solidFill>
-              </a:rPr>
-              <a:t>Function to plot</a:t>
-            </a:r>
-            <a:endParaRPr lang="en-US" sz="1200" dirty="0">
-              <a:solidFill>
-                <a:srgbClr val="00B050"/>
-              </a:solidFill>
-            </a:endParaRPr>
+              <a:t>‘age’ </a:t>
+            </a:r>
+            <a:r>
+              <a:rPr lang="en-US" sz="1400" b="1" dirty="0" smtClean="0"/>
+              <a:t>as the index</a:t>
+            </a:r>
+            <a:endParaRPr lang="en-US" sz="1400" b="1" dirty="0"/>
           </a:p>
         </p:txBody>
       </p:sp>
       <p:cxnSp>
         <p:nvCxnSpPr>
-          <p:cNvPr id="10" name="Curved Connector 9"/>
+          <p:cNvPr id="58" name="Straight Arrow Connector 57"/>
           <p:cNvCxnSpPr/>
           <p:nvPr/>
         </p:nvCxnSpPr>
         <p:spPr>
-          <a:xfrm rot="16200000" flipH="1">
-            <a:off x="3716570" y="2386687"/>
-            <a:ext cx="440323" cy="381000"/>
-          </a:xfrm>
-          <a:prstGeom prst="curvedConnector3">
+          <a:xfrm>
+            <a:off x="2696206" y="5259289"/>
+            <a:ext cx="1222178" cy="303311"/>
+          </a:xfrm>
+          <a:prstGeom prst="straightConnector1">
             <a:avLst/>
           </a:prstGeom>
           <a:ln>
             <a:solidFill>
-              <a:srgbClr val="00B050"/>
+              <a:schemeClr val="tx1"/>
             </a:solidFill>
             <a:tailEnd type="arrow"/>
           </a:ln>
@@ -8348,61 +8075,77 @@
           </a:fontRef>
         </p:style>
       </p:cxnSp>
-      <p:sp>
-        <p:nvSpPr>
-          <p:cNvPr id="13" name="TextBox 12"/>
-          <p:cNvSpPr txBox="1"/>
-          <p:nvPr/>
-        </p:nvSpPr>
-        <p:spPr>
-          <a:xfrm>
-            <a:off x="3947242" y="1847411"/>
-            <a:ext cx="1144352" cy="276999"/>
+      <p:pic>
+        <p:nvPicPr>
+          <p:cNvPr id="2050" name="Picture 2"/>
+          <p:cNvPicPr>
+            <a:picLocks noChangeAspect="1" noChangeArrowheads="1"/>
+          </p:cNvPicPr>
+          <p:nvPr/>
+        </p:nvPicPr>
+        <p:blipFill>
+          <a:blip r:embed="rId2">
+            <a:extLst>
+              <a:ext uri="{28A0092B-C50C-407E-A947-70E740481C1C}">
+                <a14:useLocalDpi xmlns:a14="http://schemas.microsoft.com/office/drawing/2010/main" val="0"/>
+              </a:ext>
+            </a:extLst>
+          </a:blip>
+          <a:srcRect/>
+          <a:stretch>
+            <a:fillRect/>
+          </a:stretch>
+        </p:blipFill>
+        <p:spPr bwMode="auto">
+          <a:xfrm>
+            <a:off x="2696206" y="1257743"/>
+            <a:ext cx="5810250" cy="5305425"/>
           </a:xfrm>
           <a:prstGeom prst="rect">
             <a:avLst/>
           </a:prstGeom>
           <a:noFill/>
-        </p:spPr>
-        <p:txBody>
-          <a:bodyPr wrap="none" rtlCol="0">
-            <a:spAutoFit/>
-          </a:bodyPr>
-          <a:lstStyle/>
-          <a:p>
-            <a:r>
-              <a:rPr lang="en-US" sz="1200" dirty="0" smtClean="0">
-                <a:solidFill>
-                  <a:srgbClr val="00B050"/>
-                </a:solidFill>
-              </a:rPr>
-              <a:t>X values to plot</a:t>
-            </a:r>
-            <a:endParaRPr lang="en-US" sz="1200" dirty="0">
-              <a:solidFill>
-                <a:srgbClr val="00B050"/>
-              </a:solidFill>
-            </a:endParaRPr>
-          </a:p>
-        </p:txBody>
-      </p:sp>
+          <a:ln>
+            <a:noFill/>
+          </a:ln>
+          <a:extLst>
+            <a:ext uri="{909E8E84-426E-40DD-AFC4-6F175D3DCCD1}">
+              <a14:hiddenFill xmlns:a14="http://schemas.microsoft.com/office/drawing/2010/main">
+                <a:solidFill>
+                  <a:schemeClr val="accent1"/>
+                </a:solidFill>
+              </a14:hiddenFill>
+            </a:ext>
+            <a:ext uri="{91240B29-F687-4F45-9708-019B960494DF}">
+              <a14:hiddenLine xmlns:a14="http://schemas.microsoft.com/office/drawing/2010/main" w="9525">
+                <a:solidFill>
+                  <a:schemeClr val="tx1"/>
+                </a:solidFill>
+                <a:miter lim="800000"/>
+                <a:headEnd/>
+                <a:tailEnd/>
+              </a14:hiddenLine>
+            </a:ext>
+          </a:extLst>
+        </p:spPr>
+      </p:pic>
       <p:cxnSp>
         <p:nvCxnSpPr>
-          <p:cNvPr id="14" name="Curved Connector 13"/>
+          <p:cNvPr id="9" name="Straight Arrow Connector 8"/>
           <p:cNvCxnSpPr/>
           <p:nvPr/>
         </p:nvCxnSpPr>
         <p:spPr>
-          <a:xfrm rot="16200000" flipH="1">
-            <a:off x="4070654" y="2326704"/>
-            <a:ext cx="746477" cy="274732"/>
-          </a:xfrm>
-          <a:prstGeom prst="curvedConnector3">
+          <a:xfrm>
+            <a:off x="1734985" y="3239244"/>
+            <a:ext cx="1822169" cy="342156"/>
+          </a:xfrm>
+          <a:prstGeom prst="straightConnector1">
             <a:avLst/>
           </a:prstGeom>
           <a:ln>
             <a:solidFill>
-              <a:srgbClr val="00B050"/>
+              <a:schemeClr val="tx1"/>
             </a:solidFill>
             <a:tailEnd type="arrow"/>
           </a:ln>
@@ -8422,52 +8165,16 @@
           </a:fontRef>
         </p:style>
       </p:cxnSp>
-      <p:cxnSp>
-        <p:nvCxnSpPr>
-          <p:cNvPr id="12" name="Curved Connector 11"/>
-          <p:cNvCxnSpPr/>
-          <p:nvPr/>
-        </p:nvCxnSpPr>
-        <p:spPr>
-          <a:xfrm rot="5400000">
-            <a:off x="4665532" y="2450005"/>
-            <a:ext cx="520247" cy="326843"/>
-          </a:xfrm>
-          <a:prstGeom prst="curvedConnector3">
-            <a:avLst/>
-          </a:prstGeom>
-          <a:ln>
-            <a:solidFill>
-              <a:srgbClr val="00B050"/>
-            </a:solidFill>
-            <a:tailEnd type="arrow"/>
-          </a:ln>
-        </p:spPr>
-        <p:style>
-          <a:lnRef idx="1">
-            <a:schemeClr val="accent1"/>
-          </a:lnRef>
-          <a:fillRef idx="0">
-            <a:schemeClr val="accent1"/>
-          </a:fillRef>
-          <a:effectRef idx="0">
-            <a:schemeClr val="accent1"/>
-          </a:effectRef>
-          <a:fontRef idx="minor">
-            <a:schemeClr val="tx1"/>
-          </a:fontRef>
-        </p:style>
-      </p:cxnSp>
-      <p:sp>
-        <p:nvSpPr>
-          <p:cNvPr id="16" name="TextBox 15"/>
+      <p:sp>
+        <p:nvSpPr>
+          <p:cNvPr id="14" name="TextBox 13"/>
           <p:cNvSpPr txBox="1"/>
           <p:nvPr/>
         </p:nvSpPr>
         <p:spPr>
           <a:xfrm>
-            <a:off x="4762234" y="2097091"/>
-            <a:ext cx="1144352" cy="276999"/>
+            <a:off x="214153" y="3910455"/>
+            <a:ext cx="2601418" cy="738664"/>
           </a:xfrm>
           <a:prstGeom prst="rect">
             <a:avLst/>
@@ -8481,594 +8188,68 @@
           <a:lstStyle/>
           <a:p>
             <a:r>
-              <a:rPr lang="en-US" sz="1200" dirty="0" smtClean="0">
-                <a:solidFill>
-                  <a:srgbClr val="00B050"/>
-                </a:solidFill>
-              </a:rPr>
-              <a:t>Y values to plot</a:t>
-            </a:r>
-            <a:endParaRPr lang="en-US" sz="1200" dirty="0">
-              <a:solidFill>
-                <a:srgbClr val="00B050"/>
-              </a:solidFill>
-            </a:endParaRPr>
-          </a:p>
-        </p:txBody>
-      </p:sp>
-      <p:sp>
-        <p:nvSpPr>
-          <p:cNvPr id="18" name="TextBox 17"/>
-          <p:cNvSpPr txBox="1"/>
-          <p:nvPr/>
-        </p:nvSpPr>
-        <p:spPr>
-          <a:xfrm>
-            <a:off x="304800" y="3429000"/>
-            <a:ext cx="7730706" cy="1231106"/>
-          </a:xfrm>
-          <a:prstGeom prst="rect">
-            <a:avLst/>
-          </a:prstGeom>
-          <a:noFill/>
-        </p:spPr>
-        <p:txBody>
-          <a:bodyPr wrap="none" rtlCol="0">
-            <a:spAutoFit/>
-          </a:bodyPr>
-          <a:lstStyle/>
-          <a:p>
-            <a:pPr marL="285750" indent="-285750">
-              <a:buFont typeface="Arial" panose="020B0604020202020204" pitchFamily="34" charset="0"/>
-              <a:buChar char="•"/>
-            </a:pPr>
-            <a:r>
-              <a:rPr lang="en-US" sz="2400" b="1" dirty="0" smtClean="0">
-                <a:solidFill>
-                  <a:schemeClr val="accent5">
+              <a:rPr lang="en-US" sz="1400" b="1" dirty="0" smtClean="0"/>
+              <a:t>Display age and income columns</a:t>
+            </a:r>
+          </a:p>
+          <a:p>
+            <a:r>
+              <a:rPr lang="en-US" sz="1400" b="1" dirty="0" smtClean="0"/>
+              <a:t>by specifying </a:t>
+            </a:r>
+            <a:r>
+              <a:rPr lang="en-US" sz="1400" b="1" dirty="0" smtClean="0">
+                <a:solidFill>
+                  <a:schemeClr val="accent6">
                     <a:lumMod val="75000"/>
                   </a:schemeClr>
                 </a:solidFill>
               </a:rPr>
-              <a:t>Example:</a:t>
-            </a:r>
-            <a:endParaRPr lang="en-US" sz="1400" b="1" dirty="0" smtClean="0">
-              <a:solidFill>
-                <a:schemeClr val="accent5">
-                  <a:lumMod val="75000"/>
-                </a:schemeClr>
-              </a:solidFill>
-            </a:endParaRPr>
-          </a:p>
-          <a:p>
-            <a:pPr marL="285750" indent="-285750">
-              <a:buFont typeface="Arial" panose="020B0604020202020204" pitchFamily="34" charset="0"/>
-              <a:buChar char="•"/>
-            </a:pPr>
-            <a:endParaRPr lang="en-US" sz="1400" b="1" dirty="0">
-              <a:solidFill>
-                <a:schemeClr val="accent5">
-                  <a:lumMod val="75000"/>
-                </a:schemeClr>
-              </a:solidFill>
-            </a:endParaRPr>
-          </a:p>
-          <a:p>
+              <a:t>‘age’ </a:t>
+            </a:r>
+            <a:r>
+              <a:rPr lang="en-US" sz="1400" b="1" dirty="0" smtClean="0"/>
+              <a:t>and </a:t>
+            </a:r>
             <a:r>
               <a:rPr lang="en-US" sz="1400" b="1" dirty="0" smtClean="0">
                 <a:solidFill>
-                  <a:schemeClr val="accent5">
+                  <a:schemeClr val="accent6">
                     <a:lumMod val="75000"/>
                   </a:schemeClr>
                 </a:solidFill>
               </a:rPr>
-              <a:t>		</a:t>
-            </a:r>
-            <a:r>
-              <a:rPr lang="en-US" dirty="0" err="1" smtClean="0"/>
-              <a:t>plt.plot</a:t>
-            </a:r>
-            <a:r>
-              <a:rPr lang="en-US" dirty="0" smtClean="0"/>
-              <a:t>( [ 1, 2, 3 ], [ 4, 6, 8 ] )	</a:t>
-            </a:r>
-            <a:r>
-              <a:rPr lang="en-US" dirty="0" smtClean="0">
-                <a:solidFill>
-                  <a:srgbClr val="00B050"/>
-                </a:solidFill>
-              </a:rPr>
-              <a:t># Draws plot in the background</a:t>
-            </a:r>
-          </a:p>
-          <a:p>
-            <a:r>
-              <a:rPr lang="en-US" dirty="0"/>
-              <a:t>	</a:t>
-            </a:r>
-            <a:r>
-              <a:rPr lang="en-US" dirty="0" smtClean="0"/>
-              <a:t>	</a:t>
-            </a:r>
-            <a:r>
-              <a:rPr lang="en-US" dirty="0" err="1" smtClean="0"/>
-              <a:t>plt.show</a:t>
-            </a:r>
-            <a:r>
-              <a:rPr lang="en-US" dirty="0" smtClean="0"/>
-              <a:t>()		</a:t>
-            </a:r>
-            <a:r>
-              <a:rPr lang="en-US" dirty="0" smtClean="0">
-                <a:solidFill>
-                  <a:srgbClr val="00B050"/>
-                </a:solidFill>
-              </a:rPr>
-              <a:t># Displays the plot</a:t>
-            </a:r>
-          </a:p>
-        </p:txBody>
-      </p:sp>
-      <p:sp>
-        <p:nvSpPr>
-          <p:cNvPr id="19" name="TextBox 18"/>
-          <p:cNvSpPr txBox="1"/>
-          <p:nvPr/>
-        </p:nvSpPr>
-        <p:spPr>
-          <a:xfrm>
-            <a:off x="3276735" y="3622186"/>
-            <a:ext cx="300082" cy="276999"/>
-          </a:xfrm>
-          <a:prstGeom prst="rect">
-            <a:avLst/>
-          </a:prstGeom>
-          <a:noFill/>
-        </p:spPr>
-        <p:txBody>
-          <a:bodyPr wrap="none" rtlCol="0">
-            <a:spAutoFit/>
-          </a:bodyPr>
-          <a:lstStyle/>
-          <a:p>
-            <a:r>
-              <a:rPr lang="en-US" sz="1200" dirty="0" smtClean="0">
-                <a:solidFill>
-                  <a:srgbClr val="00B050"/>
-                </a:solidFill>
-              </a:rPr>
-              <a:t>X </a:t>
-            </a:r>
-            <a:endParaRPr lang="en-US" sz="1200" dirty="0">
-              <a:solidFill>
-                <a:srgbClr val="00B050"/>
-              </a:solidFill>
-            </a:endParaRPr>
-          </a:p>
-        </p:txBody>
-      </p:sp>
-      <p:sp>
-        <p:nvSpPr>
-          <p:cNvPr id="20" name="TextBox 19"/>
-          <p:cNvSpPr txBox="1"/>
-          <p:nvPr/>
-        </p:nvSpPr>
-        <p:spPr>
-          <a:xfrm>
-            <a:off x="4214189" y="3651983"/>
-            <a:ext cx="300082" cy="276999"/>
-          </a:xfrm>
-          <a:prstGeom prst="rect">
-            <a:avLst/>
-          </a:prstGeom>
-          <a:noFill/>
-        </p:spPr>
-        <p:txBody>
-          <a:bodyPr wrap="none" rtlCol="0">
-            <a:spAutoFit/>
-          </a:bodyPr>
-          <a:lstStyle/>
-          <a:p>
-            <a:r>
-              <a:rPr lang="en-US" sz="1200" dirty="0" smtClean="0">
-                <a:solidFill>
-                  <a:srgbClr val="00B050"/>
-                </a:solidFill>
-              </a:rPr>
-              <a:t>Y </a:t>
-            </a:r>
-            <a:endParaRPr lang="en-US" sz="1200" dirty="0">
-              <a:solidFill>
-                <a:srgbClr val="00B050"/>
-              </a:solidFill>
-            </a:endParaRPr>
-          </a:p>
-        </p:txBody>
-      </p:sp>
-      <p:sp>
-        <p:nvSpPr>
-          <p:cNvPr id="15" name="Right Brace 14"/>
-          <p:cNvSpPr/>
-          <p:nvPr/>
-        </p:nvSpPr>
-        <p:spPr>
-          <a:xfrm rot="16200000">
-            <a:off x="3332136" y="3672854"/>
-            <a:ext cx="156377" cy="519435"/>
-          </a:xfrm>
-          <a:prstGeom prst="rightBrace">
-            <a:avLst/>
-          </a:prstGeom>
-          <a:ln>
-            <a:solidFill>
-              <a:srgbClr val="00B050"/>
-            </a:solidFill>
-          </a:ln>
-        </p:spPr>
-        <p:style>
-          <a:lnRef idx="1">
-            <a:schemeClr val="accent1"/>
-          </a:lnRef>
-          <a:fillRef idx="0">
-            <a:schemeClr val="accent1"/>
-          </a:fillRef>
-          <a:effectRef idx="0">
-            <a:schemeClr val="accent1"/>
-          </a:effectRef>
-          <a:fontRef idx="minor">
-            <a:schemeClr val="tx1"/>
-          </a:fontRef>
-        </p:style>
-        <p:txBody>
-          <a:bodyPr rtlCol="0" anchor="ctr"/>
-          <a:lstStyle/>
-          <a:p>
-            <a:pPr algn="ctr"/>
-            <a:endParaRPr lang="en-US"/>
-          </a:p>
-        </p:txBody>
-      </p:sp>
-      <p:sp>
-        <p:nvSpPr>
-          <p:cNvPr id="22" name="Right Brace 21"/>
-          <p:cNvSpPr/>
-          <p:nvPr/>
-        </p:nvSpPr>
-        <p:spPr>
-          <a:xfrm rot="16200000">
-            <a:off x="4270217" y="3673260"/>
-            <a:ext cx="156377" cy="519435"/>
-          </a:xfrm>
-          <a:prstGeom prst="rightBrace">
-            <a:avLst/>
-          </a:prstGeom>
-          <a:ln>
-            <a:solidFill>
-              <a:srgbClr val="00B050"/>
-            </a:solidFill>
-          </a:ln>
-        </p:spPr>
-        <p:style>
-          <a:lnRef idx="1">
-            <a:schemeClr val="accent1"/>
-          </a:lnRef>
-          <a:fillRef idx="0">
-            <a:schemeClr val="accent1"/>
-          </a:fillRef>
-          <a:effectRef idx="0">
-            <a:schemeClr val="accent1"/>
-          </a:effectRef>
-          <a:fontRef idx="minor">
-            <a:schemeClr val="tx1"/>
-          </a:fontRef>
-        </p:style>
-        <p:txBody>
-          <a:bodyPr rtlCol="0" anchor="ctr"/>
-          <a:lstStyle/>
-          <a:p>
-            <a:pPr algn="ctr"/>
-            <a:endParaRPr lang="en-US"/>
+              <a:t>‘income’</a:t>
+            </a:r>
+          </a:p>
+          <a:p>
+            <a:r>
+              <a:rPr lang="en-US" sz="1400" b="1" dirty="0" smtClean="0"/>
+              <a:t>as a list.</a:t>
+            </a:r>
+            <a:endParaRPr lang="en-US" sz="1400" b="1" dirty="0"/>
           </a:p>
         </p:txBody>
       </p:sp>
       <p:cxnSp>
         <p:nvCxnSpPr>
-          <p:cNvPr id="23" name="Straight Connector 22"/>
+          <p:cNvPr id="15" name="Straight Arrow Connector 14"/>
           <p:cNvCxnSpPr/>
           <p:nvPr/>
         </p:nvCxnSpPr>
         <p:spPr>
           <a:xfrm>
-            <a:off x="2550895" y="5023653"/>
-            <a:ext cx="0" cy="1447800"/>
-          </a:xfrm>
-          <a:prstGeom prst="line">
-            <a:avLst/>
-          </a:prstGeom>
-          <a:ln w="15875">
-            <a:solidFill>
-              <a:schemeClr val="tx1"/>
-            </a:solidFill>
-          </a:ln>
-        </p:spPr>
-        <p:style>
-          <a:lnRef idx="1">
-            <a:schemeClr val="accent1"/>
-          </a:lnRef>
-          <a:fillRef idx="0">
-            <a:schemeClr val="accent1"/>
-          </a:fillRef>
-          <a:effectRef idx="0">
-            <a:schemeClr val="accent1"/>
-          </a:effectRef>
-          <a:fontRef idx="minor">
-            <a:schemeClr val="tx1"/>
-          </a:fontRef>
-        </p:style>
-      </p:cxnSp>
-      <p:cxnSp>
-        <p:nvCxnSpPr>
-          <p:cNvPr id="25" name="Straight Connector 24"/>
-          <p:cNvCxnSpPr/>
-          <p:nvPr/>
-        </p:nvCxnSpPr>
-        <p:spPr>
-          <a:xfrm>
-            <a:off x="2550895" y="6471453"/>
-            <a:ext cx="2001211" cy="0"/>
-          </a:xfrm>
-          <a:prstGeom prst="line">
-            <a:avLst/>
-          </a:prstGeom>
-          <a:ln w="15875">
-            <a:solidFill>
-              <a:schemeClr val="tx1"/>
-            </a:solidFill>
-          </a:ln>
-        </p:spPr>
-        <p:style>
-          <a:lnRef idx="1">
-            <a:schemeClr val="accent1"/>
-          </a:lnRef>
-          <a:fillRef idx="0">
-            <a:schemeClr val="accent1"/>
-          </a:fillRef>
-          <a:effectRef idx="0">
-            <a:schemeClr val="accent1"/>
-          </a:effectRef>
-          <a:fontRef idx="minor">
-            <a:schemeClr val="tx1"/>
-          </a:fontRef>
-        </p:style>
-      </p:cxnSp>
-      <p:sp>
-        <p:nvSpPr>
-          <p:cNvPr id="26" name="TextBox 25"/>
-          <p:cNvSpPr txBox="1"/>
-          <p:nvPr/>
-        </p:nvSpPr>
-        <p:spPr>
-          <a:xfrm>
-            <a:off x="2754083" y="6471453"/>
-            <a:ext cx="263214" cy="276999"/>
-          </a:xfrm>
-          <a:prstGeom prst="rect">
-            <a:avLst/>
-          </a:prstGeom>
-          <a:noFill/>
-        </p:spPr>
-        <p:txBody>
-          <a:bodyPr wrap="none" rtlCol="0">
-            <a:spAutoFit/>
-          </a:bodyPr>
-          <a:lstStyle/>
-          <a:p>
-            <a:r>
-              <a:rPr lang="en-US" sz="1200" dirty="0" smtClean="0"/>
-              <a:t>1</a:t>
-            </a:r>
-            <a:endParaRPr lang="en-US" sz="1200" dirty="0"/>
-          </a:p>
-        </p:txBody>
-      </p:sp>
-      <p:sp>
-        <p:nvSpPr>
-          <p:cNvPr id="28" name="TextBox 27"/>
-          <p:cNvSpPr txBox="1"/>
-          <p:nvPr/>
-        </p:nvSpPr>
-        <p:spPr>
-          <a:xfrm>
-            <a:off x="2274927" y="6090453"/>
-            <a:ext cx="263214" cy="276999"/>
-          </a:xfrm>
-          <a:prstGeom prst="rect">
-            <a:avLst/>
-          </a:prstGeom>
-          <a:noFill/>
-        </p:spPr>
-        <p:txBody>
-          <a:bodyPr wrap="none" rtlCol="0">
-            <a:spAutoFit/>
-          </a:bodyPr>
-          <a:lstStyle/>
-          <a:p>
-            <a:r>
-              <a:rPr lang="en-US" sz="1200" dirty="0" smtClean="0"/>
-              <a:t>2</a:t>
-            </a:r>
-            <a:endParaRPr lang="en-US" sz="1200" dirty="0"/>
-          </a:p>
-        </p:txBody>
-      </p:sp>
-      <p:sp>
-        <p:nvSpPr>
-          <p:cNvPr id="29" name="TextBox 28"/>
-          <p:cNvSpPr txBox="1"/>
-          <p:nvPr/>
-        </p:nvSpPr>
-        <p:spPr>
-          <a:xfrm>
-            <a:off x="2265402" y="5743177"/>
-            <a:ext cx="263214" cy="276999"/>
-          </a:xfrm>
-          <a:prstGeom prst="rect">
-            <a:avLst/>
-          </a:prstGeom>
-          <a:noFill/>
-        </p:spPr>
-        <p:txBody>
-          <a:bodyPr wrap="none" rtlCol="0">
-            <a:spAutoFit/>
-          </a:bodyPr>
-          <a:lstStyle/>
-          <a:p>
-            <a:r>
-              <a:rPr lang="en-US" sz="1200" dirty="0" smtClean="0"/>
-              <a:t>4</a:t>
-            </a:r>
-            <a:endParaRPr lang="en-US" sz="1200" dirty="0"/>
-          </a:p>
-        </p:txBody>
-      </p:sp>
-      <p:sp>
-        <p:nvSpPr>
-          <p:cNvPr id="30" name="TextBox 29"/>
-          <p:cNvSpPr txBox="1"/>
-          <p:nvPr/>
-        </p:nvSpPr>
-        <p:spPr>
-          <a:xfrm>
-            <a:off x="2274927" y="5404653"/>
-            <a:ext cx="263214" cy="276999"/>
-          </a:xfrm>
-          <a:prstGeom prst="rect">
-            <a:avLst/>
-          </a:prstGeom>
-          <a:noFill/>
-        </p:spPr>
-        <p:txBody>
-          <a:bodyPr wrap="none" rtlCol="0">
-            <a:spAutoFit/>
-          </a:bodyPr>
-          <a:lstStyle/>
-          <a:p>
-            <a:r>
-              <a:rPr lang="en-US" sz="1200" dirty="0" smtClean="0"/>
-              <a:t>6</a:t>
-            </a:r>
-            <a:endParaRPr lang="en-US" sz="1200" dirty="0"/>
-          </a:p>
-        </p:txBody>
-      </p:sp>
-      <p:sp>
-        <p:nvSpPr>
-          <p:cNvPr id="31" name="TextBox 30"/>
-          <p:cNvSpPr txBox="1"/>
-          <p:nvPr/>
-        </p:nvSpPr>
-        <p:spPr>
-          <a:xfrm>
-            <a:off x="2274927" y="5028802"/>
-            <a:ext cx="263214" cy="276999"/>
-          </a:xfrm>
-          <a:prstGeom prst="rect">
-            <a:avLst/>
-          </a:prstGeom>
-          <a:noFill/>
-        </p:spPr>
-        <p:txBody>
-          <a:bodyPr wrap="none" rtlCol="0">
-            <a:spAutoFit/>
-          </a:bodyPr>
-          <a:lstStyle/>
-          <a:p>
-            <a:r>
-              <a:rPr lang="en-US" sz="1200" dirty="0" smtClean="0"/>
-              <a:t>8</a:t>
-            </a:r>
-            <a:endParaRPr lang="en-US" sz="1200" dirty="0"/>
-          </a:p>
-        </p:txBody>
-      </p:sp>
-      <p:sp>
-        <p:nvSpPr>
-          <p:cNvPr id="32" name="TextBox 31"/>
-          <p:cNvSpPr txBox="1"/>
-          <p:nvPr/>
-        </p:nvSpPr>
-        <p:spPr>
-          <a:xfrm>
-            <a:off x="3171440" y="6471453"/>
-            <a:ext cx="263214" cy="276999"/>
-          </a:xfrm>
-          <a:prstGeom prst="rect">
-            <a:avLst/>
-          </a:prstGeom>
-          <a:noFill/>
-        </p:spPr>
-        <p:txBody>
-          <a:bodyPr wrap="none" rtlCol="0">
-            <a:spAutoFit/>
-          </a:bodyPr>
-          <a:lstStyle/>
-          <a:p>
-            <a:r>
-              <a:rPr lang="en-US" sz="1200" dirty="0" smtClean="0"/>
-              <a:t>2</a:t>
-            </a:r>
-            <a:endParaRPr lang="en-US" sz="1200" dirty="0"/>
-          </a:p>
-        </p:txBody>
-      </p:sp>
-      <p:sp>
-        <p:nvSpPr>
-          <p:cNvPr id="33" name="TextBox 32"/>
-          <p:cNvSpPr txBox="1"/>
-          <p:nvPr/>
-        </p:nvSpPr>
-        <p:spPr>
-          <a:xfrm>
-            <a:off x="3607373" y="6471452"/>
-            <a:ext cx="263214" cy="276999"/>
-          </a:xfrm>
-          <a:prstGeom prst="rect">
-            <a:avLst/>
-          </a:prstGeom>
-          <a:noFill/>
-        </p:spPr>
-        <p:txBody>
-          <a:bodyPr wrap="none" rtlCol="0">
-            <a:spAutoFit/>
-          </a:bodyPr>
-          <a:lstStyle/>
-          <a:p>
-            <a:r>
-              <a:rPr lang="en-US" sz="1200" dirty="0" smtClean="0"/>
-              <a:t>3</a:t>
-            </a:r>
-            <a:endParaRPr lang="en-US" sz="1200" dirty="0"/>
-          </a:p>
-        </p:txBody>
-      </p:sp>
-      <p:cxnSp>
-        <p:nvCxnSpPr>
-          <p:cNvPr id="34" name="Straight Connector 33"/>
-          <p:cNvCxnSpPr/>
-          <p:nvPr/>
-        </p:nvCxnSpPr>
-        <p:spPr>
-          <a:xfrm flipV="1">
-            <a:off x="2807491" y="5028802"/>
-            <a:ext cx="938740" cy="807826"/>
-          </a:xfrm>
-          <a:prstGeom prst="line">
+            <a:off x="1241998" y="4484132"/>
+            <a:ext cx="1822169" cy="356888"/>
+          </a:xfrm>
+          <a:prstGeom prst="straightConnector1">
             <a:avLst/>
           </a:prstGeom>
           <a:ln>
             <a:solidFill>
               <a:schemeClr val="tx1"/>
             </a:solidFill>
+            <a:tailEnd type="arrow"/>
           </a:ln>
         </p:spPr>
         <p:style>
@@ -9089,7 +8270,7 @@
     </p:spTree>
     <p:extLst>
       <p:ext uri="{BB962C8B-B14F-4D97-AF65-F5344CB8AC3E}">
-        <p14:creationId xmlns:p14="http://schemas.microsoft.com/office/powerpoint/2010/main" val="2918671989"/>
+        <p14:creationId xmlns:p14="http://schemas.microsoft.com/office/powerpoint/2010/main" val="2150789660"/>
       </p:ext>
     </p:extLst>
   </p:cSld>
@@ -9147,14 +8328,14 @@
           <a:p>
             <a:pPr algn="l"/>
             <a:r>
-              <a:rPr lang="en-US" dirty="0" err="1" smtClean="0">
+              <a:rPr lang="en-US" dirty="0" smtClean="0">
                 <a:solidFill>
                   <a:schemeClr val="accent1">
                     <a:lumMod val="75000"/>
                   </a:schemeClr>
                 </a:solidFill>
               </a:rPr>
-              <a:t>Matplotlib</a:t>
+              <a:t>Pandas – </a:t>
             </a:r>
             <a:r>
               <a:rPr lang="en-US" dirty="0" smtClean="0">
@@ -9164,7 +8345,7 @@
                   </a:schemeClr>
                 </a:solidFill>
               </a:rPr>
-              <a:t> – Plot Labels</a:t>
+              <a:t>Max, Min, Matrix</a:t>
             </a:r>
             <a:endParaRPr lang="en-US" dirty="0">
               <a:solidFill>
@@ -9209,14 +8390,14 @@
       </p:cxnSp>
       <p:sp>
         <p:nvSpPr>
-          <p:cNvPr id="36" name="TextBox 35"/>
+          <p:cNvPr id="7" name="TextBox 6"/>
           <p:cNvSpPr txBox="1"/>
           <p:nvPr/>
         </p:nvSpPr>
         <p:spPr>
           <a:xfrm>
-            <a:off x="152400" y="1164134"/>
-            <a:ext cx="6893554" cy="461665"/>
+            <a:off x="214152" y="2438400"/>
+            <a:ext cx="2484526" cy="307777"/>
           </a:xfrm>
           <a:prstGeom prst="rect">
             <a:avLst/>
@@ -9229,245 +8410,33 @@
           </a:bodyPr>
           <a:lstStyle/>
           <a:p>
-            <a:pPr marL="285750" indent="-285750">
-              <a:buFont typeface="Arial" panose="020B0604020202020204" pitchFamily="34" charset="0"/>
-              <a:buChar char="•"/>
-            </a:pPr>
-            <a:r>
-              <a:rPr lang="en-US" sz="2400" b="1" dirty="0" smtClean="0">
-                <a:solidFill>
-                  <a:schemeClr val="accent5">
-                    <a:lumMod val="75000"/>
-                  </a:schemeClr>
-                </a:solidFill>
-              </a:rPr>
-              <a:t>Add Labels for X and Y Axis and Plot Title (caption)</a:t>
-            </a:r>
-          </a:p>
-        </p:txBody>
-      </p:sp>
-      <p:sp>
-        <p:nvSpPr>
-          <p:cNvPr id="18" name="TextBox 17"/>
-          <p:cNvSpPr txBox="1"/>
-          <p:nvPr/>
-        </p:nvSpPr>
-        <p:spPr>
-          <a:xfrm>
-            <a:off x="485033" y="1752600"/>
-            <a:ext cx="8494633" cy="1692771"/>
-          </a:xfrm>
-          <a:prstGeom prst="rect">
-            <a:avLst/>
-          </a:prstGeom>
-          <a:noFill/>
-        </p:spPr>
-        <p:txBody>
-          <a:bodyPr wrap="none" rtlCol="0">
-            <a:spAutoFit/>
-          </a:bodyPr>
-          <a:lstStyle/>
-          <a:p>
-            <a:pPr marL="285750" indent="-285750">
-              <a:buFont typeface="Arial" panose="020B0604020202020204" pitchFamily="34" charset="0"/>
-              <a:buChar char="•"/>
-            </a:pPr>
-            <a:endParaRPr lang="en-US" sz="1400" b="1" dirty="0">
-              <a:solidFill>
-                <a:schemeClr val="accent5">
-                  <a:lumMod val="75000"/>
-                </a:schemeClr>
-              </a:solidFill>
-            </a:endParaRPr>
-          </a:p>
-          <a:p>
-            <a:r>
-              <a:rPr lang="en-US" sz="1400" b="1" dirty="0" smtClean="0">
-                <a:solidFill>
-                  <a:schemeClr val="accent5">
-                    <a:lumMod val="75000"/>
-                  </a:schemeClr>
-                </a:solidFill>
-              </a:rPr>
-              <a:t>		</a:t>
-            </a:r>
-            <a:r>
-              <a:rPr lang="en-US" dirty="0" err="1" smtClean="0"/>
-              <a:t>plt.plot</a:t>
-            </a:r>
-            <a:r>
-              <a:rPr lang="en-US" dirty="0" smtClean="0"/>
-              <a:t>( [ 1, 2, 3 ], [ 4, 6, 8 ] )</a:t>
-            </a:r>
-          </a:p>
-          <a:p>
-            <a:r>
-              <a:rPr lang="en-US" dirty="0" smtClean="0"/>
-              <a:t> </a:t>
-            </a:r>
-            <a:r>
-              <a:rPr lang="en-US" dirty="0"/>
-              <a:t>	</a:t>
-            </a:r>
-            <a:r>
-              <a:rPr lang="en-US" dirty="0" smtClean="0"/>
-              <a:t>	</a:t>
-            </a:r>
-            <a:r>
-              <a:rPr lang="en-US" dirty="0" err="1" smtClean="0"/>
-              <a:t>plt.xlabel</a:t>
-            </a:r>
-            <a:r>
-              <a:rPr lang="en-US" dirty="0" smtClean="0"/>
-              <a:t>( “X Numbers” )		</a:t>
-            </a:r>
-            <a:r>
-              <a:rPr lang="en-US" dirty="0" smtClean="0">
-                <a:solidFill>
-                  <a:srgbClr val="00B050"/>
-                </a:solidFill>
-              </a:rPr>
-              <a:t># Label on the X-axis</a:t>
-            </a:r>
-          </a:p>
-          <a:p>
-            <a:r>
-              <a:rPr lang="en-US" dirty="0"/>
-              <a:t>	</a:t>
-            </a:r>
-            <a:r>
-              <a:rPr lang="en-US" dirty="0" smtClean="0"/>
-              <a:t>	</a:t>
-            </a:r>
-            <a:r>
-              <a:rPr lang="en-US" dirty="0" err="1" smtClean="0"/>
-              <a:t>plt.ylabel</a:t>
-            </a:r>
-            <a:r>
-              <a:rPr lang="en-US" dirty="0" smtClean="0"/>
-              <a:t>( “Y Numbers” )		</a:t>
-            </a:r>
-            <a:r>
-              <a:rPr lang="en-US" dirty="0" smtClean="0">
-                <a:solidFill>
-                  <a:srgbClr val="00B050"/>
-                </a:solidFill>
-              </a:rPr>
-              <a:t># Label on the Y-axis</a:t>
-            </a:r>
-          </a:p>
-          <a:p>
-            <a:r>
-              <a:rPr lang="en-US" dirty="0"/>
-              <a:t>	</a:t>
-            </a:r>
-            <a:r>
-              <a:rPr lang="en-US" dirty="0" smtClean="0"/>
-              <a:t>	</a:t>
-            </a:r>
-            <a:r>
-              <a:rPr lang="en-US" dirty="0" err="1" smtClean="0"/>
-              <a:t>plt.title</a:t>
-            </a:r>
-            <a:r>
-              <a:rPr lang="en-US" dirty="0" smtClean="0"/>
-              <a:t>( “My Plot of X and Y”)	</a:t>
-            </a:r>
-            <a:r>
-              <a:rPr lang="en-US" dirty="0" smtClean="0">
-                <a:solidFill>
-                  <a:srgbClr val="00B050"/>
-                </a:solidFill>
-              </a:rPr>
-              <a:t># Title for the Plot</a:t>
-            </a:r>
-            <a:r>
-              <a:rPr lang="en-US" dirty="0" smtClean="0"/>
-              <a:t>	</a:t>
-            </a:r>
-            <a:r>
-              <a:rPr lang="en-US" dirty="0"/>
-              <a:t>	</a:t>
-            </a:r>
-            <a:endParaRPr lang="en-US" dirty="0">
-              <a:solidFill>
-                <a:srgbClr val="00B050"/>
-              </a:solidFill>
-            </a:endParaRPr>
-          </a:p>
-          <a:p>
-            <a:r>
-              <a:rPr lang="en-US" dirty="0"/>
-              <a:t>		</a:t>
-            </a:r>
-            <a:r>
-              <a:rPr lang="en-US" dirty="0" err="1"/>
-              <a:t>plt.show</a:t>
-            </a:r>
-            <a:r>
-              <a:rPr lang="en-US" dirty="0" smtClean="0"/>
-              <a:t>()</a:t>
-            </a:r>
-            <a:endParaRPr lang="en-US" dirty="0"/>
-          </a:p>
-        </p:txBody>
-      </p:sp>
-      <p:sp>
-        <p:nvSpPr>
-          <p:cNvPr id="20" name="TextBox 19"/>
-          <p:cNvSpPr txBox="1"/>
-          <p:nvPr/>
-        </p:nvSpPr>
-        <p:spPr>
-          <a:xfrm>
-            <a:off x="4214189" y="3651983"/>
-            <a:ext cx="219932" cy="276999"/>
-          </a:xfrm>
-          <a:prstGeom prst="rect">
-            <a:avLst/>
-          </a:prstGeom>
-          <a:noFill/>
-        </p:spPr>
-        <p:txBody>
-          <a:bodyPr wrap="none" rtlCol="0">
-            <a:spAutoFit/>
-          </a:bodyPr>
-          <a:lstStyle/>
-          <a:p>
-            <a:r>
-              <a:rPr lang="en-US" sz="1200" dirty="0" smtClean="0">
-                <a:solidFill>
-                  <a:srgbClr val="00B050"/>
-                </a:solidFill>
-              </a:rPr>
-              <a:t> </a:t>
-            </a:r>
-            <a:endParaRPr lang="en-US" sz="1200" dirty="0">
-              <a:solidFill>
-                <a:srgbClr val="00B050"/>
-              </a:solidFill>
-            </a:endParaRPr>
+            <a:r>
+              <a:rPr lang="en-US" sz="1400" b="1" dirty="0" smtClean="0"/>
+              <a:t>Display max value of a column.</a:t>
+            </a:r>
+            <a:endParaRPr lang="en-US" sz="1400" b="1" dirty="0"/>
           </a:p>
         </p:txBody>
       </p:sp>
       <p:cxnSp>
         <p:nvCxnSpPr>
-          <p:cNvPr id="23" name="Straight Connector 22"/>
+          <p:cNvPr id="58" name="Straight Arrow Connector 57"/>
           <p:cNvCxnSpPr/>
           <p:nvPr/>
         </p:nvCxnSpPr>
         <p:spPr>
           <a:xfrm>
-            <a:off x="3099859" y="4156479"/>
-            <a:ext cx="0" cy="1447800"/>
-          </a:xfrm>
-          <a:prstGeom prst="line">
-            <a:avLst/>
-          </a:prstGeom>
-          <a:ln w="15875">
+            <a:off x="2696206" y="5259289"/>
+            <a:ext cx="1222178" cy="303311"/>
+          </a:xfrm>
+          <a:prstGeom prst="straightConnector1">
+            <a:avLst/>
+          </a:prstGeom>
+          <a:ln>
             <a:solidFill>
               <a:schemeClr val="tx1"/>
             </a:solidFill>
+            <a:tailEnd type="arrow"/>
           </a:ln>
         </p:spPr>
         <p:style>
@@ -9485,24 +8454,79 @@
           </a:fontRef>
         </p:style>
       </p:cxnSp>
+      <p:pic>
+        <p:nvPicPr>
+          <p:cNvPr id="3074" name="Picture 2"/>
+          <p:cNvPicPr>
+            <a:picLocks noChangeAspect="1" noChangeArrowheads="1"/>
+          </p:cNvPicPr>
+          <p:nvPr/>
+        </p:nvPicPr>
+        <p:blipFill>
+          <a:blip r:embed="rId2">
+            <a:extLst>
+              <a:ext uri="{28A0092B-C50C-407E-A947-70E740481C1C}">
+                <a14:useLocalDpi xmlns:a14="http://schemas.microsoft.com/office/drawing/2010/main" val="0"/>
+              </a:ext>
+            </a:extLst>
+          </a:blip>
+          <a:srcRect/>
+          <a:stretch>
+            <a:fillRect/>
+          </a:stretch>
+        </p:blipFill>
+        <p:spPr bwMode="auto">
+          <a:xfrm>
+            <a:off x="2636970" y="1257742"/>
+            <a:ext cx="5810250" cy="5305425"/>
+          </a:xfrm>
+          <a:prstGeom prst="rect">
+            <a:avLst/>
+          </a:prstGeom>
+          <a:noFill/>
+          <a:ln>
+            <a:noFill/>
+          </a:ln>
+          <a:extLst>
+            <a:ext uri="{909E8E84-426E-40DD-AFC4-6F175D3DCCD1}">
+              <a14:hiddenFill xmlns:a14="http://schemas.microsoft.com/office/drawing/2010/main">
+                <a:solidFill>
+                  <a:schemeClr val="accent1"/>
+                </a:solidFill>
+              </a14:hiddenFill>
+            </a:ext>
+            <a:ext uri="{91240B29-F687-4F45-9708-019B960494DF}">
+              <a14:hiddenLine xmlns:a14="http://schemas.microsoft.com/office/drawing/2010/main" w="9525">
+                <a:solidFill>
+                  <a:schemeClr val="tx1"/>
+                </a:solidFill>
+                <a:miter lim="800000"/>
+                <a:headEnd/>
+                <a:tailEnd/>
+              </a14:hiddenLine>
+            </a:ext>
+          </a:extLst>
+        </p:spPr>
+      </p:pic>
       <p:cxnSp>
         <p:nvCxnSpPr>
-          <p:cNvPr id="25" name="Straight Connector 24"/>
+          <p:cNvPr id="9" name="Straight Arrow Connector 8"/>
           <p:cNvCxnSpPr/>
           <p:nvPr/>
         </p:nvCxnSpPr>
         <p:spPr>
           <a:xfrm>
-            <a:off x="3099859" y="5604279"/>
-            <a:ext cx="2001211" cy="0"/>
-          </a:xfrm>
-          <a:prstGeom prst="line">
-            <a:avLst/>
-          </a:prstGeom>
-          <a:ln w="15875">
+            <a:off x="1904486" y="2723606"/>
+            <a:ext cx="1822169" cy="629194"/>
+          </a:xfrm>
+          <a:prstGeom prst="straightConnector1">
+            <a:avLst/>
+          </a:prstGeom>
+          <a:ln>
             <a:solidFill>
               <a:schemeClr val="tx1"/>
             </a:solidFill>
+            <a:tailEnd type="arrow"/>
           </a:ln>
         </p:spPr>
         <p:style>
@@ -9522,14 +8546,14 @@
       </p:cxnSp>
       <p:sp>
         <p:nvSpPr>
-          <p:cNvPr id="26" name="TextBox 25"/>
+          <p:cNvPr id="12" name="TextBox 11"/>
           <p:cNvSpPr txBox="1"/>
           <p:nvPr/>
         </p:nvSpPr>
         <p:spPr>
           <a:xfrm>
-            <a:off x="3303047" y="5604279"/>
-            <a:ext cx="263214" cy="276999"/>
+            <a:off x="84112" y="3351597"/>
+            <a:ext cx="2590389" cy="307777"/>
           </a:xfrm>
           <a:prstGeom prst="rect">
             <a:avLst/>
@@ -9543,211 +8567,32 @@
           <a:lstStyle/>
           <a:p>
             <a:r>
-              <a:rPr lang="en-US" sz="1200" dirty="0" smtClean="0"/>
-              <a:t>1</a:t>
-            </a:r>
-            <a:endParaRPr lang="en-US" sz="1200" dirty="0"/>
-          </a:p>
-        </p:txBody>
-      </p:sp>
-      <p:sp>
-        <p:nvSpPr>
-          <p:cNvPr id="28" name="TextBox 27"/>
-          <p:cNvSpPr txBox="1"/>
-          <p:nvPr/>
-        </p:nvSpPr>
-        <p:spPr>
-          <a:xfrm>
-            <a:off x="2823891" y="5223279"/>
-            <a:ext cx="263214" cy="276999"/>
-          </a:xfrm>
-          <a:prstGeom prst="rect">
-            <a:avLst/>
-          </a:prstGeom>
-          <a:noFill/>
-        </p:spPr>
-        <p:txBody>
-          <a:bodyPr wrap="none" rtlCol="0">
-            <a:spAutoFit/>
-          </a:bodyPr>
-          <a:lstStyle/>
-          <a:p>
-            <a:r>
-              <a:rPr lang="en-US" sz="1200" dirty="0" smtClean="0"/>
-              <a:t>2</a:t>
-            </a:r>
-            <a:endParaRPr lang="en-US" sz="1200" dirty="0"/>
-          </a:p>
-        </p:txBody>
-      </p:sp>
-      <p:sp>
-        <p:nvSpPr>
-          <p:cNvPr id="29" name="TextBox 28"/>
-          <p:cNvSpPr txBox="1"/>
-          <p:nvPr/>
-        </p:nvSpPr>
-        <p:spPr>
-          <a:xfrm>
-            <a:off x="2814366" y="4876003"/>
-            <a:ext cx="263214" cy="276999"/>
-          </a:xfrm>
-          <a:prstGeom prst="rect">
-            <a:avLst/>
-          </a:prstGeom>
-          <a:noFill/>
-        </p:spPr>
-        <p:txBody>
-          <a:bodyPr wrap="none" rtlCol="0">
-            <a:spAutoFit/>
-          </a:bodyPr>
-          <a:lstStyle/>
-          <a:p>
-            <a:r>
-              <a:rPr lang="en-US" sz="1200" dirty="0" smtClean="0"/>
-              <a:t>4</a:t>
-            </a:r>
-            <a:endParaRPr lang="en-US" sz="1200" dirty="0"/>
-          </a:p>
-        </p:txBody>
-      </p:sp>
-      <p:sp>
-        <p:nvSpPr>
-          <p:cNvPr id="30" name="TextBox 29"/>
-          <p:cNvSpPr txBox="1"/>
-          <p:nvPr/>
-        </p:nvSpPr>
-        <p:spPr>
-          <a:xfrm>
-            <a:off x="2823891" y="4537479"/>
-            <a:ext cx="263214" cy="276999"/>
-          </a:xfrm>
-          <a:prstGeom prst="rect">
-            <a:avLst/>
-          </a:prstGeom>
-          <a:noFill/>
-        </p:spPr>
-        <p:txBody>
-          <a:bodyPr wrap="none" rtlCol="0">
-            <a:spAutoFit/>
-          </a:bodyPr>
-          <a:lstStyle/>
-          <a:p>
-            <a:r>
-              <a:rPr lang="en-US" sz="1200" dirty="0" smtClean="0"/>
-              <a:t>6</a:t>
-            </a:r>
-            <a:endParaRPr lang="en-US" sz="1200" dirty="0"/>
-          </a:p>
-        </p:txBody>
-      </p:sp>
-      <p:sp>
-        <p:nvSpPr>
-          <p:cNvPr id="31" name="TextBox 30"/>
-          <p:cNvSpPr txBox="1"/>
-          <p:nvPr/>
-        </p:nvSpPr>
-        <p:spPr>
-          <a:xfrm>
-            <a:off x="2823891" y="4161628"/>
-            <a:ext cx="263214" cy="276999"/>
-          </a:xfrm>
-          <a:prstGeom prst="rect">
-            <a:avLst/>
-          </a:prstGeom>
-          <a:noFill/>
-        </p:spPr>
-        <p:txBody>
-          <a:bodyPr wrap="none" rtlCol="0">
-            <a:spAutoFit/>
-          </a:bodyPr>
-          <a:lstStyle/>
-          <a:p>
-            <a:r>
-              <a:rPr lang="en-US" sz="1200" dirty="0" smtClean="0"/>
-              <a:t>8</a:t>
-            </a:r>
-            <a:endParaRPr lang="en-US" sz="1200" dirty="0"/>
-          </a:p>
-        </p:txBody>
-      </p:sp>
-      <p:sp>
-        <p:nvSpPr>
-          <p:cNvPr id="32" name="TextBox 31"/>
-          <p:cNvSpPr txBox="1"/>
-          <p:nvPr/>
-        </p:nvSpPr>
-        <p:spPr>
-          <a:xfrm>
-            <a:off x="3720404" y="5604279"/>
-            <a:ext cx="263214" cy="276999"/>
-          </a:xfrm>
-          <a:prstGeom prst="rect">
-            <a:avLst/>
-          </a:prstGeom>
-          <a:noFill/>
-        </p:spPr>
-        <p:txBody>
-          <a:bodyPr wrap="none" rtlCol="0">
-            <a:spAutoFit/>
-          </a:bodyPr>
-          <a:lstStyle/>
-          <a:p>
-            <a:r>
-              <a:rPr lang="en-US" sz="1200" dirty="0" smtClean="0"/>
-              <a:t>2</a:t>
-            </a:r>
-            <a:endParaRPr lang="en-US" sz="1200" dirty="0"/>
-          </a:p>
-        </p:txBody>
-      </p:sp>
-      <p:sp>
-        <p:nvSpPr>
-          <p:cNvPr id="33" name="TextBox 32"/>
-          <p:cNvSpPr txBox="1"/>
-          <p:nvPr/>
-        </p:nvSpPr>
-        <p:spPr>
-          <a:xfrm>
-            <a:off x="4156337" y="5604278"/>
-            <a:ext cx="263214" cy="276999"/>
-          </a:xfrm>
-          <a:prstGeom prst="rect">
-            <a:avLst/>
-          </a:prstGeom>
-          <a:noFill/>
-        </p:spPr>
-        <p:txBody>
-          <a:bodyPr wrap="none" rtlCol="0">
-            <a:spAutoFit/>
-          </a:bodyPr>
-          <a:lstStyle/>
-          <a:p>
-            <a:r>
-              <a:rPr lang="en-US" sz="1200" dirty="0" smtClean="0"/>
-              <a:t>3</a:t>
-            </a:r>
-            <a:endParaRPr lang="en-US" sz="1200" dirty="0"/>
+              <a:rPr lang="en-US" sz="1400" b="1" dirty="0" smtClean="0"/>
+              <a:t>Display mean value of a column.</a:t>
+            </a:r>
+            <a:endParaRPr lang="en-US" sz="1400" b="1" dirty="0"/>
           </a:p>
         </p:txBody>
       </p:sp>
       <p:cxnSp>
         <p:nvCxnSpPr>
-          <p:cNvPr id="34" name="Straight Connector 33"/>
+          <p:cNvPr id="15" name="Straight Arrow Connector 14"/>
           <p:cNvCxnSpPr/>
           <p:nvPr/>
         </p:nvCxnSpPr>
         <p:spPr>
-          <a:xfrm flipV="1">
-            <a:off x="3380058" y="4300127"/>
-            <a:ext cx="907886" cy="690507"/>
-          </a:xfrm>
-          <a:prstGeom prst="line">
+          <a:xfrm>
+            <a:off x="1355422" y="3659374"/>
+            <a:ext cx="2371233" cy="356888"/>
+          </a:xfrm>
+          <a:prstGeom prst="straightConnector1">
             <a:avLst/>
           </a:prstGeom>
           <a:ln>
             <a:solidFill>
               <a:schemeClr val="tx1"/>
             </a:solidFill>
+            <a:tailEnd type="arrow"/>
           </a:ln>
         </p:spPr>
         <p:style>
@@ -9767,14 +8612,14 @@
       </p:cxnSp>
       <p:sp>
         <p:nvSpPr>
-          <p:cNvPr id="27" name="TextBox 26"/>
+          <p:cNvPr id="16" name="TextBox 15"/>
           <p:cNvSpPr txBox="1"/>
           <p:nvPr/>
         </p:nvSpPr>
         <p:spPr>
           <a:xfrm>
-            <a:off x="3583762" y="5881278"/>
-            <a:ext cx="888128" cy="276999"/>
+            <a:off x="84112" y="4267199"/>
+            <a:ext cx="2376100" cy="523220"/>
           </a:xfrm>
           <a:prstGeom prst="rect">
             <a:avLst/>
@@ -9788,77 +8633,64 @@
           <a:lstStyle/>
           <a:p>
             <a:r>
-              <a:rPr lang="en-US" sz="1200" b="1" dirty="0" smtClean="0"/>
-              <a:t>X Numbers</a:t>
-            </a:r>
-            <a:endParaRPr lang="en-US" sz="1200" b="1" dirty="0"/>
-          </a:p>
-        </p:txBody>
-      </p:sp>
-      <p:sp>
-        <p:nvSpPr>
-          <p:cNvPr id="35" name="TextBox 34"/>
-          <p:cNvSpPr txBox="1"/>
-          <p:nvPr/>
-        </p:nvSpPr>
-        <p:spPr>
-          <a:xfrm rot="16200000">
-            <a:off x="2297499" y="4692453"/>
-            <a:ext cx="888128" cy="276999"/>
-          </a:xfrm>
-          <a:prstGeom prst="rect">
-            <a:avLst/>
-          </a:prstGeom>
-          <a:noFill/>
-        </p:spPr>
-        <p:txBody>
-          <a:bodyPr wrap="none" rtlCol="0">
-            <a:spAutoFit/>
-          </a:bodyPr>
-          <a:lstStyle/>
-          <a:p>
-            <a:r>
-              <a:rPr lang="en-US" sz="1200" b="1" dirty="0" smtClean="0"/>
-              <a:t>Y Numbers</a:t>
-            </a:r>
-            <a:endParaRPr lang="en-US" sz="1200" b="1" dirty="0"/>
-          </a:p>
-        </p:txBody>
-      </p:sp>
-      <p:sp>
-        <p:nvSpPr>
-          <p:cNvPr id="37" name="TextBox 36"/>
-          <p:cNvSpPr txBox="1"/>
-          <p:nvPr/>
-        </p:nvSpPr>
-        <p:spPr>
-          <a:xfrm>
-            <a:off x="3545993" y="3903657"/>
-            <a:ext cx="1362874" cy="276999"/>
-          </a:xfrm>
-          <a:prstGeom prst="rect">
-            <a:avLst/>
-          </a:prstGeom>
-          <a:noFill/>
-        </p:spPr>
-        <p:txBody>
-          <a:bodyPr wrap="none" rtlCol="0">
-            <a:spAutoFit/>
-          </a:bodyPr>
-          <a:lstStyle/>
-          <a:p>
-            <a:r>
-              <a:rPr lang="en-US" sz="1200" b="1" dirty="0" smtClean="0"/>
-              <a:t>My Plot of X and Y</a:t>
-            </a:r>
-            <a:endParaRPr lang="en-US" sz="1200" b="1" dirty="0"/>
-          </a:p>
-        </p:txBody>
-      </p:sp>
+              <a:rPr lang="en-US" sz="1400" b="1" dirty="0" smtClean="0"/>
+              <a:t>Convert data frame to </a:t>
+            </a:r>
+            <a:r>
+              <a:rPr lang="en-US" sz="1400" b="1" dirty="0" err="1" smtClean="0"/>
+              <a:t>numpy</a:t>
+            </a:r>
+            <a:endParaRPr lang="en-US" sz="1400" b="1" dirty="0" smtClean="0"/>
+          </a:p>
+          <a:p>
+            <a:r>
+              <a:rPr lang="en-US" sz="1400" b="1" dirty="0" smtClean="0"/>
+              <a:t>array (matrix).</a:t>
+            </a:r>
+            <a:endParaRPr lang="en-US" sz="1400" b="1" dirty="0"/>
+          </a:p>
+        </p:txBody>
+      </p:sp>
+      <p:cxnSp>
+        <p:nvCxnSpPr>
+          <p:cNvPr id="17" name="Straight Arrow Connector 16"/>
+          <p:cNvCxnSpPr/>
+          <p:nvPr/>
+        </p:nvCxnSpPr>
+        <p:spPr>
+          <a:xfrm>
+            <a:off x="1379306" y="4611975"/>
+            <a:ext cx="2347349" cy="178444"/>
+          </a:xfrm>
+          <a:prstGeom prst="straightConnector1">
+            <a:avLst/>
+          </a:prstGeom>
+          <a:ln>
+            <a:solidFill>
+              <a:schemeClr val="tx1"/>
+            </a:solidFill>
+            <a:tailEnd type="arrow"/>
+          </a:ln>
+        </p:spPr>
+        <p:style>
+          <a:lnRef idx="1">
+            <a:schemeClr val="accent1"/>
+          </a:lnRef>
+          <a:fillRef idx="0">
+            <a:schemeClr val="accent1"/>
+          </a:fillRef>
+          <a:effectRef idx="0">
+            <a:schemeClr val="accent1"/>
+          </a:effectRef>
+          <a:fontRef idx="minor">
+            <a:schemeClr val="tx1"/>
+          </a:fontRef>
+        </p:style>
+      </p:cxnSp>
     </p:spTree>
     <p:extLst>
       <p:ext uri="{BB962C8B-B14F-4D97-AF65-F5344CB8AC3E}">
-        <p14:creationId xmlns:p14="http://schemas.microsoft.com/office/powerpoint/2010/main" val="3506617235"/>
+        <p14:creationId xmlns:p14="http://schemas.microsoft.com/office/powerpoint/2010/main" val="2283843790"/>
       </p:ext>
     </p:extLst>
   </p:cSld>
@@ -9910,30 +8742,30 @@
         </p:spPr>
         <p:txBody>
           <a:bodyPr>
-            <a:normAutofit fontScale="90000"/>
+            <a:normAutofit/>
           </a:bodyPr>
           <a:lstStyle/>
           <a:p>
             <a:pPr algn="l"/>
             <a:r>
-              <a:rPr lang="en-US" dirty="0" err="1" smtClean="0">
+              <a:rPr lang="en-US" dirty="0" smtClean="0">
                 <a:solidFill>
                   <a:schemeClr val="accent1">
                     <a:lumMod val="75000"/>
                   </a:schemeClr>
                 </a:solidFill>
               </a:rPr>
-              <a:t>Matplotlib</a:t>
-            </a:r>
-            <a:r>
-              <a:rPr lang="en-US" dirty="0" smtClean="0">
+              <a:t>Libraries - </a:t>
+            </a:r>
+            <a:r>
+              <a:rPr lang="en-US" dirty="0" err="1" smtClean="0">
                 <a:solidFill>
                   <a:schemeClr val="accent1">
                     <a:lumMod val="75000"/>
                   </a:schemeClr>
                 </a:solidFill>
               </a:rPr>
-              <a:t> – Multiple Plots and Legend</a:t>
+              <a:t>Matplotlib</a:t>
             </a:r>
             <a:endParaRPr lang="en-US" dirty="0">
               <a:solidFill>
@@ -9985,7 +8817,7 @@
         <p:spPr>
           <a:xfrm>
             <a:off x="152400" y="1164134"/>
-            <a:ext cx="5295360" cy="461665"/>
+            <a:ext cx="8004307" cy="461665"/>
           </a:xfrm>
           <a:prstGeom prst="rect">
             <a:avLst/>
@@ -10010,21 +8842,21 @@
                   </a:schemeClr>
                 </a:solidFill>
               </a:rPr>
-              <a:t>You can add multiple plots in a Graph </a:t>
-            </a:r>
-          </a:p>
-        </p:txBody>
-      </p:sp>
-      <p:sp>
-        <p:nvSpPr>
-          <p:cNvPr id="18" name="TextBox 17"/>
+              <a:t>A popular library for plotting and visualizing data in Python</a:t>
+            </a:r>
+          </a:p>
+        </p:txBody>
+      </p:sp>
+      <p:sp>
+        <p:nvSpPr>
+          <p:cNvPr id="7" name="TextBox 6"/>
           <p:cNvSpPr txBox="1"/>
           <p:nvPr/>
         </p:nvSpPr>
         <p:spPr>
           <a:xfrm>
-            <a:off x="485033" y="1752600"/>
-            <a:ext cx="8494633" cy="2246769"/>
+            <a:off x="3048000" y="3001024"/>
+            <a:ext cx="3060390" cy="369332"/>
           </a:xfrm>
           <a:prstGeom prst="rect">
             <a:avLst/>
@@ -10037,11 +8869,296 @@
           </a:bodyPr>
           <a:lstStyle/>
           <a:p>
-            <a:pPr marL="285750" indent="-285750">
-              <a:buFont typeface="Arial" panose="020B0604020202020204" pitchFamily="34" charset="0"/>
-              <a:buChar char="•"/>
-            </a:pPr>
-            <a:endParaRPr lang="en-US" sz="1400" b="1" dirty="0">
+            <a:r>
+              <a:rPr lang="en-US" dirty="0" smtClean="0">
+                <a:solidFill>
+                  <a:srgbClr val="0070C0"/>
+                </a:solidFill>
+              </a:rPr>
+              <a:t>import</a:t>
+            </a:r>
+            <a:r>
+              <a:rPr lang="en-US" dirty="0" smtClean="0"/>
+              <a:t> </a:t>
+            </a:r>
+            <a:r>
+              <a:rPr lang="en-US" dirty="0" err="1" smtClean="0"/>
+              <a:t>matplotlib.pyplot</a:t>
+            </a:r>
+            <a:r>
+              <a:rPr lang="en-US" dirty="0" smtClean="0"/>
+              <a:t> </a:t>
+            </a:r>
+            <a:r>
+              <a:rPr lang="en-US" dirty="0" smtClean="0">
+                <a:solidFill>
+                  <a:srgbClr val="0070C0"/>
+                </a:solidFill>
+              </a:rPr>
+              <a:t>as</a:t>
+            </a:r>
+            <a:r>
+              <a:rPr lang="en-US" dirty="0" smtClean="0"/>
+              <a:t> </a:t>
+            </a:r>
+            <a:r>
+              <a:rPr lang="en-US" dirty="0" err="1" smtClean="0"/>
+              <a:t>plt</a:t>
+            </a:r>
+            <a:endParaRPr lang="en-US" dirty="0"/>
+          </a:p>
+        </p:txBody>
+      </p:sp>
+      <p:sp>
+        <p:nvSpPr>
+          <p:cNvPr id="8" name="TextBox 7"/>
+          <p:cNvSpPr txBox="1"/>
+          <p:nvPr/>
+        </p:nvSpPr>
+        <p:spPr>
+          <a:xfrm>
+            <a:off x="2099310" y="2329129"/>
+            <a:ext cx="1897379" cy="276999"/>
+          </a:xfrm>
+          <a:prstGeom prst="rect">
+            <a:avLst/>
+          </a:prstGeom>
+          <a:noFill/>
+        </p:spPr>
+        <p:txBody>
+          <a:bodyPr wrap="none" rtlCol="0">
+            <a:spAutoFit/>
+          </a:bodyPr>
+          <a:lstStyle/>
+          <a:p>
+            <a:r>
+              <a:rPr lang="en-US" sz="1200" dirty="0" smtClean="0">
+                <a:solidFill>
+                  <a:srgbClr val="00B050"/>
+                </a:solidFill>
+              </a:rPr>
+              <a:t>Keyword to import a library</a:t>
+            </a:r>
+            <a:endParaRPr lang="en-US" sz="1200" dirty="0">
+              <a:solidFill>
+                <a:srgbClr val="00B050"/>
+              </a:solidFill>
+            </a:endParaRPr>
+          </a:p>
+        </p:txBody>
+      </p:sp>
+      <p:cxnSp>
+        <p:nvCxnSpPr>
+          <p:cNvPr id="10" name="Curved Connector 9"/>
+          <p:cNvCxnSpPr/>
+          <p:nvPr/>
+        </p:nvCxnSpPr>
+        <p:spPr>
+          <a:xfrm rot="16200000" flipH="1">
+            <a:off x="3170739" y="2637338"/>
+            <a:ext cx="440323" cy="381000"/>
+          </a:xfrm>
+          <a:prstGeom prst="curvedConnector3">
+            <a:avLst/>
+          </a:prstGeom>
+          <a:ln>
+            <a:solidFill>
+              <a:srgbClr val="00B050"/>
+            </a:solidFill>
+            <a:tailEnd type="arrow"/>
+          </a:ln>
+        </p:spPr>
+        <p:style>
+          <a:lnRef idx="1">
+            <a:schemeClr val="accent1"/>
+          </a:lnRef>
+          <a:fillRef idx="0">
+            <a:schemeClr val="accent1"/>
+          </a:fillRef>
+          <a:effectRef idx="0">
+            <a:schemeClr val="accent1"/>
+          </a:effectRef>
+          <a:fontRef idx="minor">
+            <a:schemeClr val="tx1"/>
+          </a:fontRef>
+        </p:style>
+      </p:cxnSp>
+      <p:sp>
+        <p:nvSpPr>
+          <p:cNvPr id="13" name="TextBox 12"/>
+          <p:cNvSpPr txBox="1"/>
+          <p:nvPr/>
+        </p:nvSpPr>
+        <p:spPr>
+          <a:xfrm>
+            <a:off x="4543245" y="2326955"/>
+            <a:ext cx="3591624" cy="276999"/>
+          </a:xfrm>
+          <a:prstGeom prst="rect">
+            <a:avLst/>
+          </a:prstGeom>
+          <a:noFill/>
+        </p:spPr>
+        <p:txBody>
+          <a:bodyPr wrap="none" rtlCol="0">
+            <a:spAutoFit/>
+          </a:bodyPr>
+          <a:lstStyle/>
+          <a:p>
+            <a:r>
+              <a:rPr lang="en-US" sz="1200" dirty="0" smtClean="0">
+                <a:solidFill>
+                  <a:srgbClr val="00B050"/>
+                </a:solidFill>
+              </a:rPr>
+              <a:t>Keyword to refer to library by an alias (shortcut) name </a:t>
+            </a:r>
+            <a:endParaRPr lang="en-US" sz="1200" dirty="0">
+              <a:solidFill>
+                <a:srgbClr val="00B050"/>
+              </a:solidFill>
+            </a:endParaRPr>
+          </a:p>
+        </p:txBody>
+      </p:sp>
+      <p:cxnSp>
+        <p:nvCxnSpPr>
+          <p:cNvPr id="14" name="Curved Connector 13"/>
+          <p:cNvCxnSpPr/>
+          <p:nvPr/>
+        </p:nvCxnSpPr>
+        <p:spPr>
+          <a:xfrm rot="5400000">
+            <a:off x="4502379" y="2673579"/>
+            <a:ext cx="520247" cy="380996"/>
+          </a:xfrm>
+          <a:prstGeom prst="curvedConnector3">
+            <a:avLst/>
+          </a:prstGeom>
+          <a:ln>
+            <a:solidFill>
+              <a:srgbClr val="00B050"/>
+            </a:solidFill>
+            <a:tailEnd type="arrow"/>
+          </a:ln>
+        </p:spPr>
+        <p:style>
+          <a:lnRef idx="1">
+            <a:schemeClr val="accent1"/>
+          </a:lnRef>
+          <a:fillRef idx="0">
+            <a:schemeClr val="accent1"/>
+          </a:fillRef>
+          <a:effectRef idx="0">
+            <a:schemeClr val="accent1"/>
+          </a:effectRef>
+          <a:fontRef idx="minor">
+            <a:schemeClr val="tx1"/>
+          </a:fontRef>
+        </p:style>
+      </p:cxnSp>
+      <p:sp>
+        <p:nvSpPr>
+          <p:cNvPr id="17" name="TextBox 16"/>
+          <p:cNvSpPr txBox="1"/>
+          <p:nvPr/>
+        </p:nvSpPr>
+        <p:spPr>
+          <a:xfrm>
+            <a:off x="111517" y="5638800"/>
+            <a:ext cx="9301970" cy="646331"/>
+          </a:xfrm>
+          <a:prstGeom prst="rect">
+            <a:avLst/>
+          </a:prstGeom>
+          <a:noFill/>
+        </p:spPr>
+        <p:txBody>
+          <a:bodyPr wrap="none" rtlCol="0">
+            <a:spAutoFit/>
+          </a:bodyPr>
+          <a:lstStyle/>
+          <a:p>
+            <a:r>
+              <a:rPr lang="en-US" b="1" dirty="0" smtClean="0">
+                <a:solidFill>
+                  <a:schemeClr val="accent5">
+                    <a:lumMod val="75000"/>
+                  </a:schemeClr>
+                </a:solidFill>
+              </a:rPr>
+              <a:t>matplotlib.org: </a:t>
+            </a:r>
+            <a:r>
+              <a:rPr lang="en-US" b="1" dirty="0" err="1">
+                <a:solidFill>
+                  <a:schemeClr val="accent5">
+                    <a:lumMod val="75000"/>
+                  </a:schemeClr>
+                </a:solidFill>
+              </a:rPr>
+              <a:t>Matplotlib</a:t>
+            </a:r>
+            <a:r>
+              <a:rPr lang="en-US" b="1" dirty="0">
+                <a:solidFill>
+                  <a:schemeClr val="accent5">
+                    <a:lumMod val="75000"/>
+                  </a:schemeClr>
+                </a:solidFill>
+              </a:rPr>
+              <a:t> is a Python 2D plotting library which produces publication </a:t>
+            </a:r>
+            <a:r>
+              <a:rPr lang="en-US" b="1" dirty="0" smtClean="0">
+                <a:solidFill>
+                  <a:schemeClr val="accent5">
+                    <a:lumMod val="75000"/>
+                  </a:schemeClr>
+                </a:solidFill>
+              </a:rPr>
+              <a:t>quality</a:t>
+            </a:r>
+            <a:br>
+              <a:rPr lang="en-US" b="1" dirty="0" smtClean="0">
+                <a:solidFill>
+                  <a:schemeClr val="accent5">
+                    <a:lumMod val="75000"/>
+                  </a:schemeClr>
+                </a:solidFill>
+              </a:rPr>
+            </a:br>
+            <a:r>
+              <a:rPr lang="en-US" b="1" dirty="0" smtClean="0">
+                <a:solidFill>
+                  <a:schemeClr val="accent5">
+                    <a:lumMod val="75000"/>
+                  </a:schemeClr>
+                </a:solidFill>
+              </a:rPr>
+              <a:t>figures </a:t>
+            </a:r>
+            <a:r>
+              <a:rPr lang="en-US" b="1" dirty="0">
+                <a:solidFill>
+                  <a:schemeClr val="accent5">
+                    <a:lumMod val="75000"/>
+                  </a:schemeClr>
+                </a:solidFill>
+              </a:rPr>
+              <a:t>in a variety of hardcopy formats and interactive environments across platforms. </a:t>
+            </a:r>
+            <a:r>
+              <a:rPr lang="en-US" b="1" dirty="0" smtClean="0">
+                <a:solidFill>
+                  <a:schemeClr val="accent5">
+                    <a:lumMod val="75000"/>
+                  </a:schemeClr>
+                </a:solidFill>
+              </a:rPr>
+              <a:t> </a:t>
+            </a:r>
+            <a:endParaRPr lang="en-US" b="1" dirty="0">
               <a:solidFill>
                 <a:schemeClr val="accent5">
                   <a:lumMod val="75000"/>
@@ -10049,234 +9166,18 @@
               </a:solidFill>
             </a:endParaRPr>
           </a:p>
-          <a:p>
-            <a:r>
-              <a:rPr lang="en-US" sz="1400" b="1" dirty="0" smtClean="0">
-                <a:solidFill>
-                  <a:schemeClr val="accent5">
-                    <a:lumMod val="75000"/>
-                  </a:schemeClr>
-                </a:solidFill>
-              </a:rPr>
-              <a:t>		</a:t>
-            </a:r>
-            <a:r>
-              <a:rPr lang="en-US" dirty="0" err="1" smtClean="0"/>
-              <a:t>plt.plot</a:t>
-            </a:r>
-            <a:r>
-              <a:rPr lang="en-US" dirty="0" smtClean="0"/>
-              <a:t>( [ 1, 2, 3 ], [ 4, 6, 8 ], label=‘ 1st Line’ )	</a:t>
-            </a:r>
-            <a:r>
-              <a:rPr lang="en-US" dirty="0" smtClean="0">
-                <a:solidFill>
-                  <a:srgbClr val="00B050"/>
-                </a:solidFill>
-              </a:rPr>
-              <a:t># Plot for 1</a:t>
-            </a:r>
-            <a:r>
-              <a:rPr lang="en-US" baseline="30000" dirty="0" smtClean="0">
-                <a:solidFill>
-                  <a:srgbClr val="00B050"/>
-                </a:solidFill>
-              </a:rPr>
-              <a:t>st</a:t>
-            </a:r>
-            <a:r>
-              <a:rPr lang="en-US" dirty="0" smtClean="0">
-                <a:solidFill>
-                  <a:srgbClr val="00B050"/>
-                </a:solidFill>
-              </a:rPr>
-              <a:t> Line</a:t>
-            </a:r>
-            <a:r>
-              <a:rPr lang="en-US" dirty="0" smtClean="0"/>
-              <a:t>	</a:t>
-            </a:r>
-            <a:br>
-              <a:rPr lang="en-US" dirty="0" smtClean="0"/>
-            </a:br>
-            <a:r>
-              <a:rPr lang="en-US" dirty="0" smtClean="0"/>
-              <a:t>		</a:t>
-            </a:r>
-            <a:r>
-              <a:rPr lang="en-US" dirty="0" err="1" smtClean="0"/>
-              <a:t>plt.plot</a:t>
-            </a:r>
-            <a:r>
-              <a:rPr lang="en-US" dirty="0" smtClean="0"/>
-              <a:t>( [ 1, 2, 3 ], [ 2, 4, 6 ], label=‘2nd Line’ )	</a:t>
-            </a:r>
-            <a:r>
-              <a:rPr lang="en-US" dirty="0" smtClean="0">
-                <a:solidFill>
-                  <a:srgbClr val="00B050"/>
-                </a:solidFill>
-              </a:rPr>
-              <a:t># Plot for 2</a:t>
-            </a:r>
-            <a:r>
-              <a:rPr lang="en-US" baseline="30000" dirty="0" smtClean="0">
-                <a:solidFill>
-                  <a:srgbClr val="00B050"/>
-                </a:solidFill>
-              </a:rPr>
-              <a:t>nd</a:t>
-            </a:r>
-            <a:r>
-              <a:rPr lang="en-US" dirty="0" smtClean="0">
-                <a:solidFill>
-                  <a:srgbClr val="00B050"/>
-                </a:solidFill>
-              </a:rPr>
-              <a:t> Line</a:t>
-            </a:r>
-            <a:r>
-              <a:rPr lang="en-US" dirty="0" smtClean="0"/>
-              <a:t>	</a:t>
-            </a:r>
-            <a:endParaRPr lang="en-US" dirty="0" smtClean="0">
-              <a:solidFill>
-                <a:srgbClr val="00B050"/>
-              </a:solidFill>
-            </a:endParaRPr>
-          </a:p>
-          <a:p>
-            <a:r>
-              <a:rPr lang="en-US" dirty="0"/>
-              <a:t>	</a:t>
-            </a:r>
-            <a:r>
-              <a:rPr lang="en-US" dirty="0" smtClean="0"/>
-              <a:t>	</a:t>
-            </a:r>
-            <a:r>
-              <a:rPr lang="en-US" dirty="0" err="1" smtClean="0"/>
-              <a:t>plt.xlabel</a:t>
-            </a:r>
-            <a:r>
-              <a:rPr lang="en-US" dirty="0" smtClean="0"/>
-              <a:t>( “X Numbers” )		</a:t>
-            </a:r>
-            <a:r>
-              <a:rPr lang="en-US" dirty="0" smtClean="0">
-                <a:solidFill>
-                  <a:srgbClr val="00B050"/>
-                </a:solidFill>
-              </a:rPr>
-              <a:t> </a:t>
-            </a:r>
-          </a:p>
-          <a:p>
-            <a:r>
-              <a:rPr lang="en-US" dirty="0"/>
-              <a:t>	</a:t>
-            </a:r>
-            <a:r>
-              <a:rPr lang="en-US" dirty="0" smtClean="0"/>
-              <a:t>	</a:t>
-            </a:r>
-            <a:r>
-              <a:rPr lang="en-US" dirty="0" err="1" smtClean="0"/>
-              <a:t>plt.ylabel</a:t>
-            </a:r>
-            <a:r>
-              <a:rPr lang="en-US" dirty="0" smtClean="0"/>
-              <a:t>( “Y Numbers” )		</a:t>
-            </a:r>
-            <a:r>
-              <a:rPr lang="en-US" dirty="0" smtClean="0">
-                <a:solidFill>
-                  <a:srgbClr val="00B050"/>
-                </a:solidFill>
-              </a:rPr>
-              <a:t> </a:t>
-            </a:r>
-          </a:p>
-          <a:p>
-            <a:r>
-              <a:rPr lang="en-US" dirty="0"/>
-              <a:t>	</a:t>
-            </a:r>
-            <a:r>
-              <a:rPr lang="en-US" dirty="0" smtClean="0"/>
-              <a:t>	</a:t>
-            </a:r>
-            <a:r>
-              <a:rPr lang="en-US" dirty="0" err="1" smtClean="0"/>
-              <a:t>plt.title</a:t>
-            </a:r>
-            <a:r>
-              <a:rPr lang="en-US" dirty="0" smtClean="0"/>
-              <a:t>( “My Plot of X and Y”)</a:t>
-            </a:r>
-            <a:r>
-              <a:rPr lang="en-US" dirty="0"/>
-              <a:t> </a:t>
-            </a:r>
-            <a:endParaRPr lang="en-US" dirty="0" smtClean="0"/>
-          </a:p>
-          <a:p>
-            <a:r>
-              <a:rPr lang="en-US" dirty="0"/>
-              <a:t>	</a:t>
-            </a:r>
-            <a:r>
-              <a:rPr lang="en-US" dirty="0" smtClean="0"/>
-              <a:t>	</a:t>
-            </a:r>
-            <a:r>
-              <a:rPr lang="en-US" dirty="0" err="1" smtClean="0"/>
-              <a:t>plt.legend</a:t>
-            </a:r>
-            <a:r>
-              <a:rPr lang="en-US" dirty="0" smtClean="0"/>
-              <a:t>()			</a:t>
-            </a:r>
-            <a:r>
-              <a:rPr lang="en-US" dirty="0" smtClean="0">
-                <a:solidFill>
-                  <a:srgbClr val="00B050"/>
-                </a:solidFill>
-              </a:rPr>
-              <a:t># Show Legend for the plots</a:t>
-            </a:r>
-          </a:p>
-          <a:p>
-            <a:r>
-              <a:rPr lang="en-US" dirty="0"/>
-              <a:t>	</a:t>
-            </a:r>
-            <a:r>
-              <a:rPr lang="en-US" dirty="0" smtClean="0"/>
-              <a:t>	</a:t>
-            </a:r>
-            <a:r>
-              <a:rPr lang="en-US" dirty="0" err="1" smtClean="0"/>
-              <a:t>plt.show</a:t>
-            </a:r>
-            <a:r>
-              <a:rPr lang="en-US" dirty="0" smtClean="0"/>
-              <a:t>()</a:t>
-            </a:r>
-            <a:endParaRPr lang="en-US" dirty="0"/>
-          </a:p>
-        </p:txBody>
-      </p:sp>
-      <p:sp>
-        <p:nvSpPr>
-          <p:cNvPr id="20" name="TextBox 19"/>
+        </p:txBody>
+      </p:sp>
+      <p:sp>
+        <p:nvSpPr>
+          <p:cNvPr id="11" name="TextBox 10"/>
           <p:cNvSpPr txBox="1"/>
           <p:nvPr/>
         </p:nvSpPr>
         <p:spPr>
           <a:xfrm>
-            <a:off x="4214189" y="3651983"/>
-            <a:ext cx="219932" cy="276999"/>
+            <a:off x="2662861" y="3623608"/>
+            <a:ext cx="1801712" cy="1938992"/>
           </a:xfrm>
           <a:prstGeom prst="rect">
             <a:avLst/>
@@ -10290,534 +9191,67 @@
           <a:lstStyle/>
           <a:p>
             <a:r>
-              <a:rPr lang="en-US" sz="1200" dirty="0" smtClean="0">
-                <a:solidFill>
-                  <a:srgbClr val="00B050"/>
-                </a:solidFill>
-              </a:rPr>
-              <a:t> </a:t>
-            </a:r>
-            <a:endParaRPr lang="en-US" sz="1200" dirty="0">
-              <a:solidFill>
-                <a:srgbClr val="00B050"/>
-              </a:solidFill>
-            </a:endParaRPr>
-          </a:p>
-        </p:txBody>
-      </p:sp>
-      <p:cxnSp>
-        <p:nvCxnSpPr>
-          <p:cNvPr id="23" name="Straight Connector 22"/>
-          <p:cNvCxnSpPr/>
-          <p:nvPr/>
-        </p:nvCxnSpPr>
-        <p:spPr>
-          <a:xfrm>
-            <a:off x="3099859" y="4592908"/>
-            <a:ext cx="0" cy="1447800"/>
-          </a:xfrm>
-          <a:prstGeom prst="line">
-            <a:avLst/>
-          </a:prstGeom>
-          <a:ln w="15875">
-            <a:solidFill>
-              <a:schemeClr val="tx1"/>
-            </a:solidFill>
-          </a:ln>
-        </p:spPr>
-        <p:style>
-          <a:lnRef idx="1">
-            <a:schemeClr val="accent1"/>
-          </a:lnRef>
-          <a:fillRef idx="0">
-            <a:schemeClr val="accent1"/>
-          </a:fillRef>
-          <a:effectRef idx="0">
-            <a:schemeClr val="accent1"/>
-          </a:effectRef>
-          <a:fontRef idx="minor">
-            <a:schemeClr val="tx1"/>
-          </a:fontRef>
-        </p:style>
-      </p:cxnSp>
-      <p:cxnSp>
-        <p:nvCxnSpPr>
-          <p:cNvPr id="25" name="Straight Connector 24"/>
-          <p:cNvCxnSpPr/>
-          <p:nvPr/>
-        </p:nvCxnSpPr>
-        <p:spPr>
-          <a:xfrm>
-            <a:off x="3099859" y="6040708"/>
-            <a:ext cx="2001211" cy="0"/>
-          </a:xfrm>
-          <a:prstGeom prst="line">
-            <a:avLst/>
-          </a:prstGeom>
-          <a:ln w="15875">
-            <a:solidFill>
-              <a:schemeClr val="tx1"/>
-            </a:solidFill>
-          </a:ln>
-        </p:spPr>
-        <p:style>
-          <a:lnRef idx="1">
-            <a:schemeClr val="accent1"/>
-          </a:lnRef>
-          <a:fillRef idx="0">
-            <a:schemeClr val="accent1"/>
-          </a:fillRef>
-          <a:effectRef idx="0">
-            <a:schemeClr val="accent1"/>
-          </a:effectRef>
-          <a:fontRef idx="minor">
-            <a:schemeClr val="tx1"/>
-          </a:fontRef>
-        </p:style>
-      </p:cxnSp>
-      <p:sp>
-        <p:nvSpPr>
-          <p:cNvPr id="26" name="TextBox 25"/>
-          <p:cNvSpPr txBox="1"/>
-          <p:nvPr/>
-        </p:nvSpPr>
-        <p:spPr>
-          <a:xfrm>
-            <a:off x="3303047" y="6040708"/>
-            <a:ext cx="263214" cy="276999"/>
-          </a:xfrm>
-          <a:prstGeom prst="rect">
-            <a:avLst/>
-          </a:prstGeom>
-          <a:noFill/>
-        </p:spPr>
-        <p:txBody>
-          <a:bodyPr wrap="none" rtlCol="0">
-            <a:spAutoFit/>
-          </a:bodyPr>
-          <a:lstStyle/>
-          <a:p>
-            <a:r>
-              <a:rPr lang="en-US" sz="1200" dirty="0" smtClean="0"/>
-              <a:t>1</a:t>
-            </a:r>
-            <a:endParaRPr lang="en-US" sz="1200" dirty="0"/>
-          </a:p>
-        </p:txBody>
-      </p:sp>
-      <p:sp>
-        <p:nvSpPr>
-          <p:cNvPr id="28" name="TextBox 27"/>
-          <p:cNvSpPr txBox="1"/>
-          <p:nvPr/>
-        </p:nvSpPr>
-        <p:spPr>
-          <a:xfrm>
-            <a:off x="2823891" y="5659708"/>
-            <a:ext cx="263214" cy="276999"/>
-          </a:xfrm>
-          <a:prstGeom prst="rect">
-            <a:avLst/>
-          </a:prstGeom>
-          <a:noFill/>
-        </p:spPr>
-        <p:txBody>
-          <a:bodyPr wrap="none" rtlCol="0">
-            <a:spAutoFit/>
-          </a:bodyPr>
-          <a:lstStyle/>
-          <a:p>
-            <a:r>
-              <a:rPr lang="en-US" sz="1200" dirty="0" smtClean="0"/>
-              <a:t>2</a:t>
-            </a:r>
-            <a:endParaRPr lang="en-US" sz="1200" dirty="0"/>
-          </a:p>
-        </p:txBody>
-      </p:sp>
-      <p:sp>
-        <p:nvSpPr>
-          <p:cNvPr id="29" name="TextBox 28"/>
-          <p:cNvSpPr txBox="1"/>
-          <p:nvPr/>
-        </p:nvSpPr>
-        <p:spPr>
-          <a:xfrm>
-            <a:off x="2814366" y="5312432"/>
-            <a:ext cx="263214" cy="276999"/>
-          </a:xfrm>
-          <a:prstGeom prst="rect">
-            <a:avLst/>
-          </a:prstGeom>
-          <a:noFill/>
-        </p:spPr>
-        <p:txBody>
-          <a:bodyPr wrap="none" rtlCol="0">
-            <a:spAutoFit/>
-          </a:bodyPr>
-          <a:lstStyle/>
-          <a:p>
-            <a:r>
-              <a:rPr lang="en-US" sz="1200" dirty="0" smtClean="0"/>
-              <a:t>4</a:t>
-            </a:r>
-            <a:endParaRPr lang="en-US" sz="1200" dirty="0"/>
-          </a:p>
-        </p:txBody>
-      </p:sp>
-      <p:sp>
-        <p:nvSpPr>
-          <p:cNvPr id="30" name="TextBox 29"/>
-          <p:cNvSpPr txBox="1"/>
-          <p:nvPr/>
-        </p:nvSpPr>
-        <p:spPr>
-          <a:xfrm>
-            <a:off x="2823891" y="4973908"/>
-            <a:ext cx="263214" cy="276999"/>
-          </a:xfrm>
-          <a:prstGeom prst="rect">
-            <a:avLst/>
-          </a:prstGeom>
-          <a:noFill/>
-        </p:spPr>
-        <p:txBody>
-          <a:bodyPr wrap="none" rtlCol="0">
-            <a:spAutoFit/>
-          </a:bodyPr>
-          <a:lstStyle/>
-          <a:p>
-            <a:r>
-              <a:rPr lang="en-US" sz="1200" dirty="0" smtClean="0"/>
-              <a:t>6</a:t>
-            </a:r>
-            <a:endParaRPr lang="en-US" sz="1200" dirty="0"/>
-          </a:p>
-        </p:txBody>
-      </p:sp>
-      <p:sp>
-        <p:nvSpPr>
-          <p:cNvPr id="31" name="TextBox 30"/>
-          <p:cNvSpPr txBox="1"/>
-          <p:nvPr/>
-        </p:nvSpPr>
-        <p:spPr>
-          <a:xfrm>
-            <a:off x="2823891" y="4598057"/>
-            <a:ext cx="263214" cy="276999"/>
-          </a:xfrm>
-          <a:prstGeom prst="rect">
-            <a:avLst/>
-          </a:prstGeom>
-          <a:noFill/>
-        </p:spPr>
-        <p:txBody>
-          <a:bodyPr wrap="none" rtlCol="0">
-            <a:spAutoFit/>
-          </a:bodyPr>
-          <a:lstStyle/>
-          <a:p>
-            <a:r>
-              <a:rPr lang="en-US" sz="1200" dirty="0" smtClean="0"/>
-              <a:t>8</a:t>
-            </a:r>
-            <a:endParaRPr lang="en-US" sz="1200" dirty="0"/>
-          </a:p>
-        </p:txBody>
-      </p:sp>
-      <p:sp>
-        <p:nvSpPr>
-          <p:cNvPr id="32" name="TextBox 31"/>
-          <p:cNvSpPr txBox="1"/>
-          <p:nvPr/>
-        </p:nvSpPr>
-        <p:spPr>
-          <a:xfrm>
-            <a:off x="3720404" y="6040708"/>
-            <a:ext cx="263214" cy="276999"/>
-          </a:xfrm>
-          <a:prstGeom prst="rect">
-            <a:avLst/>
-          </a:prstGeom>
-          <a:noFill/>
-        </p:spPr>
-        <p:txBody>
-          <a:bodyPr wrap="none" rtlCol="0">
-            <a:spAutoFit/>
-          </a:bodyPr>
-          <a:lstStyle/>
-          <a:p>
-            <a:r>
-              <a:rPr lang="en-US" sz="1200" dirty="0" smtClean="0"/>
-              <a:t>2</a:t>
-            </a:r>
-            <a:endParaRPr lang="en-US" sz="1200" dirty="0"/>
-          </a:p>
-        </p:txBody>
-      </p:sp>
-      <p:sp>
-        <p:nvSpPr>
-          <p:cNvPr id="33" name="TextBox 32"/>
-          <p:cNvSpPr txBox="1"/>
-          <p:nvPr/>
-        </p:nvSpPr>
-        <p:spPr>
-          <a:xfrm>
-            <a:off x="4156337" y="6040707"/>
-            <a:ext cx="263214" cy="276999"/>
-          </a:xfrm>
-          <a:prstGeom prst="rect">
-            <a:avLst/>
-          </a:prstGeom>
-          <a:noFill/>
-        </p:spPr>
-        <p:txBody>
-          <a:bodyPr wrap="none" rtlCol="0">
-            <a:spAutoFit/>
-          </a:bodyPr>
-          <a:lstStyle/>
-          <a:p>
-            <a:r>
-              <a:rPr lang="en-US" sz="1200" dirty="0" smtClean="0"/>
-              <a:t>3</a:t>
-            </a:r>
-            <a:endParaRPr lang="en-US" sz="1200" dirty="0"/>
-          </a:p>
-        </p:txBody>
-      </p:sp>
-      <p:cxnSp>
-        <p:nvCxnSpPr>
-          <p:cNvPr id="34" name="Straight Connector 33"/>
-          <p:cNvCxnSpPr/>
-          <p:nvPr/>
-        </p:nvCxnSpPr>
-        <p:spPr>
-          <a:xfrm flipV="1">
-            <a:off x="3434654" y="5112407"/>
-            <a:ext cx="889501" cy="685802"/>
-          </a:xfrm>
-          <a:prstGeom prst="line">
-            <a:avLst/>
-          </a:prstGeom>
-          <a:ln>
-            <a:solidFill>
-              <a:schemeClr val="tx1"/>
-            </a:solidFill>
-          </a:ln>
-        </p:spPr>
-        <p:style>
-          <a:lnRef idx="1">
-            <a:schemeClr val="accent1"/>
-          </a:lnRef>
-          <a:fillRef idx="0">
-            <a:schemeClr val="accent1"/>
-          </a:fillRef>
-          <a:effectRef idx="0">
-            <a:schemeClr val="accent1"/>
-          </a:effectRef>
-          <a:fontRef idx="minor">
-            <a:schemeClr val="tx1"/>
-          </a:fontRef>
-        </p:style>
-      </p:cxnSp>
-      <p:sp>
-        <p:nvSpPr>
-          <p:cNvPr id="27" name="TextBox 26"/>
-          <p:cNvSpPr txBox="1"/>
-          <p:nvPr/>
-        </p:nvSpPr>
-        <p:spPr>
-          <a:xfrm>
-            <a:off x="3583762" y="6317707"/>
-            <a:ext cx="888128" cy="276999"/>
-          </a:xfrm>
-          <a:prstGeom prst="rect">
-            <a:avLst/>
-          </a:prstGeom>
-          <a:noFill/>
-        </p:spPr>
-        <p:txBody>
-          <a:bodyPr wrap="none" rtlCol="0">
-            <a:spAutoFit/>
-          </a:bodyPr>
-          <a:lstStyle/>
-          <a:p>
-            <a:r>
-              <a:rPr lang="en-US" sz="1200" b="1" dirty="0" smtClean="0"/>
-              <a:t>X Numbers</a:t>
-            </a:r>
-            <a:endParaRPr lang="en-US" sz="1200" b="1" dirty="0"/>
-          </a:p>
-        </p:txBody>
-      </p:sp>
-      <p:sp>
-        <p:nvSpPr>
-          <p:cNvPr id="35" name="TextBox 34"/>
-          <p:cNvSpPr txBox="1"/>
-          <p:nvPr/>
-        </p:nvSpPr>
-        <p:spPr>
-          <a:xfrm rot="16200000">
-            <a:off x="2297499" y="5128882"/>
-            <a:ext cx="888128" cy="276999"/>
-          </a:xfrm>
-          <a:prstGeom prst="rect">
-            <a:avLst/>
-          </a:prstGeom>
-          <a:noFill/>
-        </p:spPr>
-        <p:txBody>
-          <a:bodyPr wrap="none" rtlCol="0">
-            <a:spAutoFit/>
-          </a:bodyPr>
-          <a:lstStyle/>
-          <a:p>
-            <a:r>
-              <a:rPr lang="en-US" sz="1200" b="1" dirty="0" smtClean="0"/>
-              <a:t>Y Numbers</a:t>
-            </a:r>
-            <a:endParaRPr lang="en-US" sz="1200" b="1" dirty="0"/>
-          </a:p>
-        </p:txBody>
-      </p:sp>
-      <p:sp>
-        <p:nvSpPr>
-          <p:cNvPr id="37" name="TextBox 36"/>
-          <p:cNvSpPr txBox="1"/>
-          <p:nvPr/>
-        </p:nvSpPr>
-        <p:spPr>
-          <a:xfrm>
-            <a:off x="3545993" y="4340086"/>
-            <a:ext cx="1362874" cy="276999"/>
-          </a:xfrm>
-          <a:prstGeom prst="rect">
-            <a:avLst/>
-          </a:prstGeom>
-          <a:noFill/>
-        </p:spPr>
-        <p:txBody>
-          <a:bodyPr wrap="none" rtlCol="0">
-            <a:spAutoFit/>
-          </a:bodyPr>
-          <a:lstStyle/>
-          <a:p>
-            <a:r>
-              <a:rPr lang="en-US" sz="1200" b="1" dirty="0" smtClean="0"/>
-              <a:t>My Plot of X and Y</a:t>
-            </a:r>
-            <a:endParaRPr lang="en-US" sz="1200" b="1" dirty="0"/>
-          </a:p>
-        </p:txBody>
-      </p:sp>
-      <p:cxnSp>
-        <p:nvCxnSpPr>
-          <p:cNvPr id="21" name="Straight Connector 20"/>
-          <p:cNvCxnSpPr/>
-          <p:nvPr/>
-        </p:nvCxnSpPr>
-        <p:spPr>
-          <a:xfrm flipV="1">
-            <a:off x="3434654" y="4736556"/>
-            <a:ext cx="889501" cy="633917"/>
-          </a:xfrm>
-          <a:prstGeom prst="line">
-            <a:avLst/>
-          </a:prstGeom>
-          <a:ln>
-            <a:solidFill>
-              <a:schemeClr val="accent6">
-                <a:lumMod val="75000"/>
-              </a:schemeClr>
-            </a:solidFill>
-          </a:ln>
-        </p:spPr>
-        <p:style>
-          <a:lnRef idx="1">
-            <a:schemeClr val="accent1"/>
-          </a:lnRef>
-          <a:fillRef idx="0">
-            <a:schemeClr val="accent1"/>
-          </a:fillRef>
-          <a:effectRef idx="0">
-            <a:schemeClr val="accent1"/>
-          </a:effectRef>
-          <a:fontRef idx="minor">
-            <a:schemeClr val="tx1"/>
-          </a:fontRef>
-        </p:style>
-      </p:cxnSp>
-      <p:sp>
-        <p:nvSpPr>
-          <p:cNvPr id="9" name="TextBox 8"/>
-          <p:cNvSpPr txBox="1"/>
-          <p:nvPr/>
-        </p:nvSpPr>
-        <p:spPr>
-          <a:xfrm>
-            <a:off x="4572000" y="4615341"/>
-            <a:ext cx="885179" cy="461665"/>
-          </a:xfrm>
-          <a:prstGeom prst="rect">
-            <a:avLst/>
-          </a:prstGeom>
-          <a:noFill/>
-          <a:ln>
-            <a:solidFill>
-              <a:schemeClr val="tx1"/>
-            </a:solidFill>
-          </a:ln>
-        </p:spPr>
-        <p:txBody>
-          <a:bodyPr wrap="none" rtlCol="0">
-            <a:spAutoFit/>
-          </a:bodyPr>
-          <a:lstStyle/>
-          <a:p>
-            <a:r>
-              <a:rPr lang="en-US" sz="1200" dirty="0" smtClean="0">
-                <a:solidFill>
-                  <a:schemeClr val="accent6">
-                    <a:lumMod val="75000"/>
-                  </a:schemeClr>
-                </a:solidFill>
-              </a:rPr>
-              <a:t>----</a:t>
-            </a:r>
-            <a:r>
-              <a:rPr lang="en-US" sz="1200" dirty="0" smtClean="0"/>
-              <a:t> 1</a:t>
-            </a:r>
-            <a:r>
-              <a:rPr lang="en-US" sz="1200" baseline="30000" dirty="0" smtClean="0"/>
-              <a:t>st</a:t>
-            </a:r>
-            <a:r>
-              <a:rPr lang="en-US" sz="1200" dirty="0" smtClean="0"/>
-              <a:t> Line</a:t>
-            </a:r>
-          </a:p>
-          <a:p>
-            <a:r>
-              <a:rPr lang="en-US" sz="1200" dirty="0" smtClean="0"/>
-              <a:t>---- 2</a:t>
-            </a:r>
-            <a:r>
-              <a:rPr lang="en-US" sz="1200" baseline="30000" dirty="0" smtClean="0"/>
-              <a:t>nd</a:t>
-            </a:r>
-            <a:r>
-              <a:rPr lang="en-US" sz="1200" dirty="0" smtClean="0"/>
-              <a:t> Line</a:t>
-            </a:r>
-            <a:endParaRPr lang="en-US" sz="1200" dirty="0"/>
+              <a:rPr lang="en-US" sz="2000" b="1" dirty="0" smtClean="0"/>
+              <a:t>Used for:</a:t>
+            </a:r>
+          </a:p>
+          <a:p>
+            <a:pPr marL="285750" indent="-285750">
+              <a:buFont typeface="Arial" panose="020B0604020202020204" pitchFamily="34" charset="0"/>
+              <a:buChar char="•"/>
+            </a:pPr>
+            <a:r>
+              <a:rPr lang="en-US" sz="2000" b="1" dirty="0" smtClean="0"/>
+              <a:t>Plots</a:t>
+            </a:r>
+          </a:p>
+          <a:p>
+            <a:pPr marL="285750" indent="-285750">
+              <a:buFont typeface="Arial" panose="020B0604020202020204" pitchFamily="34" charset="0"/>
+              <a:buChar char="•"/>
+            </a:pPr>
+            <a:r>
+              <a:rPr lang="en-US" sz="2000" b="1" dirty="0" smtClean="0"/>
+              <a:t>Histograms</a:t>
+            </a:r>
+          </a:p>
+          <a:p>
+            <a:pPr marL="285750" indent="-285750">
+              <a:buFont typeface="Arial" panose="020B0604020202020204" pitchFamily="34" charset="0"/>
+              <a:buChar char="•"/>
+            </a:pPr>
+            <a:r>
+              <a:rPr lang="en-US" sz="2000" b="1" dirty="0" smtClean="0"/>
+              <a:t>Bar Charts</a:t>
+            </a:r>
+          </a:p>
+          <a:p>
+            <a:pPr marL="285750" indent="-285750">
+              <a:buFont typeface="Arial" panose="020B0604020202020204" pitchFamily="34" charset="0"/>
+              <a:buChar char="•"/>
+            </a:pPr>
+            <a:r>
+              <a:rPr lang="en-US" sz="2000" b="1" dirty="0" smtClean="0"/>
+              <a:t>Scatter Plots</a:t>
+            </a:r>
+          </a:p>
+          <a:p>
+            <a:pPr marL="285750" indent="-285750">
+              <a:buFont typeface="Arial" panose="020B0604020202020204" pitchFamily="34" charset="0"/>
+              <a:buChar char="•"/>
+            </a:pPr>
+            <a:r>
+              <a:rPr lang="en-US" sz="2000" b="1" dirty="0" err="1" smtClean="0"/>
+              <a:t>etc</a:t>
+            </a:r>
+            <a:endParaRPr lang="en-US" sz="2000" b="1" dirty="0"/>
           </a:p>
         </p:txBody>
       </p:sp>
     </p:spTree>
     <p:extLst>
       <p:ext uri="{BB962C8B-B14F-4D97-AF65-F5344CB8AC3E}">
-        <p14:creationId xmlns:p14="http://schemas.microsoft.com/office/powerpoint/2010/main" val="1891705954"/>
+        <p14:creationId xmlns:p14="http://schemas.microsoft.com/office/powerpoint/2010/main" val="1560335983"/>
       </p:ext>
     </p:extLst>
   </p:cSld>
@@ -10892,7 +9326,7 @@
                   </a:schemeClr>
                 </a:solidFill>
               </a:rPr>
-              <a:t> – Bar Chart</a:t>
+              <a:t> - Plot</a:t>
             </a:r>
             <a:endParaRPr lang="en-US" dirty="0">
               <a:solidFill>
@@ -10944,7 +9378,7 @@
         <p:spPr>
           <a:xfrm>
             <a:off x="152400" y="1164134"/>
-            <a:ext cx="4882747" cy="461665"/>
+            <a:ext cx="4892365" cy="461665"/>
           </a:xfrm>
           <a:prstGeom prst="rect">
             <a:avLst/>
@@ -10962,7 +9396,7 @@
               <a:buChar char="•"/>
             </a:pPr>
             <a:r>
-              <a:rPr lang="en-US" sz="2400" b="1" dirty="0">
+              <a:rPr lang="en-US" sz="2400" b="1" dirty="0" smtClean="0">
                 <a:solidFill>
                   <a:schemeClr val="accent5">
                     <a:lumMod val="75000"/>
@@ -10979,7 +9413,7 @@
                   </a:schemeClr>
                 </a:solidFill>
               </a:rPr>
-              <a:t>bar</a:t>
+              <a:t>plot</a:t>
             </a:r>
             <a:r>
               <a:rPr lang="en-US" sz="2400" b="1" dirty="0" smtClean="0">
@@ -10989,62 +9423,311 @@
                   </a:schemeClr>
                 </a:solidFill>
               </a:rPr>
-              <a:t> </a:t>
-            </a:r>
-            <a:r>
-              <a:rPr lang="en-US" sz="2400" b="1" dirty="0">
+              <a:t> plots a 2D graph.</a:t>
+            </a:r>
+          </a:p>
+        </p:txBody>
+      </p:sp>
+      <p:sp>
+        <p:nvSpPr>
+          <p:cNvPr id="7" name="TextBox 6"/>
+          <p:cNvSpPr txBox="1"/>
+          <p:nvPr/>
+        </p:nvSpPr>
+        <p:spPr>
+          <a:xfrm>
+            <a:off x="3593831" y="2750373"/>
+            <a:ext cx="1425390" cy="369332"/>
+          </a:xfrm>
+          <a:prstGeom prst="rect">
+            <a:avLst/>
+          </a:prstGeom>
+          <a:noFill/>
+        </p:spPr>
+        <p:txBody>
+          <a:bodyPr wrap="none" rtlCol="0">
+            <a:spAutoFit/>
+          </a:bodyPr>
+          <a:lstStyle/>
+          <a:p>
+            <a:r>
+              <a:rPr lang="en-US" dirty="0" err="1" smtClean="0"/>
+              <a:t>plt.plot</a:t>
+            </a:r>
+            <a:r>
+              <a:rPr lang="en-US" dirty="0" smtClean="0"/>
+              <a:t>( x, y )</a:t>
+            </a:r>
+            <a:endParaRPr lang="en-US" dirty="0"/>
+          </a:p>
+        </p:txBody>
+      </p:sp>
+      <p:sp>
+        <p:nvSpPr>
+          <p:cNvPr id="8" name="TextBox 7"/>
+          <p:cNvSpPr txBox="1"/>
+          <p:nvPr/>
+        </p:nvSpPr>
+        <p:spPr>
+          <a:xfrm>
+            <a:off x="2645141" y="2078478"/>
+            <a:ext cx="1180260" cy="276999"/>
+          </a:xfrm>
+          <a:prstGeom prst="rect">
+            <a:avLst/>
+          </a:prstGeom>
+          <a:noFill/>
+        </p:spPr>
+        <p:txBody>
+          <a:bodyPr wrap="none" rtlCol="0">
+            <a:spAutoFit/>
+          </a:bodyPr>
+          <a:lstStyle/>
+          <a:p>
+            <a:r>
+              <a:rPr lang="en-US" sz="1200" dirty="0" smtClean="0">
+                <a:solidFill>
+                  <a:srgbClr val="00B050"/>
+                </a:solidFill>
+              </a:rPr>
+              <a:t>Function to plot</a:t>
+            </a:r>
+            <a:endParaRPr lang="en-US" sz="1200" dirty="0">
+              <a:solidFill>
+                <a:srgbClr val="00B050"/>
+              </a:solidFill>
+            </a:endParaRPr>
+          </a:p>
+        </p:txBody>
+      </p:sp>
+      <p:cxnSp>
+        <p:nvCxnSpPr>
+          <p:cNvPr id="10" name="Curved Connector 9"/>
+          <p:cNvCxnSpPr/>
+          <p:nvPr/>
+        </p:nvCxnSpPr>
+        <p:spPr>
+          <a:xfrm rot="16200000" flipH="1">
+            <a:off x="3716570" y="2386687"/>
+            <a:ext cx="440323" cy="381000"/>
+          </a:xfrm>
+          <a:prstGeom prst="curvedConnector3">
+            <a:avLst/>
+          </a:prstGeom>
+          <a:ln>
+            <a:solidFill>
+              <a:srgbClr val="00B050"/>
+            </a:solidFill>
+            <a:tailEnd type="arrow"/>
+          </a:ln>
+        </p:spPr>
+        <p:style>
+          <a:lnRef idx="1">
+            <a:schemeClr val="accent1"/>
+          </a:lnRef>
+          <a:fillRef idx="0">
+            <a:schemeClr val="accent1"/>
+          </a:fillRef>
+          <a:effectRef idx="0">
+            <a:schemeClr val="accent1"/>
+          </a:effectRef>
+          <a:fontRef idx="minor">
+            <a:schemeClr val="tx1"/>
+          </a:fontRef>
+        </p:style>
+      </p:cxnSp>
+      <p:sp>
+        <p:nvSpPr>
+          <p:cNvPr id="13" name="TextBox 12"/>
+          <p:cNvSpPr txBox="1"/>
+          <p:nvPr/>
+        </p:nvSpPr>
+        <p:spPr>
+          <a:xfrm>
+            <a:off x="3947242" y="1847411"/>
+            <a:ext cx="1144352" cy="276999"/>
+          </a:xfrm>
+          <a:prstGeom prst="rect">
+            <a:avLst/>
+          </a:prstGeom>
+          <a:noFill/>
+        </p:spPr>
+        <p:txBody>
+          <a:bodyPr wrap="none" rtlCol="0">
+            <a:spAutoFit/>
+          </a:bodyPr>
+          <a:lstStyle/>
+          <a:p>
+            <a:r>
+              <a:rPr lang="en-US" sz="1200" dirty="0" smtClean="0">
+                <a:solidFill>
+                  <a:srgbClr val="00B050"/>
+                </a:solidFill>
+              </a:rPr>
+              <a:t>X values to plot</a:t>
+            </a:r>
+            <a:endParaRPr lang="en-US" sz="1200" dirty="0">
+              <a:solidFill>
+                <a:srgbClr val="00B050"/>
+              </a:solidFill>
+            </a:endParaRPr>
+          </a:p>
+        </p:txBody>
+      </p:sp>
+      <p:cxnSp>
+        <p:nvCxnSpPr>
+          <p:cNvPr id="14" name="Curved Connector 13"/>
+          <p:cNvCxnSpPr/>
+          <p:nvPr/>
+        </p:nvCxnSpPr>
+        <p:spPr>
+          <a:xfrm rot="16200000" flipH="1">
+            <a:off x="4070654" y="2326704"/>
+            <a:ext cx="746477" cy="274732"/>
+          </a:xfrm>
+          <a:prstGeom prst="curvedConnector3">
+            <a:avLst/>
+          </a:prstGeom>
+          <a:ln>
+            <a:solidFill>
+              <a:srgbClr val="00B050"/>
+            </a:solidFill>
+            <a:tailEnd type="arrow"/>
+          </a:ln>
+        </p:spPr>
+        <p:style>
+          <a:lnRef idx="1">
+            <a:schemeClr val="accent1"/>
+          </a:lnRef>
+          <a:fillRef idx="0">
+            <a:schemeClr val="accent1"/>
+          </a:fillRef>
+          <a:effectRef idx="0">
+            <a:schemeClr val="accent1"/>
+          </a:effectRef>
+          <a:fontRef idx="minor">
+            <a:schemeClr val="tx1"/>
+          </a:fontRef>
+        </p:style>
+      </p:cxnSp>
+      <p:cxnSp>
+        <p:nvCxnSpPr>
+          <p:cNvPr id="12" name="Curved Connector 11"/>
+          <p:cNvCxnSpPr/>
+          <p:nvPr/>
+        </p:nvCxnSpPr>
+        <p:spPr>
+          <a:xfrm rot="5400000">
+            <a:off x="4665532" y="2450005"/>
+            <a:ext cx="520247" cy="326843"/>
+          </a:xfrm>
+          <a:prstGeom prst="curvedConnector3">
+            <a:avLst/>
+          </a:prstGeom>
+          <a:ln>
+            <a:solidFill>
+              <a:srgbClr val="00B050"/>
+            </a:solidFill>
+            <a:tailEnd type="arrow"/>
+          </a:ln>
+        </p:spPr>
+        <p:style>
+          <a:lnRef idx="1">
+            <a:schemeClr val="accent1"/>
+          </a:lnRef>
+          <a:fillRef idx="0">
+            <a:schemeClr val="accent1"/>
+          </a:fillRef>
+          <a:effectRef idx="0">
+            <a:schemeClr val="accent1"/>
+          </a:effectRef>
+          <a:fontRef idx="minor">
+            <a:schemeClr val="tx1"/>
+          </a:fontRef>
+        </p:style>
+      </p:cxnSp>
+      <p:sp>
+        <p:nvSpPr>
+          <p:cNvPr id="16" name="TextBox 15"/>
+          <p:cNvSpPr txBox="1"/>
+          <p:nvPr/>
+        </p:nvSpPr>
+        <p:spPr>
+          <a:xfrm>
+            <a:off x="4762234" y="2097091"/>
+            <a:ext cx="1144352" cy="276999"/>
+          </a:xfrm>
+          <a:prstGeom prst="rect">
+            <a:avLst/>
+          </a:prstGeom>
+          <a:noFill/>
+        </p:spPr>
+        <p:txBody>
+          <a:bodyPr wrap="none" rtlCol="0">
+            <a:spAutoFit/>
+          </a:bodyPr>
+          <a:lstStyle/>
+          <a:p>
+            <a:r>
+              <a:rPr lang="en-US" sz="1200" dirty="0" smtClean="0">
+                <a:solidFill>
+                  <a:srgbClr val="00B050"/>
+                </a:solidFill>
+              </a:rPr>
+              <a:t>Y values to plot</a:t>
+            </a:r>
+            <a:endParaRPr lang="en-US" sz="1200" dirty="0">
+              <a:solidFill>
+                <a:srgbClr val="00B050"/>
+              </a:solidFill>
+            </a:endParaRPr>
+          </a:p>
+        </p:txBody>
+      </p:sp>
+      <p:sp>
+        <p:nvSpPr>
+          <p:cNvPr id="18" name="TextBox 17"/>
+          <p:cNvSpPr txBox="1"/>
+          <p:nvPr/>
+        </p:nvSpPr>
+        <p:spPr>
+          <a:xfrm>
+            <a:off x="304800" y="3429000"/>
+            <a:ext cx="7730706" cy="1231106"/>
+          </a:xfrm>
+          <a:prstGeom prst="rect">
+            <a:avLst/>
+          </a:prstGeom>
+          <a:noFill/>
+        </p:spPr>
+        <p:txBody>
+          <a:bodyPr wrap="none" rtlCol="0">
+            <a:spAutoFit/>
+          </a:bodyPr>
+          <a:lstStyle/>
+          <a:p>
+            <a:pPr marL="285750" indent="-285750">
+              <a:buFont typeface="Arial" panose="020B0604020202020204" pitchFamily="34" charset="0"/>
+              <a:buChar char="•"/>
+            </a:pPr>
+            <a:r>
+              <a:rPr lang="en-US" sz="2400" b="1" dirty="0" smtClean="0">
                 <a:solidFill>
                   <a:schemeClr val="accent5">
                     <a:lumMod val="75000"/>
                   </a:schemeClr>
                 </a:solidFill>
               </a:rPr>
-              <a:t>plots a </a:t>
-            </a:r>
-            <a:r>
-              <a:rPr lang="en-US" sz="2400" b="1" dirty="0" smtClean="0">
-                <a:solidFill>
-                  <a:schemeClr val="accent5">
-                    <a:lumMod val="75000"/>
-                  </a:schemeClr>
-                </a:solidFill>
-              </a:rPr>
-              <a:t>bar </a:t>
-            </a:r>
-            <a:r>
-              <a:rPr lang="en-US" sz="2400" b="1" dirty="0">
-                <a:solidFill>
-                  <a:schemeClr val="accent5">
-                    <a:lumMod val="75000"/>
-                  </a:schemeClr>
-                </a:solidFill>
-              </a:rPr>
-              <a:t>graph.</a:t>
-            </a:r>
-          </a:p>
-        </p:txBody>
-      </p:sp>
-      <p:sp>
-        <p:nvSpPr>
-          <p:cNvPr id="18" name="TextBox 17"/>
-          <p:cNvSpPr txBox="1"/>
-          <p:nvPr/>
-        </p:nvSpPr>
-        <p:spPr>
-          <a:xfrm>
-            <a:off x="485033" y="1752600"/>
-            <a:ext cx="7624203" cy="1138773"/>
-          </a:xfrm>
-          <a:prstGeom prst="rect">
-            <a:avLst/>
-          </a:prstGeom>
-          <a:noFill/>
-        </p:spPr>
-        <p:txBody>
-          <a:bodyPr wrap="none" rtlCol="0">
-            <a:spAutoFit/>
-          </a:bodyPr>
-          <a:lstStyle/>
+              <a:t>Example:</a:t>
+            </a:r>
+            <a:endParaRPr lang="en-US" sz="1400" b="1" dirty="0" smtClean="0">
+              <a:solidFill>
+                <a:schemeClr val="accent5">
+                  <a:lumMod val="75000"/>
+                </a:schemeClr>
+              </a:solidFill>
+            </a:endParaRPr>
+          </a:p>
           <a:p>
             <a:pPr marL="285750" indent="-285750">
               <a:buFont typeface="Arial" panose="020B0604020202020204" pitchFamily="34" charset="0"/>
@@ -11083,33 +9766,8 @@
                   <a:srgbClr val="00B050"/>
                 </a:solidFill>
               </a:rPr>
-              <a:t># Plot for 1</a:t>
-            </a:r>
-            <a:r>
-              <a:rPr lang="en-US" baseline="30000" dirty="0" smtClean="0">
-                <a:solidFill>
-                  <a:srgbClr val="00B050"/>
-                </a:solidFill>
-              </a:rPr>
-              <a:t>st</a:t>
-            </a:r>
-            <a:r>
-              <a:rPr lang="en-US" dirty="0" smtClean="0">
-                <a:solidFill>
-                  <a:srgbClr val="00B050"/>
-                </a:solidFill>
-              </a:rPr>
-              <a:t> Line</a:t>
-            </a:r>
-            <a:r>
-              <a:rPr lang="en-US" dirty="0" smtClean="0"/>
-              <a:t>		</a:t>
-            </a:r>
-            <a:endParaRPr lang="en-US" dirty="0" smtClean="0">
-              <a:solidFill>
-                <a:srgbClr val="00B050"/>
-              </a:solidFill>
-            </a:endParaRPr>
+              <a:t># Draws plot in the background</a:t>
+            </a:r>
           </a:p>
           <a:p>
             <a:r>
@@ -11122,11 +9780,11 @@
             </a:r>
             <a:r>
               <a:rPr lang="en-US" dirty="0" err="1" smtClean="0"/>
-              <a:t>plt.bar</a:t>
+              <a:t>plt.show</a:t>
             </a:r>
             <a:r>
               <a:rPr lang="en-US" dirty="0" smtClean="0"/>
-              <a:t>()			</a:t>
+              <a:t>()		</a:t>
             </a:r>
             <a:r>
               <a:rPr lang="en-US" dirty="0" smtClean="0">
@@ -11134,52 +9792,21 @@
                   <a:srgbClr val="00B050"/>
                 </a:solidFill>
               </a:rPr>
-              <a:t># Draw a bar chart</a:t>
-            </a:r>
-            <a:r>
-              <a:rPr lang="en-US" dirty="0" smtClean="0"/>
-              <a:t>	</a:t>
-            </a:r>
-            <a:r>
-              <a:rPr lang="en-US" dirty="0" smtClean="0">
-                <a:solidFill>
-                  <a:srgbClr val="00B050"/>
-                </a:solidFill>
-              </a:rPr>
-              <a:t> </a:t>
-            </a:r>
-          </a:p>
-          <a:p>
-            <a:r>
-              <a:rPr lang="en-US" dirty="0"/>
-              <a:t>	</a:t>
-            </a:r>
-            <a:r>
-              <a:rPr lang="en-US" dirty="0" smtClean="0"/>
-              <a:t>	</a:t>
-            </a:r>
-            <a:r>
-              <a:rPr lang="en-US" dirty="0" err="1" smtClean="0"/>
-              <a:t>plt.show</a:t>
-            </a:r>
-            <a:r>
-              <a:rPr lang="en-US" dirty="0" smtClean="0"/>
-              <a:t>()</a:t>
-            </a:r>
-            <a:endParaRPr lang="en-US" dirty="0"/>
-          </a:p>
-        </p:txBody>
-      </p:sp>
-      <p:sp>
-        <p:nvSpPr>
-          <p:cNvPr id="20" name="TextBox 19"/>
+              <a:t># Displays the plot</a:t>
+            </a:r>
+          </a:p>
+        </p:txBody>
+      </p:sp>
+      <p:sp>
+        <p:nvSpPr>
+          <p:cNvPr id="19" name="TextBox 18"/>
           <p:cNvSpPr txBox="1"/>
           <p:nvPr/>
         </p:nvSpPr>
         <p:spPr>
           <a:xfrm>
-            <a:off x="4214189" y="3651983"/>
-            <a:ext cx="219932" cy="276999"/>
+            <a:off x="3276735" y="3622186"/>
+            <a:ext cx="300082" cy="276999"/>
           </a:xfrm>
           <a:prstGeom prst="rect">
             <a:avLst/>
@@ -11198,7 +9825,7 @@
                   <a:srgbClr val="00B050"/>
                 </a:solidFill>
               </a:rPr>
-              <a:t> </a:t>
+              <a:t>X </a:t>
             </a:r>
             <a:endParaRPr lang="en-US" sz="1200" dirty="0">
               <a:solidFill>
@@ -11208,6 +9835,130 @@
           </a:p>
         </p:txBody>
       </p:sp>
+      <p:sp>
+        <p:nvSpPr>
+          <p:cNvPr id="20" name="TextBox 19"/>
+          <p:cNvSpPr txBox="1"/>
+          <p:nvPr/>
+        </p:nvSpPr>
+        <p:spPr>
+          <a:xfrm>
+            <a:off x="4214189" y="3651983"/>
+            <a:ext cx="300082" cy="276999"/>
+          </a:xfrm>
+          <a:prstGeom prst="rect">
+            <a:avLst/>
+          </a:prstGeom>
+          <a:noFill/>
+        </p:spPr>
+        <p:txBody>
+          <a:bodyPr wrap="none" rtlCol="0">
+            <a:spAutoFit/>
+          </a:bodyPr>
+          <a:lstStyle/>
+          <a:p>
+            <a:r>
+              <a:rPr lang="en-US" sz="1200" dirty="0" smtClean="0">
+                <a:solidFill>
+                  <a:srgbClr val="00B050"/>
+                </a:solidFill>
+              </a:rPr>
+              <a:t>Y </a:t>
+            </a:r>
+            <a:endParaRPr lang="en-US" sz="1200" dirty="0">
+              <a:solidFill>
+                <a:srgbClr val="00B050"/>
+              </a:solidFill>
+            </a:endParaRPr>
+          </a:p>
+        </p:txBody>
+      </p:sp>
+      <p:sp>
+        <p:nvSpPr>
+          <p:cNvPr id="15" name="Right Brace 14"/>
+          <p:cNvSpPr/>
+          <p:nvPr/>
+        </p:nvSpPr>
+        <p:spPr>
+          <a:xfrm rot="16200000">
+            <a:off x="3332136" y="3672854"/>
+            <a:ext cx="156377" cy="519435"/>
+          </a:xfrm>
+          <a:prstGeom prst="rightBrace">
+            <a:avLst/>
+          </a:prstGeom>
+          <a:ln>
+            <a:solidFill>
+              <a:srgbClr val="00B050"/>
+            </a:solidFill>
+          </a:ln>
+        </p:spPr>
+        <p:style>
+          <a:lnRef idx="1">
+            <a:schemeClr val="accent1"/>
+          </a:lnRef>
+          <a:fillRef idx="0">
+            <a:schemeClr val="accent1"/>
+          </a:fillRef>
+          <a:effectRef idx="0">
+            <a:schemeClr val="accent1"/>
+          </a:effectRef>
+          <a:fontRef idx="minor">
+            <a:schemeClr val="tx1"/>
+          </a:fontRef>
+        </p:style>
+        <p:txBody>
+          <a:bodyPr rtlCol="0" anchor="ctr"/>
+          <a:lstStyle/>
+          <a:p>
+            <a:pPr algn="ctr"/>
+            <a:endParaRPr lang="en-US"/>
+          </a:p>
+        </p:txBody>
+      </p:sp>
+      <p:sp>
+        <p:nvSpPr>
+          <p:cNvPr id="22" name="Right Brace 21"/>
+          <p:cNvSpPr/>
+          <p:nvPr/>
+        </p:nvSpPr>
+        <p:spPr>
+          <a:xfrm rot="16200000">
+            <a:off x="4270217" y="3673260"/>
+            <a:ext cx="156377" cy="519435"/>
+          </a:xfrm>
+          <a:prstGeom prst="rightBrace">
+            <a:avLst/>
+          </a:prstGeom>
+          <a:ln>
+            <a:solidFill>
+              <a:srgbClr val="00B050"/>
+            </a:solidFill>
+          </a:ln>
+        </p:spPr>
+        <p:style>
+          <a:lnRef idx="1">
+            <a:schemeClr val="accent1"/>
+          </a:lnRef>
+          <a:fillRef idx="0">
+            <a:schemeClr val="accent1"/>
+          </a:fillRef>
+          <a:effectRef idx="0">
+            <a:schemeClr val="accent1"/>
+          </a:effectRef>
+          <a:fontRef idx="minor">
+            <a:schemeClr val="tx1"/>
+          </a:fontRef>
+        </p:style>
+        <p:txBody>
+          <a:bodyPr rtlCol="0" anchor="ctr"/>
+          <a:lstStyle/>
+          <a:p>
+            <a:pPr algn="ctr"/>
+            <a:endParaRPr lang="en-US"/>
+          </a:p>
+        </p:txBody>
+      </p:sp>
       <p:cxnSp>
         <p:nvCxnSpPr>
           <p:cNvPr id="23" name="Straight Connector 22"/>
@@ -11216,7 +9967,7 @@
         </p:nvCxnSpPr>
         <p:spPr>
           <a:xfrm>
-            <a:off x="2590474" y="3776389"/>
+            <a:off x="2550895" y="5023653"/>
             <a:ext cx="0" cy="1447800"/>
           </a:xfrm>
           <a:prstGeom prst="line">
@@ -11251,7 +10002,7 @@
         </p:nvCxnSpPr>
         <p:spPr>
           <a:xfrm>
-            <a:off x="2590474" y="5224189"/>
+            <a:off x="2550895" y="6471453"/>
             <a:ext cx="2001211" cy="0"/>
           </a:xfrm>
           <a:prstGeom prst="line">
@@ -11286,7 +10037,7 @@
         </p:nvSpPr>
         <p:spPr>
           <a:xfrm>
-            <a:off x="2793662" y="5224189"/>
+            <a:off x="2754083" y="6471453"/>
             <a:ext cx="263214" cy="276999"/>
           </a:xfrm>
           <a:prstGeom prst="rect">
@@ -11316,7 +10067,7 @@
         </p:nvSpPr>
         <p:spPr>
           <a:xfrm>
-            <a:off x="2314506" y="4843189"/>
+            <a:off x="2274927" y="6090453"/>
             <a:ext cx="263214" cy="276999"/>
           </a:xfrm>
           <a:prstGeom prst="rect">
@@ -11346,7 +10097,7 @@
         </p:nvSpPr>
         <p:spPr>
           <a:xfrm>
-            <a:off x="2304981" y="4495913"/>
+            <a:off x="2265402" y="5743177"/>
             <a:ext cx="263214" cy="276999"/>
           </a:xfrm>
           <a:prstGeom prst="rect">
@@ -11376,7 +10127,7 @@
         </p:nvSpPr>
         <p:spPr>
           <a:xfrm>
-            <a:off x="2314506" y="4157389"/>
+            <a:off x="2274927" y="5404653"/>
             <a:ext cx="263214" cy="276999"/>
           </a:xfrm>
           <a:prstGeom prst="rect">
@@ -11406,7 +10157,7 @@
         </p:nvSpPr>
         <p:spPr>
           <a:xfrm>
-            <a:off x="2314506" y="3781538"/>
+            <a:off x="2274927" y="5028802"/>
             <a:ext cx="263214" cy="276999"/>
           </a:xfrm>
           <a:prstGeom prst="rect">
@@ -11436,7 +10187,7 @@
         </p:nvSpPr>
         <p:spPr>
           <a:xfrm>
-            <a:off x="3211019" y="5224189"/>
+            <a:off x="3171440" y="6471453"/>
             <a:ext cx="263214" cy="276999"/>
           </a:xfrm>
           <a:prstGeom prst="rect">
@@ -11466,7 +10217,7 @@
         </p:nvSpPr>
         <p:spPr>
           <a:xfrm>
-            <a:off x="3646952" y="5224188"/>
+            <a:off x="3607373" y="6471452"/>
             <a:ext cx="263214" cy="276999"/>
           </a:xfrm>
           <a:prstGeom prst="rect">
@@ -11488,136 +10239,172 @@
           </a:p>
         </p:txBody>
       </p:sp>
-      <p:sp>
-        <p:nvSpPr>
-          <p:cNvPr id="3" name="Rectangle 2"/>
-          <p:cNvSpPr/>
-          <p:nvPr/>
-        </p:nvSpPr>
-        <p:spPr>
-          <a:xfrm>
-            <a:off x="2857945" y="4596650"/>
-            <a:ext cx="198931" cy="589776"/>
-          </a:xfrm>
-          <a:prstGeom prst="rect">
-            <a:avLst/>
-          </a:prstGeom>
+      <p:cxnSp>
+        <p:nvCxnSpPr>
+          <p:cNvPr id="34" name="Straight Connector 33"/>
+          <p:cNvCxnSpPr/>
+          <p:nvPr/>
+        </p:nvCxnSpPr>
+        <p:spPr>
+          <a:xfrm flipV="1">
+            <a:off x="2807491" y="5028802"/>
+            <a:ext cx="938740" cy="807826"/>
+          </a:xfrm>
+          <a:prstGeom prst="line">
+            <a:avLst/>
+          </a:prstGeom>
+          <a:ln>
+            <a:solidFill>
+              <a:schemeClr val="tx1"/>
+            </a:solidFill>
+          </a:ln>
         </p:spPr>
         <p:style>
-          <a:lnRef idx="2">
-            <a:schemeClr val="accent1">
-              <a:shade val="50000"/>
-            </a:schemeClr>
+          <a:lnRef idx="1">
+            <a:schemeClr val="accent1"/>
           </a:lnRef>
-          <a:fillRef idx="1">
+          <a:fillRef idx="0">
             <a:schemeClr val="accent1"/>
           </a:fillRef>
           <a:effectRef idx="0">
             <a:schemeClr val="accent1"/>
           </a:effectRef>
           <a:fontRef idx="minor">
-            <a:schemeClr val="lt1"/>
+            <a:schemeClr val="tx1"/>
           </a:fontRef>
         </p:style>
-        <p:txBody>
-          <a:bodyPr rtlCol="0" anchor="ctr"/>
-          <a:lstStyle/>
-          <a:p>
-            <a:pPr algn="ctr"/>
-            <a:endParaRPr lang="en-US"/>
-          </a:p>
-        </p:txBody>
-      </p:sp>
-      <p:sp>
-        <p:nvSpPr>
-          <p:cNvPr id="24" name="Rectangle 23"/>
-          <p:cNvSpPr/>
-          <p:nvPr/>
-        </p:nvSpPr>
-        <p:spPr>
-          <a:xfrm>
-            <a:off x="3276822" y="4295888"/>
-            <a:ext cx="197411" cy="904600"/>
-          </a:xfrm>
-          <a:prstGeom prst="rect">
-            <a:avLst/>
-          </a:prstGeom>
+      </p:cxnSp>
+    </p:spTree>
+    <p:extLst>
+      <p:ext uri="{BB962C8B-B14F-4D97-AF65-F5344CB8AC3E}">
+        <p14:creationId xmlns:p14="http://schemas.microsoft.com/office/powerpoint/2010/main" val="2918671989"/>
+      </p:ext>
+    </p:extLst>
+  </p:cSld>
+  <p:clrMapOvr>
+    <a:masterClrMapping/>
+  </p:clrMapOvr>
+  <p:timing>
+    <p:tnLst>
+      <p:par>
+        <p:cTn id="1" dur="indefinite" restart="never" nodeType="tmRoot"/>
+      </p:par>
+    </p:tnLst>
+  </p:timing>
+</p:sld>
+</file>
+
+<file path=ppt/slides/slide18.xml><?xml version="1.0" encoding="utf-8"?>
+<p:sld xmlns:a="http://schemas.openxmlformats.org/drawingml/2006/main" xmlns:r="http://schemas.openxmlformats.org/officeDocument/2006/relationships" xmlns:p="http://schemas.openxmlformats.org/presentationml/2006/main">
+  <p:cSld>
+    <p:spTree>
+      <p:nvGrpSpPr>
+        <p:cNvPr id="1" name=""/>
+        <p:cNvGrpSpPr/>
+        <p:nvPr/>
+      </p:nvGrpSpPr>
+      <p:grpSpPr>
+        <a:xfrm>
+          <a:off x="0" y="0"/>
+          <a:ext cx="0" cy="0"/>
+          <a:chOff x="0" y="0"/>
+          <a:chExt cx="0" cy="0"/>
+        </a:xfrm>
+      </p:grpSpPr>
+      <p:sp>
+        <p:nvSpPr>
+          <p:cNvPr id="2" name="Title 1"/>
+          <p:cNvSpPr>
+            <a:spLocks noGrp="1"/>
+          </p:cNvSpPr>
+          <p:nvPr>
+            <p:ph type="title"/>
+          </p:nvPr>
+        </p:nvSpPr>
+        <p:spPr>
+          <a:xfrm>
+            <a:off x="457200" y="274638"/>
+            <a:ext cx="8305800" cy="792162"/>
+          </a:xfrm>
+        </p:spPr>
+        <p:txBody>
+          <a:bodyPr>
+            <a:normAutofit/>
+          </a:bodyPr>
+          <a:lstStyle/>
+          <a:p>
+            <a:pPr algn="l"/>
+            <a:r>
+              <a:rPr lang="en-US" dirty="0" err="1" smtClean="0">
+                <a:solidFill>
+                  <a:schemeClr val="accent1">
+                    <a:lumMod val="75000"/>
+                  </a:schemeClr>
+                </a:solidFill>
+              </a:rPr>
+              <a:t>Matplotlib</a:t>
+            </a:r>
+            <a:r>
+              <a:rPr lang="en-US" dirty="0" smtClean="0">
+                <a:solidFill>
+                  <a:schemeClr val="accent1">
+                    <a:lumMod val="75000"/>
+                  </a:schemeClr>
+                </a:solidFill>
+              </a:rPr>
+              <a:t> – Plot Labels</a:t>
+            </a:r>
+            <a:endParaRPr lang="en-US" dirty="0">
+              <a:solidFill>
+                <a:schemeClr val="accent1">
+                  <a:lumMod val="75000"/>
+                </a:schemeClr>
+              </a:solidFill>
+            </a:endParaRPr>
+          </a:p>
+        </p:txBody>
+      </p:sp>
+      <p:cxnSp>
+        <p:nvCxnSpPr>
+          <p:cNvPr id="5" name="Straight Connector 4"/>
+          <p:cNvCxnSpPr/>
+          <p:nvPr/>
+        </p:nvCxnSpPr>
+        <p:spPr>
+          <a:xfrm>
+            <a:off x="0" y="990600"/>
+            <a:ext cx="9144000" cy="0"/>
+          </a:xfrm>
+          <a:prstGeom prst="line">
+            <a:avLst/>
+          </a:prstGeom>
+          <a:ln w="19050"/>
         </p:spPr>
         <p:style>
-          <a:lnRef idx="2">
-            <a:schemeClr val="accent1">
-              <a:shade val="50000"/>
-            </a:schemeClr>
+          <a:lnRef idx="1">
+            <a:schemeClr val="accent1"/>
           </a:lnRef>
-          <a:fillRef idx="1">
+          <a:fillRef idx="0">
             <a:schemeClr val="accent1"/>
           </a:fillRef>
           <a:effectRef idx="0">
             <a:schemeClr val="accent1"/>
           </a:effectRef>
           <a:fontRef idx="minor">
-            <a:schemeClr val="lt1"/>
+            <a:schemeClr val="tx1"/>
           </a:fontRef>
         </p:style>
-        <p:txBody>
-          <a:bodyPr rtlCol="0" anchor="ctr"/>
-          <a:lstStyle/>
-          <a:p>
-            <a:pPr algn="ctr"/>
-            <a:endParaRPr lang="en-US"/>
-          </a:p>
-        </p:txBody>
-      </p:sp>
-      <p:sp>
-        <p:nvSpPr>
-          <p:cNvPr id="38" name="Rectangle 37"/>
-          <p:cNvSpPr/>
-          <p:nvPr/>
-        </p:nvSpPr>
-        <p:spPr>
-          <a:xfrm>
-            <a:off x="3712755" y="3928982"/>
-            <a:ext cx="197411" cy="1257444"/>
-          </a:xfrm>
-          <a:prstGeom prst="rect">
-            <a:avLst/>
-          </a:prstGeom>
-        </p:spPr>
-        <p:style>
-          <a:lnRef idx="2">
-            <a:schemeClr val="accent1">
-              <a:shade val="50000"/>
-            </a:schemeClr>
-          </a:lnRef>
-          <a:fillRef idx="1">
-            <a:schemeClr val="accent1"/>
-          </a:fillRef>
-          <a:effectRef idx="0">
-            <a:schemeClr val="accent1"/>
-          </a:effectRef>
-          <a:fontRef idx="minor">
-            <a:schemeClr val="lt1"/>
-          </a:fontRef>
-        </p:style>
-        <p:txBody>
-          <a:bodyPr rtlCol="0" anchor="ctr"/>
-          <a:lstStyle/>
-          <a:p>
-            <a:pPr algn="ctr"/>
-            <a:endParaRPr lang="en-US"/>
-          </a:p>
-        </p:txBody>
-      </p:sp>
-      <p:sp>
-        <p:nvSpPr>
-          <p:cNvPr id="39" name="TextBox 38"/>
+      </p:cxnSp>
+      <p:sp>
+        <p:nvSpPr>
+          <p:cNvPr id="36" name="TextBox 35"/>
           <p:cNvSpPr txBox="1"/>
           <p:nvPr/>
         </p:nvSpPr>
         <p:spPr>
           <a:xfrm>
-            <a:off x="862467" y="5943600"/>
-            <a:ext cx="5450082" cy="461665"/>
+            <a:off x="152400" y="1164134"/>
+            <a:ext cx="6893554" cy="461665"/>
           </a:xfrm>
           <a:prstGeom prst="rect">
             <a:avLst/>
@@ -11630,37 +10417,50 @@
           </a:bodyPr>
           <a:lstStyle/>
           <a:p>
-            <a:r>
-              <a:rPr lang="en-US" sz="2400" b="1" i="1" dirty="0" smtClean="0">
+            <a:pPr marL="285750" indent="-285750">
+              <a:buFont typeface="Arial" panose="020B0604020202020204" pitchFamily="34" charset="0"/>
+              <a:buChar char="•"/>
+            </a:pPr>
+            <a:r>
+              <a:rPr lang="en-US" sz="2400" b="1" dirty="0" smtClean="0">
                 <a:solidFill>
                   <a:schemeClr val="accent5">
                     <a:lumMod val="75000"/>
                   </a:schemeClr>
                 </a:solidFill>
               </a:rPr>
-              <a:t>And many more functions: </a:t>
-            </a:r>
-            <a:r>
-              <a:rPr lang="en-US" sz="2400" b="1" i="1" dirty="0" err="1" smtClean="0">
-                <a:solidFill>
-                  <a:schemeClr val="accent5">
-                    <a:lumMod val="75000"/>
-                  </a:schemeClr>
-                </a:solidFill>
-              </a:rPr>
-              <a:t>hist</a:t>
-            </a:r>
-            <a:r>
-              <a:rPr lang="en-US" sz="2400" b="1" i="1" smtClean="0">
-                <a:solidFill>
-                  <a:schemeClr val="accent5">
-                    <a:lumMod val="75000"/>
-                  </a:schemeClr>
-                </a:solidFill>
-              </a:rPr>
-              <a:t>, scatter, …</a:t>
-            </a:r>
-            <a:endParaRPr lang="en-US" sz="2400" b="1" i="1" dirty="0" smtClean="0">
+              <a:t>Add Labels for X and Y Axis and Plot Title (caption)</a:t>
+            </a:r>
+          </a:p>
+        </p:txBody>
+      </p:sp>
+      <p:sp>
+        <p:nvSpPr>
+          <p:cNvPr id="18" name="TextBox 17"/>
+          <p:cNvSpPr txBox="1"/>
+          <p:nvPr/>
+        </p:nvSpPr>
+        <p:spPr>
+          <a:xfrm>
+            <a:off x="485033" y="1752600"/>
+            <a:ext cx="8494633" cy="1692771"/>
+          </a:xfrm>
+          <a:prstGeom prst="rect">
+            <a:avLst/>
+          </a:prstGeom>
+          <a:noFill/>
+        </p:spPr>
+        <p:txBody>
+          <a:bodyPr wrap="none" rtlCol="0">
+            <a:spAutoFit/>
+          </a:bodyPr>
+          <a:lstStyle/>
+          <a:p>
+            <a:pPr marL="285750" indent="-285750">
+              <a:buFont typeface="Arial" panose="020B0604020202020204" pitchFamily="34" charset="0"/>
+              <a:buChar char="•"/>
+            </a:pPr>
+            <a:endParaRPr lang="en-US" sz="1400" b="1" dirty="0">
               <a:solidFill>
                 <a:schemeClr val="accent5">
                   <a:lumMod val="75000"/>
@@ -11668,12 +10468,1544 @@
               </a:solidFill>
             </a:endParaRPr>
           </a:p>
+          <a:p>
+            <a:r>
+              <a:rPr lang="en-US" sz="1400" b="1" dirty="0" smtClean="0">
+                <a:solidFill>
+                  <a:schemeClr val="accent5">
+                    <a:lumMod val="75000"/>
+                  </a:schemeClr>
+                </a:solidFill>
+              </a:rPr>
+              <a:t>		</a:t>
+            </a:r>
+            <a:r>
+              <a:rPr lang="en-US" dirty="0" err="1" smtClean="0"/>
+              <a:t>plt.plot</a:t>
+            </a:r>
+            <a:r>
+              <a:rPr lang="en-US" dirty="0" smtClean="0"/>
+              <a:t>( [ 1, 2, 3 ], [ 4, 6, 8 ] )</a:t>
+            </a:r>
+          </a:p>
+          <a:p>
+            <a:r>
+              <a:rPr lang="en-US" dirty="0" smtClean="0"/>
+              <a:t> </a:t>
+            </a:r>
+            <a:r>
+              <a:rPr lang="en-US" dirty="0"/>
+              <a:t>	</a:t>
+            </a:r>
+            <a:r>
+              <a:rPr lang="en-US" dirty="0" smtClean="0"/>
+              <a:t>	</a:t>
+            </a:r>
+            <a:r>
+              <a:rPr lang="en-US" dirty="0" err="1" smtClean="0"/>
+              <a:t>plt.xlabel</a:t>
+            </a:r>
+            <a:r>
+              <a:rPr lang="en-US" dirty="0" smtClean="0"/>
+              <a:t>( “X Numbers” )		</a:t>
+            </a:r>
+            <a:r>
+              <a:rPr lang="en-US" dirty="0" smtClean="0">
+                <a:solidFill>
+                  <a:srgbClr val="00B050"/>
+                </a:solidFill>
+              </a:rPr>
+              <a:t># Label on the X-axis</a:t>
+            </a:r>
+          </a:p>
+          <a:p>
+            <a:r>
+              <a:rPr lang="en-US" dirty="0"/>
+              <a:t>	</a:t>
+            </a:r>
+            <a:r>
+              <a:rPr lang="en-US" dirty="0" smtClean="0"/>
+              <a:t>	</a:t>
+            </a:r>
+            <a:r>
+              <a:rPr lang="en-US" dirty="0" err="1" smtClean="0"/>
+              <a:t>plt.ylabel</a:t>
+            </a:r>
+            <a:r>
+              <a:rPr lang="en-US" dirty="0" smtClean="0"/>
+              <a:t>( “Y Numbers” )		</a:t>
+            </a:r>
+            <a:r>
+              <a:rPr lang="en-US" dirty="0" smtClean="0">
+                <a:solidFill>
+                  <a:srgbClr val="00B050"/>
+                </a:solidFill>
+              </a:rPr>
+              <a:t># Label on the Y-axis</a:t>
+            </a:r>
+          </a:p>
+          <a:p>
+            <a:r>
+              <a:rPr lang="en-US" dirty="0"/>
+              <a:t>	</a:t>
+            </a:r>
+            <a:r>
+              <a:rPr lang="en-US" dirty="0" smtClean="0"/>
+              <a:t>	</a:t>
+            </a:r>
+            <a:r>
+              <a:rPr lang="en-US" dirty="0" err="1" smtClean="0"/>
+              <a:t>plt.title</a:t>
+            </a:r>
+            <a:r>
+              <a:rPr lang="en-US" dirty="0" smtClean="0"/>
+              <a:t>( “My Plot of X and Y”)	</a:t>
+            </a:r>
+            <a:r>
+              <a:rPr lang="en-US" dirty="0" smtClean="0">
+                <a:solidFill>
+                  <a:srgbClr val="00B050"/>
+                </a:solidFill>
+              </a:rPr>
+              <a:t># Title for the Plot</a:t>
+            </a:r>
+            <a:r>
+              <a:rPr lang="en-US" dirty="0" smtClean="0"/>
+              <a:t>	</a:t>
+            </a:r>
+            <a:r>
+              <a:rPr lang="en-US" dirty="0"/>
+              <a:t>	</a:t>
+            </a:r>
+            <a:endParaRPr lang="en-US" dirty="0">
+              <a:solidFill>
+                <a:srgbClr val="00B050"/>
+              </a:solidFill>
+            </a:endParaRPr>
+          </a:p>
+          <a:p>
+            <a:r>
+              <a:rPr lang="en-US" dirty="0"/>
+              <a:t>		</a:t>
+            </a:r>
+            <a:r>
+              <a:rPr lang="en-US" dirty="0" err="1"/>
+              <a:t>plt.show</a:t>
+            </a:r>
+            <a:r>
+              <a:rPr lang="en-US" dirty="0" smtClean="0"/>
+              <a:t>()</a:t>
+            </a:r>
+            <a:endParaRPr lang="en-US" dirty="0"/>
+          </a:p>
+        </p:txBody>
+      </p:sp>
+      <p:sp>
+        <p:nvSpPr>
+          <p:cNvPr id="20" name="TextBox 19"/>
+          <p:cNvSpPr txBox="1"/>
+          <p:nvPr/>
+        </p:nvSpPr>
+        <p:spPr>
+          <a:xfrm>
+            <a:off x="4214189" y="3651983"/>
+            <a:ext cx="219932" cy="276999"/>
+          </a:xfrm>
+          <a:prstGeom prst="rect">
+            <a:avLst/>
+          </a:prstGeom>
+          <a:noFill/>
+        </p:spPr>
+        <p:txBody>
+          <a:bodyPr wrap="none" rtlCol="0">
+            <a:spAutoFit/>
+          </a:bodyPr>
+          <a:lstStyle/>
+          <a:p>
+            <a:r>
+              <a:rPr lang="en-US" sz="1200" dirty="0" smtClean="0">
+                <a:solidFill>
+                  <a:srgbClr val="00B050"/>
+                </a:solidFill>
+              </a:rPr>
+              <a:t> </a:t>
+            </a:r>
+            <a:endParaRPr lang="en-US" sz="1200" dirty="0">
+              <a:solidFill>
+                <a:srgbClr val="00B050"/>
+              </a:solidFill>
+            </a:endParaRPr>
+          </a:p>
+        </p:txBody>
+      </p:sp>
+      <p:cxnSp>
+        <p:nvCxnSpPr>
+          <p:cNvPr id="23" name="Straight Connector 22"/>
+          <p:cNvCxnSpPr/>
+          <p:nvPr/>
+        </p:nvCxnSpPr>
+        <p:spPr>
+          <a:xfrm>
+            <a:off x="3099859" y="4156479"/>
+            <a:ext cx="0" cy="1447800"/>
+          </a:xfrm>
+          <a:prstGeom prst="line">
+            <a:avLst/>
+          </a:prstGeom>
+          <a:ln w="15875">
+            <a:solidFill>
+              <a:schemeClr val="tx1"/>
+            </a:solidFill>
+          </a:ln>
+        </p:spPr>
+        <p:style>
+          <a:lnRef idx="1">
+            <a:schemeClr val="accent1"/>
+          </a:lnRef>
+          <a:fillRef idx="0">
+            <a:schemeClr val="accent1"/>
+          </a:fillRef>
+          <a:effectRef idx="0">
+            <a:schemeClr val="accent1"/>
+          </a:effectRef>
+          <a:fontRef idx="minor">
+            <a:schemeClr val="tx1"/>
+          </a:fontRef>
+        </p:style>
+      </p:cxnSp>
+      <p:cxnSp>
+        <p:nvCxnSpPr>
+          <p:cNvPr id="25" name="Straight Connector 24"/>
+          <p:cNvCxnSpPr/>
+          <p:nvPr/>
+        </p:nvCxnSpPr>
+        <p:spPr>
+          <a:xfrm>
+            <a:off x="3099859" y="5604279"/>
+            <a:ext cx="2001211" cy="0"/>
+          </a:xfrm>
+          <a:prstGeom prst="line">
+            <a:avLst/>
+          </a:prstGeom>
+          <a:ln w="15875">
+            <a:solidFill>
+              <a:schemeClr val="tx1"/>
+            </a:solidFill>
+          </a:ln>
+        </p:spPr>
+        <p:style>
+          <a:lnRef idx="1">
+            <a:schemeClr val="accent1"/>
+          </a:lnRef>
+          <a:fillRef idx="0">
+            <a:schemeClr val="accent1"/>
+          </a:fillRef>
+          <a:effectRef idx="0">
+            <a:schemeClr val="accent1"/>
+          </a:effectRef>
+          <a:fontRef idx="minor">
+            <a:schemeClr val="tx1"/>
+          </a:fontRef>
+        </p:style>
+      </p:cxnSp>
+      <p:sp>
+        <p:nvSpPr>
+          <p:cNvPr id="26" name="TextBox 25"/>
+          <p:cNvSpPr txBox="1"/>
+          <p:nvPr/>
+        </p:nvSpPr>
+        <p:spPr>
+          <a:xfrm>
+            <a:off x="3303047" y="5604279"/>
+            <a:ext cx="263214" cy="276999"/>
+          </a:xfrm>
+          <a:prstGeom prst="rect">
+            <a:avLst/>
+          </a:prstGeom>
+          <a:noFill/>
+        </p:spPr>
+        <p:txBody>
+          <a:bodyPr wrap="none" rtlCol="0">
+            <a:spAutoFit/>
+          </a:bodyPr>
+          <a:lstStyle/>
+          <a:p>
+            <a:r>
+              <a:rPr lang="en-US" sz="1200" dirty="0" smtClean="0"/>
+              <a:t>1</a:t>
+            </a:r>
+            <a:endParaRPr lang="en-US" sz="1200" dirty="0"/>
+          </a:p>
+        </p:txBody>
+      </p:sp>
+      <p:sp>
+        <p:nvSpPr>
+          <p:cNvPr id="28" name="TextBox 27"/>
+          <p:cNvSpPr txBox="1"/>
+          <p:nvPr/>
+        </p:nvSpPr>
+        <p:spPr>
+          <a:xfrm>
+            <a:off x="2823891" y="5223279"/>
+            <a:ext cx="263214" cy="276999"/>
+          </a:xfrm>
+          <a:prstGeom prst="rect">
+            <a:avLst/>
+          </a:prstGeom>
+          <a:noFill/>
+        </p:spPr>
+        <p:txBody>
+          <a:bodyPr wrap="none" rtlCol="0">
+            <a:spAutoFit/>
+          </a:bodyPr>
+          <a:lstStyle/>
+          <a:p>
+            <a:r>
+              <a:rPr lang="en-US" sz="1200" dirty="0" smtClean="0"/>
+              <a:t>2</a:t>
+            </a:r>
+            <a:endParaRPr lang="en-US" sz="1200" dirty="0"/>
+          </a:p>
+        </p:txBody>
+      </p:sp>
+      <p:sp>
+        <p:nvSpPr>
+          <p:cNvPr id="29" name="TextBox 28"/>
+          <p:cNvSpPr txBox="1"/>
+          <p:nvPr/>
+        </p:nvSpPr>
+        <p:spPr>
+          <a:xfrm>
+            <a:off x="2814366" y="4876003"/>
+            <a:ext cx="263214" cy="276999"/>
+          </a:xfrm>
+          <a:prstGeom prst="rect">
+            <a:avLst/>
+          </a:prstGeom>
+          <a:noFill/>
+        </p:spPr>
+        <p:txBody>
+          <a:bodyPr wrap="none" rtlCol="0">
+            <a:spAutoFit/>
+          </a:bodyPr>
+          <a:lstStyle/>
+          <a:p>
+            <a:r>
+              <a:rPr lang="en-US" sz="1200" dirty="0" smtClean="0"/>
+              <a:t>4</a:t>
+            </a:r>
+            <a:endParaRPr lang="en-US" sz="1200" dirty="0"/>
+          </a:p>
+        </p:txBody>
+      </p:sp>
+      <p:sp>
+        <p:nvSpPr>
+          <p:cNvPr id="30" name="TextBox 29"/>
+          <p:cNvSpPr txBox="1"/>
+          <p:nvPr/>
+        </p:nvSpPr>
+        <p:spPr>
+          <a:xfrm>
+            <a:off x="2823891" y="4537479"/>
+            <a:ext cx="263214" cy="276999"/>
+          </a:xfrm>
+          <a:prstGeom prst="rect">
+            <a:avLst/>
+          </a:prstGeom>
+          <a:noFill/>
+        </p:spPr>
+        <p:txBody>
+          <a:bodyPr wrap="none" rtlCol="0">
+            <a:spAutoFit/>
+          </a:bodyPr>
+          <a:lstStyle/>
+          <a:p>
+            <a:r>
+              <a:rPr lang="en-US" sz="1200" dirty="0" smtClean="0"/>
+              <a:t>6</a:t>
+            </a:r>
+            <a:endParaRPr lang="en-US" sz="1200" dirty="0"/>
+          </a:p>
+        </p:txBody>
+      </p:sp>
+      <p:sp>
+        <p:nvSpPr>
+          <p:cNvPr id="31" name="TextBox 30"/>
+          <p:cNvSpPr txBox="1"/>
+          <p:nvPr/>
+        </p:nvSpPr>
+        <p:spPr>
+          <a:xfrm>
+            <a:off x="2823891" y="4161628"/>
+            <a:ext cx="263214" cy="276999"/>
+          </a:xfrm>
+          <a:prstGeom prst="rect">
+            <a:avLst/>
+          </a:prstGeom>
+          <a:noFill/>
+        </p:spPr>
+        <p:txBody>
+          <a:bodyPr wrap="none" rtlCol="0">
+            <a:spAutoFit/>
+          </a:bodyPr>
+          <a:lstStyle/>
+          <a:p>
+            <a:r>
+              <a:rPr lang="en-US" sz="1200" dirty="0" smtClean="0"/>
+              <a:t>8</a:t>
+            </a:r>
+            <a:endParaRPr lang="en-US" sz="1200" dirty="0"/>
+          </a:p>
+        </p:txBody>
+      </p:sp>
+      <p:sp>
+        <p:nvSpPr>
+          <p:cNvPr id="32" name="TextBox 31"/>
+          <p:cNvSpPr txBox="1"/>
+          <p:nvPr/>
+        </p:nvSpPr>
+        <p:spPr>
+          <a:xfrm>
+            <a:off x="3720404" y="5604279"/>
+            <a:ext cx="263214" cy="276999"/>
+          </a:xfrm>
+          <a:prstGeom prst="rect">
+            <a:avLst/>
+          </a:prstGeom>
+          <a:noFill/>
+        </p:spPr>
+        <p:txBody>
+          <a:bodyPr wrap="none" rtlCol="0">
+            <a:spAutoFit/>
+          </a:bodyPr>
+          <a:lstStyle/>
+          <a:p>
+            <a:r>
+              <a:rPr lang="en-US" sz="1200" dirty="0" smtClean="0"/>
+              <a:t>2</a:t>
+            </a:r>
+            <a:endParaRPr lang="en-US" sz="1200" dirty="0"/>
+          </a:p>
+        </p:txBody>
+      </p:sp>
+      <p:sp>
+        <p:nvSpPr>
+          <p:cNvPr id="33" name="TextBox 32"/>
+          <p:cNvSpPr txBox="1"/>
+          <p:nvPr/>
+        </p:nvSpPr>
+        <p:spPr>
+          <a:xfrm>
+            <a:off x="4156337" y="5604278"/>
+            <a:ext cx="263214" cy="276999"/>
+          </a:xfrm>
+          <a:prstGeom prst="rect">
+            <a:avLst/>
+          </a:prstGeom>
+          <a:noFill/>
+        </p:spPr>
+        <p:txBody>
+          <a:bodyPr wrap="none" rtlCol="0">
+            <a:spAutoFit/>
+          </a:bodyPr>
+          <a:lstStyle/>
+          <a:p>
+            <a:r>
+              <a:rPr lang="en-US" sz="1200" dirty="0" smtClean="0"/>
+              <a:t>3</a:t>
+            </a:r>
+            <a:endParaRPr lang="en-US" sz="1200" dirty="0"/>
+          </a:p>
+        </p:txBody>
+      </p:sp>
+      <p:cxnSp>
+        <p:nvCxnSpPr>
+          <p:cNvPr id="34" name="Straight Connector 33"/>
+          <p:cNvCxnSpPr/>
+          <p:nvPr/>
+        </p:nvCxnSpPr>
+        <p:spPr>
+          <a:xfrm flipV="1">
+            <a:off x="3380058" y="4300127"/>
+            <a:ext cx="907886" cy="690507"/>
+          </a:xfrm>
+          <a:prstGeom prst="line">
+            <a:avLst/>
+          </a:prstGeom>
+          <a:ln>
+            <a:solidFill>
+              <a:schemeClr val="tx1"/>
+            </a:solidFill>
+          </a:ln>
+        </p:spPr>
+        <p:style>
+          <a:lnRef idx="1">
+            <a:schemeClr val="accent1"/>
+          </a:lnRef>
+          <a:fillRef idx="0">
+            <a:schemeClr val="accent1"/>
+          </a:fillRef>
+          <a:effectRef idx="0">
+            <a:schemeClr val="accent1"/>
+          </a:effectRef>
+          <a:fontRef idx="minor">
+            <a:schemeClr val="tx1"/>
+          </a:fontRef>
+        </p:style>
+      </p:cxnSp>
+      <p:sp>
+        <p:nvSpPr>
+          <p:cNvPr id="27" name="TextBox 26"/>
+          <p:cNvSpPr txBox="1"/>
+          <p:nvPr/>
+        </p:nvSpPr>
+        <p:spPr>
+          <a:xfrm>
+            <a:off x="3583762" y="5881278"/>
+            <a:ext cx="888128" cy="276999"/>
+          </a:xfrm>
+          <a:prstGeom prst="rect">
+            <a:avLst/>
+          </a:prstGeom>
+          <a:noFill/>
+        </p:spPr>
+        <p:txBody>
+          <a:bodyPr wrap="none" rtlCol="0">
+            <a:spAutoFit/>
+          </a:bodyPr>
+          <a:lstStyle/>
+          <a:p>
+            <a:r>
+              <a:rPr lang="en-US" sz="1200" b="1" dirty="0" smtClean="0"/>
+              <a:t>X Numbers</a:t>
+            </a:r>
+            <a:endParaRPr lang="en-US" sz="1200" b="1" dirty="0"/>
+          </a:p>
+        </p:txBody>
+      </p:sp>
+      <p:sp>
+        <p:nvSpPr>
+          <p:cNvPr id="35" name="TextBox 34"/>
+          <p:cNvSpPr txBox="1"/>
+          <p:nvPr/>
+        </p:nvSpPr>
+        <p:spPr>
+          <a:xfrm rot="16200000">
+            <a:off x="2297499" y="4692453"/>
+            <a:ext cx="888128" cy="276999"/>
+          </a:xfrm>
+          <a:prstGeom prst="rect">
+            <a:avLst/>
+          </a:prstGeom>
+          <a:noFill/>
+        </p:spPr>
+        <p:txBody>
+          <a:bodyPr wrap="none" rtlCol="0">
+            <a:spAutoFit/>
+          </a:bodyPr>
+          <a:lstStyle/>
+          <a:p>
+            <a:r>
+              <a:rPr lang="en-US" sz="1200" b="1" dirty="0" smtClean="0"/>
+              <a:t>Y Numbers</a:t>
+            </a:r>
+            <a:endParaRPr lang="en-US" sz="1200" b="1" dirty="0"/>
+          </a:p>
+        </p:txBody>
+      </p:sp>
+      <p:sp>
+        <p:nvSpPr>
+          <p:cNvPr id="37" name="TextBox 36"/>
+          <p:cNvSpPr txBox="1"/>
+          <p:nvPr/>
+        </p:nvSpPr>
+        <p:spPr>
+          <a:xfrm>
+            <a:off x="3545993" y="3903657"/>
+            <a:ext cx="1362874" cy="276999"/>
+          </a:xfrm>
+          <a:prstGeom prst="rect">
+            <a:avLst/>
+          </a:prstGeom>
+          <a:noFill/>
+        </p:spPr>
+        <p:txBody>
+          <a:bodyPr wrap="none" rtlCol="0">
+            <a:spAutoFit/>
+          </a:bodyPr>
+          <a:lstStyle/>
+          <a:p>
+            <a:r>
+              <a:rPr lang="en-US" sz="1200" b="1" dirty="0" smtClean="0"/>
+              <a:t>My Plot of X and Y</a:t>
+            </a:r>
+            <a:endParaRPr lang="en-US" sz="1200" b="1" dirty="0"/>
+          </a:p>
         </p:txBody>
       </p:sp>
     </p:spTree>
     <p:extLst>
       <p:ext uri="{BB962C8B-B14F-4D97-AF65-F5344CB8AC3E}">
-        <p14:creationId xmlns:p14="http://schemas.microsoft.com/office/powerpoint/2010/main" val="761211871"/>
+        <p14:creationId xmlns:p14="http://schemas.microsoft.com/office/powerpoint/2010/main" val="3506617235"/>
+      </p:ext>
+    </p:extLst>
+  </p:cSld>
+  <p:clrMapOvr>
+    <a:masterClrMapping/>
+  </p:clrMapOvr>
+  <p:timing>
+    <p:tnLst>
+      <p:par>
+        <p:cTn id="1" dur="indefinite" restart="never" nodeType="tmRoot"/>
+      </p:par>
+    </p:tnLst>
+  </p:timing>
+</p:sld>
+</file>
+
+<file path=ppt/slides/slide19.xml><?xml version="1.0" encoding="utf-8"?>
+<p:sld xmlns:a="http://schemas.openxmlformats.org/drawingml/2006/main" xmlns:r="http://schemas.openxmlformats.org/officeDocument/2006/relationships" xmlns:p="http://schemas.openxmlformats.org/presentationml/2006/main">
+  <p:cSld>
+    <p:spTree>
+      <p:nvGrpSpPr>
+        <p:cNvPr id="1" name=""/>
+        <p:cNvGrpSpPr/>
+        <p:nvPr/>
+      </p:nvGrpSpPr>
+      <p:grpSpPr>
+        <a:xfrm>
+          <a:off x="0" y="0"/>
+          <a:ext cx="0" cy="0"/>
+          <a:chOff x="0" y="0"/>
+          <a:chExt cx="0" cy="0"/>
+        </a:xfrm>
+      </p:grpSpPr>
+      <p:sp>
+        <p:nvSpPr>
+          <p:cNvPr id="2" name="Title 1"/>
+          <p:cNvSpPr>
+            <a:spLocks noGrp="1"/>
+          </p:cNvSpPr>
+          <p:nvPr>
+            <p:ph type="title"/>
+          </p:nvPr>
+        </p:nvSpPr>
+        <p:spPr>
+          <a:xfrm>
+            <a:off x="457200" y="274638"/>
+            <a:ext cx="8305800" cy="792162"/>
+          </a:xfrm>
+        </p:spPr>
+        <p:txBody>
+          <a:bodyPr>
+            <a:normAutofit fontScale="90000"/>
+          </a:bodyPr>
+          <a:lstStyle/>
+          <a:p>
+            <a:pPr algn="l"/>
+            <a:r>
+              <a:rPr lang="en-US" dirty="0" err="1" smtClean="0">
+                <a:solidFill>
+                  <a:schemeClr val="accent1">
+                    <a:lumMod val="75000"/>
+                  </a:schemeClr>
+                </a:solidFill>
+              </a:rPr>
+              <a:t>Matplotlib</a:t>
+            </a:r>
+            <a:r>
+              <a:rPr lang="en-US" dirty="0" smtClean="0">
+                <a:solidFill>
+                  <a:schemeClr val="accent1">
+                    <a:lumMod val="75000"/>
+                  </a:schemeClr>
+                </a:solidFill>
+              </a:rPr>
+              <a:t> – Multiple Plots and Legend</a:t>
+            </a:r>
+            <a:endParaRPr lang="en-US" dirty="0">
+              <a:solidFill>
+                <a:schemeClr val="accent1">
+                  <a:lumMod val="75000"/>
+                </a:schemeClr>
+              </a:solidFill>
+            </a:endParaRPr>
+          </a:p>
+        </p:txBody>
+      </p:sp>
+      <p:cxnSp>
+        <p:nvCxnSpPr>
+          <p:cNvPr id="5" name="Straight Connector 4"/>
+          <p:cNvCxnSpPr/>
+          <p:nvPr/>
+        </p:nvCxnSpPr>
+        <p:spPr>
+          <a:xfrm>
+            <a:off x="0" y="990600"/>
+            <a:ext cx="9144000" cy="0"/>
+          </a:xfrm>
+          <a:prstGeom prst="line">
+            <a:avLst/>
+          </a:prstGeom>
+          <a:ln w="19050"/>
+        </p:spPr>
+        <p:style>
+          <a:lnRef idx="1">
+            <a:schemeClr val="accent1"/>
+          </a:lnRef>
+          <a:fillRef idx="0">
+            <a:schemeClr val="accent1"/>
+          </a:fillRef>
+          <a:effectRef idx="0">
+            <a:schemeClr val="accent1"/>
+          </a:effectRef>
+          <a:fontRef idx="minor">
+            <a:schemeClr val="tx1"/>
+          </a:fontRef>
+        </p:style>
+      </p:cxnSp>
+      <p:sp>
+        <p:nvSpPr>
+          <p:cNvPr id="36" name="TextBox 35"/>
+          <p:cNvSpPr txBox="1"/>
+          <p:nvPr/>
+        </p:nvSpPr>
+        <p:spPr>
+          <a:xfrm>
+            <a:off x="152400" y="1164134"/>
+            <a:ext cx="5295360" cy="461665"/>
+          </a:xfrm>
+          <a:prstGeom prst="rect">
+            <a:avLst/>
+          </a:prstGeom>
+          <a:noFill/>
+        </p:spPr>
+        <p:txBody>
+          <a:bodyPr wrap="none" rtlCol="0">
+            <a:spAutoFit/>
+          </a:bodyPr>
+          <a:lstStyle/>
+          <a:p>
+            <a:pPr marL="285750" indent="-285750">
+              <a:buFont typeface="Arial" panose="020B0604020202020204" pitchFamily="34" charset="0"/>
+              <a:buChar char="•"/>
+            </a:pPr>
+            <a:r>
+              <a:rPr lang="en-US" sz="2400" b="1" dirty="0" smtClean="0">
+                <a:solidFill>
+                  <a:schemeClr val="accent5">
+                    <a:lumMod val="75000"/>
+                  </a:schemeClr>
+                </a:solidFill>
+              </a:rPr>
+              <a:t>You can add multiple plots in a Graph </a:t>
+            </a:r>
+          </a:p>
+        </p:txBody>
+      </p:sp>
+      <p:sp>
+        <p:nvSpPr>
+          <p:cNvPr id="18" name="TextBox 17"/>
+          <p:cNvSpPr txBox="1"/>
+          <p:nvPr/>
+        </p:nvSpPr>
+        <p:spPr>
+          <a:xfrm>
+            <a:off x="485033" y="1752600"/>
+            <a:ext cx="8494633" cy="2246769"/>
+          </a:xfrm>
+          <a:prstGeom prst="rect">
+            <a:avLst/>
+          </a:prstGeom>
+          <a:noFill/>
+        </p:spPr>
+        <p:txBody>
+          <a:bodyPr wrap="none" rtlCol="0">
+            <a:spAutoFit/>
+          </a:bodyPr>
+          <a:lstStyle/>
+          <a:p>
+            <a:pPr marL="285750" indent="-285750">
+              <a:buFont typeface="Arial" panose="020B0604020202020204" pitchFamily="34" charset="0"/>
+              <a:buChar char="•"/>
+            </a:pPr>
+            <a:endParaRPr lang="en-US" sz="1400" b="1" dirty="0">
+              <a:solidFill>
+                <a:schemeClr val="accent5">
+                  <a:lumMod val="75000"/>
+                </a:schemeClr>
+              </a:solidFill>
+            </a:endParaRPr>
+          </a:p>
+          <a:p>
+            <a:r>
+              <a:rPr lang="en-US" sz="1400" b="1" dirty="0" smtClean="0">
+                <a:solidFill>
+                  <a:schemeClr val="accent5">
+                    <a:lumMod val="75000"/>
+                  </a:schemeClr>
+                </a:solidFill>
+              </a:rPr>
+              <a:t>		</a:t>
+            </a:r>
+            <a:r>
+              <a:rPr lang="en-US" dirty="0" err="1" smtClean="0"/>
+              <a:t>plt.plot</a:t>
+            </a:r>
+            <a:r>
+              <a:rPr lang="en-US" dirty="0" smtClean="0"/>
+              <a:t>( [ 1, 2, 3 ], [ 4, 6, 8 ], label=‘ 1st Line’ )	</a:t>
+            </a:r>
+            <a:r>
+              <a:rPr lang="en-US" dirty="0" smtClean="0">
+                <a:solidFill>
+                  <a:srgbClr val="00B050"/>
+                </a:solidFill>
+              </a:rPr>
+              <a:t># Plot for 1</a:t>
+            </a:r>
+            <a:r>
+              <a:rPr lang="en-US" baseline="30000" dirty="0" smtClean="0">
+                <a:solidFill>
+                  <a:srgbClr val="00B050"/>
+                </a:solidFill>
+              </a:rPr>
+              <a:t>st</a:t>
+            </a:r>
+            <a:r>
+              <a:rPr lang="en-US" dirty="0" smtClean="0">
+                <a:solidFill>
+                  <a:srgbClr val="00B050"/>
+                </a:solidFill>
+              </a:rPr>
+              <a:t> Line</a:t>
+            </a:r>
+            <a:r>
+              <a:rPr lang="en-US" dirty="0" smtClean="0"/>
+              <a:t>	</a:t>
+            </a:r>
+            <a:br>
+              <a:rPr lang="en-US" dirty="0" smtClean="0"/>
+            </a:br>
+            <a:r>
+              <a:rPr lang="en-US" dirty="0" smtClean="0"/>
+              <a:t>		</a:t>
+            </a:r>
+            <a:r>
+              <a:rPr lang="en-US" dirty="0" err="1" smtClean="0"/>
+              <a:t>plt.plot</a:t>
+            </a:r>
+            <a:r>
+              <a:rPr lang="en-US" dirty="0" smtClean="0"/>
+              <a:t>( [ 1, 2, 3 ], [ 2, 4, 6 ], label=‘2nd Line’ )	</a:t>
+            </a:r>
+            <a:r>
+              <a:rPr lang="en-US" dirty="0" smtClean="0">
+                <a:solidFill>
+                  <a:srgbClr val="00B050"/>
+                </a:solidFill>
+              </a:rPr>
+              <a:t># Plot for 2</a:t>
+            </a:r>
+            <a:r>
+              <a:rPr lang="en-US" baseline="30000" dirty="0" smtClean="0">
+                <a:solidFill>
+                  <a:srgbClr val="00B050"/>
+                </a:solidFill>
+              </a:rPr>
+              <a:t>nd</a:t>
+            </a:r>
+            <a:r>
+              <a:rPr lang="en-US" dirty="0" smtClean="0">
+                <a:solidFill>
+                  <a:srgbClr val="00B050"/>
+                </a:solidFill>
+              </a:rPr>
+              <a:t> Line</a:t>
+            </a:r>
+            <a:r>
+              <a:rPr lang="en-US" dirty="0" smtClean="0"/>
+              <a:t>	</a:t>
+            </a:r>
+            <a:endParaRPr lang="en-US" dirty="0" smtClean="0">
+              <a:solidFill>
+                <a:srgbClr val="00B050"/>
+              </a:solidFill>
+            </a:endParaRPr>
+          </a:p>
+          <a:p>
+            <a:r>
+              <a:rPr lang="en-US" dirty="0"/>
+              <a:t>	</a:t>
+            </a:r>
+            <a:r>
+              <a:rPr lang="en-US" dirty="0" smtClean="0"/>
+              <a:t>	</a:t>
+            </a:r>
+            <a:r>
+              <a:rPr lang="en-US" dirty="0" err="1" smtClean="0"/>
+              <a:t>plt.xlabel</a:t>
+            </a:r>
+            <a:r>
+              <a:rPr lang="en-US" dirty="0" smtClean="0"/>
+              <a:t>( “X Numbers” )		</a:t>
+            </a:r>
+            <a:r>
+              <a:rPr lang="en-US" dirty="0" smtClean="0">
+                <a:solidFill>
+                  <a:srgbClr val="00B050"/>
+                </a:solidFill>
+              </a:rPr>
+              <a:t> </a:t>
+            </a:r>
+          </a:p>
+          <a:p>
+            <a:r>
+              <a:rPr lang="en-US" dirty="0"/>
+              <a:t>	</a:t>
+            </a:r>
+            <a:r>
+              <a:rPr lang="en-US" dirty="0" smtClean="0"/>
+              <a:t>	</a:t>
+            </a:r>
+            <a:r>
+              <a:rPr lang="en-US" dirty="0" err="1" smtClean="0"/>
+              <a:t>plt.ylabel</a:t>
+            </a:r>
+            <a:r>
+              <a:rPr lang="en-US" dirty="0" smtClean="0"/>
+              <a:t>( “Y Numbers” )		</a:t>
+            </a:r>
+            <a:r>
+              <a:rPr lang="en-US" dirty="0" smtClean="0">
+                <a:solidFill>
+                  <a:srgbClr val="00B050"/>
+                </a:solidFill>
+              </a:rPr>
+              <a:t> </a:t>
+            </a:r>
+          </a:p>
+          <a:p>
+            <a:r>
+              <a:rPr lang="en-US" dirty="0"/>
+              <a:t>	</a:t>
+            </a:r>
+            <a:r>
+              <a:rPr lang="en-US" dirty="0" smtClean="0"/>
+              <a:t>	</a:t>
+            </a:r>
+            <a:r>
+              <a:rPr lang="en-US" dirty="0" err="1" smtClean="0"/>
+              <a:t>plt.title</a:t>
+            </a:r>
+            <a:r>
+              <a:rPr lang="en-US" dirty="0" smtClean="0"/>
+              <a:t>( “My Plot of X and Y”)</a:t>
+            </a:r>
+            <a:r>
+              <a:rPr lang="en-US" dirty="0"/>
+              <a:t> </a:t>
+            </a:r>
+            <a:endParaRPr lang="en-US" dirty="0" smtClean="0"/>
+          </a:p>
+          <a:p>
+            <a:r>
+              <a:rPr lang="en-US" dirty="0"/>
+              <a:t>	</a:t>
+            </a:r>
+            <a:r>
+              <a:rPr lang="en-US" dirty="0" smtClean="0"/>
+              <a:t>	</a:t>
+            </a:r>
+            <a:r>
+              <a:rPr lang="en-US" dirty="0" err="1" smtClean="0"/>
+              <a:t>plt.legend</a:t>
+            </a:r>
+            <a:r>
+              <a:rPr lang="en-US" dirty="0" smtClean="0"/>
+              <a:t>()			</a:t>
+            </a:r>
+            <a:r>
+              <a:rPr lang="en-US" dirty="0" smtClean="0">
+                <a:solidFill>
+                  <a:srgbClr val="00B050"/>
+                </a:solidFill>
+              </a:rPr>
+              <a:t># Show Legend for the plots</a:t>
+            </a:r>
+          </a:p>
+          <a:p>
+            <a:r>
+              <a:rPr lang="en-US" dirty="0"/>
+              <a:t>	</a:t>
+            </a:r>
+            <a:r>
+              <a:rPr lang="en-US" dirty="0" smtClean="0"/>
+              <a:t>	</a:t>
+            </a:r>
+            <a:r>
+              <a:rPr lang="en-US" dirty="0" err="1" smtClean="0"/>
+              <a:t>plt.show</a:t>
+            </a:r>
+            <a:r>
+              <a:rPr lang="en-US" dirty="0" smtClean="0"/>
+              <a:t>()</a:t>
+            </a:r>
+            <a:endParaRPr lang="en-US" dirty="0"/>
+          </a:p>
+        </p:txBody>
+      </p:sp>
+      <p:sp>
+        <p:nvSpPr>
+          <p:cNvPr id="20" name="TextBox 19"/>
+          <p:cNvSpPr txBox="1"/>
+          <p:nvPr/>
+        </p:nvSpPr>
+        <p:spPr>
+          <a:xfrm>
+            <a:off x="4214189" y="3651983"/>
+            <a:ext cx="219932" cy="276999"/>
+          </a:xfrm>
+          <a:prstGeom prst="rect">
+            <a:avLst/>
+          </a:prstGeom>
+          <a:noFill/>
+        </p:spPr>
+        <p:txBody>
+          <a:bodyPr wrap="none" rtlCol="0">
+            <a:spAutoFit/>
+          </a:bodyPr>
+          <a:lstStyle/>
+          <a:p>
+            <a:r>
+              <a:rPr lang="en-US" sz="1200" dirty="0" smtClean="0">
+                <a:solidFill>
+                  <a:srgbClr val="00B050"/>
+                </a:solidFill>
+              </a:rPr>
+              <a:t> </a:t>
+            </a:r>
+            <a:endParaRPr lang="en-US" sz="1200" dirty="0">
+              <a:solidFill>
+                <a:srgbClr val="00B050"/>
+              </a:solidFill>
+            </a:endParaRPr>
+          </a:p>
+        </p:txBody>
+      </p:sp>
+      <p:cxnSp>
+        <p:nvCxnSpPr>
+          <p:cNvPr id="23" name="Straight Connector 22"/>
+          <p:cNvCxnSpPr/>
+          <p:nvPr/>
+        </p:nvCxnSpPr>
+        <p:spPr>
+          <a:xfrm>
+            <a:off x="3099859" y="4592908"/>
+            <a:ext cx="0" cy="1447800"/>
+          </a:xfrm>
+          <a:prstGeom prst="line">
+            <a:avLst/>
+          </a:prstGeom>
+          <a:ln w="15875">
+            <a:solidFill>
+              <a:schemeClr val="tx1"/>
+            </a:solidFill>
+          </a:ln>
+        </p:spPr>
+        <p:style>
+          <a:lnRef idx="1">
+            <a:schemeClr val="accent1"/>
+          </a:lnRef>
+          <a:fillRef idx="0">
+            <a:schemeClr val="accent1"/>
+          </a:fillRef>
+          <a:effectRef idx="0">
+            <a:schemeClr val="accent1"/>
+          </a:effectRef>
+          <a:fontRef idx="minor">
+            <a:schemeClr val="tx1"/>
+          </a:fontRef>
+        </p:style>
+      </p:cxnSp>
+      <p:cxnSp>
+        <p:nvCxnSpPr>
+          <p:cNvPr id="25" name="Straight Connector 24"/>
+          <p:cNvCxnSpPr/>
+          <p:nvPr/>
+        </p:nvCxnSpPr>
+        <p:spPr>
+          <a:xfrm>
+            <a:off x="3099859" y="6040708"/>
+            <a:ext cx="2001211" cy="0"/>
+          </a:xfrm>
+          <a:prstGeom prst="line">
+            <a:avLst/>
+          </a:prstGeom>
+          <a:ln w="15875">
+            <a:solidFill>
+              <a:schemeClr val="tx1"/>
+            </a:solidFill>
+          </a:ln>
+        </p:spPr>
+        <p:style>
+          <a:lnRef idx="1">
+            <a:schemeClr val="accent1"/>
+          </a:lnRef>
+          <a:fillRef idx="0">
+            <a:schemeClr val="accent1"/>
+          </a:fillRef>
+          <a:effectRef idx="0">
+            <a:schemeClr val="accent1"/>
+          </a:effectRef>
+          <a:fontRef idx="minor">
+            <a:schemeClr val="tx1"/>
+          </a:fontRef>
+        </p:style>
+      </p:cxnSp>
+      <p:sp>
+        <p:nvSpPr>
+          <p:cNvPr id="26" name="TextBox 25"/>
+          <p:cNvSpPr txBox="1"/>
+          <p:nvPr/>
+        </p:nvSpPr>
+        <p:spPr>
+          <a:xfrm>
+            <a:off x="3303047" y="6040708"/>
+            <a:ext cx="263214" cy="276999"/>
+          </a:xfrm>
+          <a:prstGeom prst="rect">
+            <a:avLst/>
+          </a:prstGeom>
+          <a:noFill/>
+        </p:spPr>
+        <p:txBody>
+          <a:bodyPr wrap="none" rtlCol="0">
+            <a:spAutoFit/>
+          </a:bodyPr>
+          <a:lstStyle/>
+          <a:p>
+            <a:r>
+              <a:rPr lang="en-US" sz="1200" dirty="0" smtClean="0"/>
+              <a:t>1</a:t>
+            </a:r>
+            <a:endParaRPr lang="en-US" sz="1200" dirty="0"/>
+          </a:p>
+        </p:txBody>
+      </p:sp>
+      <p:sp>
+        <p:nvSpPr>
+          <p:cNvPr id="28" name="TextBox 27"/>
+          <p:cNvSpPr txBox="1"/>
+          <p:nvPr/>
+        </p:nvSpPr>
+        <p:spPr>
+          <a:xfrm>
+            <a:off x="2823891" y="5659708"/>
+            <a:ext cx="263214" cy="276999"/>
+          </a:xfrm>
+          <a:prstGeom prst="rect">
+            <a:avLst/>
+          </a:prstGeom>
+          <a:noFill/>
+        </p:spPr>
+        <p:txBody>
+          <a:bodyPr wrap="none" rtlCol="0">
+            <a:spAutoFit/>
+          </a:bodyPr>
+          <a:lstStyle/>
+          <a:p>
+            <a:r>
+              <a:rPr lang="en-US" sz="1200" dirty="0" smtClean="0"/>
+              <a:t>2</a:t>
+            </a:r>
+            <a:endParaRPr lang="en-US" sz="1200" dirty="0"/>
+          </a:p>
+        </p:txBody>
+      </p:sp>
+      <p:sp>
+        <p:nvSpPr>
+          <p:cNvPr id="29" name="TextBox 28"/>
+          <p:cNvSpPr txBox="1"/>
+          <p:nvPr/>
+        </p:nvSpPr>
+        <p:spPr>
+          <a:xfrm>
+            <a:off x="2814366" y="5312432"/>
+            <a:ext cx="263214" cy="276999"/>
+          </a:xfrm>
+          <a:prstGeom prst="rect">
+            <a:avLst/>
+          </a:prstGeom>
+          <a:noFill/>
+        </p:spPr>
+        <p:txBody>
+          <a:bodyPr wrap="none" rtlCol="0">
+            <a:spAutoFit/>
+          </a:bodyPr>
+          <a:lstStyle/>
+          <a:p>
+            <a:r>
+              <a:rPr lang="en-US" sz="1200" dirty="0" smtClean="0"/>
+              <a:t>4</a:t>
+            </a:r>
+            <a:endParaRPr lang="en-US" sz="1200" dirty="0"/>
+          </a:p>
+        </p:txBody>
+      </p:sp>
+      <p:sp>
+        <p:nvSpPr>
+          <p:cNvPr id="30" name="TextBox 29"/>
+          <p:cNvSpPr txBox="1"/>
+          <p:nvPr/>
+        </p:nvSpPr>
+        <p:spPr>
+          <a:xfrm>
+            <a:off x="2823891" y="4973908"/>
+            <a:ext cx="263214" cy="276999"/>
+          </a:xfrm>
+          <a:prstGeom prst="rect">
+            <a:avLst/>
+          </a:prstGeom>
+          <a:noFill/>
+        </p:spPr>
+        <p:txBody>
+          <a:bodyPr wrap="none" rtlCol="0">
+            <a:spAutoFit/>
+          </a:bodyPr>
+          <a:lstStyle/>
+          <a:p>
+            <a:r>
+              <a:rPr lang="en-US" sz="1200" dirty="0" smtClean="0"/>
+              <a:t>6</a:t>
+            </a:r>
+            <a:endParaRPr lang="en-US" sz="1200" dirty="0"/>
+          </a:p>
+        </p:txBody>
+      </p:sp>
+      <p:sp>
+        <p:nvSpPr>
+          <p:cNvPr id="31" name="TextBox 30"/>
+          <p:cNvSpPr txBox="1"/>
+          <p:nvPr/>
+        </p:nvSpPr>
+        <p:spPr>
+          <a:xfrm>
+            <a:off x="2823891" y="4598057"/>
+            <a:ext cx="263214" cy="276999"/>
+          </a:xfrm>
+          <a:prstGeom prst="rect">
+            <a:avLst/>
+          </a:prstGeom>
+          <a:noFill/>
+        </p:spPr>
+        <p:txBody>
+          <a:bodyPr wrap="none" rtlCol="0">
+            <a:spAutoFit/>
+          </a:bodyPr>
+          <a:lstStyle/>
+          <a:p>
+            <a:r>
+              <a:rPr lang="en-US" sz="1200" dirty="0" smtClean="0"/>
+              <a:t>8</a:t>
+            </a:r>
+            <a:endParaRPr lang="en-US" sz="1200" dirty="0"/>
+          </a:p>
+        </p:txBody>
+      </p:sp>
+      <p:sp>
+        <p:nvSpPr>
+          <p:cNvPr id="32" name="TextBox 31"/>
+          <p:cNvSpPr txBox="1"/>
+          <p:nvPr/>
+        </p:nvSpPr>
+        <p:spPr>
+          <a:xfrm>
+            <a:off x="3720404" y="6040708"/>
+            <a:ext cx="263214" cy="276999"/>
+          </a:xfrm>
+          <a:prstGeom prst="rect">
+            <a:avLst/>
+          </a:prstGeom>
+          <a:noFill/>
+        </p:spPr>
+        <p:txBody>
+          <a:bodyPr wrap="none" rtlCol="0">
+            <a:spAutoFit/>
+          </a:bodyPr>
+          <a:lstStyle/>
+          <a:p>
+            <a:r>
+              <a:rPr lang="en-US" sz="1200" dirty="0" smtClean="0"/>
+              <a:t>2</a:t>
+            </a:r>
+            <a:endParaRPr lang="en-US" sz="1200" dirty="0"/>
+          </a:p>
+        </p:txBody>
+      </p:sp>
+      <p:sp>
+        <p:nvSpPr>
+          <p:cNvPr id="33" name="TextBox 32"/>
+          <p:cNvSpPr txBox="1"/>
+          <p:nvPr/>
+        </p:nvSpPr>
+        <p:spPr>
+          <a:xfrm>
+            <a:off x="4156337" y="6040707"/>
+            <a:ext cx="263214" cy="276999"/>
+          </a:xfrm>
+          <a:prstGeom prst="rect">
+            <a:avLst/>
+          </a:prstGeom>
+          <a:noFill/>
+        </p:spPr>
+        <p:txBody>
+          <a:bodyPr wrap="none" rtlCol="0">
+            <a:spAutoFit/>
+          </a:bodyPr>
+          <a:lstStyle/>
+          <a:p>
+            <a:r>
+              <a:rPr lang="en-US" sz="1200" dirty="0" smtClean="0"/>
+              <a:t>3</a:t>
+            </a:r>
+            <a:endParaRPr lang="en-US" sz="1200" dirty="0"/>
+          </a:p>
+        </p:txBody>
+      </p:sp>
+      <p:cxnSp>
+        <p:nvCxnSpPr>
+          <p:cNvPr id="34" name="Straight Connector 33"/>
+          <p:cNvCxnSpPr/>
+          <p:nvPr/>
+        </p:nvCxnSpPr>
+        <p:spPr>
+          <a:xfrm flipV="1">
+            <a:off x="3434654" y="5112407"/>
+            <a:ext cx="889501" cy="685802"/>
+          </a:xfrm>
+          <a:prstGeom prst="line">
+            <a:avLst/>
+          </a:prstGeom>
+          <a:ln>
+            <a:solidFill>
+              <a:schemeClr val="tx1"/>
+            </a:solidFill>
+          </a:ln>
+        </p:spPr>
+        <p:style>
+          <a:lnRef idx="1">
+            <a:schemeClr val="accent1"/>
+          </a:lnRef>
+          <a:fillRef idx="0">
+            <a:schemeClr val="accent1"/>
+          </a:fillRef>
+          <a:effectRef idx="0">
+            <a:schemeClr val="accent1"/>
+          </a:effectRef>
+          <a:fontRef idx="minor">
+            <a:schemeClr val="tx1"/>
+          </a:fontRef>
+        </p:style>
+      </p:cxnSp>
+      <p:sp>
+        <p:nvSpPr>
+          <p:cNvPr id="27" name="TextBox 26"/>
+          <p:cNvSpPr txBox="1"/>
+          <p:nvPr/>
+        </p:nvSpPr>
+        <p:spPr>
+          <a:xfrm>
+            <a:off x="3583762" y="6317707"/>
+            <a:ext cx="888128" cy="276999"/>
+          </a:xfrm>
+          <a:prstGeom prst="rect">
+            <a:avLst/>
+          </a:prstGeom>
+          <a:noFill/>
+        </p:spPr>
+        <p:txBody>
+          <a:bodyPr wrap="none" rtlCol="0">
+            <a:spAutoFit/>
+          </a:bodyPr>
+          <a:lstStyle/>
+          <a:p>
+            <a:r>
+              <a:rPr lang="en-US" sz="1200" b="1" dirty="0" smtClean="0"/>
+              <a:t>X Numbers</a:t>
+            </a:r>
+            <a:endParaRPr lang="en-US" sz="1200" b="1" dirty="0"/>
+          </a:p>
+        </p:txBody>
+      </p:sp>
+      <p:sp>
+        <p:nvSpPr>
+          <p:cNvPr id="35" name="TextBox 34"/>
+          <p:cNvSpPr txBox="1"/>
+          <p:nvPr/>
+        </p:nvSpPr>
+        <p:spPr>
+          <a:xfrm rot="16200000">
+            <a:off x="2297499" y="5128882"/>
+            <a:ext cx="888128" cy="276999"/>
+          </a:xfrm>
+          <a:prstGeom prst="rect">
+            <a:avLst/>
+          </a:prstGeom>
+          <a:noFill/>
+        </p:spPr>
+        <p:txBody>
+          <a:bodyPr wrap="none" rtlCol="0">
+            <a:spAutoFit/>
+          </a:bodyPr>
+          <a:lstStyle/>
+          <a:p>
+            <a:r>
+              <a:rPr lang="en-US" sz="1200" b="1" dirty="0" smtClean="0"/>
+              <a:t>Y Numbers</a:t>
+            </a:r>
+            <a:endParaRPr lang="en-US" sz="1200" b="1" dirty="0"/>
+          </a:p>
+        </p:txBody>
+      </p:sp>
+      <p:sp>
+        <p:nvSpPr>
+          <p:cNvPr id="37" name="TextBox 36"/>
+          <p:cNvSpPr txBox="1"/>
+          <p:nvPr/>
+        </p:nvSpPr>
+        <p:spPr>
+          <a:xfrm>
+            <a:off x="3545993" y="4340086"/>
+            <a:ext cx="1362874" cy="276999"/>
+          </a:xfrm>
+          <a:prstGeom prst="rect">
+            <a:avLst/>
+          </a:prstGeom>
+          <a:noFill/>
+        </p:spPr>
+        <p:txBody>
+          <a:bodyPr wrap="none" rtlCol="0">
+            <a:spAutoFit/>
+          </a:bodyPr>
+          <a:lstStyle/>
+          <a:p>
+            <a:r>
+              <a:rPr lang="en-US" sz="1200" b="1" dirty="0" smtClean="0"/>
+              <a:t>My Plot of X and Y</a:t>
+            </a:r>
+            <a:endParaRPr lang="en-US" sz="1200" b="1" dirty="0"/>
+          </a:p>
+        </p:txBody>
+      </p:sp>
+      <p:cxnSp>
+        <p:nvCxnSpPr>
+          <p:cNvPr id="21" name="Straight Connector 20"/>
+          <p:cNvCxnSpPr/>
+          <p:nvPr/>
+        </p:nvCxnSpPr>
+        <p:spPr>
+          <a:xfrm flipV="1">
+            <a:off x="3434654" y="4736556"/>
+            <a:ext cx="889501" cy="633917"/>
+          </a:xfrm>
+          <a:prstGeom prst="line">
+            <a:avLst/>
+          </a:prstGeom>
+          <a:ln>
+            <a:solidFill>
+              <a:schemeClr val="accent6">
+                <a:lumMod val="75000"/>
+              </a:schemeClr>
+            </a:solidFill>
+          </a:ln>
+        </p:spPr>
+        <p:style>
+          <a:lnRef idx="1">
+            <a:schemeClr val="accent1"/>
+          </a:lnRef>
+          <a:fillRef idx="0">
+            <a:schemeClr val="accent1"/>
+          </a:fillRef>
+          <a:effectRef idx="0">
+            <a:schemeClr val="accent1"/>
+          </a:effectRef>
+          <a:fontRef idx="minor">
+            <a:schemeClr val="tx1"/>
+          </a:fontRef>
+        </p:style>
+      </p:cxnSp>
+      <p:sp>
+        <p:nvSpPr>
+          <p:cNvPr id="9" name="TextBox 8"/>
+          <p:cNvSpPr txBox="1"/>
+          <p:nvPr/>
+        </p:nvSpPr>
+        <p:spPr>
+          <a:xfrm>
+            <a:off x="4572000" y="4615341"/>
+            <a:ext cx="885179" cy="461665"/>
+          </a:xfrm>
+          <a:prstGeom prst="rect">
+            <a:avLst/>
+          </a:prstGeom>
+          <a:noFill/>
+          <a:ln>
+            <a:solidFill>
+              <a:schemeClr val="tx1"/>
+            </a:solidFill>
+          </a:ln>
+        </p:spPr>
+        <p:txBody>
+          <a:bodyPr wrap="none" rtlCol="0">
+            <a:spAutoFit/>
+          </a:bodyPr>
+          <a:lstStyle/>
+          <a:p>
+            <a:r>
+              <a:rPr lang="en-US" sz="1200" dirty="0" smtClean="0">
+                <a:solidFill>
+                  <a:schemeClr val="accent6">
+                    <a:lumMod val="75000"/>
+                  </a:schemeClr>
+                </a:solidFill>
+              </a:rPr>
+              <a:t>----</a:t>
+            </a:r>
+            <a:r>
+              <a:rPr lang="en-US" sz="1200" dirty="0" smtClean="0"/>
+              <a:t> 1</a:t>
+            </a:r>
+            <a:r>
+              <a:rPr lang="en-US" sz="1200" baseline="30000" dirty="0" smtClean="0"/>
+              <a:t>st</a:t>
+            </a:r>
+            <a:r>
+              <a:rPr lang="en-US" sz="1200" dirty="0" smtClean="0"/>
+              <a:t> Line</a:t>
+            </a:r>
+          </a:p>
+          <a:p>
+            <a:r>
+              <a:rPr lang="en-US" sz="1200" dirty="0" smtClean="0"/>
+              <a:t>---- 2</a:t>
+            </a:r>
+            <a:r>
+              <a:rPr lang="en-US" sz="1200" baseline="30000" dirty="0" smtClean="0"/>
+              <a:t>nd</a:t>
+            </a:r>
+            <a:r>
+              <a:rPr lang="en-US" sz="1200" dirty="0" smtClean="0"/>
+              <a:t> Line</a:t>
+            </a:r>
+            <a:endParaRPr lang="en-US" sz="1200" dirty="0"/>
+          </a:p>
+        </p:txBody>
+      </p:sp>
+    </p:spTree>
+    <p:extLst>
+      <p:ext uri="{BB962C8B-B14F-4D97-AF65-F5344CB8AC3E}">
+        <p14:creationId xmlns:p14="http://schemas.microsoft.com/office/powerpoint/2010/main" val="1891705954"/>
       </p:ext>
     </p:extLst>
   </p:cSld>
@@ -12207,6 +12539,862 @@
     <p:extLst>
       <p:ext uri="{BB962C8B-B14F-4D97-AF65-F5344CB8AC3E}">
         <p14:creationId xmlns:p14="http://schemas.microsoft.com/office/powerpoint/2010/main" val="3605481247"/>
+      </p:ext>
+    </p:extLst>
+  </p:cSld>
+  <p:clrMapOvr>
+    <a:masterClrMapping/>
+  </p:clrMapOvr>
+  <p:timing>
+    <p:tnLst>
+      <p:par>
+        <p:cTn id="1" dur="indefinite" restart="never" nodeType="tmRoot"/>
+      </p:par>
+    </p:tnLst>
+  </p:timing>
+</p:sld>
+</file>
+
+<file path=ppt/slides/slide20.xml><?xml version="1.0" encoding="utf-8"?>
+<p:sld xmlns:a="http://schemas.openxmlformats.org/drawingml/2006/main" xmlns:r="http://schemas.openxmlformats.org/officeDocument/2006/relationships" xmlns:p="http://schemas.openxmlformats.org/presentationml/2006/main">
+  <p:cSld>
+    <p:spTree>
+      <p:nvGrpSpPr>
+        <p:cNvPr id="1" name=""/>
+        <p:cNvGrpSpPr/>
+        <p:nvPr/>
+      </p:nvGrpSpPr>
+      <p:grpSpPr>
+        <a:xfrm>
+          <a:off x="0" y="0"/>
+          <a:ext cx="0" cy="0"/>
+          <a:chOff x="0" y="0"/>
+          <a:chExt cx="0" cy="0"/>
+        </a:xfrm>
+      </p:grpSpPr>
+      <p:sp>
+        <p:nvSpPr>
+          <p:cNvPr id="2" name="Title 1"/>
+          <p:cNvSpPr>
+            <a:spLocks noGrp="1"/>
+          </p:cNvSpPr>
+          <p:nvPr>
+            <p:ph type="title"/>
+          </p:nvPr>
+        </p:nvSpPr>
+        <p:spPr>
+          <a:xfrm>
+            <a:off x="457200" y="274638"/>
+            <a:ext cx="8305800" cy="792162"/>
+          </a:xfrm>
+        </p:spPr>
+        <p:txBody>
+          <a:bodyPr>
+            <a:normAutofit/>
+          </a:bodyPr>
+          <a:lstStyle/>
+          <a:p>
+            <a:pPr algn="l"/>
+            <a:r>
+              <a:rPr lang="en-US" dirty="0" err="1" smtClean="0">
+                <a:solidFill>
+                  <a:schemeClr val="accent1">
+                    <a:lumMod val="75000"/>
+                  </a:schemeClr>
+                </a:solidFill>
+              </a:rPr>
+              <a:t>Matplotlib</a:t>
+            </a:r>
+            <a:r>
+              <a:rPr lang="en-US" dirty="0" smtClean="0">
+                <a:solidFill>
+                  <a:schemeClr val="accent1">
+                    <a:lumMod val="75000"/>
+                  </a:schemeClr>
+                </a:solidFill>
+              </a:rPr>
+              <a:t> – Bar Chart</a:t>
+            </a:r>
+            <a:endParaRPr lang="en-US" dirty="0">
+              <a:solidFill>
+                <a:schemeClr val="accent1">
+                  <a:lumMod val="75000"/>
+                </a:schemeClr>
+              </a:solidFill>
+            </a:endParaRPr>
+          </a:p>
+        </p:txBody>
+      </p:sp>
+      <p:cxnSp>
+        <p:nvCxnSpPr>
+          <p:cNvPr id="5" name="Straight Connector 4"/>
+          <p:cNvCxnSpPr/>
+          <p:nvPr/>
+        </p:nvCxnSpPr>
+        <p:spPr>
+          <a:xfrm>
+            <a:off x="0" y="990600"/>
+            <a:ext cx="9144000" cy="0"/>
+          </a:xfrm>
+          <a:prstGeom prst="line">
+            <a:avLst/>
+          </a:prstGeom>
+          <a:ln w="19050"/>
+        </p:spPr>
+        <p:style>
+          <a:lnRef idx="1">
+            <a:schemeClr val="accent1"/>
+          </a:lnRef>
+          <a:fillRef idx="0">
+            <a:schemeClr val="accent1"/>
+          </a:fillRef>
+          <a:effectRef idx="0">
+            <a:schemeClr val="accent1"/>
+          </a:effectRef>
+          <a:fontRef idx="minor">
+            <a:schemeClr val="tx1"/>
+          </a:fontRef>
+        </p:style>
+      </p:cxnSp>
+      <p:sp>
+        <p:nvSpPr>
+          <p:cNvPr id="36" name="TextBox 35"/>
+          <p:cNvSpPr txBox="1"/>
+          <p:nvPr/>
+        </p:nvSpPr>
+        <p:spPr>
+          <a:xfrm>
+            <a:off x="152400" y="1164134"/>
+            <a:ext cx="4882747" cy="461665"/>
+          </a:xfrm>
+          <a:prstGeom prst="rect">
+            <a:avLst/>
+          </a:prstGeom>
+          <a:noFill/>
+        </p:spPr>
+        <p:txBody>
+          <a:bodyPr wrap="none" rtlCol="0">
+            <a:spAutoFit/>
+          </a:bodyPr>
+          <a:lstStyle/>
+          <a:p>
+            <a:pPr marL="285750" indent="-285750">
+              <a:buFont typeface="Arial" panose="020B0604020202020204" pitchFamily="34" charset="0"/>
+              <a:buChar char="•"/>
+            </a:pPr>
+            <a:r>
+              <a:rPr lang="en-US" sz="2400" b="1" dirty="0">
+                <a:solidFill>
+                  <a:schemeClr val="accent5">
+                    <a:lumMod val="75000"/>
+                  </a:schemeClr>
+                </a:solidFill>
+              </a:rPr>
+              <a:t>The function </a:t>
+            </a:r>
+            <a:r>
+              <a:rPr lang="en-US" sz="2400" b="1" dirty="0" smtClean="0">
+                <a:solidFill>
+                  <a:schemeClr val="accent6">
+                    <a:lumMod val="75000"/>
+                  </a:schemeClr>
+                </a:solidFill>
+              </a:rPr>
+              <a:t>bar</a:t>
+            </a:r>
+            <a:r>
+              <a:rPr lang="en-US" sz="2400" b="1" dirty="0" smtClean="0">
+                <a:solidFill>
+                  <a:schemeClr val="accent5">
+                    <a:lumMod val="75000"/>
+                  </a:schemeClr>
+                </a:solidFill>
+              </a:rPr>
+              <a:t> </a:t>
+            </a:r>
+            <a:r>
+              <a:rPr lang="en-US" sz="2400" b="1" dirty="0">
+                <a:solidFill>
+                  <a:schemeClr val="accent5">
+                    <a:lumMod val="75000"/>
+                  </a:schemeClr>
+                </a:solidFill>
+              </a:rPr>
+              <a:t>plots a </a:t>
+            </a:r>
+            <a:r>
+              <a:rPr lang="en-US" sz="2400" b="1" dirty="0" smtClean="0">
+                <a:solidFill>
+                  <a:schemeClr val="accent5">
+                    <a:lumMod val="75000"/>
+                  </a:schemeClr>
+                </a:solidFill>
+              </a:rPr>
+              <a:t>bar </a:t>
+            </a:r>
+            <a:r>
+              <a:rPr lang="en-US" sz="2400" b="1" dirty="0">
+                <a:solidFill>
+                  <a:schemeClr val="accent5">
+                    <a:lumMod val="75000"/>
+                  </a:schemeClr>
+                </a:solidFill>
+              </a:rPr>
+              <a:t>graph.</a:t>
+            </a:r>
+          </a:p>
+        </p:txBody>
+      </p:sp>
+      <p:sp>
+        <p:nvSpPr>
+          <p:cNvPr id="18" name="TextBox 17"/>
+          <p:cNvSpPr txBox="1"/>
+          <p:nvPr/>
+        </p:nvSpPr>
+        <p:spPr>
+          <a:xfrm>
+            <a:off x="485033" y="1752600"/>
+            <a:ext cx="7624203" cy="1138773"/>
+          </a:xfrm>
+          <a:prstGeom prst="rect">
+            <a:avLst/>
+          </a:prstGeom>
+          <a:noFill/>
+        </p:spPr>
+        <p:txBody>
+          <a:bodyPr wrap="none" rtlCol="0">
+            <a:spAutoFit/>
+          </a:bodyPr>
+          <a:lstStyle/>
+          <a:p>
+            <a:pPr marL="285750" indent="-285750">
+              <a:buFont typeface="Arial" panose="020B0604020202020204" pitchFamily="34" charset="0"/>
+              <a:buChar char="•"/>
+            </a:pPr>
+            <a:endParaRPr lang="en-US" sz="1400" b="1" dirty="0">
+              <a:solidFill>
+                <a:schemeClr val="accent5">
+                  <a:lumMod val="75000"/>
+                </a:schemeClr>
+              </a:solidFill>
+            </a:endParaRPr>
+          </a:p>
+          <a:p>
+            <a:r>
+              <a:rPr lang="en-US" sz="1400" b="1" dirty="0" smtClean="0">
+                <a:solidFill>
+                  <a:schemeClr val="accent5">
+                    <a:lumMod val="75000"/>
+                  </a:schemeClr>
+                </a:solidFill>
+              </a:rPr>
+              <a:t>		</a:t>
+            </a:r>
+            <a:r>
+              <a:rPr lang="en-US" dirty="0" err="1" smtClean="0"/>
+              <a:t>plt.plot</a:t>
+            </a:r>
+            <a:r>
+              <a:rPr lang="en-US" dirty="0" smtClean="0"/>
+              <a:t>( [ 1, 2, 3 ], [ 4, 6, 8 ] )	</a:t>
+            </a:r>
+            <a:r>
+              <a:rPr lang="en-US" dirty="0" smtClean="0">
+                <a:solidFill>
+                  <a:srgbClr val="00B050"/>
+                </a:solidFill>
+              </a:rPr>
+              <a:t># Plot for 1</a:t>
+            </a:r>
+            <a:r>
+              <a:rPr lang="en-US" baseline="30000" dirty="0" smtClean="0">
+                <a:solidFill>
+                  <a:srgbClr val="00B050"/>
+                </a:solidFill>
+              </a:rPr>
+              <a:t>st</a:t>
+            </a:r>
+            <a:r>
+              <a:rPr lang="en-US" dirty="0" smtClean="0">
+                <a:solidFill>
+                  <a:srgbClr val="00B050"/>
+                </a:solidFill>
+              </a:rPr>
+              <a:t> Line</a:t>
+            </a:r>
+            <a:r>
+              <a:rPr lang="en-US" dirty="0" smtClean="0"/>
+              <a:t>		</a:t>
+            </a:r>
+            <a:endParaRPr lang="en-US" dirty="0" smtClean="0">
+              <a:solidFill>
+                <a:srgbClr val="00B050"/>
+              </a:solidFill>
+            </a:endParaRPr>
+          </a:p>
+          <a:p>
+            <a:r>
+              <a:rPr lang="en-US" dirty="0"/>
+              <a:t>	</a:t>
+            </a:r>
+            <a:r>
+              <a:rPr lang="en-US" dirty="0" smtClean="0"/>
+              <a:t>	</a:t>
+            </a:r>
+            <a:r>
+              <a:rPr lang="en-US" dirty="0" err="1" smtClean="0"/>
+              <a:t>plt.bar</a:t>
+            </a:r>
+            <a:r>
+              <a:rPr lang="en-US" dirty="0" smtClean="0"/>
+              <a:t>()			</a:t>
+            </a:r>
+            <a:r>
+              <a:rPr lang="en-US" dirty="0" smtClean="0">
+                <a:solidFill>
+                  <a:srgbClr val="00B050"/>
+                </a:solidFill>
+              </a:rPr>
+              <a:t># Draw a bar chart</a:t>
+            </a:r>
+            <a:r>
+              <a:rPr lang="en-US" dirty="0" smtClean="0"/>
+              <a:t>	</a:t>
+            </a:r>
+            <a:r>
+              <a:rPr lang="en-US" dirty="0" smtClean="0">
+                <a:solidFill>
+                  <a:srgbClr val="00B050"/>
+                </a:solidFill>
+              </a:rPr>
+              <a:t> </a:t>
+            </a:r>
+          </a:p>
+          <a:p>
+            <a:r>
+              <a:rPr lang="en-US" dirty="0"/>
+              <a:t>	</a:t>
+            </a:r>
+            <a:r>
+              <a:rPr lang="en-US" dirty="0" smtClean="0"/>
+              <a:t>	</a:t>
+            </a:r>
+            <a:r>
+              <a:rPr lang="en-US" dirty="0" err="1" smtClean="0"/>
+              <a:t>plt.show</a:t>
+            </a:r>
+            <a:r>
+              <a:rPr lang="en-US" dirty="0" smtClean="0"/>
+              <a:t>()</a:t>
+            </a:r>
+            <a:endParaRPr lang="en-US" dirty="0"/>
+          </a:p>
+        </p:txBody>
+      </p:sp>
+      <p:sp>
+        <p:nvSpPr>
+          <p:cNvPr id="20" name="TextBox 19"/>
+          <p:cNvSpPr txBox="1"/>
+          <p:nvPr/>
+        </p:nvSpPr>
+        <p:spPr>
+          <a:xfrm>
+            <a:off x="4214189" y="3651983"/>
+            <a:ext cx="219932" cy="276999"/>
+          </a:xfrm>
+          <a:prstGeom prst="rect">
+            <a:avLst/>
+          </a:prstGeom>
+          <a:noFill/>
+        </p:spPr>
+        <p:txBody>
+          <a:bodyPr wrap="none" rtlCol="0">
+            <a:spAutoFit/>
+          </a:bodyPr>
+          <a:lstStyle/>
+          <a:p>
+            <a:r>
+              <a:rPr lang="en-US" sz="1200" dirty="0" smtClean="0">
+                <a:solidFill>
+                  <a:srgbClr val="00B050"/>
+                </a:solidFill>
+              </a:rPr>
+              <a:t> </a:t>
+            </a:r>
+            <a:endParaRPr lang="en-US" sz="1200" dirty="0">
+              <a:solidFill>
+                <a:srgbClr val="00B050"/>
+              </a:solidFill>
+            </a:endParaRPr>
+          </a:p>
+        </p:txBody>
+      </p:sp>
+      <p:cxnSp>
+        <p:nvCxnSpPr>
+          <p:cNvPr id="23" name="Straight Connector 22"/>
+          <p:cNvCxnSpPr/>
+          <p:nvPr/>
+        </p:nvCxnSpPr>
+        <p:spPr>
+          <a:xfrm>
+            <a:off x="2590474" y="3776389"/>
+            <a:ext cx="0" cy="1447800"/>
+          </a:xfrm>
+          <a:prstGeom prst="line">
+            <a:avLst/>
+          </a:prstGeom>
+          <a:ln w="15875">
+            <a:solidFill>
+              <a:schemeClr val="tx1"/>
+            </a:solidFill>
+          </a:ln>
+        </p:spPr>
+        <p:style>
+          <a:lnRef idx="1">
+            <a:schemeClr val="accent1"/>
+          </a:lnRef>
+          <a:fillRef idx="0">
+            <a:schemeClr val="accent1"/>
+          </a:fillRef>
+          <a:effectRef idx="0">
+            <a:schemeClr val="accent1"/>
+          </a:effectRef>
+          <a:fontRef idx="minor">
+            <a:schemeClr val="tx1"/>
+          </a:fontRef>
+        </p:style>
+      </p:cxnSp>
+      <p:cxnSp>
+        <p:nvCxnSpPr>
+          <p:cNvPr id="25" name="Straight Connector 24"/>
+          <p:cNvCxnSpPr/>
+          <p:nvPr/>
+        </p:nvCxnSpPr>
+        <p:spPr>
+          <a:xfrm>
+            <a:off x="2590474" y="5224189"/>
+            <a:ext cx="2001211" cy="0"/>
+          </a:xfrm>
+          <a:prstGeom prst="line">
+            <a:avLst/>
+          </a:prstGeom>
+          <a:ln w="15875">
+            <a:solidFill>
+              <a:schemeClr val="tx1"/>
+            </a:solidFill>
+          </a:ln>
+        </p:spPr>
+        <p:style>
+          <a:lnRef idx="1">
+            <a:schemeClr val="accent1"/>
+          </a:lnRef>
+          <a:fillRef idx="0">
+            <a:schemeClr val="accent1"/>
+          </a:fillRef>
+          <a:effectRef idx="0">
+            <a:schemeClr val="accent1"/>
+          </a:effectRef>
+          <a:fontRef idx="minor">
+            <a:schemeClr val="tx1"/>
+          </a:fontRef>
+        </p:style>
+      </p:cxnSp>
+      <p:sp>
+        <p:nvSpPr>
+          <p:cNvPr id="26" name="TextBox 25"/>
+          <p:cNvSpPr txBox="1"/>
+          <p:nvPr/>
+        </p:nvSpPr>
+        <p:spPr>
+          <a:xfrm>
+            <a:off x="2793662" y="5224189"/>
+            <a:ext cx="263214" cy="276999"/>
+          </a:xfrm>
+          <a:prstGeom prst="rect">
+            <a:avLst/>
+          </a:prstGeom>
+          <a:noFill/>
+        </p:spPr>
+        <p:txBody>
+          <a:bodyPr wrap="none" rtlCol="0">
+            <a:spAutoFit/>
+          </a:bodyPr>
+          <a:lstStyle/>
+          <a:p>
+            <a:r>
+              <a:rPr lang="en-US" sz="1200" dirty="0" smtClean="0"/>
+              <a:t>1</a:t>
+            </a:r>
+            <a:endParaRPr lang="en-US" sz="1200" dirty="0"/>
+          </a:p>
+        </p:txBody>
+      </p:sp>
+      <p:sp>
+        <p:nvSpPr>
+          <p:cNvPr id="28" name="TextBox 27"/>
+          <p:cNvSpPr txBox="1"/>
+          <p:nvPr/>
+        </p:nvSpPr>
+        <p:spPr>
+          <a:xfrm>
+            <a:off x="2314506" y="4843189"/>
+            <a:ext cx="263214" cy="276999"/>
+          </a:xfrm>
+          <a:prstGeom prst="rect">
+            <a:avLst/>
+          </a:prstGeom>
+          <a:noFill/>
+        </p:spPr>
+        <p:txBody>
+          <a:bodyPr wrap="none" rtlCol="0">
+            <a:spAutoFit/>
+          </a:bodyPr>
+          <a:lstStyle/>
+          <a:p>
+            <a:r>
+              <a:rPr lang="en-US" sz="1200" dirty="0" smtClean="0"/>
+              <a:t>2</a:t>
+            </a:r>
+            <a:endParaRPr lang="en-US" sz="1200" dirty="0"/>
+          </a:p>
+        </p:txBody>
+      </p:sp>
+      <p:sp>
+        <p:nvSpPr>
+          <p:cNvPr id="29" name="TextBox 28"/>
+          <p:cNvSpPr txBox="1"/>
+          <p:nvPr/>
+        </p:nvSpPr>
+        <p:spPr>
+          <a:xfrm>
+            <a:off x="2304981" y="4495913"/>
+            <a:ext cx="263214" cy="276999"/>
+          </a:xfrm>
+          <a:prstGeom prst="rect">
+            <a:avLst/>
+          </a:prstGeom>
+          <a:noFill/>
+        </p:spPr>
+        <p:txBody>
+          <a:bodyPr wrap="none" rtlCol="0">
+            <a:spAutoFit/>
+          </a:bodyPr>
+          <a:lstStyle/>
+          <a:p>
+            <a:r>
+              <a:rPr lang="en-US" sz="1200" dirty="0" smtClean="0"/>
+              <a:t>4</a:t>
+            </a:r>
+            <a:endParaRPr lang="en-US" sz="1200" dirty="0"/>
+          </a:p>
+        </p:txBody>
+      </p:sp>
+      <p:sp>
+        <p:nvSpPr>
+          <p:cNvPr id="30" name="TextBox 29"/>
+          <p:cNvSpPr txBox="1"/>
+          <p:nvPr/>
+        </p:nvSpPr>
+        <p:spPr>
+          <a:xfrm>
+            <a:off x="2314506" y="4157389"/>
+            <a:ext cx="263214" cy="276999"/>
+          </a:xfrm>
+          <a:prstGeom prst="rect">
+            <a:avLst/>
+          </a:prstGeom>
+          <a:noFill/>
+        </p:spPr>
+        <p:txBody>
+          <a:bodyPr wrap="none" rtlCol="0">
+            <a:spAutoFit/>
+          </a:bodyPr>
+          <a:lstStyle/>
+          <a:p>
+            <a:r>
+              <a:rPr lang="en-US" sz="1200" dirty="0" smtClean="0"/>
+              <a:t>6</a:t>
+            </a:r>
+            <a:endParaRPr lang="en-US" sz="1200" dirty="0"/>
+          </a:p>
+        </p:txBody>
+      </p:sp>
+      <p:sp>
+        <p:nvSpPr>
+          <p:cNvPr id="31" name="TextBox 30"/>
+          <p:cNvSpPr txBox="1"/>
+          <p:nvPr/>
+        </p:nvSpPr>
+        <p:spPr>
+          <a:xfrm>
+            <a:off x="2314506" y="3781538"/>
+            <a:ext cx="263214" cy="276999"/>
+          </a:xfrm>
+          <a:prstGeom prst="rect">
+            <a:avLst/>
+          </a:prstGeom>
+          <a:noFill/>
+        </p:spPr>
+        <p:txBody>
+          <a:bodyPr wrap="none" rtlCol="0">
+            <a:spAutoFit/>
+          </a:bodyPr>
+          <a:lstStyle/>
+          <a:p>
+            <a:r>
+              <a:rPr lang="en-US" sz="1200" dirty="0" smtClean="0"/>
+              <a:t>8</a:t>
+            </a:r>
+            <a:endParaRPr lang="en-US" sz="1200" dirty="0"/>
+          </a:p>
+        </p:txBody>
+      </p:sp>
+      <p:sp>
+        <p:nvSpPr>
+          <p:cNvPr id="32" name="TextBox 31"/>
+          <p:cNvSpPr txBox="1"/>
+          <p:nvPr/>
+        </p:nvSpPr>
+        <p:spPr>
+          <a:xfrm>
+            <a:off x="3211019" y="5224189"/>
+            <a:ext cx="263214" cy="276999"/>
+          </a:xfrm>
+          <a:prstGeom prst="rect">
+            <a:avLst/>
+          </a:prstGeom>
+          <a:noFill/>
+        </p:spPr>
+        <p:txBody>
+          <a:bodyPr wrap="none" rtlCol="0">
+            <a:spAutoFit/>
+          </a:bodyPr>
+          <a:lstStyle/>
+          <a:p>
+            <a:r>
+              <a:rPr lang="en-US" sz="1200" dirty="0" smtClean="0"/>
+              <a:t>2</a:t>
+            </a:r>
+            <a:endParaRPr lang="en-US" sz="1200" dirty="0"/>
+          </a:p>
+        </p:txBody>
+      </p:sp>
+      <p:sp>
+        <p:nvSpPr>
+          <p:cNvPr id="33" name="TextBox 32"/>
+          <p:cNvSpPr txBox="1"/>
+          <p:nvPr/>
+        </p:nvSpPr>
+        <p:spPr>
+          <a:xfrm>
+            <a:off x="3646952" y="5224188"/>
+            <a:ext cx="263214" cy="276999"/>
+          </a:xfrm>
+          <a:prstGeom prst="rect">
+            <a:avLst/>
+          </a:prstGeom>
+          <a:noFill/>
+        </p:spPr>
+        <p:txBody>
+          <a:bodyPr wrap="none" rtlCol="0">
+            <a:spAutoFit/>
+          </a:bodyPr>
+          <a:lstStyle/>
+          <a:p>
+            <a:r>
+              <a:rPr lang="en-US" sz="1200" dirty="0" smtClean="0"/>
+              <a:t>3</a:t>
+            </a:r>
+            <a:endParaRPr lang="en-US" sz="1200" dirty="0"/>
+          </a:p>
+        </p:txBody>
+      </p:sp>
+      <p:sp>
+        <p:nvSpPr>
+          <p:cNvPr id="3" name="Rectangle 2"/>
+          <p:cNvSpPr/>
+          <p:nvPr/>
+        </p:nvSpPr>
+        <p:spPr>
+          <a:xfrm>
+            <a:off x="2857945" y="4596650"/>
+            <a:ext cx="198931" cy="589776"/>
+          </a:xfrm>
+          <a:prstGeom prst="rect">
+            <a:avLst/>
+          </a:prstGeom>
+        </p:spPr>
+        <p:style>
+          <a:lnRef idx="2">
+            <a:schemeClr val="accent1">
+              <a:shade val="50000"/>
+            </a:schemeClr>
+          </a:lnRef>
+          <a:fillRef idx="1">
+            <a:schemeClr val="accent1"/>
+          </a:fillRef>
+          <a:effectRef idx="0">
+            <a:schemeClr val="accent1"/>
+          </a:effectRef>
+          <a:fontRef idx="minor">
+            <a:schemeClr val="lt1"/>
+          </a:fontRef>
+        </p:style>
+        <p:txBody>
+          <a:bodyPr rtlCol="0" anchor="ctr"/>
+          <a:lstStyle/>
+          <a:p>
+            <a:pPr algn="ctr"/>
+            <a:endParaRPr lang="en-US"/>
+          </a:p>
+        </p:txBody>
+      </p:sp>
+      <p:sp>
+        <p:nvSpPr>
+          <p:cNvPr id="24" name="Rectangle 23"/>
+          <p:cNvSpPr/>
+          <p:nvPr/>
+        </p:nvSpPr>
+        <p:spPr>
+          <a:xfrm>
+            <a:off x="3276822" y="4295888"/>
+            <a:ext cx="197411" cy="904600"/>
+          </a:xfrm>
+          <a:prstGeom prst="rect">
+            <a:avLst/>
+          </a:prstGeom>
+        </p:spPr>
+        <p:style>
+          <a:lnRef idx="2">
+            <a:schemeClr val="accent1">
+              <a:shade val="50000"/>
+            </a:schemeClr>
+          </a:lnRef>
+          <a:fillRef idx="1">
+            <a:schemeClr val="accent1"/>
+          </a:fillRef>
+          <a:effectRef idx="0">
+            <a:schemeClr val="accent1"/>
+          </a:effectRef>
+          <a:fontRef idx="minor">
+            <a:schemeClr val="lt1"/>
+          </a:fontRef>
+        </p:style>
+        <p:txBody>
+          <a:bodyPr rtlCol="0" anchor="ctr"/>
+          <a:lstStyle/>
+          <a:p>
+            <a:pPr algn="ctr"/>
+            <a:endParaRPr lang="en-US"/>
+          </a:p>
+        </p:txBody>
+      </p:sp>
+      <p:sp>
+        <p:nvSpPr>
+          <p:cNvPr id="38" name="Rectangle 37"/>
+          <p:cNvSpPr/>
+          <p:nvPr/>
+        </p:nvSpPr>
+        <p:spPr>
+          <a:xfrm>
+            <a:off x="3712755" y="3928982"/>
+            <a:ext cx="197411" cy="1257444"/>
+          </a:xfrm>
+          <a:prstGeom prst="rect">
+            <a:avLst/>
+          </a:prstGeom>
+        </p:spPr>
+        <p:style>
+          <a:lnRef idx="2">
+            <a:schemeClr val="accent1">
+              <a:shade val="50000"/>
+            </a:schemeClr>
+          </a:lnRef>
+          <a:fillRef idx="1">
+            <a:schemeClr val="accent1"/>
+          </a:fillRef>
+          <a:effectRef idx="0">
+            <a:schemeClr val="accent1"/>
+          </a:effectRef>
+          <a:fontRef idx="minor">
+            <a:schemeClr val="lt1"/>
+          </a:fontRef>
+        </p:style>
+        <p:txBody>
+          <a:bodyPr rtlCol="0" anchor="ctr"/>
+          <a:lstStyle/>
+          <a:p>
+            <a:pPr algn="ctr"/>
+            <a:endParaRPr lang="en-US"/>
+          </a:p>
+        </p:txBody>
+      </p:sp>
+      <p:sp>
+        <p:nvSpPr>
+          <p:cNvPr id="39" name="TextBox 38"/>
+          <p:cNvSpPr txBox="1"/>
+          <p:nvPr/>
+        </p:nvSpPr>
+        <p:spPr>
+          <a:xfrm>
+            <a:off x="862467" y="5943600"/>
+            <a:ext cx="5450082" cy="461665"/>
+          </a:xfrm>
+          <a:prstGeom prst="rect">
+            <a:avLst/>
+          </a:prstGeom>
+          <a:noFill/>
+        </p:spPr>
+        <p:txBody>
+          <a:bodyPr wrap="none" rtlCol="0">
+            <a:spAutoFit/>
+          </a:bodyPr>
+          <a:lstStyle/>
+          <a:p>
+            <a:r>
+              <a:rPr lang="en-US" sz="2400" b="1" i="1" dirty="0" smtClean="0">
+                <a:solidFill>
+                  <a:schemeClr val="accent5">
+                    <a:lumMod val="75000"/>
+                  </a:schemeClr>
+                </a:solidFill>
+              </a:rPr>
+              <a:t>And many more functions: </a:t>
+            </a:r>
+            <a:r>
+              <a:rPr lang="en-US" sz="2400" b="1" i="1" dirty="0" err="1" smtClean="0">
+                <a:solidFill>
+                  <a:schemeClr val="accent5">
+                    <a:lumMod val="75000"/>
+                  </a:schemeClr>
+                </a:solidFill>
+              </a:rPr>
+              <a:t>hist</a:t>
+            </a:r>
+            <a:r>
+              <a:rPr lang="en-US" sz="2400" b="1" i="1" smtClean="0">
+                <a:solidFill>
+                  <a:schemeClr val="accent5">
+                    <a:lumMod val="75000"/>
+                  </a:schemeClr>
+                </a:solidFill>
+              </a:rPr>
+              <a:t>, scatter, …</a:t>
+            </a:r>
+            <a:endParaRPr lang="en-US" sz="2400" b="1" i="1" dirty="0" smtClean="0">
+              <a:solidFill>
+                <a:schemeClr val="accent5">
+                  <a:lumMod val="75000"/>
+                </a:schemeClr>
+              </a:solidFill>
+            </a:endParaRPr>
+          </a:p>
+        </p:txBody>
+      </p:sp>
+    </p:spTree>
+    <p:extLst>
+      <p:ext uri="{BB962C8B-B14F-4D97-AF65-F5344CB8AC3E}">
+        <p14:creationId xmlns:p14="http://schemas.microsoft.com/office/powerpoint/2010/main" val="761211871"/>
       </p:ext>
     </p:extLst>
   </p:cSld>
@@ -15740,15 +16928,7 @@
                   <a:srgbClr val="00B050"/>
                 </a:solidFill>
               </a:rPr>
-              <a:t>Upper bound </a:t>
-            </a:r>
-            <a:r>
-              <a:rPr lang="en-US" sz="1200" dirty="0" smtClean="0">
-                <a:solidFill>
-                  <a:srgbClr val="00B050"/>
-                </a:solidFill>
-              </a:rPr>
-              <a:t>(</a:t>
+              <a:t>Upper bound (</a:t>
             </a:r>
             <a:r>
               <a:rPr lang="en-US" sz="1200" dirty="0" smtClean="0">
@@ -16771,17 +17951,7 @@
                   </a:schemeClr>
                 </a:solidFill>
               </a:rPr>
-              <a:t> </a:t>
-            </a:r>
-            <a:r>
-              <a:rPr lang="en-US" dirty="0" smtClean="0">
-                <a:solidFill>
-                  <a:schemeClr val="accent1">
-                    <a:lumMod val="75000"/>
-                  </a:schemeClr>
-                </a:solidFill>
-              </a:rPr>
-              <a:t>– Matrix Indexing</a:t>
+              <a:t> – Matrix Indexing</a:t>
             </a:r>
             <a:endParaRPr lang="en-US" dirty="0">
               <a:solidFill>
@@ -16860,13 +18030,6 @@
               </a:rPr>
               <a:t>Indexing and Slicing</a:t>
             </a:r>
-            <a:endParaRPr lang="en-US" sz="2400" b="1" dirty="0" smtClean="0">
-              <a:solidFill>
-                <a:schemeClr val="accent5">
-                  <a:lumMod val="75000"/>
-                </a:schemeClr>
-              </a:solidFill>
-            </a:endParaRPr>
           </a:p>
         </p:txBody>
       </p:sp>
@@ -16894,11 +18057,7 @@
           <a:p>
             <a:r>
               <a:rPr lang="en-US" dirty="0" smtClean="0"/>
-              <a:t>matrix </a:t>
-            </a:r>
-            <a:r>
-              <a:rPr lang="en-US" dirty="0" smtClean="0"/>
-              <a:t>= </a:t>
+              <a:t>matrix = </a:t>
             </a:r>
             <a:r>
               <a:rPr lang="en-US" dirty="0" err="1" smtClean="0"/>
@@ -17047,7 +18206,6 @@
               <a:rPr lang="en-US" dirty="0" smtClean="0"/>
               <a:t>matrix[ 0, 1 ]</a:t>
             </a:r>
-            <a:endParaRPr lang="en-US" dirty="0" smtClean="0"/>
           </a:p>
         </p:txBody>
       </p:sp>
@@ -17231,15 +18389,7 @@
                   <a:srgbClr val="00B050"/>
                 </a:solidFill>
               </a:rPr>
-              <a:t>Value is: </a:t>
-            </a:r>
-            <a:r>
-              <a:rPr lang="en-US" sz="1200" dirty="0" smtClean="0">
-                <a:solidFill>
-                  <a:srgbClr val="00B050"/>
-                </a:solidFill>
-              </a:rPr>
-              <a:t>2</a:t>
+              <a:t>Value is: 2</a:t>
             </a:r>
             <a:endParaRPr lang="en-US" sz="1200" dirty="0">
               <a:solidFill>
@@ -17311,7 +18461,6 @@
               <a:rPr lang="en-US" dirty="0" smtClean="0"/>
               <a:t>matrix[ :, 1 ]</a:t>
             </a:r>
-            <a:endParaRPr lang="en-US" dirty="0" smtClean="0"/>
           </a:p>
         </p:txBody>
       </p:sp>
@@ -17495,15 +18644,7 @@
                   <a:srgbClr val="00B050"/>
                 </a:solidFill>
               </a:rPr>
-              <a:t>Value is: </a:t>
-            </a:r>
-            <a:r>
-              <a:rPr lang="en-US" sz="1200" dirty="0" smtClean="0">
-                <a:solidFill>
-                  <a:srgbClr val="00B050"/>
-                </a:solidFill>
-              </a:rPr>
-              <a:t>array( [ 2, 5, 8 ] ) </a:t>
+              <a:t>Value is: array( [ 2, 5, 8 ] ) </a:t>
             </a:r>
             <a:endParaRPr lang="en-US" sz="1200" dirty="0">
               <a:solidFill>
@@ -17575,7 +18716,6 @@
               <a:rPr lang="en-US" dirty="0" smtClean="0"/>
               <a:t>matrix[ 0, : ]</a:t>
             </a:r>
-            <a:endParaRPr lang="en-US" dirty="0" smtClean="0"/>
           </a:p>
         </p:txBody>
       </p:sp>
@@ -17759,15 +18899,7 @@
                   <a:srgbClr val="00B050"/>
                 </a:solidFill>
               </a:rPr>
-              <a:t>Value is: </a:t>
-            </a:r>
-            <a:r>
-              <a:rPr lang="en-US" sz="1200" dirty="0" smtClean="0">
-                <a:solidFill>
-                  <a:srgbClr val="00B050"/>
-                </a:solidFill>
-              </a:rPr>
-              <a:t>array( [ 1, 2, 3] ) </a:t>
+              <a:t>Value is: array( [ 1, 2, 3] ) </a:t>
             </a:r>
             <a:endParaRPr lang="en-US" sz="1200" dirty="0">
               <a:solidFill>
@@ -17839,7 +18971,6 @@
               <a:rPr lang="en-US" dirty="0" smtClean="0"/>
               <a:t>matrix[ 0:2, : ]</a:t>
             </a:r>
-            <a:endParaRPr lang="en-US" dirty="0" smtClean="0"/>
           </a:p>
         </p:txBody>
       </p:sp>
@@ -17963,15 +19094,7 @@
                   <a:srgbClr val="00B050"/>
                 </a:solidFill>
               </a:rPr>
-              <a:t>Value is: </a:t>
-            </a:r>
-            <a:r>
-              <a:rPr lang="en-US" sz="1200" dirty="0" smtClean="0">
-                <a:solidFill>
-                  <a:srgbClr val="00B050"/>
-                </a:solidFill>
-              </a:rPr>
-              <a:t>array( [ 1, 2 ],</a:t>
+              <a:t>Value is: array( [ 1, 2 ],</a:t>
             </a:r>
           </a:p>
           <a:p>
